--- a/de.tudarmstadt.maki.modeling.jvlc/instances/testgraphs.pptx
+++ b/de.tudarmstadt.maki.modeling.jvlc/instances/testgraphs.pptx
@@ -6299,6 +6299,12 @@
           <a:lstStyle/>
           <a:p>
             <a:r>
+              <a:rPr lang="en-US" smtClean="0"/>
+              <a:t>n=11, m=19*2=38</a:t>
+            </a:r>
+          </a:p>
+          <a:p>
+            <a:r>
               <a:rPr lang="en-US" dirty="0" smtClean="0"/>
               <a:t>A larger graph with context events</a:t>
             </a:r>

--- a/de.tudarmstadt.maki.modeling.jvlc/instances/testgraphs.pptx
+++ b/de.tudarmstadt.maki.modeling.jvlc/instances/testgraphs.pptx
@@ -6299,7 +6299,7 @@
           <a:lstStyle/>
           <a:p>
             <a:r>
-              <a:rPr lang="en-US" smtClean="0"/>
+              <a:rPr lang="en-US" dirty="0" smtClean="0"/>
               <a:t>n=11, m=19*2=38</a:t>
             </a:r>
           </a:p>
@@ -6312,7 +6312,11 @@
           <a:p>
             <a:r>
               <a:rPr lang="en-US" dirty="0" smtClean="0"/>
-              <a:t>Inactive links after first TC iteration (k=2.0): e1-3,e2-3,e2-4,e2-5,e3-11,e9-11</a:t>
+              <a:t>Inactive links after first TC iteration (k=2.0</a:t>
+            </a:r>
+            <a:r>
+              <a:rPr lang="en-US" smtClean="0"/>
+              <a:t>): e1-3,e2-3,e2-4,e2-5,e3-9,e3-11,e9-11</a:t>
             </a:r>
             <a:endParaRPr lang="en-US" dirty="0"/>
           </a:p>
@@ -6851,6 +6855,7 @@
               <a:solidFill>
                 <a:schemeClr val="tx1"/>
               </a:solidFill>
+              <a:prstDash val="sysDot"/>
             </a:ln>
           </p:spPr>
           <p:style>

--- a/de.tudarmstadt.maki.modeling.jvlc/instances/testgraphs.pptx
+++ b/de.tudarmstadt.maki.modeling.jvlc/instances/testgraphs.pptx
@@ -6312,11 +6312,7 @@
           <a:p>
             <a:r>
               <a:rPr lang="en-US" dirty="0" smtClean="0"/>
-              <a:t>Inactive links after first TC iteration (k=2.0</a:t>
-            </a:r>
-            <a:r>
-              <a:rPr lang="en-US" smtClean="0"/>
-              <a:t>): e1-3,e2-3,e2-4,e2-5,e3-9,e3-11,e9-11</a:t>
+              <a:t>Inactive links after first TC iteration (k=2.0): e1-3,e2-3,e2-4,e2-5,e3-9,e3-11,e9-11</a:t>
             </a:r>
             <a:endParaRPr lang="en-US" dirty="0"/>
           </a:p>
@@ -8344,6 +8340,17 @@
               <a:rPr lang="en-US" dirty="0" smtClean="0"/>
               <a:t>Add link e7-9 with distance 10, remove node 10 </a:t>
             </a:r>
+          </a:p>
+          <a:p>
+            <a:r>
+              <a:rPr lang="en-US" dirty="0" smtClean="0"/>
+              <a:t>n = 10, m = </a:t>
+            </a:r>
+            <a:r>
+              <a:rPr lang="en-US" smtClean="0"/>
+              <a:t>(19-3+1)*2=34</a:t>
+            </a:r>
+            <a:endParaRPr lang="en-US" dirty="0" smtClean="0"/>
           </a:p>
           <a:p>
             <a:r>

--- a/de.tudarmstadt.maki.modeling.jvlc/instances/testgraphs.pptx
+++ b/de.tudarmstadt.maki.modeling.jvlc/instances/testgraphs.pptx
@@ -8344,13 +8344,8 @@
           <a:p>
             <a:r>
               <a:rPr lang="en-US" dirty="0" smtClean="0"/>
-              <a:t>n = 10, m = </a:t>
-            </a:r>
-            <a:r>
-              <a:rPr lang="en-US" smtClean="0"/>
-              <a:t>(19-3+1)*2=34</a:t>
-            </a:r>
-            <a:endParaRPr lang="en-US" dirty="0" smtClean="0"/>
+              <a:t>n = 10, m = (19-3+1)*2=34</a:t>
+            </a:r>
           </a:p>
           <a:p>
             <a:r>
@@ -12028,7 +12023,7 @@
         <p:spPr>
           <a:xfrm>
             <a:off x="838200" y="1825625"/>
-            <a:ext cx="4157085" cy="4351338"/>
+            <a:ext cx="3674513" cy="4351338"/>
           </a:xfrm>
         </p:spPr>
         <p:txBody>
@@ -12050,7 +12045,22 @@
             </a:br>
             <a:r>
               <a:rPr lang="en-US" dirty="0" smtClean="0"/>
-              <a:t>d(e2-6) = 15, d(e2-5) = 15</a:t>
+              <a:t>d(e2-6) = 15</a:t>
+            </a:r>
+            <a:r>
+              <a:rPr lang="en-US" smtClean="0"/>
+              <a:t>, </a:t>
+            </a:r>
+            <a:br>
+              <a:rPr lang="en-US" smtClean="0"/>
+            </a:br>
+            <a:r>
+              <a:rPr lang="en-US" smtClean="0"/>
+              <a:t>d(e2-5</a:t>
+            </a:r>
+            <a:r>
+              <a:rPr lang="en-US" dirty="0" smtClean="0"/>
+              <a:t>) = 15</a:t>
             </a:r>
           </a:p>
           <a:p>
@@ -13889,6 +13899,10 @@
           <a:bodyPr/>
           <a:lstStyle/>
           <a:p>
+            <a:r>
+              <a:rPr lang="en-US" dirty="0" smtClean="0"/>
+              <a:t>New </a:t>
+            </a:r>
             <a:endParaRPr lang="en-US" dirty="0"/>
           </a:p>
         </p:txBody>

--- a/de.tudarmstadt.maki.modeling.jvlc/instances/testgraphs.pptx
+++ b/de.tudarmstadt.maki.modeling.jvlc/instances/testgraphs.pptx
@@ -12045,22 +12045,14 @@
             </a:br>
             <a:r>
               <a:rPr lang="en-US" dirty="0" smtClean="0"/>
-              <a:t>d(e2-6) = 15</a:t>
-            </a:r>
-            <a:r>
-              <a:rPr lang="en-US" smtClean="0"/>
-              <a:t>, </a:t>
+              <a:t>d(e2-6) = 15, </a:t>
             </a:r>
             <a:br>
-              <a:rPr lang="en-US" smtClean="0"/>
+              <a:rPr lang="en-US" dirty="0" smtClean="0"/>
             </a:br>
             <a:r>
-              <a:rPr lang="en-US" smtClean="0"/>
-              <a:t>d(e2-5</a:t>
-            </a:r>
-            <a:r>
               <a:rPr lang="en-US" dirty="0" smtClean="0"/>
-              <a:t>) = 15</a:t>
+              <a:t>d(e2-5) = 15</a:t>
             </a:r>
           </a:p>
           <a:p>

--- a/de.tudarmstadt.maki.modeling.jvlc/instances/testgraphs.pptx
+++ b/de.tudarmstadt.maki.modeling.jvlc/instances/testgraphs.pptx
@@ -8,13 +8,14 @@
     <p:sldId id="256" r:id="rId2"/>
     <p:sldId id="257" r:id="rId3"/>
     <p:sldId id="258" r:id="rId4"/>
-    <p:sldId id="261" r:id="rId5"/>
-    <p:sldId id="262" r:id="rId6"/>
-    <p:sldId id="264" r:id="rId7"/>
-    <p:sldId id="263" r:id="rId8"/>
-    <p:sldId id="265" r:id="rId9"/>
-    <p:sldId id="259" r:id="rId10"/>
-    <p:sldId id="260" r:id="rId11"/>
+    <p:sldId id="266" r:id="rId5"/>
+    <p:sldId id="261" r:id="rId6"/>
+    <p:sldId id="262" r:id="rId7"/>
+    <p:sldId id="264" r:id="rId8"/>
+    <p:sldId id="263" r:id="rId9"/>
+    <p:sldId id="265" r:id="rId10"/>
+    <p:sldId id="259" r:id="rId11"/>
+    <p:sldId id="260" r:id="rId12"/>
   </p:sldIdLst>
   <p:sldSz cx="12192000" cy="6858000"/>
   <p:notesSz cx="6858000" cy="9144000"/>
@@ -121,6 +122,7 @@
             <p14:sldId id="256"/>
             <p14:sldId id="257"/>
             <p14:sldId id="258"/>
+            <p14:sldId id="266"/>
             <p14:sldId id="261"/>
             <p14:sldId id="262"/>
             <p14:sldId id="264"/>
@@ -285,7 +287,7 @@
           <a:p>
             <a:fld id="{AA2F2A37-85DD-45B9-AC18-C6701B3AEA4C}" type="datetimeFigureOut">
               <a:rPr lang="en-US" smtClean="0"/>
-              <a:t>10/12/2015</a:t>
+              <a:t>10/18/2015</a:t>
             </a:fld>
             <a:endParaRPr lang="en-US"/>
           </a:p>
@@ -538,7 +540,7 @@
           <a:p>
             <a:fld id="{AA2F2A37-85DD-45B9-AC18-C6701B3AEA4C}" type="datetimeFigureOut">
               <a:rPr lang="en-US" smtClean="0"/>
-              <a:t>10/12/2015</a:t>
+              <a:t>10/18/2015</a:t>
             </a:fld>
             <a:endParaRPr lang="en-US"/>
           </a:p>
@@ -708,7 +710,7 @@
           <a:p>
             <a:fld id="{AA2F2A37-85DD-45B9-AC18-C6701B3AEA4C}" type="datetimeFigureOut">
               <a:rPr lang="en-US" smtClean="0"/>
-              <a:t>10/12/2015</a:t>
+              <a:t>10/18/2015</a:t>
             </a:fld>
             <a:endParaRPr lang="en-US"/>
           </a:p>
@@ -888,7 +890,7 @@
           <a:p>
             <a:fld id="{AA2F2A37-85DD-45B9-AC18-C6701B3AEA4C}" type="datetimeFigureOut">
               <a:rPr lang="en-US" smtClean="0"/>
-              <a:t>10/12/2015</a:t>
+              <a:t>10/18/2015</a:t>
             </a:fld>
             <a:endParaRPr lang="en-US"/>
           </a:p>
@@ -1058,7 +1060,7 @@
           <a:p>
             <a:fld id="{AA2F2A37-85DD-45B9-AC18-C6701B3AEA4C}" type="datetimeFigureOut">
               <a:rPr lang="en-US" smtClean="0"/>
-              <a:t>10/12/2015</a:t>
+              <a:t>10/18/2015</a:t>
             </a:fld>
             <a:endParaRPr lang="en-US"/>
           </a:p>
@@ -1247,7 +1249,7 @@
           <a:p>
             <a:fld id="{AA2F2A37-85DD-45B9-AC18-C6701B3AEA4C}" type="datetimeFigureOut">
               <a:rPr lang="en-US" smtClean="0"/>
-              <a:t>10/12/2015</a:t>
+              <a:t>10/18/2015</a:t>
             </a:fld>
             <a:endParaRPr lang="en-US"/>
           </a:p>
@@ -1500,7 +1502,7 @@
           <a:p>
             <a:fld id="{AA2F2A37-85DD-45B9-AC18-C6701B3AEA4C}" type="datetimeFigureOut">
               <a:rPr lang="en-US" smtClean="0"/>
-              <a:t>10/12/2015</a:t>
+              <a:t>10/18/2015</a:t>
             </a:fld>
             <a:endParaRPr lang="en-US"/>
           </a:p>
@@ -1732,7 +1734,7 @@
           <a:p>
             <a:fld id="{AA2F2A37-85DD-45B9-AC18-C6701B3AEA4C}" type="datetimeFigureOut">
               <a:rPr lang="en-US" smtClean="0"/>
-              <a:t>10/12/2015</a:t>
+              <a:t>10/18/2015</a:t>
             </a:fld>
             <a:endParaRPr lang="en-US"/>
           </a:p>
@@ -2099,7 +2101,7 @@
           <a:p>
             <a:fld id="{AA2F2A37-85DD-45B9-AC18-C6701B3AEA4C}" type="datetimeFigureOut">
               <a:rPr lang="en-US" smtClean="0"/>
-              <a:t>10/12/2015</a:t>
+              <a:t>10/18/2015</a:t>
             </a:fld>
             <a:endParaRPr lang="en-US"/>
           </a:p>
@@ -2217,7 +2219,7 @@
           <a:p>
             <a:fld id="{AA2F2A37-85DD-45B9-AC18-C6701B3AEA4C}" type="datetimeFigureOut">
               <a:rPr lang="en-US" smtClean="0"/>
-              <a:t>10/12/2015</a:t>
+              <a:t>10/18/2015</a:t>
             </a:fld>
             <a:endParaRPr lang="en-US"/>
           </a:p>
@@ -2319,7 +2321,7 @@
           <a:p>
             <a:fld id="{AA2F2A37-85DD-45B9-AC18-C6701B3AEA4C}" type="datetimeFigureOut">
               <a:rPr lang="en-US" smtClean="0"/>
-              <a:t>10/12/2015</a:t>
+              <a:t>10/18/2015</a:t>
             </a:fld>
             <a:endParaRPr lang="en-US"/>
           </a:p>
@@ -2596,7 +2598,7 @@
           <a:p>
             <a:fld id="{AA2F2A37-85DD-45B9-AC18-C6701B3AEA4C}" type="datetimeFigureOut">
               <a:rPr lang="en-US" smtClean="0"/>
-              <a:t>10/12/2015</a:t>
+              <a:t>10/18/2015</a:t>
             </a:fld>
             <a:endParaRPr lang="en-US"/>
           </a:p>
@@ -2809,7 +2811,7 @@
           <a:p>
             <a:fld id="{AA2F2A37-85DD-45B9-AC18-C6701B3AEA4C}" type="datetimeFigureOut">
               <a:rPr lang="en-US" smtClean="0"/>
-              <a:t>10/12/2015</a:t>
+              <a:t>10/18/2015</a:t>
             </a:fld>
             <a:endParaRPr lang="en-US"/>
           </a:p>
@@ -4044,6 +4046,707 @@
           <a:lstStyle/>
           <a:p>
             <a:r>
+              <a:rPr lang="en-US" smtClean="0"/>
+              <a:t>Testgraph E1</a:t>
+            </a:r>
+            <a:endParaRPr lang="en-US" dirty="0"/>
+          </a:p>
+        </p:txBody>
+      </p:sp>
+      <p:sp>
+        <p:nvSpPr>
+          <p:cNvPr id="3" name="Inhaltsplatzhalter 2"/>
+          <p:cNvSpPr>
+            <a:spLocks noGrp="1"/>
+          </p:cNvSpPr>
+          <p:nvPr>
+            <p:ph idx="1"/>
+          </p:nvPr>
+        </p:nvSpPr>
+        <p:spPr/>
+        <p:txBody>
+          <a:bodyPr/>
+          <a:lstStyle/>
+          <a:p>
+            <a:r>
+              <a:rPr lang="en-US" smtClean="0"/>
+              <a:t>Simple test case for e-ktc</a:t>
+            </a:r>
+          </a:p>
+          <a:p>
+            <a:r>
+              <a:rPr lang="en-US" smtClean="0"/>
+              <a:t>Cases (k=1.5)</a:t>
+            </a:r>
+          </a:p>
+          <a:p>
+            <a:pPr lvl="1"/>
+            <a:r>
+              <a:rPr lang="en-US" smtClean="0"/>
+              <a:t>e13-e12-e23 =&gt; I</a:t>
+            </a:r>
+          </a:p>
+          <a:p>
+            <a:pPr lvl="1"/>
+            <a:r>
+              <a:rPr lang="en-US" smtClean="0"/>
+              <a:t>e32-e21-e13 =&gt; A</a:t>
+            </a:r>
+          </a:p>
+          <a:p>
+            <a:pPr lvl="1"/>
+            <a:r>
+              <a:rPr lang="en-US" smtClean="0"/>
+              <a:t>e21-e23-e31 =&gt; A</a:t>
+            </a:r>
+          </a:p>
+          <a:p>
+            <a:pPr lvl="1"/>
+            <a:r>
+              <a:rPr lang="en-US" smtClean="0"/>
+              <a:t>e31-e32-e21 =&gt; A</a:t>
+            </a:r>
+          </a:p>
+          <a:p>
+            <a:pPr lvl="1"/>
+            <a:r>
+              <a:rPr lang="en-US" smtClean="0"/>
+              <a:t>e12-e13-e32 =&gt; A</a:t>
+            </a:r>
+          </a:p>
+          <a:p>
+            <a:pPr lvl="1"/>
+            <a:r>
+              <a:rPr lang="en-US" smtClean="0"/>
+              <a:t>e23-e21-e13 =&gt; A</a:t>
+            </a:r>
+            <a:endParaRPr lang="en-US" dirty="0" smtClean="0"/>
+          </a:p>
+        </p:txBody>
+      </p:sp>
+      <p:sp>
+        <p:nvSpPr>
+          <p:cNvPr id="4" name="Ellipse 3"/>
+          <p:cNvSpPr/>
+          <p:nvPr/>
+        </p:nvSpPr>
+        <p:spPr>
+          <a:xfrm>
+            <a:off x="7301925" y="2144069"/>
+            <a:ext cx="328474" cy="328474"/>
+          </a:xfrm>
+          <a:prstGeom prst="ellipse">
+            <a:avLst/>
+          </a:prstGeom>
+          <a:solidFill>
+            <a:schemeClr val="tx1"/>
+          </a:solidFill>
+        </p:spPr>
+        <p:style>
+          <a:lnRef idx="2">
+            <a:schemeClr val="accent1">
+              <a:shade val="50000"/>
+            </a:schemeClr>
+          </a:lnRef>
+          <a:fillRef idx="1">
+            <a:schemeClr val="accent1"/>
+          </a:fillRef>
+          <a:effectRef idx="0">
+            <a:schemeClr val="accent1"/>
+          </a:effectRef>
+          <a:fontRef idx="minor">
+            <a:schemeClr val="lt1"/>
+          </a:fontRef>
+        </p:style>
+        <p:txBody>
+          <a:bodyPr rtlCol="0" anchor="ctr"/>
+          <a:lstStyle/>
+          <a:p>
+            <a:pPr algn="ctr"/>
+            <a:r>
+              <a:rPr lang="en-US" dirty="0" smtClean="0"/>
+              <a:t>1</a:t>
+            </a:r>
+            <a:endParaRPr lang="en-US" dirty="0"/>
+          </a:p>
+        </p:txBody>
+      </p:sp>
+      <p:sp>
+        <p:nvSpPr>
+          <p:cNvPr id="5" name="Ellipse 4"/>
+          <p:cNvSpPr/>
+          <p:nvPr/>
+        </p:nvSpPr>
+        <p:spPr>
+          <a:xfrm>
+            <a:off x="8231819" y="845564"/>
+            <a:ext cx="328474" cy="328474"/>
+          </a:xfrm>
+          <a:prstGeom prst="ellipse">
+            <a:avLst/>
+          </a:prstGeom>
+          <a:solidFill>
+            <a:schemeClr val="tx1"/>
+          </a:solidFill>
+        </p:spPr>
+        <p:style>
+          <a:lnRef idx="2">
+            <a:schemeClr val="accent1">
+              <a:shade val="50000"/>
+            </a:schemeClr>
+          </a:lnRef>
+          <a:fillRef idx="1">
+            <a:schemeClr val="accent1"/>
+          </a:fillRef>
+          <a:effectRef idx="0">
+            <a:schemeClr val="accent1"/>
+          </a:effectRef>
+          <a:fontRef idx="minor">
+            <a:schemeClr val="lt1"/>
+          </a:fontRef>
+        </p:style>
+        <p:txBody>
+          <a:bodyPr rtlCol="0" anchor="ctr"/>
+          <a:lstStyle/>
+          <a:p>
+            <a:pPr algn="ctr"/>
+            <a:r>
+              <a:rPr lang="en-US" dirty="0"/>
+              <a:t>2</a:t>
+            </a:r>
+          </a:p>
+        </p:txBody>
+      </p:sp>
+      <p:sp>
+        <p:nvSpPr>
+          <p:cNvPr id="6" name="Ellipse 5"/>
+          <p:cNvSpPr/>
+          <p:nvPr/>
+        </p:nvSpPr>
+        <p:spPr>
+          <a:xfrm>
+            <a:off x="10150136" y="2192173"/>
+            <a:ext cx="328474" cy="328474"/>
+          </a:xfrm>
+          <a:prstGeom prst="ellipse">
+            <a:avLst/>
+          </a:prstGeom>
+          <a:solidFill>
+            <a:schemeClr val="tx1"/>
+          </a:solidFill>
+        </p:spPr>
+        <p:style>
+          <a:lnRef idx="2">
+            <a:schemeClr val="accent1">
+              <a:shade val="50000"/>
+            </a:schemeClr>
+          </a:lnRef>
+          <a:fillRef idx="1">
+            <a:schemeClr val="accent1"/>
+          </a:fillRef>
+          <a:effectRef idx="0">
+            <a:schemeClr val="accent1"/>
+          </a:effectRef>
+          <a:fontRef idx="minor">
+            <a:schemeClr val="lt1"/>
+          </a:fontRef>
+        </p:style>
+        <p:txBody>
+          <a:bodyPr rtlCol="0" anchor="ctr"/>
+          <a:lstStyle/>
+          <a:p>
+            <a:pPr algn="ctr"/>
+            <a:r>
+              <a:rPr lang="en-US" dirty="0" smtClean="0"/>
+              <a:t>3</a:t>
+            </a:r>
+            <a:endParaRPr lang="en-US" dirty="0"/>
+          </a:p>
+        </p:txBody>
+      </p:sp>
+      <p:cxnSp>
+        <p:nvCxnSpPr>
+          <p:cNvPr id="7" name="Gerader Verbinder 6"/>
+          <p:cNvCxnSpPr>
+            <a:stCxn id="4" idx="7"/>
+            <a:endCxn id="5" idx="3"/>
+          </p:cNvCxnSpPr>
+          <p:nvPr/>
+        </p:nvCxnSpPr>
+        <p:spPr>
+          <a:xfrm flipV="1">
+            <a:off x="7582295" y="1125934"/>
+            <a:ext cx="697628" cy="1066239"/>
+          </a:xfrm>
+          <a:prstGeom prst="line">
+            <a:avLst/>
+          </a:prstGeom>
+          <a:ln w="38100">
+            <a:solidFill>
+              <a:schemeClr val="tx1"/>
+            </a:solidFill>
+          </a:ln>
+        </p:spPr>
+        <p:style>
+          <a:lnRef idx="1">
+            <a:schemeClr val="accent1"/>
+          </a:lnRef>
+          <a:fillRef idx="0">
+            <a:schemeClr val="accent1"/>
+          </a:fillRef>
+          <a:effectRef idx="0">
+            <a:schemeClr val="accent1"/>
+          </a:effectRef>
+          <a:fontRef idx="minor">
+            <a:schemeClr val="tx1"/>
+          </a:fontRef>
+        </p:style>
+      </p:cxnSp>
+      <p:cxnSp>
+        <p:nvCxnSpPr>
+          <p:cNvPr id="8" name="Gerader Verbinder 7"/>
+          <p:cNvCxnSpPr>
+            <a:stCxn id="6" idx="1"/>
+            <a:endCxn id="5" idx="5"/>
+          </p:cNvCxnSpPr>
+          <p:nvPr/>
+        </p:nvCxnSpPr>
+        <p:spPr>
+          <a:xfrm flipH="1" flipV="1">
+            <a:off x="8512189" y="1125934"/>
+            <a:ext cx="1686051" cy="1114343"/>
+          </a:xfrm>
+          <a:prstGeom prst="line">
+            <a:avLst/>
+          </a:prstGeom>
+          <a:ln w="38100">
+            <a:solidFill>
+              <a:schemeClr val="tx1"/>
+            </a:solidFill>
+          </a:ln>
+        </p:spPr>
+        <p:style>
+          <a:lnRef idx="1">
+            <a:schemeClr val="accent1"/>
+          </a:lnRef>
+          <a:fillRef idx="0">
+            <a:schemeClr val="accent1"/>
+          </a:fillRef>
+          <a:effectRef idx="0">
+            <a:schemeClr val="accent1"/>
+          </a:effectRef>
+          <a:fontRef idx="minor">
+            <a:schemeClr val="tx1"/>
+          </a:fontRef>
+        </p:style>
+      </p:cxnSp>
+      <p:cxnSp>
+        <p:nvCxnSpPr>
+          <p:cNvPr id="9" name="Gerader Verbinder 8"/>
+          <p:cNvCxnSpPr>
+            <a:stCxn id="6" idx="2"/>
+            <a:endCxn id="4" idx="6"/>
+          </p:cNvCxnSpPr>
+          <p:nvPr/>
+        </p:nvCxnSpPr>
+        <p:spPr>
+          <a:xfrm flipH="1" flipV="1">
+            <a:off x="7630399" y="2308306"/>
+            <a:ext cx="2519737" cy="48104"/>
+          </a:xfrm>
+          <a:prstGeom prst="line">
+            <a:avLst/>
+          </a:prstGeom>
+          <a:ln w="38100">
+            <a:solidFill>
+              <a:schemeClr val="tx1"/>
+            </a:solidFill>
+          </a:ln>
+        </p:spPr>
+        <p:style>
+          <a:lnRef idx="1">
+            <a:schemeClr val="accent1"/>
+          </a:lnRef>
+          <a:fillRef idx="0">
+            <a:schemeClr val="accent1"/>
+          </a:fillRef>
+          <a:effectRef idx="0">
+            <a:schemeClr val="accent1"/>
+          </a:effectRef>
+          <a:fontRef idx="minor">
+            <a:schemeClr val="tx1"/>
+          </a:fontRef>
+        </p:style>
+      </p:cxnSp>
+      <p:sp>
+        <p:nvSpPr>
+          <p:cNvPr id="10" name="Textfeld 9"/>
+          <p:cNvSpPr txBox="1"/>
+          <p:nvPr/>
+        </p:nvSpPr>
+        <p:spPr>
+          <a:xfrm>
+            <a:off x="7543860" y="1390910"/>
+            <a:ext cx="301686" cy="369332"/>
+          </a:xfrm>
+          <a:prstGeom prst="rect">
+            <a:avLst/>
+          </a:prstGeom>
+          <a:noFill/>
+        </p:spPr>
+        <p:txBody>
+          <a:bodyPr wrap="none" rtlCol="0">
+            <a:spAutoFit/>
+          </a:bodyPr>
+          <a:lstStyle/>
+          <a:p>
+            <a:r>
+              <a:rPr lang="en-US" dirty="0" smtClean="0"/>
+              <a:t>5</a:t>
+            </a:r>
+            <a:endParaRPr lang="en-US" dirty="0"/>
+          </a:p>
+        </p:txBody>
+      </p:sp>
+      <p:sp>
+        <p:nvSpPr>
+          <p:cNvPr id="11" name="Textfeld 10"/>
+          <p:cNvSpPr txBox="1"/>
+          <p:nvPr/>
+        </p:nvSpPr>
+        <p:spPr>
+          <a:xfrm>
+            <a:off x="9355214" y="1342806"/>
+            <a:ext cx="418704" cy="369332"/>
+          </a:xfrm>
+          <a:prstGeom prst="rect">
+            <a:avLst/>
+          </a:prstGeom>
+          <a:noFill/>
+        </p:spPr>
+        <p:txBody>
+          <a:bodyPr wrap="none" rtlCol="0">
+            <a:spAutoFit/>
+          </a:bodyPr>
+          <a:lstStyle/>
+          <a:p>
+            <a:r>
+              <a:rPr lang="en-US" dirty="0"/>
+              <a:t>1</a:t>
+            </a:r>
+            <a:r>
+              <a:rPr lang="en-US" dirty="0" smtClean="0"/>
+              <a:t>5</a:t>
+            </a:r>
+            <a:endParaRPr lang="en-US" dirty="0"/>
+          </a:p>
+        </p:txBody>
+      </p:sp>
+      <p:sp>
+        <p:nvSpPr>
+          <p:cNvPr id="12" name="Textfeld 11"/>
+          <p:cNvSpPr txBox="1"/>
+          <p:nvPr/>
+        </p:nvSpPr>
+        <p:spPr>
+          <a:xfrm>
+            <a:off x="8681033" y="2335981"/>
+            <a:ext cx="418704" cy="369332"/>
+          </a:xfrm>
+          <a:prstGeom prst="rect">
+            <a:avLst/>
+          </a:prstGeom>
+          <a:noFill/>
+        </p:spPr>
+        <p:txBody>
+          <a:bodyPr wrap="none" rtlCol="0">
+            <a:spAutoFit/>
+          </a:bodyPr>
+          <a:lstStyle/>
+          <a:p>
+            <a:r>
+              <a:rPr lang="en-US" dirty="0" smtClean="0"/>
+              <a:t>10</a:t>
+            </a:r>
+            <a:endParaRPr lang="en-US" dirty="0"/>
+          </a:p>
+        </p:txBody>
+      </p:sp>
+      <p:sp>
+        <p:nvSpPr>
+          <p:cNvPr id="13" name="Textfeld 12"/>
+          <p:cNvSpPr txBox="1"/>
+          <p:nvPr/>
+        </p:nvSpPr>
+        <p:spPr>
+          <a:xfrm>
+            <a:off x="6956441" y="2469261"/>
+            <a:ext cx="699230" cy="369332"/>
+          </a:xfrm>
+          <a:prstGeom prst="rect">
+            <a:avLst/>
+          </a:prstGeom>
+          <a:noFill/>
+        </p:spPr>
+        <p:txBody>
+          <a:bodyPr wrap="none" rtlCol="0">
+            <a:spAutoFit/>
+          </a:bodyPr>
+          <a:lstStyle/>
+          <a:p>
+            <a:r>
+              <a:rPr lang="en-US" dirty="0" smtClean="0"/>
+              <a:t>w=10</a:t>
+            </a:r>
+            <a:endParaRPr lang="en-US" dirty="0"/>
+          </a:p>
+        </p:txBody>
+      </p:sp>
+      <p:sp>
+        <p:nvSpPr>
+          <p:cNvPr id="14" name="Textfeld 13"/>
+          <p:cNvSpPr txBox="1"/>
+          <p:nvPr/>
+        </p:nvSpPr>
+        <p:spPr>
+          <a:xfrm>
+            <a:off x="8046441" y="439783"/>
+            <a:ext cx="699230" cy="369332"/>
+          </a:xfrm>
+          <a:prstGeom prst="rect">
+            <a:avLst/>
+          </a:prstGeom>
+          <a:noFill/>
+        </p:spPr>
+        <p:txBody>
+          <a:bodyPr wrap="none" rtlCol="0">
+            <a:spAutoFit/>
+          </a:bodyPr>
+          <a:lstStyle/>
+          <a:p>
+            <a:r>
+              <a:rPr lang="en-US" dirty="0" smtClean="0"/>
+              <a:t>w=30</a:t>
+            </a:r>
+            <a:endParaRPr lang="en-US" dirty="0"/>
+          </a:p>
+        </p:txBody>
+      </p:sp>
+      <p:sp>
+        <p:nvSpPr>
+          <p:cNvPr id="15" name="Textfeld 14"/>
+          <p:cNvSpPr txBox="1"/>
+          <p:nvPr/>
+        </p:nvSpPr>
+        <p:spPr>
+          <a:xfrm>
+            <a:off x="10386454" y="2240277"/>
+            <a:ext cx="699230" cy="369332"/>
+          </a:xfrm>
+          <a:prstGeom prst="rect">
+            <a:avLst/>
+          </a:prstGeom>
+          <a:noFill/>
+        </p:spPr>
+        <p:txBody>
+          <a:bodyPr wrap="none" rtlCol="0">
+            <a:spAutoFit/>
+          </a:bodyPr>
+          <a:lstStyle/>
+          <a:p>
+            <a:r>
+              <a:rPr lang="en-US" dirty="0" smtClean="0"/>
+              <a:t>w=60</a:t>
+            </a:r>
+            <a:endParaRPr lang="en-US" dirty="0"/>
+          </a:p>
+        </p:txBody>
+      </p:sp>
+      <p:sp>
+        <p:nvSpPr>
+          <p:cNvPr id="16" name="Textfeld 15"/>
+          <p:cNvSpPr txBox="1"/>
+          <p:nvPr/>
+        </p:nvSpPr>
+        <p:spPr>
+          <a:xfrm>
+            <a:off x="6469508" y="952603"/>
+            <a:ext cx="1093569" cy="646331"/>
+          </a:xfrm>
+          <a:prstGeom prst="rect">
+            <a:avLst/>
+          </a:prstGeom>
+          <a:noFill/>
+        </p:spPr>
+        <p:txBody>
+          <a:bodyPr wrap="none" rtlCol="0">
+            <a:spAutoFit/>
+          </a:bodyPr>
+          <a:lstStyle/>
+          <a:p>
+            <a:r>
+              <a:rPr lang="en-US" dirty="0"/>
+              <a:t>r(e12) = 2</a:t>
+            </a:r>
+            <a:endParaRPr lang="en-US" dirty="0" smtClean="0"/>
+          </a:p>
+          <a:p>
+            <a:pPr marL="0" lvl="1"/>
+            <a:r>
+              <a:rPr lang="en-US" dirty="0"/>
+              <a:t>r(e21) = </a:t>
+            </a:r>
+            <a:r>
+              <a:rPr lang="en-US" dirty="0" smtClean="0"/>
+              <a:t>6</a:t>
+            </a:r>
+            <a:endParaRPr lang="en-US" dirty="0"/>
+          </a:p>
+        </p:txBody>
+      </p:sp>
+      <p:sp>
+        <p:nvSpPr>
+          <p:cNvPr id="17" name="Textfeld 16"/>
+          <p:cNvSpPr txBox="1"/>
+          <p:nvPr/>
+        </p:nvSpPr>
+        <p:spPr>
+          <a:xfrm>
+            <a:off x="8343482" y="2653927"/>
+            <a:ext cx="1093569" cy="646331"/>
+          </a:xfrm>
+          <a:prstGeom prst="rect">
+            <a:avLst/>
+          </a:prstGeom>
+          <a:noFill/>
+        </p:spPr>
+        <p:txBody>
+          <a:bodyPr wrap="none" rtlCol="0">
+            <a:spAutoFit/>
+          </a:bodyPr>
+          <a:lstStyle/>
+          <a:p>
+            <a:r>
+              <a:rPr lang="en-US" dirty="0"/>
+              <a:t>r(e13) = </a:t>
+            </a:r>
+            <a:r>
+              <a:rPr lang="en-US" dirty="0" smtClean="0"/>
+              <a:t>1</a:t>
+            </a:r>
+          </a:p>
+          <a:p>
+            <a:pPr marL="0" lvl="1"/>
+            <a:r>
+              <a:rPr lang="en-US" dirty="0"/>
+              <a:t>r(e31) = </a:t>
+            </a:r>
+            <a:r>
+              <a:rPr lang="en-US" dirty="0" smtClean="0"/>
+              <a:t>6</a:t>
+            </a:r>
+            <a:endParaRPr lang="en-US" dirty="0"/>
+          </a:p>
+        </p:txBody>
+      </p:sp>
+      <p:sp>
+        <p:nvSpPr>
+          <p:cNvPr id="18" name="Textfeld 17"/>
+          <p:cNvSpPr txBox="1"/>
+          <p:nvPr/>
+        </p:nvSpPr>
+        <p:spPr>
+          <a:xfrm>
+            <a:off x="9829580" y="974463"/>
+            <a:ext cx="1093569" cy="646331"/>
+          </a:xfrm>
+          <a:prstGeom prst="rect">
+            <a:avLst/>
+          </a:prstGeom>
+          <a:noFill/>
+        </p:spPr>
+        <p:txBody>
+          <a:bodyPr wrap="none" rtlCol="0">
+            <a:spAutoFit/>
+          </a:bodyPr>
+          <a:lstStyle/>
+          <a:p>
+            <a:r>
+              <a:rPr lang="en-US" dirty="0"/>
+              <a:t>r(e23) = </a:t>
+            </a:r>
+            <a:r>
+              <a:rPr lang="en-US" dirty="0" smtClean="0"/>
+              <a:t>2</a:t>
+            </a:r>
+          </a:p>
+          <a:p>
+            <a:pPr marL="0" lvl="1"/>
+            <a:r>
+              <a:rPr lang="en-US" dirty="0"/>
+              <a:t>r(e32) = </a:t>
+            </a:r>
+            <a:r>
+              <a:rPr lang="en-US" dirty="0" smtClean="0"/>
+              <a:t>4</a:t>
+            </a:r>
+            <a:endParaRPr lang="en-US" dirty="0"/>
+          </a:p>
+        </p:txBody>
+      </p:sp>
+    </p:spTree>
+    <p:extLst>
+      <p:ext uri="{BB962C8B-B14F-4D97-AF65-F5344CB8AC3E}">
+        <p14:creationId xmlns:p14="http://schemas.microsoft.com/office/powerpoint/2010/main" val="1795859511"/>
+      </p:ext>
+    </p:extLst>
+  </p:cSld>
+  <p:clrMapOvr>
+    <a:masterClrMapping/>
+  </p:clrMapOvr>
+  <p:timing>
+    <p:tnLst>
+      <p:par>
+        <p:cTn id="1" dur="indefinite" restart="never" nodeType="tmRoot"/>
+      </p:par>
+    </p:tnLst>
+  </p:timing>
+</p:sld>
+</file>
+
+<file path=ppt/slides/slide11.xml><?xml version="1.0" encoding="utf-8"?>
+<p:sld xmlns:a="http://schemas.openxmlformats.org/drawingml/2006/main" xmlns:r="http://schemas.openxmlformats.org/officeDocument/2006/relationships" xmlns:p="http://schemas.openxmlformats.org/presentationml/2006/main">
+  <p:cSld>
+    <p:spTree>
+      <p:nvGrpSpPr>
+        <p:cNvPr id="1" name=""/>
+        <p:cNvGrpSpPr/>
+        <p:nvPr/>
+      </p:nvGrpSpPr>
+      <p:grpSpPr>
+        <a:xfrm>
+          <a:off x="0" y="0"/>
+          <a:ext cx="0" cy="0"/>
+          <a:chOff x="0" y="0"/>
+          <a:chExt cx="0" cy="0"/>
+        </a:xfrm>
+      </p:grpSpPr>
+      <p:sp>
+        <p:nvSpPr>
+          <p:cNvPr id="2" name="Titel 1"/>
+          <p:cNvSpPr>
+            <a:spLocks noGrp="1"/>
+          </p:cNvSpPr>
+          <p:nvPr>
+            <p:ph type="title"/>
+          </p:nvPr>
+        </p:nvSpPr>
+        <p:spPr/>
+        <p:txBody>
+          <a:bodyPr/>
+          <a:lstStyle/>
+          <a:p>
+            <a:r>
               <a:rPr lang="en-US" dirty="0" err="1" smtClean="0"/>
               <a:t>Testgraph</a:t>
             </a:r>
@@ -6264,15 +6967,11 @@
             </a:r>
             <a:r>
               <a:rPr lang="en-US" dirty="0" smtClean="0"/>
-              <a:t> D4 – TC (</a:t>
-            </a:r>
-            <a:r>
-              <a:rPr lang="en-US" dirty="0" err="1" smtClean="0"/>
-              <a:t>i</a:t>
+              <a:t> D4 – </a:t>
             </a:r>
             <a:r>
               <a:rPr lang="en-US" dirty="0" smtClean="0"/>
-              <a:t>)</a:t>
+              <a:t>Initial</a:t>
             </a:r>
             <a:endParaRPr lang="en-US" dirty="0"/>
           </a:p>
@@ -6353,6 +7052,7 @@
               <a:solidFill>
                 <a:schemeClr val="tx1"/>
               </a:solidFill>
+              <a:prstDash val="sysDot"/>
             </a:ln>
           </p:spPr>
           <p:style>
@@ -6430,6 +7130,7 @@
               <a:solidFill>
                 <a:schemeClr val="tx1"/>
               </a:solidFill>
+              <a:prstDash val="sysDot"/>
             </a:ln>
           </p:spPr>
           <p:style>
@@ -6468,6 +7169,7 @@
               <a:solidFill>
                 <a:schemeClr val="tx1"/>
               </a:solidFill>
+              <a:prstDash val="sysDot"/>
             </a:ln>
           </p:spPr>
           <p:style>
@@ -6584,6 +7286,7 @@
               <a:solidFill>
                 <a:schemeClr val="tx1"/>
               </a:solidFill>
+              <a:prstDash val="sysDot"/>
             </a:ln>
           </p:spPr>
           <p:style>
@@ -6622,6 +7325,7 @@
               <a:solidFill>
                 <a:schemeClr val="tx1"/>
               </a:solidFill>
+              <a:prstDash val="sysDot"/>
             </a:ln>
           </p:spPr>
           <p:style>
@@ -6699,6 +7403,7 @@
               <a:solidFill>
                 <a:schemeClr val="tx1"/>
               </a:solidFill>
+              <a:prstDash val="sysDot"/>
             </a:ln>
           </p:spPr>
           <p:style>
@@ -6737,6 +7442,7 @@
               <a:solidFill>
                 <a:schemeClr val="tx1"/>
               </a:solidFill>
+              <a:prstDash val="sysDot"/>
             </a:ln>
           </p:spPr>
           <p:style>
@@ -6775,6 +7481,7 @@
               <a:solidFill>
                 <a:schemeClr val="tx1"/>
               </a:solidFill>
+              <a:prstDash val="sysDot"/>
             </a:ln>
           </p:spPr>
           <p:style>
@@ -6813,6 +7520,7 @@
               <a:solidFill>
                 <a:schemeClr val="tx1"/>
               </a:solidFill>
+              <a:prstDash val="sysDot"/>
             </a:ln>
           </p:spPr>
           <p:style>
@@ -7330,7 +8038,6 @@
                 <a:rPr lang="en-US" dirty="0"/>
                 <a:t>4</a:t>
               </a:r>
-              <a:endParaRPr lang="en-US" dirty="0"/>
             </a:p>
           </p:txBody>
         </p:sp>
@@ -8243,7 +8950,7 @@
     </p:spTree>
     <p:extLst>
       <p:ext uri="{BB962C8B-B14F-4D97-AF65-F5344CB8AC3E}">
-        <p14:creationId xmlns:p14="http://schemas.microsoft.com/office/powerpoint/2010/main" val="2529814087"/>
+        <p14:creationId xmlns:p14="http://schemas.microsoft.com/office/powerpoint/2010/main" val="3571401483"/>
       </p:ext>
     </p:extLst>
   </p:cSld>
@@ -8293,16 +9000,12 @@
           <a:lstStyle/>
           <a:p>
             <a:r>
-              <a:rPr lang="en-US" dirty="0" err="1"/>
+              <a:rPr lang="en-US" dirty="0" err="1" smtClean="0"/>
               <a:t>Testgraph</a:t>
             </a:r>
             <a:r>
-              <a:rPr lang="en-US" dirty="0"/>
-              <a:t> </a:t>
-            </a:r>
-            <a:r>
               <a:rPr lang="en-US" dirty="0" smtClean="0"/>
-              <a:t>D4 – CE (</a:t>
+              <a:t> D4 – TC (</a:t>
             </a:r>
             <a:r>
               <a:rPr lang="en-US" dirty="0" err="1" smtClean="0"/>
@@ -8329,7 +9032,7 @@
         <p:spPr>
           <a:xfrm>
             <a:off x="838200" y="1825625"/>
-            <a:ext cx="4146571" cy="4351338"/>
+            <a:ext cx="4631344" cy="4351338"/>
           </a:xfrm>
         </p:spPr>
         <p:txBody>
@@ -8338,19 +9041,11 @@
           <a:p>
             <a:r>
               <a:rPr lang="en-US" dirty="0" smtClean="0"/>
-              <a:t>Add link e7-9 with distance 10, remove node 10 </a:t>
-            </a:r>
-          </a:p>
-          <a:p>
+              <a:t>Inactive </a:t>
+            </a:r>
             <a:r>
               <a:rPr lang="en-US" dirty="0" smtClean="0"/>
-              <a:t>n = 10, m = (19-3+1)*2=34</a:t>
-            </a:r>
-          </a:p>
-          <a:p>
-            <a:r>
-              <a:rPr lang="en-US" dirty="0" smtClean="0"/>
-              <a:t>The following links should become unclassified due to context event handling for the removed node 10: e3-9,e3-11, e9-11</a:t>
+              <a:t>links after first TC iteration (k=2.0): e1-3,e2-3,e2-4,e2-5,e3-9,e3-11,e9-11</a:t>
             </a:r>
             <a:endParaRPr lang="en-US" dirty="0"/>
           </a:p>
@@ -8358,7 +9053,7 @@
       </p:sp>
       <p:grpSp>
         <p:nvGrpSpPr>
-          <p:cNvPr id="5" name="Kanten"/>
+          <p:cNvPr id="126" name="Kanten"/>
           <p:cNvGrpSpPr/>
           <p:nvPr/>
         </p:nvGrpSpPr>
@@ -8374,8 +9069,8 @@
           <p:nvCxnSpPr>
             <p:cNvPr id="6" name="Gerader Verbinder 5"/>
             <p:cNvCxnSpPr>
-              <a:stCxn id="26" idx="7"/>
-              <a:endCxn id="27" idx="3"/>
+              <a:stCxn id="4" idx="7"/>
+              <a:endCxn id="5" idx="3"/>
             </p:cNvCxnSpPr>
             <p:nvPr/>
           </p:nvCxnSpPr>
@@ -8383,275 +9078,6 @@
             <a:xfrm flipV="1">
               <a:off x="5461970" y="3940411"/>
               <a:ext cx="428373" cy="520893"/>
-            </a:xfrm>
-            <a:prstGeom prst="line">
-              <a:avLst/>
-            </a:prstGeom>
-            <a:ln w="38100">
-              <a:solidFill>
-                <a:schemeClr val="tx1"/>
-              </a:solidFill>
-            </a:ln>
-          </p:spPr>
-          <p:style>
-            <a:lnRef idx="1">
-              <a:schemeClr val="accent1"/>
-            </a:lnRef>
-            <a:fillRef idx="0">
-              <a:schemeClr val="accent1"/>
-            </a:fillRef>
-            <a:effectRef idx="0">
-              <a:schemeClr val="accent1"/>
-            </a:effectRef>
-            <a:fontRef idx="minor">
-              <a:schemeClr val="tx1"/>
-            </a:fontRef>
-          </p:style>
-        </p:cxnSp>
-        <p:cxnSp>
-          <p:nvCxnSpPr>
-            <p:cNvPr id="7" name="Gerader Verbinder 6"/>
-            <p:cNvCxnSpPr>
-              <a:stCxn id="27" idx="0"/>
-              <a:endCxn id="32" idx="3"/>
-            </p:cNvCxnSpPr>
-            <p:nvPr/>
-          </p:nvCxnSpPr>
-          <p:spPr>
-            <a:xfrm flipV="1">
-              <a:off x="6006476" y="950794"/>
-              <a:ext cx="665115" cy="2709247"/>
-            </a:xfrm>
-            <a:prstGeom prst="line">
-              <a:avLst/>
-            </a:prstGeom>
-            <a:ln w="38100">
-              <a:solidFill>
-                <a:schemeClr val="tx1"/>
-              </a:solidFill>
-              <a:prstDash val="sysDot"/>
-            </a:ln>
-          </p:spPr>
-          <p:style>
-            <a:lnRef idx="1">
-              <a:schemeClr val="accent1"/>
-            </a:lnRef>
-            <a:fillRef idx="0">
-              <a:schemeClr val="accent1"/>
-            </a:fillRef>
-            <a:effectRef idx="0">
-              <a:schemeClr val="accent1"/>
-            </a:effectRef>
-            <a:fontRef idx="minor">
-              <a:schemeClr val="tx1"/>
-            </a:fontRef>
-          </p:style>
-        </p:cxnSp>
-        <p:cxnSp>
-          <p:nvCxnSpPr>
-            <p:cNvPr id="8" name="Gerader Verbinder 7"/>
-            <p:cNvCxnSpPr>
-              <a:stCxn id="32" idx="6"/>
-              <a:endCxn id="31" idx="1"/>
-            </p:cNvCxnSpPr>
-            <p:nvPr/>
-          </p:nvCxnSpPr>
-          <p:spPr>
-            <a:xfrm>
-              <a:off x="6951961" y="834661"/>
-              <a:ext cx="1085648" cy="1198356"/>
-            </a:xfrm>
-            <a:prstGeom prst="line">
-              <a:avLst/>
-            </a:prstGeom>
-            <a:ln w="38100">
-              <a:solidFill>
-                <a:schemeClr val="tx1"/>
-              </a:solidFill>
-            </a:ln>
-          </p:spPr>
-          <p:style>
-            <a:lnRef idx="1">
-              <a:schemeClr val="accent1"/>
-            </a:lnRef>
-            <a:fillRef idx="0">
-              <a:schemeClr val="accent1"/>
-            </a:fillRef>
-            <a:effectRef idx="0">
-              <a:schemeClr val="accent1"/>
-            </a:effectRef>
-            <a:fontRef idx="minor">
-              <a:schemeClr val="tx1"/>
-            </a:fontRef>
-          </p:style>
-        </p:cxnSp>
-        <p:cxnSp>
-          <p:nvCxnSpPr>
-            <p:cNvPr id="9" name="Gerader Verbinder 8"/>
-            <p:cNvCxnSpPr>
-              <a:stCxn id="31" idx="3"/>
-              <a:endCxn id="30" idx="0"/>
-            </p:cNvCxnSpPr>
-            <p:nvPr/>
-          </p:nvCxnSpPr>
-          <p:spPr>
-            <a:xfrm flipH="1">
-              <a:off x="7400831" y="2265283"/>
-              <a:ext cx="636778" cy="1249378"/>
-            </a:xfrm>
-            <a:prstGeom prst="line">
-              <a:avLst/>
-            </a:prstGeom>
-            <a:ln w="38100">
-              <a:solidFill>
-                <a:schemeClr val="tx1"/>
-              </a:solidFill>
-            </a:ln>
-          </p:spPr>
-          <p:style>
-            <a:lnRef idx="1">
-              <a:schemeClr val="accent1"/>
-            </a:lnRef>
-            <a:fillRef idx="0">
-              <a:schemeClr val="accent1"/>
-            </a:fillRef>
-            <a:effectRef idx="0">
-              <a:schemeClr val="accent1"/>
-            </a:effectRef>
-            <a:fontRef idx="minor">
-              <a:schemeClr val="tx1"/>
-            </a:fontRef>
-          </p:style>
-        </p:cxnSp>
-        <p:cxnSp>
-          <p:nvCxnSpPr>
-            <p:cNvPr id="10" name="Gerader Verbinder 9"/>
-            <p:cNvCxnSpPr>
-              <a:stCxn id="31" idx="2"/>
-              <a:endCxn id="27" idx="7"/>
-            </p:cNvCxnSpPr>
-            <p:nvPr/>
-          </p:nvCxnSpPr>
-          <p:spPr>
-            <a:xfrm flipH="1">
-              <a:off x="6122609" y="2149150"/>
-              <a:ext cx="1866896" cy="1558995"/>
-            </a:xfrm>
-            <a:prstGeom prst="line">
-              <a:avLst/>
-            </a:prstGeom>
-            <a:ln w="38100">
-              <a:solidFill>
-                <a:schemeClr val="tx1"/>
-              </a:solidFill>
-              <a:prstDash val="sysDot"/>
-            </a:ln>
-          </p:spPr>
-          <p:style>
-            <a:lnRef idx="1">
-              <a:schemeClr val="accent1"/>
-            </a:lnRef>
-            <a:fillRef idx="0">
-              <a:schemeClr val="accent1"/>
-            </a:fillRef>
-            <a:effectRef idx="0">
-              <a:schemeClr val="accent1"/>
-            </a:effectRef>
-            <a:fontRef idx="minor">
-              <a:schemeClr val="tx1"/>
-            </a:fontRef>
-          </p:style>
-        </p:cxnSp>
-        <p:cxnSp>
-          <p:nvCxnSpPr>
-            <p:cNvPr id="11" name="Gerader Verbinder 10"/>
-            <p:cNvCxnSpPr>
-              <a:stCxn id="27" idx="6"/>
-              <a:endCxn id="30" idx="3"/>
-            </p:cNvCxnSpPr>
-            <p:nvPr/>
-          </p:nvCxnSpPr>
-          <p:spPr>
-            <a:xfrm flipV="1">
-              <a:off x="6170713" y="3795031"/>
-              <a:ext cx="1113985" cy="29247"/>
-            </a:xfrm>
-            <a:prstGeom prst="line">
-              <a:avLst/>
-            </a:prstGeom>
-            <a:ln w="38100">
-              <a:solidFill>
-                <a:schemeClr val="tx1"/>
-              </a:solidFill>
-              <a:prstDash val="sysDot"/>
-            </a:ln>
-          </p:spPr>
-          <p:style>
-            <a:lnRef idx="1">
-              <a:schemeClr val="accent1"/>
-            </a:lnRef>
-            <a:fillRef idx="0">
-              <a:schemeClr val="accent1"/>
-            </a:fillRef>
-            <a:effectRef idx="0">
-              <a:schemeClr val="accent1"/>
-            </a:effectRef>
-            <a:fontRef idx="minor">
-              <a:schemeClr val="tx1"/>
-            </a:fontRef>
-          </p:style>
-        </p:cxnSp>
-        <p:cxnSp>
-          <p:nvCxnSpPr>
-            <p:cNvPr id="12" name="Gerader Verbinder 11"/>
-            <p:cNvCxnSpPr>
-              <a:stCxn id="28" idx="7"/>
-              <a:endCxn id="30" idx="3"/>
-            </p:cNvCxnSpPr>
-            <p:nvPr/>
-          </p:nvCxnSpPr>
-          <p:spPr>
-            <a:xfrm flipV="1">
-              <a:off x="6711889" y="3795031"/>
-              <a:ext cx="572809" cy="622934"/>
-            </a:xfrm>
-            <a:prstGeom prst="line">
-              <a:avLst/>
-            </a:prstGeom>
-            <a:ln w="38100">
-              <a:solidFill>
-                <a:schemeClr val="tx1"/>
-              </a:solidFill>
-            </a:ln>
-          </p:spPr>
-          <p:style>
-            <a:lnRef idx="1">
-              <a:schemeClr val="accent1"/>
-            </a:lnRef>
-            <a:fillRef idx="0">
-              <a:schemeClr val="accent1"/>
-            </a:fillRef>
-            <a:effectRef idx="0">
-              <a:schemeClr val="accent1"/>
-            </a:effectRef>
-            <a:fontRef idx="minor">
-              <a:schemeClr val="tx1"/>
-            </a:fontRef>
-          </p:style>
-        </p:cxnSp>
-        <p:cxnSp>
-          <p:nvCxnSpPr>
-            <p:cNvPr id="13" name="Gerader Verbinder 12"/>
-            <p:cNvCxnSpPr>
-              <a:stCxn id="27" idx="5"/>
-              <a:endCxn id="28" idx="1"/>
-            </p:cNvCxnSpPr>
-            <p:nvPr/>
-          </p:nvCxnSpPr>
-          <p:spPr>
-            <a:xfrm>
-              <a:off x="6122609" y="3940411"/>
-              <a:ext cx="357014" cy="477554"/>
             </a:xfrm>
             <a:prstGeom prst="line">
               <a:avLst/>
@@ -8681,15 +9107,15 @@
           <p:nvCxnSpPr>
             <p:cNvPr id="14" name="Gerader Verbinder 13"/>
             <p:cNvCxnSpPr>
-              <a:stCxn id="28" idx="2"/>
-              <a:endCxn id="26" idx="6"/>
+              <a:stCxn id="5" idx="0"/>
+              <a:endCxn id="13" idx="3"/>
             </p:cNvCxnSpPr>
             <p:nvPr/>
           </p:nvCxnSpPr>
           <p:spPr>
-            <a:xfrm flipH="1">
-              <a:off x="5510074" y="4534098"/>
-              <a:ext cx="921445" cy="43339"/>
+            <a:xfrm flipV="1">
+              <a:off x="6006476" y="950794"/>
+              <a:ext cx="665115" cy="2709247"/>
             </a:xfrm>
             <a:prstGeom prst="line">
               <a:avLst/>
@@ -8699,82 +9125,6 @@
                 <a:schemeClr val="tx1"/>
               </a:solidFill>
               <a:prstDash val="sysDot"/>
-            </a:ln>
-          </p:spPr>
-          <p:style>
-            <a:lnRef idx="1">
-              <a:schemeClr val="accent1"/>
-            </a:lnRef>
-            <a:fillRef idx="0">
-              <a:schemeClr val="accent1"/>
-            </a:fillRef>
-            <a:effectRef idx="0">
-              <a:schemeClr val="accent1"/>
-            </a:effectRef>
-            <a:fontRef idx="minor">
-              <a:schemeClr val="tx1"/>
-            </a:fontRef>
-          </p:style>
-        </p:cxnSp>
-        <p:cxnSp>
-          <p:nvCxnSpPr>
-            <p:cNvPr id="15" name="Gerader Verbinder 14"/>
-            <p:cNvCxnSpPr>
-              <a:stCxn id="29" idx="1"/>
-              <a:endCxn id="26" idx="5"/>
-            </p:cNvCxnSpPr>
-            <p:nvPr/>
-          </p:nvCxnSpPr>
-          <p:spPr>
-            <a:xfrm flipH="1" flipV="1">
-              <a:off x="5461970" y="4693570"/>
-              <a:ext cx="428373" cy="474855"/>
-            </a:xfrm>
-            <a:prstGeom prst="line">
-              <a:avLst/>
-            </a:prstGeom>
-            <a:ln w="38100">
-              <a:solidFill>
-                <a:schemeClr val="tx1"/>
-              </a:solidFill>
-            </a:ln>
-          </p:spPr>
-          <p:style>
-            <a:lnRef idx="1">
-              <a:schemeClr val="accent1"/>
-            </a:lnRef>
-            <a:fillRef idx="0">
-              <a:schemeClr val="accent1"/>
-            </a:fillRef>
-            <a:effectRef idx="0">
-              <a:schemeClr val="accent1"/>
-            </a:effectRef>
-            <a:fontRef idx="minor">
-              <a:schemeClr val="tx1"/>
-            </a:fontRef>
-          </p:style>
-        </p:cxnSp>
-        <p:cxnSp>
-          <p:nvCxnSpPr>
-            <p:cNvPr id="16" name="Gerader Verbinder 15"/>
-            <p:cNvCxnSpPr>
-              <a:stCxn id="29" idx="0"/>
-              <a:endCxn id="28" idx="3"/>
-            </p:cNvCxnSpPr>
-            <p:nvPr/>
-          </p:nvCxnSpPr>
-          <p:spPr>
-            <a:xfrm flipV="1">
-              <a:off x="6006476" y="4650231"/>
-              <a:ext cx="473147" cy="470090"/>
-            </a:xfrm>
-            <a:prstGeom prst="line">
-              <a:avLst/>
-            </a:prstGeom>
-            <a:ln w="38100">
-              <a:solidFill>
-                <a:schemeClr val="tx1"/>
-              </a:solidFill>
             </a:ln>
           </p:spPr>
           <p:style>
@@ -8796,15 +9146,15 @@
           <p:nvCxnSpPr>
             <p:cNvPr id="17" name="Gerader Verbinder 16"/>
             <p:cNvCxnSpPr>
-              <a:stCxn id="29" idx="4"/>
-              <a:endCxn id="33" idx="1"/>
+              <a:stCxn id="13" idx="6"/>
+              <a:endCxn id="12" idx="1"/>
             </p:cNvCxnSpPr>
             <p:nvPr/>
           </p:nvCxnSpPr>
           <p:spPr>
             <a:xfrm>
-              <a:off x="6006476" y="5448795"/>
-              <a:ext cx="525156" cy="659084"/>
+              <a:off x="6951961" y="834661"/>
+              <a:ext cx="1085648" cy="1198356"/>
             </a:xfrm>
             <a:prstGeom prst="line">
               <a:avLst/>
@@ -8813,83 +9163,6 @@
               <a:solidFill>
                 <a:schemeClr val="tx1"/>
               </a:solidFill>
-            </a:ln>
-          </p:spPr>
-          <p:style>
-            <a:lnRef idx="1">
-              <a:schemeClr val="accent1"/>
-            </a:lnRef>
-            <a:fillRef idx="0">
-              <a:schemeClr val="accent1"/>
-            </a:fillRef>
-            <a:effectRef idx="0">
-              <a:schemeClr val="accent1"/>
-            </a:effectRef>
-            <a:fontRef idx="minor">
-              <a:schemeClr val="tx1"/>
-            </a:fontRef>
-          </p:style>
-        </p:cxnSp>
-        <p:cxnSp>
-          <p:nvCxnSpPr>
-            <p:cNvPr id="18" name="Gerader Verbinder 17"/>
-            <p:cNvCxnSpPr>
-              <a:stCxn id="34" idx="3"/>
-              <a:endCxn id="33" idx="6"/>
-            </p:cNvCxnSpPr>
-            <p:nvPr/>
-          </p:nvCxnSpPr>
-          <p:spPr>
-            <a:xfrm flipH="1">
-              <a:off x="6812002" y="6011671"/>
-              <a:ext cx="886311" cy="212341"/>
-            </a:xfrm>
-            <a:prstGeom prst="line">
-              <a:avLst/>
-            </a:prstGeom>
-            <a:ln w="38100">
-              <a:solidFill>
-                <a:schemeClr val="tx1"/>
-              </a:solidFill>
-            </a:ln>
-          </p:spPr>
-          <p:style>
-            <a:lnRef idx="1">
-              <a:schemeClr val="accent1"/>
-            </a:lnRef>
-            <a:fillRef idx="0">
-              <a:schemeClr val="accent1"/>
-            </a:fillRef>
-            <a:effectRef idx="0">
-              <a:schemeClr val="accent1"/>
-            </a:effectRef>
-            <a:fontRef idx="minor">
-              <a:schemeClr val="tx1"/>
-            </a:fontRef>
-          </p:style>
-        </p:cxnSp>
-        <p:cxnSp>
-          <p:nvCxnSpPr>
-            <p:cNvPr id="19" name="Gerader Verbinder 18"/>
-            <p:cNvCxnSpPr>
-              <a:stCxn id="34" idx="1"/>
-              <a:endCxn id="28" idx="5"/>
-            </p:cNvCxnSpPr>
-            <p:nvPr/>
-          </p:nvCxnSpPr>
-          <p:spPr>
-            <a:xfrm flipH="1" flipV="1">
-              <a:off x="6711889" y="4650231"/>
-              <a:ext cx="986424" cy="1129174"/>
-            </a:xfrm>
-            <a:prstGeom prst="line">
-              <a:avLst/>
-            </a:prstGeom>
-            <a:ln w="38100">
-              <a:solidFill>
-                <a:schemeClr val="tx1"/>
-              </a:solidFill>
-              <a:prstDash val="dash"/>
             </a:ln>
           </p:spPr>
           <p:style>
@@ -8911,15 +9184,15 @@
           <p:nvCxnSpPr>
             <p:cNvPr id="20" name="Gerader Verbinder 19"/>
             <p:cNvCxnSpPr>
-              <a:stCxn id="36" idx="2"/>
-              <a:endCxn id="28" idx="6"/>
+              <a:stCxn id="12" idx="3"/>
+              <a:endCxn id="11" idx="0"/>
             </p:cNvCxnSpPr>
             <p:nvPr/>
           </p:nvCxnSpPr>
           <p:spPr>
             <a:xfrm flipH="1">
-              <a:off x="6759993" y="4007372"/>
-              <a:ext cx="2181777" cy="526726"/>
+              <a:off x="7400831" y="2265283"/>
+              <a:ext cx="636778" cy="1249378"/>
             </a:xfrm>
             <a:prstGeom prst="line">
               <a:avLst/>
@@ -8928,7 +9201,6 @@
               <a:solidFill>
                 <a:schemeClr val="tx1"/>
               </a:solidFill>
-              <a:prstDash val="dash"/>
             </a:ln>
           </p:spPr>
           <p:style>
@@ -8948,17 +9220,17 @@
         </p:cxnSp>
         <p:cxnSp>
           <p:nvCxnSpPr>
-            <p:cNvPr id="21" name="Gerader Verbinder 20"/>
+            <p:cNvPr id="23" name="Gerader Verbinder 22"/>
             <p:cNvCxnSpPr>
-              <a:stCxn id="36" idx="4"/>
-              <a:endCxn id="34" idx="7"/>
+              <a:stCxn id="12" idx="2"/>
+              <a:endCxn id="5" idx="7"/>
             </p:cNvCxnSpPr>
             <p:nvPr/>
           </p:nvCxnSpPr>
           <p:spPr>
             <a:xfrm flipH="1">
-              <a:off x="7930579" y="4171609"/>
-              <a:ext cx="1175428" cy="1607796"/>
+              <a:off x="6122609" y="2149150"/>
+              <a:ext cx="1866896" cy="1558995"/>
             </a:xfrm>
             <a:prstGeom prst="line">
               <a:avLst/>
@@ -8967,7 +9239,7 @@
               <a:solidFill>
                 <a:schemeClr val="tx1"/>
               </a:solidFill>
-              <a:prstDash val="dash"/>
+              <a:prstDash val="sysDot"/>
             </a:ln>
           </p:spPr>
           <p:style>
@@ -8987,17 +9259,17 @@
         </p:cxnSp>
         <p:cxnSp>
           <p:nvCxnSpPr>
-            <p:cNvPr id="57" name="Gerader Verbinder 56"/>
+            <p:cNvPr id="26" name="Gerader Verbinder 25"/>
             <p:cNvCxnSpPr>
-              <a:stCxn id="29" idx="6"/>
-              <a:endCxn id="34" idx="2"/>
+              <a:stCxn id="5" idx="6"/>
+              <a:endCxn id="11" idx="3"/>
             </p:cNvCxnSpPr>
             <p:nvPr/>
           </p:nvCxnSpPr>
           <p:spPr>
-            <a:xfrm>
-              <a:off x="6170713" y="5284558"/>
-              <a:ext cx="1479496" cy="610980"/>
+            <a:xfrm flipV="1">
+              <a:off x="6170713" y="3795031"/>
+              <a:ext cx="1113985" cy="29247"/>
             </a:xfrm>
             <a:prstGeom prst="line">
               <a:avLst/>
@@ -9006,7 +9278,504 @@
               <a:solidFill>
                 <a:schemeClr val="tx1"/>
               </a:solidFill>
-              <a:prstDash val="dash"/>
+              <a:prstDash val="sysDot"/>
+            </a:ln>
+          </p:spPr>
+          <p:style>
+            <a:lnRef idx="1">
+              <a:schemeClr val="accent1"/>
+            </a:lnRef>
+            <a:fillRef idx="0">
+              <a:schemeClr val="accent1"/>
+            </a:fillRef>
+            <a:effectRef idx="0">
+              <a:schemeClr val="accent1"/>
+            </a:effectRef>
+            <a:fontRef idx="minor">
+              <a:schemeClr val="tx1"/>
+            </a:fontRef>
+          </p:style>
+        </p:cxnSp>
+        <p:cxnSp>
+          <p:nvCxnSpPr>
+            <p:cNvPr id="29" name="Gerader Verbinder 28"/>
+            <p:cNvCxnSpPr>
+              <a:stCxn id="9" idx="7"/>
+              <a:endCxn id="11" idx="3"/>
+            </p:cNvCxnSpPr>
+            <p:nvPr/>
+          </p:nvCxnSpPr>
+          <p:spPr>
+            <a:xfrm flipV="1">
+              <a:off x="6711889" y="3795031"/>
+              <a:ext cx="572809" cy="622934"/>
+            </a:xfrm>
+            <a:prstGeom prst="line">
+              <a:avLst/>
+            </a:prstGeom>
+            <a:ln w="38100">
+              <a:solidFill>
+                <a:schemeClr val="tx1"/>
+              </a:solidFill>
+            </a:ln>
+          </p:spPr>
+          <p:style>
+            <a:lnRef idx="1">
+              <a:schemeClr val="accent1"/>
+            </a:lnRef>
+            <a:fillRef idx="0">
+              <a:schemeClr val="accent1"/>
+            </a:fillRef>
+            <a:effectRef idx="0">
+              <a:schemeClr val="accent1"/>
+            </a:effectRef>
+            <a:fontRef idx="minor">
+              <a:schemeClr val="tx1"/>
+            </a:fontRef>
+          </p:style>
+        </p:cxnSp>
+        <p:cxnSp>
+          <p:nvCxnSpPr>
+            <p:cNvPr id="32" name="Gerader Verbinder 31"/>
+            <p:cNvCxnSpPr>
+              <a:stCxn id="5" idx="5"/>
+              <a:endCxn id="9" idx="1"/>
+            </p:cNvCxnSpPr>
+            <p:nvPr/>
+          </p:nvCxnSpPr>
+          <p:spPr>
+            <a:xfrm>
+              <a:off x="6122609" y="3940411"/>
+              <a:ext cx="357014" cy="477554"/>
+            </a:xfrm>
+            <a:prstGeom prst="line">
+              <a:avLst/>
+            </a:prstGeom>
+            <a:ln w="38100">
+              <a:solidFill>
+                <a:schemeClr val="tx1"/>
+              </a:solidFill>
+            </a:ln>
+          </p:spPr>
+          <p:style>
+            <a:lnRef idx="1">
+              <a:schemeClr val="accent1"/>
+            </a:lnRef>
+            <a:fillRef idx="0">
+              <a:schemeClr val="accent1"/>
+            </a:fillRef>
+            <a:effectRef idx="0">
+              <a:schemeClr val="accent1"/>
+            </a:effectRef>
+            <a:fontRef idx="minor">
+              <a:schemeClr val="tx1"/>
+            </a:fontRef>
+          </p:style>
+        </p:cxnSp>
+        <p:cxnSp>
+          <p:nvCxnSpPr>
+            <p:cNvPr id="35" name="Gerader Verbinder 34"/>
+            <p:cNvCxnSpPr>
+              <a:stCxn id="9" idx="2"/>
+              <a:endCxn id="4" idx="6"/>
+            </p:cNvCxnSpPr>
+            <p:nvPr/>
+          </p:nvCxnSpPr>
+          <p:spPr>
+            <a:xfrm flipH="1">
+              <a:off x="5510074" y="4534098"/>
+              <a:ext cx="921445" cy="43339"/>
+            </a:xfrm>
+            <a:prstGeom prst="line">
+              <a:avLst/>
+            </a:prstGeom>
+            <a:ln w="38100">
+              <a:solidFill>
+                <a:schemeClr val="tx1"/>
+              </a:solidFill>
+              <a:prstDash val="sysDot"/>
+            </a:ln>
+          </p:spPr>
+          <p:style>
+            <a:lnRef idx="1">
+              <a:schemeClr val="accent1"/>
+            </a:lnRef>
+            <a:fillRef idx="0">
+              <a:schemeClr val="accent1"/>
+            </a:fillRef>
+            <a:effectRef idx="0">
+              <a:schemeClr val="accent1"/>
+            </a:effectRef>
+            <a:fontRef idx="minor">
+              <a:schemeClr val="tx1"/>
+            </a:fontRef>
+          </p:style>
+        </p:cxnSp>
+        <p:cxnSp>
+          <p:nvCxnSpPr>
+            <p:cNvPr id="38" name="Gerader Verbinder 37"/>
+            <p:cNvCxnSpPr>
+              <a:stCxn id="10" idx="1"/>
+              <a:endCxn id="4" idx="5"/>
+            </p:cNvCxnSpPr>
+            <p:nvPr/>
+          </p:nvCxnSpPr>
+          <p:spPr>
+            <a:xfrm flipH="1" flipV="1">
+              <a:off x="5461970" y="4693570"/>
+              <a:ext cx="428373" cy="474855"/>
+            </a:xfrm>
+            <a:prstGeom prst="line">
+              <a:avLst/>
+            </a:prstGeom>
+            <a:ln w="38100">
+              <a:solidFill>
+                <a:schemeClr val="tx1"/>
+              </a:solidFill>
+            </a:ln>
+          </p:spPr>
+          <p:style>
+            <a:lnRef idx="1">
+              <a:schemeClr val="accent1"/>
+            </a:lnRef>
+            <a:fillRef idx="0">
+              <a:schemeClr val="accent1"/>
+            </a:fillRef>
+            <a:effectRef idx="0">
+              <a:schemeClr val="accent1"/>
+            </a:effectRef>
+            <a:fontRef idx="minor">
+              <a:schemeClr val="tx1"/>
+            </a:fontRef>
+          </p:style>
+        </p:cxnSp>
+        <p:cxnSp>
+          <p:nvCxnSpPr>
+            <p:cNvPr id="41" name="Gerader Verbinder 40"/>
+            <p:cNvCxnSpPr>
+              <a:stCxn id="10" idx="0"/>
+              <a:endCxn id="9" idx="3"/>
+            </p:cNvCxnSpPr>
+            <p:nvPr/>
+          </p:nvCxnSpPr>
+          <p:spPr>
+            <a:xfrm flipV="1">
+              <a:off x="6006476" y="4650231"/>
+              <a:ext cx="473147" cy="470090"/>
+            </a:xfrm>
+            <a:prstGeom prst="line">
+              <a:avLst/>
+            </a:prstGeom>
+            <a:ln w="38100">
+              <a:solidFill>
+                <a:schemeClr val="tx1"/>
+              </a:solidFill>
+            </a:ln>
+          </p:spPr>
+          <p:style>
+            <a:lnRef idx="1">
+              <a:schemeClr val="accent1"/>
+            </a:lnRef>
+            <a:fillRef idx="0">
+              <a:schemeClr val="accent1"/>
+            </a:fillRef>
+            <a:effectRef idx="0">
+              <a:schemeClr val="accent1"/>
+            </a:effectRef>
+            <a:fontRef idx="minor">
+              <a:schemeClr val="tx1"/>
+            </a:fontRef>
+          </p:style>
+        </p:cxnSp>
+        <p:cxnSp>
+          <p:nvCxnSpPr>
+            <p:cNvPr id="44" name="Gerader Verbinder 43"/>
+            <p:cNvCxnSpPr>
+              <a:stCxn id="10" idx="4"/>
+              <a:endCxn id="45" idx="1"/>
+            </p:cNvCxnSpPr>
+            <p:nvPr/>
+          </p:nvCxnSpPr>
+          <p:spPr>
+            <a:xfrm>
+              <a:off x="6006476" y="5448795"/>
+              <a:ext cx="525156" cy="659084"/>
+            </a:xfrm>
+            <a:prstGeom prst="line">
+              <a:avLst/>
+            </a:prstGeom>
+            <a:ln w="38100">
+              <a:solidFill>
+                <a:schemeClr val="tx1"/>
+              </a:solidFill>
+            </a:ln>
+          </p:spPr>
+          <p:style>
+            <a:lnRef idx="1">
+              <a:schemeClr val="accent1"/>
+            </a:lnRef>
+            <a:fillRef idx="0">
+              <a:schemeClr val="accent1"/>
+            </a:fillRef>
+            <a:effectRef idx="0">
+              <a:schemeClr val="accent1"/>
+            </a:effectRef>
+            <a:fontRef idx="minor">
+              <a:schemeClr val="tx1"/>
+            </a:fontRef>
+          </p:style>
+        </p:cxnSp>
+        <p:cxnSp>
+          <p:nvCxnSpPr>
+            <p:cNvPr id="49" name="Gerader Verbinder 48"/>
+            <p:cNvCxnSpPr>
+              <a:stCxn id="46" idx="3"/>
+              <a:endCxn id="45" idx="6"/>
+            </p:cNvCxnSpPr>
+            <p:nvPr/>
+          </p:nvCxnSpPr>
+          <p:spPr>
+            <a:xfrm flipH="1">
+              <a:off x="6812002" y="6011671"/>
+              <a:ext cx="886311" cy="212341"/>
+            </a:xfrm>
+            <a:prstGeom prst="line">
+              <a:avLst/>
+            </a:prstGeom>
+            <a:ln w="38100">
+              <a:solidFill>
+                <a:schemeClr val="tx1"/>
+              </a:solidFill>
+            </a:ln>
+          </p:spPr>
+          <p:style>
+            <a:lnRef idx="1">
+              <a:schemeClr val="accent1"/>
+            </a:lnRef>
+            <a:fillRef idx="0">
+              <a:schemeClr val="accent1"/>
+            </a:fillRef>
+            <a:effectRef idx="0">
+              <a:schemeClr val="accent1"/>
+            </a:effectRef>
+            <a:fontRef idx="minor">
+              <a:schemeClr val="tx1"/>
+            </a:fontRef>
+          </p:style>
+        </p:cxnSp>
+        <p:cxnSp>
+          <p:nvCxnSpPr>
+            <p:cNvPr id="52" name="Gerader Verbinder 51"/>
+            <p:cNvCxnSpPr>
+              <a:stCxn id="46" idx="1"/>
+              <a:endCxn id="9" idx="5"/>
+            </p:cNvCxnSpPr>
+            <p:nvPr/>
+          </p:nvCxnSpPr>
+          <p:spPr>
+            <a:xfrm flipH="1" flipV="1">
+              <a:off x="6711889" y="4650231"/>
+              <a:ext cx="986424" cy="1129174"/>
+            </a:xfrm>
+            <a:prstGeom prst="line">
+              <a:avLst/>
+            </a:prstGeom>
+            <a:ln w="38100">
+              <a:solidFill>
+                <a:schemeClr val="tx1"/>
+              </a:solidFill>
+              <a:prstDash val="sysDot"/>
+            </a:ln>
+          </p:spPr>
+          <p:style>
+            <a:lnRef idx="1">
+              <a:schemeClr val="accent1"/>
+            </a:lnRef>
+            <a:fillRef idx="0">
+              <a:schemeClr val="accent1"/>
+            </a:fillRef>
+            <a:effectRef idx="0">
+              <a:schemeClr val="accent1"/>
+            </a:effectRef>
+            <a:fontRef idx="minor">
+              <a:schemeClr val="tx1"/>
+            </a:fontRef>
+          </p:style>
+        </p:cxnSp>
+        <p:cxnSp>
+          <p:nvCxnSpPr>
+            <p:cNvPr id="55" name="Gerader Verbinder 54"/>
+            <p:cNvCxnSpPr>
+              <a:stCxn id="59" idx="2"/>
+              <a:endCxn id="9" idx="6"/>
+            </p:cNvCxnSpPr>
+            <p:nvPr/>
+          </p:nvCxnSpPr>
+          <p:spPr>
+            <a:xfrm flipH="1">
+              <a:off x="6759993" y="4007372"/>
+              <a:ext cx="2181777" cy="526726"/>
+            </a:xfrm>
+            <a:prstGeom prst="line">
+              <a:avLst/>
+            </a:prstGeom>
+            <a:ln w="38100">
+              <a:solidFill>
+                <a:schemeClr val="tx1"/>
+              </a:solidFill>
+              <a:prstDash val="sysDot"/>
+            </a:ln>
+          </p:spPr>
+          <p:style>
+            <a:lnRef idx="1">
+              <a:schemeClr val="accent1"/>
+            </a:lnRef>
+            <a:fillRef idx="0">
+              <a:schemeClr val="accent1"/>
+            </a:fillRef>
+            <a:effectRef idx="0">
+              <a:schemeClr val="accent1"/>
+            </a:effectRef>
+            <a:fontRef idx="minor">
+              <a:schemeClr val="tx1"/>
+            </a:fontRef>
+          </p:style>
+        </p:cxnSp>
+        <p:cxnSp>
+          <p:nvCxnSpPr>
+            <p:cNvPr id="61" name="Gerader Verbinder 60"/>
+            <p:cNvCxnSpPr>
+              <a:stCxn id="59" idx="4"/>
+              <a:endCxn id="46" idx="7"/>
+            </p:cNvCxnSpPr>
+            <p:nvPr/>
+          </p:nvCxnSpPr>
+          <p:spPr>
+            <a:xfrm flipH="1">
+              <a:off x="7930579" y="4171609"/>
+              <a:ext cx="1175428" cy="1607796"/>
+            </a:xfrm>
+            <a:prstGeom prst="line">
+              <a:avLst/>
+            </a:prstGeom>
+            <a:ln w="38100">
+              <a:solidFill>
+                <a:schemeClr val="tx1"/>
+              </a:solidFill>
+              <a:prstDash val="sysDot"/>
+            </a:ln>
+          </p:spPr>
+          <p:style>
+            <a:lnRef idx="1">
+              <a:schemeClr val="accent1"/>
+            </a:lnRef>
+            <a:fillRef idx="0">
+              <a:schemeClr val="accent1"/>
+            </a:fillRef>
+            <a:effectRef idx="0">
+              <a:schemeClr val="accent1"/>
+            </a:effectRef>
+            <a:fontRef idx="minor">
+              <a:schemeClr val="tx1"/>
+            </a:fontRef>
+          </p:style>
+        </p:cxnSp>
+        <p:cxnSp>
+          <p:nvCxnSpPr>
+            <p:cNvPr id="64" name="Gerader Verbinder 63"/>
+            <p:cNvCxnSpPr>
+              <a:stCxn id="59" idx="3"/>
+              <a:endCxn id="58" idx="7"/>
+            </p:cNvCxnSpPr>
+            <p:nvPr/>
+          </p:nvCxnSpPr>
+          <p:spPr>
+            <a:xfrm flipH="1">
+              <a:off x="8134289" y="4123505"/>
+              <a:ext cx="855585" cy="527122"/>
+            </a:xfrm>
+            <a:prstGeom prst="line">
+              <a:avLst/>
+            </a:prstGeom>
+            <a:ln w="38100">
+              <a:solidFill>
+                <a:schemeClr val="tx1"/>
+              </a:solidFill>
+            </a:ln>
+          </p:spPr>
+          <p:style>
+            <a:lnRef idx="1">
+              <a:schemeClr val="accent1"/>
+            </a:lnRef>
+            <a:fillRef idx="0">
+              <a:schemeClr val="accent1"/>
+            </a:fillRef>
+            <a:effectRef idx="0">
+              <a:schemeClr val="accent1"/>
+            </a:effectRef>
+            <a:fontRef idx="minor">
+              <a:schemeClr val="tx1"/>
+            </a:fontRef>
+          </p:style>
+        </p:cxnSp>
+        <p:cxnSp>
+          <p:nvCxnSpPr>
+            <p:cNvPr id="67" name="Gerader Verbinder 66"/>
+            <p:cNvCxnSpPr>
+              <a:stCxn id="58" idx="2"/>
+            </p:cNvCxnSpPr>
+            <p:nvPr/>
+          </p:nvCxnSpPr>
+          <p:spPr>
+            <a:xfrm flipH="1" flipV="1">
+              <a:off x="6695098" y="4591651"/>
+              <a:ext cx="1158821" cy="175109"/>
+            </a:xfrm>
+            <a:prstGeom prst="line">
+              <a:avLst/>
+            </a:prstGeom>
+            <a:ln w="38100">
+              <a:solidFill>
+                <a:schemeClr val="tx1"/>
+              </a:solidFill>
+            </a:ln>
+          </p:spPr>
+          <p:style>
+            <a:lnRef idx="1">
+              <a:schemeClr val="accent1"/>
+            </a:lnRef>
+            <a:fillRef idx="0">
+              <a:schemeClr val="accent1"/>
+            </a:fillRef>
+            <a:effectRef idx="0">
+              <a:schemeClr val="accent1"/>
+            </a:effectRef>
+            <a:fontRef idx="minor">
+              <a:schemeClr val="tx1"/>
+            </a:fontRef>
+          </p:style>
+        </p:cxnSp>
+        <p:cxnSp>
+          <p:nvCxnSpPr>
+            <p:cNvPr id="70" name="Gerader Verbinder 69"/>
+            <p:cNvCxnSpPr>
+              <a:stCxn id="58" idx="4"/>
+              <a:endCxn id="46" idx="0"/>
+            </p:cNvCxnSpPr>
+            <p:nvPr/>
+          </p:nvCxnSpPr>
+          <p:spPr>
+            <a:xfrm flipH="1">
+              <a:off x="7814446" y="4930997"/>
+              <a:ext cx="203710" cy="800304"/>
+            </a:xfrm>
+            <a:prstGeom prst="line">
+              <a:avLst/>
+            </a:prstGeom>
+            <a:ln w="38100">
+              <a:solidFill>
+                <a:schemeClr val="tx1"/>
+              </a:solidFill>
             </a:ln>
           </p:spPr>
           <p:style>
@@ -9027,7 +9796,7 @@
       </p:grpSp>
       <p:grpSp>
         <p:nvGrpSpPr>
-          <p:cNvPr id="25" name="Knoten"/>
+          <p:cNvPr id="144" name="Knoten"/>
           <p:cNvGrpSpPr/>
           <p:nvPr/>
         </p:nvGrpSpPr>
@@ -9041,7 +9810,7 @@
         </p:grpSpPr>
         <p:sp>
           <p:nvSpPr>
-            <p:cNvPr id="26" name="Ellipse 25"/>
+            <p:cNvPr id="4" name="Ellipse 3"/>
             <p:cNvSpPr/>
             <p:nvPr/>
           </p:nvSpPr>
@@ -9093,7 +9862,7 @@
         </p:sp>
         <p:sp>
           <p:nvSpPr>
-            <p:cNvPr id="27" name="Ellipse 26"/>
+            <p:cNvPr id="5" name="Ellipse 4"/>
             <p:cNvSpPr/>
             <p:nvPr/>
           </p:nvSpPr>
@@ -9144,7 +9913,7 @@
         </p:sp>
         <p:sp>
           <p:nvSpPr>
-            <p:cNvPr id="28" name="Ellipse 27"/>
+            <p:cNvPr id="9" name="Ellipse 8"/>
             <p:cNvSpPr/>
             <p:nvPr/>
           </p:nvSpPr>
@@ -9196,7 +9965,7 @@
         </p:sp>
         <p:sp>
           <p:nvSpPr>
-            <p:cNvPr id="29" name="Ellipse 28"/>
+            <p:cNvPr id="10" name="Ellipse 9"/>
             <p:cNvSpPr/>
             <p:nvPr/>
           </p:nvSpPr>
@@ -9248,7 +10017,7 @@
         </p:sp>
         <p:sp>
           <p:nvSpPr>
-            <p:cNvPr id="30" name="Ellipse 29"/>
+            <p:cNvPr id="11" name="Ellipse 10"/>
             <p:cNvSpPr/>
             <p:nvPr/>
           </p:nvSpPr>
@@ -9294,13 +10063,12 @@
                 <a:rPr lang="en-US" dirty="0"/>
                 <a:t>4</a:t>
               </a:r>
-              <a:endParaRPr lang="en-US" dirty="0"/>
             </a:p>
           </p:txBody>
         </p:sp>
         <p:sp>
           <p:nvSpPr>
-            <p:cNvPr id="31" name="Ellipse 30"/>
+            <p:cNvPr id="12" name="Ellipse 11"/>
             <p:cNvSpPr/>
             <p:nvPr/>
           </p:nvSpPr>
@@ -9352,7 +10120,7 @@
         </p:sp>
         <p:sp>
           <p:nvSpPr>
-            <p:cNvPr id="32" name="Ellipse 31"/>
+            <p:cNvPr id="13" name="Ellipse 12"/>
             <p:cNvSpPr/>
             <p:nvPr/>
           </p:nvSpPr>
@@ -9404,7 +10172,7 @@
         </p:sp>
         <p:sp>
           <p:nvSpPr>
-            <p:cNvPr id="33" name="Ellipse 32"/>
+            <p:cNvPr id="45" name="Ellipse 44"/>
             <p:cNvSpPr/>
             <p:nvPr/>
           </p:nvSpPr>
@@ -9456,7 +10224,7 @@
         </p:sp>
         <p:sp>
           <p:nvSpPr>
-            <p:cNvPr id="34" name="Ellipse 33"/>
+            <p:cNvPr id="46" name="Ellipse 45"/>
             <p:cNvSpPr/>
             <p:nvPr/>
           </p:nvSpPr>
@@ -9508,7 +10276,59 @@
         </p:sp>
         <p:sp>
           <p:nvSpPr>
-            <p:cNvPr id="36" name="Ellipse 35"/>
+            <p:cNvPr id="58" name="Ellipse 57"/>
+            <p:cNvSpPr/>
+            <p:nvPr/>
+          </p:nvSpPr>
+          <p:spPr>
+            <a:xfrm>
+              <a:off x="3510519" y="4491392"/>
+              <a:ext cx="328474" cy="328474"/>
+            </a:xfrm>
+            <a:prstGeom prst="ellipse">
+              <a:avLst/>
+            </a:prstGeom>
+            <a:solidFill>
+              <a:schemeClr val="tx1"/>
+            </a:solidFill>
+            <a:ln>
+              <a:solidFill>
+                <a:schemeClr val="tx1"/>
+              </a:solidFill>
+            </a:ln>
+          </p:spPr>
+          <p:style>
+            <a:lnRef idx="2">
+              <a:schemeClr val="accent1">
+                <a:shade val="50000"/>
+              </a:schemeClr>
+            </a:lnRef>
+            <a:fillRef idx="1">
+              <a:schemeClr val="accent1"/>
+            </a:fillRef>
+            <a:effectRef idx="0">
+              <a:schemeClr val="accent1"/>
+            </a:effectRef>
+            <a:fontRef idx="minor">
+              <a:schemeClr val="lt1"/>
+            </a:fontRef>
+          </p:style>
+          <p:txBody>
+            <a:bodyPr wrap="none" rtlCol="0" anchor="ctr"/>
+            <a:lstStyle/>
+            <a:p>
+              <a:pPr algn="ctr"/>
+              <a:r>
+                <a:rPr lang="en-US" dirty="0" smtClean="0"/>
+                <a:t>10</a:t>
+              </a:r>
+              <a:endParaRPr lang="en-US" dirty="0"/>
+            </a:p>
+          </p:txBody>
+        </p:sp>
+        <p:sp>
+          <p:nvSpPr>
+            <p:cNvPr id="59" name="Ellipse 58"/>
             <p:cNvSpPr/>
             <p:nvPr/>
           </p:nvSpPr>
@@ -9561,7 +10381,7 @@
       </p:grpSp>
       <p:grpSp>
         <p:nvGrpSpPr>
-          <p:cNvPr id="37" name="Kantenlabels"/>
+          <p:cNvPr id="151" name="Kantenlabels"/>
           <p:cNvGrpSpPr/>
           <p:nvPr/>
         </p:nvGrpSpPr>
@@ -9575,7 +10395,7 @@
         </p:grpSpPr>
         <p:sp>
           <p:nvSpPr>
-            <p:cNvPr id="38" name="Textfeld 37"/>
+            <p:cNvPr id="74" name="Textfeld 73"/>
             <p:cNvSpPr txBox="1"/>
             <p:nvPr/>
           </p:nvSpPr>
@@ -9605,7 +10425,7 @@
         </p:sp>
         <p:sp>
           <p:nvSpPr>
-            <p:cNvPr id="39" name="Textfeld 38"/>
+            <p:cNvPr id="75" name="Textfeld 74"/>
             <p:cNvSpPr txBox="1"/>
             <p:nvPr/>
           </p:nvSpPr>
@@ -9635,7 +10455,7 @@
         </p:sp>
         <p:sp>
           <p:nvSpPr>
-            <p:cNvPr id="40" name="Textfeld 39"/>
+            <p:cNvPr id="76" name="Textfeld 75"/>
             <p:cNvSpPr txBox="1"/>
             <p:nvPr/>
           </p:nvSpPr>
@@ -9665,7 +10485,7 @@
         </p:sp>
         <p:sp>
           <p:nvSpPr>
-            <p:cNvPr id="41" name="Textfeld 40"/>
+            <p:cNvPr id="82" name="Textfeld 81"/>
             <p:cNvSpPr txBox="1"/>
             <p:nvPr/>
           </p:nvSpPr>
@@ -9695,7 +10515,7 @@
         </p:sp>
         <p:sp>
           <p:nvSpPr>
-            <p:cNvPr id="42" name="Textfeld 41"/>
+            <p:cNvPr id="91" name="Textfeld 90"/>
             <p:cNvSpPr txBox="1"/>
             <p:nvPr/>
           </p:nvSpPr>
@@ -9725,7 +10545,7 @@
         </p:sp>
         <p:sp>
           <p:nvSpPr>
-            <p:cNvPr id="43" name="Textfeld 42"/>
+            <p:cNvPr id="92" name="Textfeld 91"/>
             <p:cNvSpPr txBox="1"/>
             <p:nvPr/>
           </p:nvSpPr>
@@ -9755,7 +10575,7 @@
         </p:sp>
         <p:sp>
           <p:nvSpPr>
-            <p:cNvPr id="44" name="Textfeld 43"/>
+            <p:cNvPr id="93" name="Textfeld 92"/>
             <p:cNvSpPr txBox="1"/>
             <p:nvPr/>
           </p:nvSpPr>
@@ -9789,7 +10609,7 @@
         </p:sp>
         <p:sp>
           <p:nvSpPr>
-            <p:cNvPr id="45" name="Textfeld 44"/>
+            <p:cNvPr id="109" name="Textfeld 108"/>
             <p:cNvSpPr txBox="1"/>
             <p:nvPr/>
           </p:nvSpPr>
@@ -9819,7 +10639,7 @@
         </p:sp>
         <p:sp>
           <p:nvSpPr>
-            <p:cNvPr id="46" name="Textfeld 45"/>
+            <p:cNvPr id="110" name="Textfeld 109"/>
             <p:cNvSpPr txBox="1"/>
             <p:nvPr/>
           </p:nvSpPr>
@@ -9849,7 +10669,7 @@
         </p:sp>
         <p:sp>
           <p:nvSpPr>
-            <p:cNvPr id="47" name="Textfeld 46"/>
+            <p:cNvPr id="111" name="Textfeld 110"/>
             <p:cNvSpPr txBox="1"/>
             <p:nvPr/>
           </p:nvSpPr>
@@ -9879,7 +10699,7 @@
         </p:sp>
         <p:sp>
           <p:nvSpPr>
-            <p:cNvPr id="48" name="Textfeld 47"/>
+            <p:cNvPr id="112" name="Textfeld 111"/>
             <p:cNvSpPr txBox="1"/>
             <p:nvPr/>
           </p:nvSpPr>
@@ -9909,7 +10729,7 @@
         </p:sp>
         <p:sp>
           <p:nvSpPr>
-            <p:cNvPr id="49" name="Textfeld 48"/>
+            <p:cNvPr id="113" name="Textfeld 112"/>
             <p:cNvSpPr txBox="1"/>
             <p:nvPr/>
           </p:nvSpPr>
@@ -9939,7 +10759,7 @@
         </p:sp>
         <p:sp>
           <p:nvSpPr>
-            <p:cNvPr id="50" name="Textfeld 49"/>
+            <p:cNvPr id="114" name="Textfeld 113"/>
             <p:cNvSpPr txBox="1"/>
             <p:nvPr/>
           </p:nvSpPr>
@@ -9969,7 +10789,97 @@
         </p:sp>
         <p:sp>
           <p:nvSpPr>
-            <p:cNvPr id="54" name="Textfeld 53"/>
+            <p:cNvPr id="115" name="Textfeld 114"/>
+            <p:cNvSpPr txBox="1"/>
+            <p:nvPr/>
+          </p:nvSpPr>
+          <p:spPr>
+            <a:xfrm>
+              <a:off x="2940779" y="4278016"/>
+              <a:ext cx="418704" cy="369332"/>
+            </a:xfrm>
+            <a:prstGeom prst="rect">
+              <a:avLst/>
+            </a:prstGeom>
+            <a:noFill/>
+          </p:spPr>
+          <p:txBody>
+            <a:bodyPr wrap="none" rtlCol="0">
+              <a:spAutoFit/>
+            </a:bodyPr>
+            <a:lstStyle/>
+            <a:p>
+              <a:r>
+                <a:rPr lang="en-US" dirty="0" smtClean="0"/>
+                <a:t>10</a:t>
+              </a:r>
+              <a:endParaRPr lang="en-US" dirty="0"/>
+            </a:p>
+          </p:txBody>
+        </p:sp>
+        <p:sp>
+          <p:nvSpPr>
+            <p:cNvPr id="116" name="Textfeld 115"/>
+            <p:cNvSpPr txBox="1"/>
+            <p:nvPr/>
+          </p:nvSpPr>
+          <p:spPr>
+            <a:xfrm>
+              <a:off x="3687957" y="4099236"/>
+              <a:ext cx="418704" cy="369332"/>
+            </a:xfrm>
+            <a:prstGeom prst="rect">
+              <a:avLst/>
+            </a:prstGeom>
+            <a:noFill/>
+          </p:spPr>
+          <p:txBody>
+            <a:bodyPr wrap="none" rtlCol="0">
+              <a:spAutoFit/>
+            </a:bodyPr>
+            <a:lstStyle/>
+            <a:p>
+              <a:r>
+                <a:rPr lang="en-US" dirty="0" smtClean="0"/>
+                <a:t>10</a:t>
+              </a:r>
+              <a:endParaRPr lang="en-US" dirty="0"/>
+            </a:p>
+          </p:txBody>
+        </p:sp>
+        <p:sp>
+          <p:nvSpPr>
+            <p:cNvPr id="117" name="Textfeld 116"/>
+            <p:cNvSpPr txBox="1"/>
+            <p:nvPr/>
+          </p:nvSpPr>
+          <p:spPr>
+            <a:xfrm>
+              <a:off x="3256052" y="4804095"/>
+              <a:ext cx="418704" cy="369332"/>
+            </a:xfrm>
+            <a:prstGeom prst="rect">
+              <a:avLst/>
+            </a:prstGeom>
+            <a:noFill/>
+          </p:spPr>
+          <p:txBody>
+            <a:bodyPr wrap="none" rtlCol="0">
+              <a:spAutoFit/>
+            </a:bodyPr>
+            <a:lstStyle/>
+            <a:p>
+              <a:r>
+                <a:rPr lang="en-US" dirty="0" smtClean="0"/>
+                <a:t>10</a:t>
+              </a:r>
+              <a:endParaRPr lang="en-US" dirty="0"/>
+            </a:p>
+          </p:txBody>
+        </p:sp>
+        <p:sp>
+          <p:nvSpPr>
+            <p:cNvPr id="118" name="Textfeld 117"/>
             <p:cNvSpPr txBox="1"/>
             <p:nvPr/>
           </p:nvSpPr>
@@ -10003,7 +10913,7 @@
         </p:sp>
         <p:sp>
           <p:nvSpPr>
-            <p:cNvPr id="55" name="Textfeld 54"/>
+            <p:cNvPr id="119" name="Textfeld 118"/>
             <p:cNvSpPr txBox="1"/>
             <p:nvPr/>
           </p:nvSpPr>
@@ -10033,43 +10943,13 @@
         </p:sp>
         <p:sp>
           <p:nvSpPr>
-            <p:cNvPr id="56" name="Textfeld 55"/>
+            <p:cNvPr id="153" name="Textfeld 152"/>
             <p:cNvSpPr txBox="1"/>
             <p:nvPr/>
           </p:nvSpPr>
           <p:spPr>
             <a:xfrm>
               <a:off x="969573" y="3812614"/>
-              <a:ext cx="418704" cy="369332"/>
-            </a:xfrm>
-            <a:prstGeom prst="rect">
-              <a:avLst/>
-            </a:prstGeom>
-            <a:noFill/>
-          </p:spPr>
-          <p:txBody>
-            <a:bodyPr wrap="none" rtlCol="0">
-              <a:spAutoFit/>
-            </a:bodyPr>
-            <a:lstStyle/>
-            <a:p>
-              <a:r>
-                <a:rPr lang="en-US" dirty="0" smtClean="0"/>
-                <a:t>10</a:t>
-              </a:r>
-              <a:endParaRPr lang="en-US" dirty="0"/>
-            </a:p>
-          </p:txBody>
-        </p:sp>
-        <p:sp>
-          <p:nvSpPr>
-            <p:cNvPr id="62" name="Textfeld 61"/>
-            <p:cNvSpPr txBox="1"/>
-            <p:nvPr/>
-          </p:nvSpPr>
-          <p:spPr>
-            <a:xfrm>
-              <a:off x="2251429" y="5495282"/>
               <a:ext cx="418704" cy="369332"/>
             </a:xfrm>
             <a:prstGeom prst="rect">
@@ -10095,7 +10975,7 @@
     </p:spTree>
     <p:extLst>
       <p:ext uri="{BB962C8B-B14F-4D97-AF65-F5344CB8AC3E}">
-        <p14:creationId xmlns:p14="http://schemas.microsoft.com/office/powerpoint/2010/main" val="3369052863"/>
+        <p14:creationId xmlns:p14="http://schemas.microsoft.com/office/powerpoint/2010/main" val="2529814087"/>
       </p:ext>
     </p:extLst>
   </p:cSld>
@@ -10154,7 +11034,15 @@
             </a:r>
             <a:r>
               <a:rPr lang="en-US" dirty="0" smtClean="0"/>
-              <a:t>D4 – TC(ii)</a:t>
+              <a:t>D4 – CE (</a:t>
+            </a:r>
+            <a:r>
+              <a:rPr lang="en-US" dirty="0" err="1" smtClean="0"/>
+              <a:t>i</a:t>
+            </a:r>
+            <a:r>
+              <a:rPr lang="en-US" dirty="0" smtClean="0"/>
+              <a:t>)</a:t>
             </a:r>
             <a:endParaRPr lang="en-US" dirty="0"/>
           </a:p>
@@ -10172,8 +11060,8 @@
         </p:nvSpPr>
         <p:spPr>
           <a:xfrm>
-            <a:off x="838201" y="1825625"/>
-            <a:ext cx="4302870" cy="4351338"/>
+            <a:off x="838200" y="1825625"/>
+            <a:ext cx="4146571" cy="4351338"/>
           </a:xfrm>
         </p:spPr>
         <p:txBody>
@@ -10182,27 +11070,19 @@
           <a:p>
             <a:r>
               <a:rPr lang="en-US" dirty="0" smtClean="0"/>
-              <a:t>New inactive link:</a:t>
-            </a:r>
-            <a:br>
+              <a:t>Add link e7-9 with distance 10, remove node 10 </a:t>
+            </a:r>
+          </a:p>
+          <a:p>
+            <a:r>
               <a:rPr lang="en-US" dirty="0" smtClean="0"/>
-            </a:br>
+              <a:t>n = 10, m = (19-3+1)*2=34</a:t>
+            </a:r>
+          </a:p>
+          <a:p>
             <a:r>
               <a:rPr lang="en-US" dirty="0" smtClean="0"/>
-              <a:t>e7-8, e3-9</a:t>
-            </a:r>
-          </a:p>
-          <a:p>
-            <a:r>
-              <a:rPr lang="en-US" dirty="0" smtClean="0"/>
-              <a:t>New active links: </a:t>
-            </a:r>
-            <a:br>
-              <a:rPr lang="en-US" dirty="0" smtClean="0"/>
-            </a:br>
-            <a:r>
-              <a:rPr lang="en-US" dirty="0" smtClean="0"/>
-              <a:t>e7-9, e3-11, e9-11</a:t>
+              <a:t>The following links should become unclassified due to context event handling for the removed node 10: e3-9,e3-11, e9-11</a:t>
             </a:r>
             <a:endParaRPr lang="en-US" dirty="0"/>
           </a:p>
@@ -10210,7 +11090,7 @@
       </p:sp>
       <p:grpSp>
         <p:nvGrpSpPr>
-          <p:cNvPr id="4" name="Kanten"/>
+          <p:cNvPr id="5" name="Kanten"/>
           <p:cNvGrpSpPr/>
           <p:nvPr/>
         </p:nvGrpSpPr>
@@ -10224,10 +11104,10 @@
         </p:grpSpPr>
         <p:cxnSp>
           <p:nvCxnSpPr>
-            <p:cNvPr id="5" name="Gerader Verbinder 4"/>
+            <p:cNvPr id="6" name="Gerader Verbinder 5"/>
             <p:cNvCxnSpPr>
-              <a:stCxn id="23" idx="7"/>
-              <a:endCxn id="24" idx="3"/>
+              <a:stCxn id="26" idx="7"/>
+              <a:endCxn id="27" idx="3"/>
             </p:cNvCxnSpPr>
             <p:nvPr/>
           </p:nvCxnSpPr>
@@ -10243,45 +11123,6 @@
               <a:solidFill>
                 <a:schemeClr val="tx1"/>
               </a:solidFill>
-            </a:ln>
-          </p:spPr>
-          <p:style>
-            <a:lnRef idx="1">
-              <a:schemeClr val="accent1"/>
-            </a:lnRef>
-            <a:fillRef idx="0">
-              <a:schemeClr val="accent1"/>
-            </a:fillRef>
-            <a:effectRef idx="0">
-              <a:schemeClr val="accent1"/>
-            </a:effectRef>
-            <a:fontRef idx="minor">
-              <a:schemeClr val="tx1"/>
-            </a:fontRef>
-          </p:style>
-        </p:cxnSp>
-        <p:cxnSp>
-          <p:nvCxnSpPr>
-            <p:cNvPr id="6" name="Gerader Verbinder 5"/>
-            <p:cNvCxnSpPr>
-              <a:stCxn id="24" idx="0"/>
-              <a:endCxn id="29" idx="3"/>
-            </p:cNvCxnSpPr>
-            <p:nvPr/>
-          </p:nvCxnSpPr>
-          <p:spPr>
-            <a:xfrm flipV="1">
-              <a:off x="6006476" y="950794"/>
-              <a:ext cx="665115" cy="2709247"/>
-            </a:xfrm>
-            <a:prstGeom prst="line">
-              <a:avLst/>
-            </a:prstGeom>
-            <a:ln w="38100">
-              <a:solidFill>
-                <a:schemeClr val="tx1"/>
-              </a:solidFill>
-              <a:prstDash val="sysDot"/>
             </a:ln>
           </p:spPr>
           <p:style>
@@ -10303,15 +11144,15 @@
           <p:nvCxnSpPr>
             <p:cNvPr id="7" name="Gerader Verbinder 6"/>
             <p:cNvCxnSpPr>
-              <a:stCxn id="29" idx="6"/>
-              <a:endCxn id="28" idx="1"/>
+              <a:stCxn id="27" idx="0"/>
+              <a:endCxn id="32" idx="3"/>
             </p:cNvCxnSpPr>
             <p:nvPr/>
           </p:nvCxnSpPr>
           <p:spPr>
-            <a:xfrm>
-              <a:off x="6951961" y="834661"/>
-              <a:ext cx="1085648" cy="1198356"/>
+            <a:xfrm flipV="1">
+              <a:off x="6006476" y="950794"/>
+              <a:ext cx="665115" cy="2709247"/>
             </a:xfrm>
             <a:prstGeom prst="line">
               <a:avLst/>
@@ -10320,6 +11161,7 @@
               <a:solidFill>
                 <a:schemeClr val="tx1"/>
               </a:solidFill>
+              <a:prstDash val="sysDot"/>
             </a:ln>
           </p:spPr>
           <p:style>
@@ -10341,15 +11183,15 @@
           <p:nvCxnSpPr>
             <p:cNvPr id="8" name="Gerader Verbinder 7"/>
             <p:cNvCxnSpPr>
-              <a:stCxn id="28" idx="3"/>
-              <a:endCxn id="27" idx="0"/>
+              <a:stCxn id="32" idx="6"/>
+              <a:endCxn id="31" idx="1"/>
             </p:cNvCxnSpPr>
             <p:nvPr/>
           </p:nvCxnSpPr>
           <p:spPr>
-            <a:xfrm flipH="1">
-              <a:off x="7400831" y="2265283"/>
-              <a:ext cx="636778" cy="1249378"/>
+            <a:xfrm>
+              <a:off x="6951961" y="834661"/>
+              <a:ext cx="1085648" cy="1198356"/>
             </a:xfrm>
             <a:prstGeom prst="line">
               <a:avLst/>
@@ -10379,15 +11221,15 @@
           <p:nvCxnSpPr>
             <p:cNvPr id="9" name="Gerader Verbinder 8"/>
             <p:cNvCxnSpPr>
-              <a:stCxn id="28" idx="2"/>
-              <a:endCxn id="24" idx="7"/>
+              <a:stCxn id="31" idx="3"/>
+              <a:endCxn id="30" idx="0"/>
             </p:cNvCxnSpPr>
             <p:nvPr/>
           </p:nvCxnSpPr>
           <p:spPr>
             <a:xfrm flipH="1">
-              <a:off x="6122609" y="2149150"/>
-              <a:ext cx="1866896" cy="1558995"/>
+              <a:off x="7400831" y="2265283"/>
+              <a:ext cx="636778" cy="1249378"/>
             </a:xfrm>
             <a:prstGeom prst="line">
               <a:avLst/>
@@ -10396,7 +11238,6 @@
               <a:solidFill>
                 <a:schemeClr val="tx1"/>
               </a:solidFill>
-              <a:prstDash val="sysDot"/>
             </a:ln>
           </p:spPr>
           <p:style>
@@ -10418,15 +11259,15 @@
           <p:nvCxnSpPr>
             <p:cNvPr id="10" name="Gerader Verbinder 9"/>
             <p:cNvCxnSpPr>
-              <a:stCxn id="24" idx="6"/>
-              <a:endCxn id="27" idx="3"/>
+              <a:stCxn id="31" idx="2"/>
+              <a:endCxn id="27" idx="7"/>
             </p:cNvCxnSpPr>
             <p:nvPr/>
           </p:nvCxnSpPr>
           <p:spPr>
-            <a:xfrm flipV="1">
-              <a:off x="6170713" y="3795031"/>
-              <a:ext cx="1113985" cy="29247"/>
+            <a:xfrm flipH="1">
+              <a:off x="6122609" y="2149150"/>
+              <a:ext cx="1866896" cy="1558995"/>
             </a:xfrm>
             <a:prstGeom prst="line">
               <a:avLst/>
@@ -10457,15 +11298,15 @@
           <p:nvCxnSpPr>
             <p:cNvPr id="11" name="Gerader Verbinder 10"/>
             <p:cNvCxnSpPr>
-              <a:stCxn id="25" idx="7"/>
-              <a:endCxn id="27" idx="3"/>
+              <a:stCxn id="27" idx="6"/>
+              <a:endCxn id="30" idx="3"/>
             </p:cNvCxnSpPr>
             <p:nvPr/>
           </p:nvCxnSpPr>
           <p:spPr>
             <a:xfrm flipV="1">
-              <a:off x="6711889" y="3795031"/>
-              <a:ext cx="572809" cy="622934"/>
+              <a:off x="6170713" y="3795031"/>
+              <a:ext cx="1113985" cy="29247"/>
             </a:xfrm>
             <a:prstGeom prst="line">
               <a:avLst/>
@@ -10474,6 +11315,7 @@
               <a:solidFill>
                 <a:schemeClr val="tx1"/>
               </a:solidFill>
+              <a:prstDash val="sysDot"/>
             </a:ln>
           </p:spPr>
           <p:style>
@@ -10495,15 +11337,15 @@
           <p:nvCxnSpPr>
             <p:cNvPr id="12" name="Gerader Verbinder 11"/>
             <p:cNvCxnSpPr>
-              <a:stCxn id="24" idx="5"/>
-              <a:endCxn id="25" idx="1"/>
+              <a:stCxn id="28" idx="7"/>
+              <a:endCxn id="30" idx="3"/>
             </p:cNvCxnSpPr>
             <p:nvPr/>
           </p:nvCxnSpPr>
           <p:spPr>
-            <a:xfrm>
-              <a:off x="6122609" y="3940411"/>
-              <a:ext cx="357014" cy="477554"/>
+            <a:xfrm flipV="1">
+              <a:off x="6711889" y="3795031"/>
+              <a:ext cx="572809" cy="622934"/>
             </a:xfrm>
             <a:prstGeom prst="line">
               <a:avLst/>
@@ -10533,15 +11375,15 @@
           <p:nvCxnSpPr>
             <p:cNvPr id="13" name="Gerader Verbinder 12"/>
             <p:cNvCxnSpPr>
-              <a:stCxn id="25" idx="2"/>
-              <a:endCxn id="23" idx="6"/>
+              <a:stCxn id="27" idx="5"/>
+              <a:endCxn id="28" idx="1"/>
             </p:cNvCxnSpPr>
             <p:nvPr/>
           </p:nvCxnSpPr>
           <p:spPr>
-            <a:xfrm flipH="1">
-              <a:off x="5510074" y="4534098"/>
-              <a:ext cx="921445" cy="43339"/>
+            <a:xfrm>
+              <a:off x="6122609" y="3940411"/>
+              <a:ext cx="357014" cy="477554"/>
             </a:xfrm>
             <a:prstGeom prst="line">
               <a:avLst/>
@@ -10550,7 +11392,6 @@
               <a:solidFill>
                 <a:schemeClr val="tx1"/>
               </a:solidFill>
-              <a:prstDash val="sysDot"/>
             </a:ln>
           </p:spPr>
           <p:style>
@@ -10572,15 +11413,15 @@
           <p:nvCxnSpPr>
             <p:cNvPr id="14" name="Gerader Verbinder 13"/>
             <p:cNvCxnSpPr>
-              <a:stCxn id="26" idx="1"/>
-              <a:endCxn id="23" idx="5"/>
+              <a:stCxn id="28" idx="2"/>
+              <a:endCxn id="26" idx="6"/>
             </p:cNvCxnSpPr>
             <p:nvPr/>
           </p:nvCxnSpPr>
           <p:spPr>
-            <a:xfrm flipH="1" flipV="1">
-              <a:off x="5461970" y="4693570"/>
-              <a:ext cx="428373" cy="474855"/>
+            <a:xfrm flipH="1">
+              <a:off x="5510074" y="4534098"/>
+              <a:ext cx="921445" cy="43339"/>
             </a:xfrm>
             <a:prstGeom prst="line">
               <a:avLst/>
@@ -10589,6 +11430,7 @@
               <a:solidFill>
                 <a:schemeClr val="tx1"/>
               </a:solidFill>
+              <a:prstDash val="sysDot"/>
             </a:ln>
           </p:spPr>
           <p:style>
@@ -10610,15 +11452,15 @@
           <p:nvCxnSpPr>
             <p:cNvPr id="15" name="Gerader Verbinder 14"/>
             <p:cNvCxnSpPr>
-              <a:stCxn id="26" idx="0"/>
-              <a:endCxn id="25" idx="3"/>
+              <a:stCxn id="29" idx="1"/>
+              <a:endCxn id="26" idx="5"/>
             </p:cNvCxnSpPr>
             <p:nvPr/>
           </p:nvCxnSpPr>
           <p:spPr>
-            <a:xfrm flipV="1">
-              <a:off x="6006476" y="4650231"/>
-              <a:ext cx="473147" cy="470090"/>
+            <a:xfrm flipH="1" flipV="1">
+              <a:off x="5461970" y="4693570"/>
+              <a:ext cx="428373" cy="474855"/>
             </a:xfrm>
             <a:prstGeom prst="line">
               <a:avLst/>
@@ -10648,15 +11490,15 @@
           <p:nvCxnSpPr>
             <p:cNvPr id="16" name="Gerader Verbinder 15"/>
             <p:cNvCxnSpPr>
-              <a:stCxn id="26" idx="4"/>
-              <a:endCxn id="30" idx="1"/>
+              <a:stCxn id="29" idx="0"/>
+              <a:endCxn id="28" idx="3"/>
             </p:cNvCxnSpPr>
             <p:nvPr/>
           </p:nvCxnSpPr>
           <p:spPr>
-            <a:xfrm>
-              <a:off x="6006476" y="5448795"/>
-              <a:ext cx="525156" cy="659084"/>
+            <a:xfrm flipV="1">
+              <a:off x="6006476" y="4650231"/>
+              <a:ext cx="473147" cy="470090"/>
             </a:xfrm>
             <a:prstGeom prst="line">
               <a:avLst/>
@@ -10665,7 +11507,6 @@
               <a:solidFill>
                 <a:schemeClr val="tx1"/>
               </a:solidFill>
-              <a:prstDash val="sysDot"/>
             </a:ln>
           </p:spPr>
           <p:style>
@@ -10687,15 +11528,15 @@
           <p:nvCxnSpPr>
             <p:cNvPr id="17" name="Gerader Verbinder 16"/>
             <p:cNvCxnSpPr>
-              <a:stCxn id="31" idx="3"/>
-              <a:endCxn id="30" idx="6"/>
+              <a:stCxn id="29" idx="4"/>
+              <a:endCxn id="33" idx="1"/>
             </p:cNvCxnSpPr>
             <p:nvPr/>
           </p:nvCxnSpPr>
           <p:spPr>
-            <a:xfrm flipH="1">
-              <a:off x="6812002" y="6011671"/>
-              <a:ext cx="886311" cy="212341"/>
+            <a:xfrm>
+              <a:off x="6006476" y="5448795"/>
+              <a:ext cx="525156" cy="659084"/>
             </a:xfrm>
             <a:prstGeom prst="line">
               <a:avLst/>
@@ -10725,15 +11566,15 @@
           <p:nvCxnSpPr>
             <p:cNvPr id="18" name="Gerader Verbinder 17"/>
             <p:cNvCxnSpPr>
-              <a:stCxn id="31" idx="1"/>
-              <a:endCxn id="25" idx="5"/>
+              <a:stCxn id="34" idx="3"/>
+              <a:endCxn id="33" idx="6"/>
             </p:cNvCxnSpPr>
             <p:nvPr/>
           </p:nvCxnSpPr>
           <p:spPr>
-            <a:xfrm flipH="1" flipV="1">
-              <a:off x="6711889" y="4650231"/>
-              <a:ext cx="986424" cy="1129174"/>
+            <a:xfrm flipH="1">
+              <a:off x="6812002" y="6011671"/>
+              <a:ext cx="886311" cy="212341"/>
             </a:xfrm>
             <a:prstGeom prst="line">
               <a:avLst/>
@@ -10742,7 +11583,6 @@
               <a:solidFill>
                 <a:schemeClr val="tx1"/>
               </a:solidFill>
-              <a:prstDash val="sysDot"/>
             </a:ln>
           </p:spPr>
           <p:style>
@@ -10764,15 +11604,15 @@
           <p:nvCxnSpPr>
             <p:cNvPr id="19" name="Gerader Verbinder 18"/>
             <p:cNvCxnSpPr>
-              <a:stCxn id="32" idx="2"/>
-              <a:endCxn id="25" idx="6"/>
+              <a:stCxn id="34" idx="1"/>
+              <a:endCxn id="28" idx="5"/>
             </p:cNvCxnSpPr>
             <p:nvPr/>
           </p:nvCxnSpPr>
           <p:spPr>
-            <a:xfrm flipH="1">
-              <a:off x="6759993" y="4007372"/>
-              <a:ext cx="2181777" cy="526726"/>
+            <a:xfrm flipH="1" flipV="1">
+              <a:off x="6711889" y="4650231"/>
+              <a:ext cx="986424" cy="1129174"/>
             </a:xfrm>
             <a:prstGeom prst="line">
               <a:avLst/>
@@ -10781,6 +11621,7 @@
               <a:solidFill>
                 <a:schemeClr val="tx1"/>
               </a:solidFill>
+              <a:prstDash val="dash"/>
             </a:ln>
           </p:spPr>
           <p:style>
@@ -10802,15 +11643,15 @@
           <p:nvCxnSpPr>
             <p:cNvPr id="20" name="Gerader Verbinder 19"/>
             <p:cNvCxnSpPr>
-              <a:stCxn id="32" idx="4"/>
-              <a:endCxn id="31" idx="7"/>
+              <a:stCxn id="36" idx="2"/>
+              <a:endCxn id="28" idx="6"/>
             </p:cNvCxnSpPr>
             <p:nvPr/>
           </p:nvCxnSpPr>
           <p:spPr>
             <a:xfrm flipH="1">
-              <a:off x="7930579" y="4171609"/>
-              <a:ext cx="1175428" cy="1607796"/>
+              <a:off x="6759993" y="4007372"/>
+              <a:ext cx="2181777" cy="526726"/>
             </a:xfrm>
             <a:prstGeom prst="line">
               <a:avLst/>
@@ -10819,6 +11660,7 @@
               <a:solidFill>
                 <a:schemeClr val="tx1"/>
               </a:solidFill>
+              <a:prstDash val="dash"/>
             </a:ln>
           </p:spPr>
           <p:style>
@@ -10840,15 +11682,15 @@
           <p:nvCxnSpPr>
             <p:cNvPr id="21" name="Gerader Verbinder 20"/>
             <p:cNvCxnSpPr>
-              <a:stCxn id="26" idx="6"/>
-              <a:endCxn id="31" idx="2"/>
+              <a:stCxn id="36" idx="4"/>
+              <a:endCxn id="34" idx="7"/>
             </p:cNvCxnSpPr>
             <p:nvPr/>
           </p:nvCxnSpPr>
           <p:spPr>
-            <a:xfrm>
-              <a:off x="6170713" y="5284558"/>
-              <a:ext cx="1479496" cy="610980"/>
+            <a:xfrm flipH="1">
+              <a:off x="7930579" y="4171609"/>
+              <a:ext cx="1175428" cy="1607796"/>
             </a:xfrm>
             <a:prstGeom prst="line">
               <a:avLst/>
@@ -10857,6 +11699,46 @@
               <a:solidFill>
                 <a:schemeClr val="tx1"/>
               </a:solidFill>
+              <a:prstDash val="dash"/>
+            </a:ln>
+          </p:spPr>
+          <p:style>
+            <a:lnRef idx="1">
+              <a:schemeClr val="accent1"/>
+            </a:lnRef>
+            <a:fillRef idx="0">
+              <a:schemeClr val="accent1"/>
+            </a:fillRef>
+            <a:effectRef idx="0">
+              <a:schemeClr val="accent1"/>
+            </a:effectRef>
+            <a:fontRef idx="minor">
+              <a:schemeClr val="tx1"/>
+            </a:fontRef>
+          </p:style>
+        </p:cxnSp>
+        <p:cxnSp>
+          <p:nvCxnSpPr>
+            <p:cNvPr id="57" name="Gerader Verbinder 56"/>
+            <p:cNvCxnSpPr>
+              <a:stCxn id="29" idx="6"/>
+              <a:endCxn id="34" idx="2"/>
+            </p:cNvCxnSpPr>
+            <p:nvPr/>
+          </p:nvCxnSpPr>
+          <p:spPr>
+            <a:xfrm>
+              <a:off x="6170713" y="5284558"/>
+              <a:ext cx="1479496" cy="610980"/>
+            </a:xfrm>
+            <a:prstGeom prst="line">
+              <a:avLst/>
+            </a:prstGeom>
+            <a:ln w="38100">
+              <a:solidFill>
+                <a:schemeClr val="tx1"/>
+              </a:solidFill>
+              <a:prstDash val="dash"/>
             </a:ln>
           </p:spPr>
           <p:style>
@@ -10877,7 +11759,7 @@
       </p:grpSp>
       <p:grpSp>
         <p:nvGrpSpPr>
-          <p:cNvPr id="22" name="Knoten"/>
+          <p:cNvPr id="25" name="Knoten"/>
           <p:cNvGrpSpPr/>
           <p:nvPr/>
         </p:nvGrpSpPr>
@@ -10891,7 +11773,7 @@
         </p:grpSpPr>
         <p:sp>
           <p:nvSpPr>
-            <p:cNvPr id="23" name="Ellipse 22"/>
+            <p:cNvPr id="26" name="Ellipse 25"/>
             <p:cNvSpPr/>
             <p:nvPr/>
           </p:nvSpPr>
@@ -10943,7 +11825,7 @@
         </p:sp>
         <p:sp>
           <p:nvSpPr>
-            <p:cNvPr id="24" name="Ellipse 23"/>
+            <p:cNvPr id="27" name="Ellipse 26"/>
             <p:cNvSpPr/>
             <p:nvPr/>
           </p:nvSpPr>
@@ -10994,7 +11876,7 @@
         </p:sp>
         <p:sp>
           <p:nvSpPr>
-            <p:cNvPr id="25" name="Ellipse 24"/>
+            <p:cNvPr id="28" name="Ellipse 27"/>
             <p:cNvSpPr/>
             <p:nvPr/>
           </p:nvSpPr>
@@ -11046,7 +11928,7 @@
         </p:sp>
         <p:sp>
           <p:nvSpPr>
-            <p:cNvPr id="26" name="Ellipse 25"/>
+            <p:cNvPr id="29" name="Ellipse 28"/>
             <p:cNvSpPr/>
             <p:nvPr/>
           </p:nvSpPr>
@@ -11098,7 +11980,7 @@
         </p:sp>
         <p:sp>
           <p:nvSpPr>
-            <p:cNvPr id="27" name="Ellipse 26"/>
+            <p:cNvPr id="30" name="Ellipse 29"/>
             <p:cNvSpPr/>
             <p:nvPr/>
           </p:nvSpPr>
@@ -11144,13 +12026,12 @@
                 <a:rPr lang="en-US" dirty="0"/>
                 <a:t>4</a:t>
               </a:r>
-              <a:endParaRPr lang="en-US" dirty="0"/>
             </a:p>
           </p:txBody>
         </p:sp>
         <p:sp>
           <p:nvSpPr>
-            <p:cNvPr id="28" name="Ellipse 27"/>
+            <p:cNvPr id="31" name="Ellipse 30"/>
             <p:cNvSpPr/>
             <p:nvPr/>
           </p:nvSpPr>
@@ -11202,7 +12083,7 @@
         </p:sp>
         <p:sp>
           <p:nvSpPr>
-            <p:cNvPr id="29" name="Ellipse 28"/>
+            <p:cNvPr id="32" name="Ellipse 31"/>
             <p:cNvSpPr/>
             <p:nvPr/>
           </p:nvSpPr>
@@ -11254,7 +12135,7 @@
         </p:sp>
         <p:sp>
           <p:nvSpPr>
-            <p:cNvPr id="30" name="Ellipse 29"/>
+            <p:cNvPr id="33" name="Ellipse 32"/>
             <p:cNvSpPr/>
             <p:nvPr/>
           </p:nvSpPr>
@@ -11306,7 +12187,7 @@
         </p:sp>
         <p:sp>
           <p:nvSpPr>
-            <p:cNvPr id="31" name="Ellipse 30"/>
+            <p:cNvPr id="34" name="Ellipse 33"/>
             <p:cNvSpPr/>
             <p:nvPr/>
           </p:nvSpPr>
@@ -11358,7 +12239,7 @@
         </p:sp>
         <p:sp>
           <p:nvSpPr>
-            <p:cNvPr id="32" name="Ellipse 31"/>
+            <p:cNvPr id="36" name="Ellipse 35"/>
             <p:cNvSpPr/>
             <p:nvPr/>
           </p:nvSpPr>
@@ -11411,7 +12292,7 @@
       </p:grpSp>
       <p:grpSp>
         <p:nvGrpSpPr>
-          <p:cNvPr id="33" name="Kantenlabels"/>
+          <p:cNvPr id="37" name="Kantenlabels"/>
           <p:cNvGrpSpPr/>
           <p:nvPr/>
         </p:nvGrpSpPr>
@@ -11425,7 +12306,7 @@
         </p:grpSpPr>
         <p:sp>
           <p:nvSpPr>
-            <p:cNvPr id="34" name="Textfeld 33"/>
+            <p:cNvPr id="38" name="Textfeld 37"/>
             <p:cNvSpPr txBox="1"/>
             <p:nvPr/>
           </p:nvSpPr>
@@ -11455,7 +12336,7 @@
         </p:sp>
         <p:sp>
           <p:nvSpPr>
-            <p:cNvPr id="35" name="Textfeld 34"/>
+            <p:cNvPr id="39" name="Textfeld 38"/>
             <p:cNvSpPr txBox="1"/>
             <p:nvPr/>
           </p:nvSpPr>
@@ -11485,7 +12366,7 @@
         </p:sp>
         <p:sp>
           <p:nvSpPr>
-            <p:cNvPr id="36" name="Textfeld 35"/>
+            <p:cNvPr id="40" name="Textfeld 39"/>
             <p:cNvSpPr txBox="1"/>
             <p:nvPr/>
           </p:nvSpPr>
@@ -11515,7 +12396,7 @@
         </p:sp>
         <p:sp>
           <p:nvSpPr>
-            <p:cNvPr id="37" name="Textfeld 36"/>
+            <p:cNvPr id="41" name="Textfeld 40"/>
             <p:cNvSpPr txBox="1"/>
             <p:nvPr/>
           </p:nvSpPr>
@@ -11545,7 +12426,7 @@
         </p:sp>
         <p:sp>
           <p:nvSpPr>
-            <p:cNvPr id="38" name="Textfeld 37"/>
+            <p:cNvPr id="42" name="Textfeld 41"/>
             <p:cNvSpPr txBox="1"/>
             <p:nvPr/>
           </p:nvSpPr>
@@ -11575,7 +12456,7 @@
         </p:sp>
         <p:sp>
           <p:nvSpPr>
-            <p:cNvPr id="39" name="Textfeld 38"/>
+            <p:cNvPr id="43" name="Textfeld 42"/>
             <p:cNvSpPr txBox="1"/>
             <p:nvPr/>
           </p:nvSpPr>
@@ -11605,7 +12486,7 @@
         </p:sp>
         <p:sp>
           <p:nvSpPr>
-            <p:cNvPr id="40" name="Textfeld 39"/>
+            <p:cNvPr id="44" name="Textfeld 43"/>
             <p:cNvSpPr txBox="1"/>
             <p:nvPr/>
           </p:nvSpPr>
@@ -11639,7 +12520,7 @@
         </p:sp>
         <p:sp>
           <p:nvSpPr>
-            <p:cNvPr id="41" name="Textfeld 40"/>
+            <p:cNvPr id="45" name="Textfeld 44"/>
             <p:cNvSpPr txBox="1"/>
             <p:nvPr/>
           </p:nvSpPr>
@@ -11669,7 +12550,7 @@
         </p:sp>
         <p:sp>
           <p:nvSpPr>
-            <p:cNvPr id="42" name="Textfeld 41"/>
+            <p:cNvPr id="46" name="Textfeld 45"/>
             <p:cNvSpPr txBox="1"/>
             <p:nvPr/>
           </p:nvSpPr>
@@ -11699,7 +12580,7 @@
         </p:sp>
         <p:sp>
           <p:nvSpPr>
-            <p:cNvPr id="43" name="Textfeld 42"/>
+            <p:cNvPr id="47" name="Textfeld 46"/>
             <p:cNvSpPr txBox="1"/>
             <p:nvPr/>
           </p:nvSpPr>
@@ -11729,7 +12610,7 @@
         </p:sp>
         <p:sp>
           <p:nvSpPr>
-            <p:cNvPr id="44" name="Textfeld 43"/>
+            <p:cNvPr id="48" name="Textfeld 47"/>
             <p:cNvSpPr txBox="1"/>
             <p:nvPr/>
           </p:nvSpPr>
@@ -11759,7 +12640,7 @@
         </p:sp>
         <p:sp>
           <p:nvSpPr>
-            <p:cNvPr id="45" name="Textfeld 44"/>
+            <p:cNvPr id="49" name="Textfeld 48"/>
             <p:cNvSpPr txBox="1"/>
             <p:nvPr/>
           </p:nvSpPr>
@@ -11789,7 +12670,7 @@
         </p:sp>
         <p:sp>
           <p:nvSpPr>
-            <p:cNvPr id="46" name="Textfeld 45"/>
+            <p:cNvPr id="50" name="Textfeld 49"/>
             <p:cNvSpPr txBox="1"/>
             <p:nvPr/>
           </p:nvSpPr>
@@ -11819,7 +12700,7 @@
         </p:sp>
         <p:sp>
           <p:nvSpPr>
-            <p:cNvPr id="47" name="Textfeld 46"/>
+            <p:cNvPr id="54" name="Textfeld 53"/>
             <p:cNvSpPr txBox="1"/>
             <p:nvPr/>
           </p:nvSpPr>
@@ -11853,7 +12734,7 @@
         </p:sp>
         <p:sp>
           <p:nvSpPr>
-            <p:cNvPr id="48" name="Textfeld 47"/>
+            <p:cNvPr id="55" name="Textfeld 54"/>
             <p:cNvSpPr txBox="1"/>
             <p:nvPr/>
           </p:nvSpPr>
@@ -11883,7 +12764,7 @@
         </p:sp>
         <p:sp>
           <p:nvSpPr>
-            <p:cNvPr id="49" name="Textfeld 48"/>
+            <p:cNvPr id="56" name="Textfeld 55"/>
             <p:cNvSpPr txBox="1"/>
             <p:nvPr/>
           </p:nvSpPr>
@@ -11913,7 +12794,7 @@
         </p:sp>
         <p:sp>
           <p:nvSpPr>
-            <p:cNvPr id="50" name="Textfeld 49"/>
+            <p:cNvPr id="62" name="Textfeld 61"/>
             <p:cNvSpPr txBox="1"/>
             <p:nvPr/>
           </p:nvSpPr>
@@ -11945,7 +12826,7 @@
     </p:spTree>
     <p:extLst>
       <p:ext uri="{BB962C8B-B14F-4D97-AF65-F5344CB8AC3E}">
-        <p14:creationId xmlns:p14="http://schemas.microsoft.com/office/powerpoint/2010/main" val="3954870768"/>
+        <p14:creationId xmlns:p14="http://schemas.microsoft.com/office/powerpoint/2010/main" val="3369052863"/>
       </p:ext>
     </p:extLst>
   </p:cSld>
@@ -12004,7 +12885,7 @@
             </a:r>
             <a:r>
               <a:rPr lang="en-US" dirty="0" smtClean="0"/>
-              <a:t>D4 – CE(ii)</a:t>
+              <a:t>D4 – TC(ii)</a:t>
             </a:r>
             <a:endParaRPr lang="en-US" dirty="0"/>
           </a:p>
@@ -12022,8 +12903,8 @@
         </p:nvSpPr>
         <p:spPr>
           <a:xfrm>
-            <a:off x="838200" y="1825625"/>
-            <a:ext cx="3674513" cy="4351338"/>
+            <a:off x="838201" y="1825625"/>
+            <a:ext cx="4302870" cy="4351338"/>
           </a:xfrm>
         </p:spPr>
         <p:txBody>
@@ -12032,47 +12913,27 @@
           <a:p>
             <a:r>
               <a:rPr lang="en-US" dirty="0" smtClean="0"/>
-              <a:t>Nodes 5 and 6 move</a:t>
-            </a:r>
-          </a:p>
-          <a:p>
-            <a:r>
-              <a:rPr lang="en-US" dirty="0" smtClean="0"/>
-              <a:t>Link distance updates:</a:t>
+              <a:t>New inactive link:</a:t>
             </a:r>
             <a:br>
               <a:rPr lang="en-US" dirty="0" smtClean="0"/>
             </a:br>
             <a:r>
               <a:rPr lang="en-US" dirty="0" smtClean="0"/>
-              <a:t>d(e2-6) = 15, </a:t>
+              <a:t>e7-8, e3-9</a:t>
+            </a:r>
+          </a:p>
+          <a:p>
+            <a:r>
+              <a:rPr lang="en-US" dirty="0" smtClean="0"/>
+              <a:t>New active links: </a:t>
             </a:r>
             <a:br>
               <a:rPr lang="en-US" dirty="0" smtClean="0"/>
             </a:br>
             <a:r>
               <a:rPr lang="en-US" dirty="0" smtClean="0"/>
-              <a:t>d(e2-5) = 15</a:t>
-            </a:r>
-          </a:p>
-          <a:p>
-            <a:r>
-              <a:rPr lang="en-US" dirty="0" smtClean="0"/>
-              <a:t>New unclassified links:</a:t>
-            </a:r>
-            <a:br>
-              <a:rPr lang="en-US" dirty="0" smtClean="0"/>
-            </a:br>
-            <a:r>
-              <a:rPr lang="en-US" dirty="0" smtClean="0"/>
-              <a:t>e2-5,e2-6</a:t>
-            </a:r>
-          </a:p>
-          <a:p>
-            <a:pPr lvl="1"/>
-            <a:r>
-              <a:rPr lang="en-US" dirty="0" smtClean="0"/>
-              <a:t>e2-4 is still the longest link in 2-4-5</a:t>
+              <a:t>e7-9, e3-11, e9-11</a:t>
             </a:r>
             <a:endParaRPr lang="en-US" dirty="0"/>
           </a:p>
@@ -12086,10 +12947,10 @@
         </p:nvGrpSpPr>
         <p:grpSpPr>
           <a:xfrm>
-            <a:off x="4913765" y="2623861"/>
-            <a:ext cx="4192242" cy="3600151"/>
-            <a:chOff x="4913765" y="2623861"/>
-            <a:chExt cx="4192242" cy="3600151"/>
+            <a:off x="5461970" y="826194"/>
+            <a:ext cx="3644037" cy="5389351"/>
+            <a:chOff x="5461970" y="826194"/>
+            <a:chExt cx="3644037" cy="5389351"/>
           </a:xfrm>
         </p:grpSpPr>
         <p:cxnSp>
@@ -12103,7 +12964,7 @@
           </p:nvCxnSpPr>
           <p:spPr>
             <a:xfrm flipV="1">
-              <a:off x="5461970" y="3940411"/>
+              <a:off x="5461970" y="3931944"/>
               <a:ext cx="428373" cy="520893"/>
             </a:xfrm>
             <a:prstGeom prst="line">
@@ -12134,15 +12995,15 @@
           <p:nvCxnSpPr>
             <p:cNvPr id="6" name="Gerader Verbinder 5"/>
             <p:cNvCxnSpPr>
-              <a:stCxn id="24" idx="2"/>
-              <a:endCxn id="29" idx="5"/>
+              <a:stCxn id="24" idx="0"/>
+              <a:endCxn id="29" idx="3"/>
             </p:cNvCxnSpPr>
             <p:nvPr/>
           </p:nvCxnSpPr>
           <p:spPr>
-            <a:xfrm flipH="1" flipV="1">
-              <a:off x="4913765" y="3630794"/>
-              <a:ext cx="928474" cy="193484"/>
+            <a:xfrm flipV="1">
+              <a:off x="6006476" y="942327"/>
+              <a:ext cx="665115" cy="2709247"/>
             </a:xfrm>
             <a:prstGeom prst="line">
               <a:avLst/>
@@ -12151,7 +13012,7 @@
               <a:solidFill>
                 <a:schemeClr val="tx1"/>
               </a:solidFill>
-              <a:prstDash val="sysDash"/>
+              <a:prstDash val="sysDot"/>
             </a:ln>
           </p:spPr>
           <p:style>
@@ -12173,15 +13034,15 @@
           <p:nvCxnSpPr>
             <p:cNvPr id="7" name="Gerader Verbinder 6"/>
             <p:cNvCxnSpPr>
-              <a:stCxn id="29" idx="7"/>
-              <a:endCxn id="28" idx="2"/>
+              <a:stCxn id="29" idx="6"/>
+              <a:endCxn id="28" idx="1"/>
             </p:cNvCxnSpPr>
             <p:nvPr/>
           </p:nvCxnSpPr>
           <p:spPr>
-            <a:xfrm flipV="1">
-              <a:off x="4913765" y="2623861"/>
-              <a:ext cx="1178356" cy="774667"/>
+            <a:xfrm>
+              <a:off x="6951961" y="826194"/>
+              <a:ext cx="1085648" cy="1198356"/>
             </a:xfrm>
             <a:prstGeom prst="line">
               <a:avLst/>
@@ -12211,15 +13072,15 @@
           <p:nvCxnSpPr>
             <p:cNvPr id="8" name="Gerader Verbinder 7"/>
             <p:cNvCxnSpPr>
-              <a:stCxn id="28" idx="5"/>
+              <a:stCxn id="28" idx="3"/>
               <a:endCxn id="27" idx="0"/>
             </p:cNvCxnSpPr>
             <p:nvPr/>
           </p:nvCxnSpPr>
           <p:spPr>
-            <a:xfrm>
-              <a:off x="6372491" y="2739994"/>
-              <a:ext cx="1028340" cy="774667"/>
+            <a:xfrm flipH="1">
+              <a:off x="7400831" y="2256816"/>
+              <a:ext cx="636778" cy="1249378"/>
             </a:xfrm>
             <a:prstGeom prst="line">
               <a:avLst/>
@@ -12249,15 +13110,15 @@
           <p:nvCxnSpPr>
             <p:cNvPr id="9" name="Gerader Verbinder 8"/>
             <p:cNvCxnSpPr>
-              <a:stCxn id="28" idx="4"/>
-              <a:endCxn id="24" idx="0"/>
+              <a:stCxn id="28" idx="2"/>
+              <a:endCxn id="24" idx="7"/>
             </p:cNvCxnSpPr>
             <p:nvPr/>
           </p:nvCxnSpPr>
           <p:spPr>
             <a:xfrm flipH="1">
-              <a:off x="6006476" y="2788098"/>
-              <a:ext cx="249882" cy="871943"/>
+              <a:off x="6122609" y="2140683"/>
+              <a:ext cx="1866896" cy="1558995"/>
             </a:xfrm>
             <a:prstGeom prst="line">
               <a:avLst/>
@@ -12266,7 +13127,7 @@
               <a:solidFill>
                 <a:schemeClr val="tx1"/>
               </a:solidFill>
-              <a:prstDash val="sysDash"/>
+              <a:prstDash val="sysDot"/>
             </a:ln>
           </p:spPr>
           <p:style>
@@ -12295,7 +13156,7 @@
           </p:nvCxnSpPr>
           <p:spPr>
             <a:xfrm flipV="1">
-              <a:off x="6170713" y="3795031"/>
+              <a:off x="6170713" y="3786564"/>
               <a:ext cx="1113985" cy="29247"/>
             </a:xfrm>
             <a:prstGeom prst="line">
@@ -12334,7 +13195,7 @@
           </p:nvCxnSpPr>
           <p:spPr>
             <a:xfrm flipV="1">
-              <a:off x="6711889" y="3795031"/>
+              <a:off x="6711889" y="3786564"/>
               <a:ext cx="572809" cy="622934"/>
             </a:xfrm>
             <a:prstGeom prst="line">
@@ -12372,7 +13233,7 @@
           </p:nvCxnSpPr>
           <p:spPr>
             <a:xfrm>
-              <a:off x="6122609" y="3940411"/>
+              <a:off x="6122609" y="3931944"/>
               <a:ext cx="357014" cy="477554"/>
             </a:xfrm>
             <a:prstGeom prst="line">
@@ -12410,7 +13271,7 @@
           </p:nvCxnSpPr>
           <p:spPr>
             <a:xfrm flipH="1">
-              <a:off x="5510074" y="4534098"/>
+              <a:off x="5510074" y="4525631"/>
               <a:ext cx="921445" cy="43339"/>
             </a:xfrm>
             <a:prstGeom prst="line">
@@ -12449,7 +13310,7 @@
           </p:nvCxnSpPr>
           <p:spPr>
             <a:xfrm flipH="1" flipV="1">
-              <a:off x="5461970" y="4693570"/>
+              <a:off x="5461970" y="4685103"/>
               <a:ext cx="428373" cy="474855"/>
             </a:xfrm>
             <a:prstGeom prst="line">
@@ -12487,7 +13348,7 @@
           </p:nvCxnSpPr>
           <p:spPr>
             <a:xfrm flipV="1">
-              <a:off x="6006476" y="4650231"/>
+              <a:off x="6006476" y="4641764"/>
               <a:ext cx="473147" cy="470090"/>
             </a:xfrm>
             <a:prstGeom prst="line">
@@ -12525,7 +13386,7 @@
           </p:nvCxnSpPr>
           <p:spPr>
             <a:xfrm>
-              <a:off x="6006476" y="5448795"/>
+              <a:off x="6006476" y="5440328"/>
               <a:ext cx="525156" cy="659084"/>
             </a:xfrm>
             <a:prstGeom prst="line">
@@ -12564,7 +13425,7 @@
           </p:nvCxnSpPr>
           <p:spPr>
             <a:xfrm flipH="1">
-              <a:off x="6812002" y="6011671"/>
+              <a:off x="6812002" y="6003204"/>
               <a:ext cx="886311" cy="212341"/>
             </a:xfrm>
             <a:prstGeom prst="line">
@@ -12602,7 +13463,7 @@
           </p:nvCxnSpPr>
           <p:spPr>
             <a:xfrm flipH="1" flipV="1">
-              <a:off x="6711889" y="4650231"/>
+              <a:off x="6711889" y="4641764"/>
               <a:ext cx="986424" cy="1129174"/>
             </a:xfrm>
             <a:prstGeom prst="line">
@@ -12641,7 +13502,7 @@
           </p:nvCxnSpPr>
           <p:spPr>
             <a:xfrm flipH="1">
-              <a:off x="6759993" y="4007372"/>
+              <a:off x="6759993" y="3998905"/>
               <a:ext cx="2181777" cy="526726"/>
             </a:xfrm>
             <a:prstGeom prst="line">
@@ -12679,7 +13540,7 @@
           </p:nvCxnSpPr>
           <p:spPr>
             <a:xfrm flipH="1">
-              <a:off x="7930579" y="4171609"/>
+              <a:off x="7930579" y="4163142"/>
               <a:ext cx="1175428" cy="1607796"/>
             </a:xfrm>
             <a:prstGeom prst="line">
@@ -12717,7 +13578,7 @@
           </p:nvCxnSpPr>
           <p:spPr>
             <a:xfrm>
-              <a:off x="6170713" y="5284558"/>
+              <a:off x="6170713" y="5276091"/>
               <a:ext cx="1479496" cy="610980"/>
             </a:xfrm>
             <a:prstGeom prst="line">
@@ -12753,10 +13614,10 @@
         </p:nvGrpSpPr>
         <p:grpSpPr>
           <a:xfrm>
-            <a:off x="4633395" y="2459624"/>
-            <a:ext cx="4636849" cy="3928625"/>
-            <a:chOff x="289995" y="2348493"/>
-            <a:chExt cx="4636849" cy="3928625"/>
+            <a:off x="5181600" y="670424"/>
+            <a:ext cx="4088644" cy="5717825"/>
+            <a:chOff x="838200" y="559293"/>
+            <a:chExt cx="4088644" cy="5717825"/>
           </a:xfrm>
         </p:grpSpPr>
         <p:sp>
@@ -13014,7 +13875,6 @@
                 <a:rPr lang="en-US" dirty="0"/>
                 <a:t>4</a:t>
               </a:r>
-              <a:endParaRPr lang="en-US" dirty="0"/>
             </a:p>
           </p:txBody>
         </p:sp>
@@ -13026,7 +13886,7 @@
           </p:nvSpPr>
           <p:spPr>
             <a:xfrm>
-              <a:off x="1748721" y="2348493"/>
+              <a:off x="3646105" y="1873782"/>
               <a:ext cx="328474" cy="328474"/>
             </a:xfrm>
             <a:prstGeom prst="ellipse">
@@ -13078,7 +13938,7 @@
           </p:nvSpPr>
           <p:spPr>
             <a:xfrm>
-              <a:off x="289995" y="3239293"/>
+              <a:off x="2280087" y="559293"/>
               <a:ext cx="328474" cy="328474"/>
             </a:xfrm>
             <a:prstGeom prst="ellipse">
@@ -13287,10 +14147,10 @@
         </p:nvGrpSpPr>
         <p:grpSpPr>
           <a:xfrm>
-            <a:off x="5151039" y="2717931"/>
-            <a:ext cx="3728959" cy="3709464"/>
-            <a:chOff x="822879" y="2666578"/>
-            <a:chExt cx="3728959" cy="3709464"/>
+            <a:off x="5285482" y="1285396"/>
+            <a:ext cx="3594516" cy="5141999"/>
+            <a:chOff x="957322" y="1234043"/>
+            <a:chExt cx="3594516" cy="5141999"/>
           </a:xfrm>
         </p:grpSpPr>
         <p:sp>
@@ -13391,7 +14251,7 @@
           </p:nvSpPr>
           <p:spPr>
             <a:xfrm>
-              <a:off x="2629339" y="2851244"/>
+              <a:off x="3322049" y="2786383"/>
               <a:ext cx="418704" cy="369332"/>
             </a:xfrm>
             <a:prstGeom prst="rect">
@@ -13421,7 +14281,7 @@
           </p:nvSpPr>
           <p:spPr>
             <a:xfrm>
-              <a:off x="822879" y="2666578"/>
+              <a:off x="3295314" y="1234043"/>
               <a:ext cx="418704" cy="369332"/>
             </a:xfrm>
             <a:prstGeom prst="rect">
@@ -13451,7 +14311,7 @@
           </p:nvSpPr>
           <p:spPr>
             <a:xfrm>
-              <a:off x="1868947" y="3009536"/>
+              <a:off x="2575990" y="2280291"/>
               <a:ext cx="418704" cy="369332"/>
             </a:xfrm>
             <a:prstGeom prst="rect">
@@ -13467,7 +14327,7 @@
             <a:p>
               <a:r>
                 <a:rPr lang="en-US" dirty="0" smtClean="0"/>
-                <a:t>15</a:t>
+                <a:t>40</a:t>
               </a:r>
               <a:endParaRPr lang="en-US" dirty="0"/>
             </a:p>
@@ -13481,7 +14341,7 @@
           </p:nvSpPr>
           <p:spPr>
             <a:xfrm>
-              <a:off x="1050260" y="3238002"/>
+              <a:off x="1569857" y="1971058"/>
               <a:ext cx="418704" cy="369332"/>
             </a:xfrm>
             <a:prstGeom prst="rect">
@@ -13496,8 +14356,12 @@
             <a:lstStyle/>
             <a:p>
               <a:r>
+                <a:rPr lang="en-US" dirty="0"/>
+                <a:t>6</a:t>
+              </a:r>
+              <a:r>
                 <a:rPr lang="en-US" dirty="0" smtClean="0"/>
-                <a:t>15</a:t>
+                <a:t>0</a:t>
               </a:r>
               <a:endParaRPr lang="en-US" dirty="0"/>
             </a:p>
@@ -13811,7 +14675,7 @@
     </p:spTree>
     <p:extLst>
       <p:ext uri="{BB962C8B-B14F-4D97-AF65-F5344CB8AC3E}">
-        <p14:creationId xmlns:p14="http://schemas.microsoft.com/office/powerpoint/2010/main" val="3623636226"/>
+        <p14:creationId xmlns:p14="http://schemas.microsoft.com/office/powerpoint/2010/main" val="3954870768"/>
       </p:ext>
     </p:extLst>
   </p:cSld>
@@ -13866,11 +14730,11 @@
             </a:r>
             <a:r>
               <a:rPr lang="en-US" dirty="0"/>
-              <a:t> D4 – </a:t>
+              <a:t> </a:t>
             </a:r>
             <a:r>
               <a:rPr lang="en-US" dirty="0" smtClean="0"/>
-              <a:t>TC(iii)</a:t>
+              <a:t>D4 – CE(ii)</a:t>
             </a:r>
             <a:endParaRPr lang="en-US" dirty="0"/>
           </a:p>
@@ -13886,14 +14750,59 @@
             <p:ph idx="1"/>
           </p:nvPr>
         </p:nvSpPr>
-        <p:spPr/>
+        <p:spPr>
+          <a:xfrm>
+            <a:off x="838200" y="1825625"/>
+            <a:ext cx="3674513" cy="4351338"/>
+          </a:xfrm>
+        </p:spPr>
         <p:txBody>
           <a:bodyPr/>
           <a:lstStyle/>
           <a:p>
             <a:r>
               <a:rPr lang="en-US" dirty="0" smtClean="0"/>
-              <a:t>New </a:t>
+              <a:t>Nodes 5 and 6 move</a:t>
+            </a:r>
+          </a:p>
+          <a:p>
+            <a:r>
+              <a:rPr lang="en-US" dirty="0" smtClean="0"/>
+              <a:t>Link distance updates:</a:t>
+            </a:r>
+            <a:br>
+              <a:rPr lang="en-US" dirty="0" smtClean="0"/>
+            </a:br>
+            <a:r>
+              <a:rPr lang="en-US" dirty="0" smtClean="0"/>
+              <a:t>d(e2-6) = 15, </a:t>
+            </a:r>
+            <a:br>
+              <a:rPr lang="en-US" dirty="0" smtClean="0"/>
+            </a:br>
+            <a:r>
+              <a:rPr lang="en-US" dirty="0" smtClean="0"/>
+              <a:t>d(e2-5) = 15</a:t>
+            </a:r>
+          </a:p>
+          <a:p>
+            <a:r>
+              <a:rPr lang="en-US" dirty="0" smtClean="0"/>
+              <a:t>New unclassified links:</a:t>
+            </a:r>
+            <a:br>
+              <a:rPr lang="en-US" dirty="0" smtClean="0"/>
+            </a:br>
+            <a:r>
+              <a:rPr lang="en-US" dirty="0" smtClean="0"/>
+              <a:t>e2-5,e2-6</a:t>
+            </a:r>
+          </a:p>
+          <a:p>
+            <a:pPr lvl="1"/>
+            <a:r>
+              <a:rPr lang="en-US" dirty="0" smtClean="0"/>
+              <a:t>e2-4 is still the longest link in 2-4-5</a:t>
             </a:r>
             <a:endParaRPr lang="en-US" dirty="0"/>
           </a:p>
@@ -13972,6 +14881,7 @@
               <a:solidFill>
                 <a:schemeClr val="tx1"/>
               </a:solidFill>
+              <a:prstDash val="sysDash"/>
             </a:ln>
           </p:spPr>
           <p:style>
@@ -14010,7 +14920,6 @@
               <a:solidFill>
                 <a:schemeClr val="tx1"/>
               </a:solidFill>
-              <a:prstDash val="sysDot"/>
             </a:ln>
           </p:spPr>
           <p:style>
@@ -14049,7 +14958,6 @@
               <a:solidFill>
                 <a:schemeClr val="tx1"/>
               </a:solidFill>
-              <a:prstDash val="sysDot"/>
             </a:ln>
           </p:spPr>
           <p:style>
@@ -14088,6 +14996,7 @@
               <a:solidFill>
                 <a:schemeClr val="tx1"/>
               </a:solidFill>
+              <a:prstDash val="sysDash"/>
             </a:ln>
           </p:spPr>
           <p:style>
@@ -14835,7 +15744,6 @@
                 <a:rPr lang="en-US" dirty="0"/>
                 <a:t>4</a:t>
               </a:r>
-              <a:endParaRPr lang="en-US" dirty="0"/>
             </a:p>
           </p:txBody>
         </p:sp>
@@ -15632,7 +16540,7 @@
     </p:spTree>
     <p:extLst>
       <p:ext uri="{BB962C8B-B14F-4D97-AF65-F5344CB8AC3E}">
-        <p14:creationId xmlns:p14="http://schemas.microsoft.com/office/powerpoint/2010/main" val="3022888696"/>
+        <p14:creationId xmlns:p14="http://schemas.microsoft.com/office/powerpoint/2010/main" val="3623636226"/>
       </p:ext>
     </p:extLst>
   </p:cSld>
@@ -15682,8 +16590,16 @@
           <a:lstStyle/>
           <a:p>
             <a:r>
-              <a:rPr lang="en-US" smtClean="0"/>
-              <a:t>Testgraph E1</a:t>
+              <a:rPr lang="en-US" dirty="0" err="1"/>
+              <a:t>Testgraph</a:t>
+            </a:r>
+            <a:r>
+              <a:rPr lang="en-US" dirty="0"/>
+              <a:t> D4 – </a:t>
+            </a:r>
+            <a:r>
+              <a:rPr lang="en-US" dirty="0" smtClean="0"/>
+              <a:t>TC(iii)</a:t>
             </a:r>
             <a:endParaRPr lang="en-US" dirty="0"/>
           </a:p>
@@ -15705,635 +16621,1746 @@
           <a:lstStyle/>
           <a:p>
             <a:r>
-              <a:rPr lang="en-US" smtClean="0"/>
-              <a:t>Simple test case for e-ktc</a:t>
-            </a:r>
-          </a:p>
-          <a:p>
-            <a:r>
-              <a:rPr lang="en-US" smtClean="0"/>
-              <a:t>Cases (k=1.5)</a:t>
-            </a:r>
-          </a:p>
-          <a:p>
-            <a:pPr lvl="1"/>
-            <a:r>
-              <a:rPr lang="en-US" smtClean="0"/>
-              <a:t>e13-e12-e23 =&gt; I</a:t>
-            </a:r>
-          </a:p>
-          <a:p>
-            <a:pPr lvl="1"/>
-            <a:r>
-              <a:rPr lang="en-US" smtClean="0"/>
-              <a:t>e32-e21-e13 =&gt; A</a:t>
-            </a:r>
-          </a:p>
-          <a:p>
-            <a:pPr lvl="1"/>
-            <a:r>
-              <a:rPr lang="en-US" smtClean="0"/>
-              <a:t>e21-e23-e31 =&gt; A</a:t>
-            </a:r>
-          </a:p>
-          <a:p>
-            <a:pPr lvl="1"/>
-            <a:r>
-              <a:rPr lang="en-US" smtClean="0"/>
-              <a:t>e31-e32-e21 =&gt; A</a:t>
-            </a:r>
-          </a:p>
-          <a:p>
-            <a:pPr lvl="1"/>
-            <a:r>
-              <a:rPr lang="en-US" smtClean="0"/>
-              <a:t>e12-e13-e32 =&gt; A</a:t>
-            </a:r>
-          </a:p>
-          <a:p>
-            <a:pPr lvl="1"/>
-            <a:r>
-              <a:rPr lang="en-US" smtClean="0"/>
-              <a:t>e23-e21-e13 =&gt; A</a:t>
-            </a:r>
-            <a:endParaRPr lang="en-US" dirty="0" smtClean="0"/>
+              <a:rPr lang="en-US" dirty="0" smtClean="0"/>
+              <a:t>New </a:t>
+            </a:r>
+            <a:endParaRPr lang="en-US" dirty="0"/>
           </a:p>
         </p:txBody>
       </p:sp>
-      <p:sp>
-        <p:nvSpPr>
-          <p:cNvPr id="4" name="Ellipse 3"/>
-          <p:cNvSpPr/>
+      <p:grpSp>
+        <p:nvGrpSpPr>
+          <p:cNvPr id="4" name="Kanten"/>
+          <p:cNvGrpSpPr/>
           <p:nvPr/>
-        </p:nvSpPr>
-        <p:spPr>
+        </p:nvGrpSpPr>
+        <p:grpSpPr>
           <a:xfrm>
-            <a:off x="7301925" y="2144069"/>
-            <a:ext cx="328474" cy="328474"/>
+            <a:off x="4913765" y="2623861"/>
+            <a:ext cx="4192242" cy="3600151"/>
+            <a:chOff x="4913765" y="2623861"/>
+            <a:chExt cx="4192242" cy="3600151"/>
           </a:xfrm>
-          <a:prstGeom prst="ellipse">
-            <a:avLst/>
-          </a:prstGeom>
-          <a:solidFill>
-            <a:schemeClr val="tx1"/>
-          </a:solidFill>
-        </p:spPr>
-        <p:style>
-          <a:lnRef idx="2">
-            <a:schemeClr val="accent1">
-              <a:shade val="50000"/>
-            </a:schemeClr>
-          </a:lnRef>
-          <a:fillRef idx="1">
-            <a:schemeClr val="accent1"/>
-          </a:fillRef>
-          <a:effectRef idx="0">
-            <a:schemeClr val="accent1"/>
-          </a:effectRef>
-          <a:fontRef idx="minor">
-            <a:schemeClr val="lt1"/>
-          </a:fontRef>
-        </p:style>
-        <p:txBody>
-          <a:bodyPr rtlCol="0" anchor="ctr"/>
-          <a:lstStyle/>
-          <a:p>
-            <a:pPr algn="ctr"/>
-            <a:r>
-              <a:rPr lang="en-US" dirty="0" smtClean="0"/>
-              <a:t>1</a:t>
-            </a:r>
-            <a:endParaRPr lang="en-US" dirty="0"/>
-          </a:p>
-        </p:txBody>
-      </p:sp>
-      <p:sp>
-        <p:nvSpPr>
-          <p:cNvPr id="5" name="Ellipse 4"/>
-          <p:cNvSpPr/>
+        </p:grpSpPr>
+        <p:cxnSp>
+          <p:nvCxnSpPr>
+            <p:cNvPr id="5" name="Gerader Verbinder 4"/>
+            <p:cNvCxnSpPr>
+              <a:stCxn id="23" idx="7"/>
+              <a:endCxn id="24" idx="3"/>
+            </p:cNvCxnSpPr>
+            <p:nvPr/>
+          </p:nvCxnSpPr>
+          <p:spPr>
+            <a:xfrm flipV="1">
+              <a:off x="5461970" y="3940411"/>
+              <a:ext cx="428373" cy="520893"/>
+            </a:xfrm>
+            <a:prstGeom prst="line">
+              <a:avLst/>
+            </a:prstGeom>
+            <a:ln w="38100">
+              <a:solidFill>
+                <a:schemeClr val="tx1"/>
+              </a:solidFill>
+            </a:ln>
+          </p:spPr>
+          <p:style>
+            <a:lnRef idx="1">
+              <a:schemeClr val="accent1"/>
+            </a:lnRef>
+            <a:fillRef idx="0">
+              <a:schemeClr val="accent1"/>
+            </a:fillRef>
+            <a:effectRef idx="0">
+              <a:schemeClr val="accent1"/>
+            </a:effectRef>
+            <a:fontRef idx="minor">
+              <a:schemeClr val="tx1"/>
+            </a:fontRef>
+          </p:style>
+        </p:cxnSp>
+        <p:cxnSp>
+          <p:nvCxnSpPr>
+            <p:cNvPr id="6" name="Gerader Verbinder 5"/>
+            <p:cNvCxnSpPr>
+              <a:stCxn id="24" idx="2"/>
+              <a:endCxn id="29" idx="5"/>
+            </p:cNvCxnSpPr>
+            <p:nvPr/>
+          </p:nvCxnSpPr>
+          <p:spPr>
+            <a:xfrm flipH="1" flipV="1">
+              <a:off x="4913765" y="3630794"/>
+              <a:ext cx="928474" cy="193484"/>
+            </a:xfrm>
+            <a:prstGeom prst="line">
+              <a:avLst/>
+            </a:prstGeom>
+            <a:ln w="38100">
+              <a:solidFill>
+                <a:schemeClr val="tx1"/>
+              </a:solidFill>
+            </a:ln>
+          </p:spPr>
+          <p:style>
+            <a:lnRef idx="1">
+              <a:schemeClr val="accent1"/>
+            </a:lnRef>
+            <a:fillRef idx="0">
+              <a:schemeClr val="accent1"/>
+            </a:fillRef>
+            <a:effectRef idx="0">
+              <a:schemeClr val="accent1"/>
+            </a:effectRef>
+            <a:fontRef idx="minor">
+              <a:schemeClr val="tx1"/>
+            </a:fontRef>
+          </p:style>
+        </p:cxnSp>
+        <p:cxnSp>
+          <p:nvCxnSpPr>
+            <p:cNvPr id="7" name="Gerader Verbinder 6"/>
+            <p:cNvCxnSpPr>
+              <a:stCxn id="29" idx="7"/>
+              <a:endCxn id="28" idx="2"/>
+            </p:cNvCxnSpPr>
+            <p:nvPr/>
+          </p:nvCxnSpPr>
+          <p:spPr>
+            <a:xfrm flipV="1">
+              <a:off x="4913765" y="2623861"/>
+              <a:ext cx="1178356" cy="774667"/>
+            </a:xfrm>
+            <a:prstGeom prst="line">
+              <a:avLst/>
+            </a:prstGeom>
+            <a:ln w="38100">
+              <a:solidFill>
+                <a:schemeClr val="tx1"/>
+              </a:solidFill>
+              <a:prstDash val="sysDot"/>
+            </a:ln>
+          </p:spPr>
+          <p:style>
+            <a:lnRef idx="1">
+              <a:schemeClr val="accent1"/>
+            </a:lnRef>
+            <a:fillRef idx="0">
+              <a:schemeClr val="accent1"/>
+            </a:fillRef>
+            <a:effectRef idx="0">
+              <a:schemeClr val="accent1"/>
+            </a:effectRef>
+            <a:fontRef idx="minor">
+              <a:schemeClr val="tx1"/>
+            </a:fontRef>
+          </p:style>
+        </p:cxnSp>
+        <p:cxnSp>
+          <p:nvCxnSpPr>
+            <p:cNvPr id="8" name="Gerader Verbinder 7"/>
+            <p:cNvCxnSpPr>
+              <a:stCxn id="28" idx="5"/>
+              <a:endCxn id="27" idx="0"/>
+            </p:cNvCxnSpPr>
+            <p:nvPr/>
+          </p:nvCxnSpPr>
+          <p:spPr>
+            <a:xfrm>
+              <a:off x="6372491" y="2739994"/>
+              <a:ext cx="1028340" cy="774667"/>
+            </a:xfrm>
+            <a:prstGeom prst="line">
+              <a:avLst/>
+            </a:prstGeom>
+            <a:ln w="38100">
+              <a:solidFill>
+                <a:schemeClr val="tx1"/>
+              </a:solidFill>
+              <a:prstDash val="sysDot"/>
+            </a:ln>
+          </p:spPr>
+          <p:style>
+            <a:lnRef idx="1">
+              <a:schemeClr val="accent1"/>
+            </a:lnRef>
+            <a:fillRef idx="0">
+              <a:schemeClr val="accent1"/>
+            </a:fillRef>
+            <a:effectRef idx="0">
+              <a:schemeClr val="accent1"/>
+            </a:effectRef>
+            <a:fontRef idx="minor">
+              <a:schemeClr val="tx1"/>
+            </a:fontRef>
+          </p:style>
+        </p:cxnSp>
+        <p:cxnSp>
+          <p:nvCxnSpPr>
+            <p:cNvPr id="9" name="Gerader Verbinder 8"/>
+            <p:cNvCxnSpPr>
+              <a:stCxn id="28" idx="4"/>
+              <a:endCxn id="24" idx="0"/>
+            </p:cNvCxnSpPr>
+            <p:nvPr/>
+          </p:nvCxnSpPr>
+          <p:spPr>
+            <a:xfrm flipH="1">
+              <a:off x="6006476" y="2788098"/>
+              <a:ext cx="249882" cy="871943"/>
+            </a:xfrm>
+            <a:prstGeom prst="line">
+              <a:avLst/>
+            </a:prstGeom>
+            <a:ln w="38100">
+              <a:solidFill>
+                <a:schemeClr val="tx1"/>
+              </a:solidFill>
+            </a:ln>
+          </p:spPr>
+          <p:style>
+            <a:lnRef idx="1">
+              <a:schemeClr val="accent1"/>
+            </a:lnRef>
+            <a:fillRef idx="0">
+              <a:schemeClr val="accent1"/>
+            </a:fillRef>
+            <a:effectRef idx="0">
+              <a:schemeClr val="accent1"/>
+            </a:effectRef>
+            <a:fontRef idx="minor">
+              <a:schemeClr val="tx1"/>
+            </a:fontRef>
+          </p:style>
+        </p:cxnSp>
+        <p:cxnSp>
+          <p:nvCxnSpPr>
+            <p:cNvPr id="10" name="Gerader Verbinder 9"/>
+            <p:cNvCxnSpPr>
+              <a:stCxn id="24" idx="6"/>
+              <a:endCxn id="27" idx="3"/>
+            </p:cNvCxnSpPr>
+            <p:nvPr/>
+          </p:nvCxnSpPr>
+          <p:spPr>
+            <a:xfrm flipV="1">
+              <a:off x="6170713" y="3795031"/>
+              <a:ext cx="1113985" cy="29247"/>
+            </a:xfrm>
+            <a:prstGeom prst="line">
+              <a:avLst/>
+            </a:prstGeom>
+            <a:ln w="38100">
+              <a:solidFill>
+                <a:schemeClr val="tx1"/>
+              </a:solidFill>
+              <a:prstDash val="sysDot"/>
+            </a:ln>
+          </p:spPr>
+          <p:style>
+            <a:lnRef idx="1">
+              <a:schemeClr val="accent1"/>
+            </a:lnRef>
+            <a:fillRef idx="0">
+              <a:schemeClr val="accent1"/>
+            </a:fillRef>
+            <a:effectRef idx="0">
+              <a:schemeClr val="accent1"/>
+            </a:effectRef>
+            <a:fontRef idx="minor">
+              <a:schemeClr val="tx1"/>
+            </a:fontRef>
+          </p:style>
+        </p:cxnSp>
+        <p:cxnSp>
+          <p:nvCxnSpPr>
+            <p:cNvPr id="11" name="Gerader Verbinder 10"/>
+            <p:cNvCxnSpPr>
+              <a:stCxn id="25" idx="7"/>
+              <a:endCxn id="27" idx="3"/>
+            </p:cNvCxnSpPr>
+            <p:nvPr/>
+          </p:nvCxnSpPr>
+          <p:spPr>
+            <a:xfrm flipV="1">
+              <a:off x="6711889" y="3795031"/>
+              <a:ext cx="572809" cy="622934"/>
+            </a:xfrm>
+            <a:prstGeom prst="line">
+              <a:avLst/>
+            </a:prstGeom>
+            <a:ln w="38100">
+              <a:solidFill>
+                <a:schemeClr val="tx1"/>
+              </a:solidFill>
+            </a:ln>
+          </p:spPr>
+          <p:style>
+            <a:lnRef idx="1">
+              <a:schemeClr val="accent1"/>
+            </a:lnRef>
+            <a:fillRef idx="0">
+              <a:schemeClr val="accent1"/>
+            </a:fillRef>
+            <a:effectRef idx="0">
+              <a:schemeClr val="accent1"/>
+            </a:effectRef>
+            <a:fontRef idx="minor">
+              <a:schemeClr val="tx1"/>
+            </a:fontRef>
+          </p:style>
+        </p:cxnSp>
+        <p:cxnSp>
+          <p:nvCxnSpPr>
+            <p:cNvPr id="12" name="Gerader Verbinder 11"/>
+            <p:cNvCxnSpPr>
+              <a:stCxn id="24" idx="5"/>
+              <a:endCxn id="25" idx="1"/>
+            </p:cNvCxnSpPr>
+            <p:nvPr/>
+          </p:nvCxnSpPr>
+          <p:spPr>
+            <a:xfrm>
+              <a:off x="6122609" y="3940411"/>
+              <a:ext cx="357014" cy="477554"/>
+            </a:xfrm>
+            <a:prstGeom prst="line">
+              <a:avLst/>
+            </a:prstGeom>
+            <a:ln w="38100">
+              <a:solidFill>
+                <a:schemeClr val="tx1"/>
+              </a:solidFill>
+            </a:ln>
+          </p:spPr>
+          <p:style>
+            <a:lnRef idx="1">
+              <a:schemeClr val="accent1"/>
+            </a:lnRef>
+            <a:fillRef idx="0">
+              <a:schemeClr val="accent1"/>
+            </a:fillRef>
+            <a:effectRef idx="0">
+              <a:schemeClr val="accent1"/>
+            </a:effectRef>
+            <a:fontRef idx="minor">
+              <a:schemeClr val="tx1"/>
+            </a:fontRef>
+          </p:style>
+        </p:cxnSp>
+        <p:cxnSp>
+          <p:nvCxnSpPr>
+            <p:cNvPr id="13" name="Gerader Verbinder 12"/>
+            <p:cNvCxnSpPr>
+              <a:stCxn id="25" idx="2"/>
+              <a:endCxn id="23" idx="6"/>
+            </p:cNvCxnSpPr>
+            <p:nvPr/>
+          </p:nvCxnSpPr>
+          <p:spPr>
+            <a:xfrm flipH="1">
+              <a:off x="5510074" y="4534098"/>
+              <a:ext cx="921445" cy="43339"/>
+            </a:xfrm>
+            <a:prstGeom prst="line">
+              <a:avLst/>
+            </a:prstGeom>
+            <a:ln w="38100">
+              <a:solidFill>
+                <a:schemeClr val="tx1"/>
+              </a:solidFill>
+              <a:prstDash val="sysDot"/>
+            </a:ln>
+          </p:spPr>
+          <p:style>
+            <a:lnRef idx="1">
+              <a:schemeClr val="accent1"/>
+            </a:lnRef>
+            <a:fillRef idx="0">
+              <a:schemeClr val="accent1"/>
+            </a:fillRef>
+            <a:effectRef idx="0">
+              <a:schemeClr val="accent1"/>
+            </a:effectRef>
+            <a:fontRef idx="minor">
+              <a:schemeClr val="tx1"/>
+            </a:fontRef>
+          </p:style>
+        </p:cxnSp>
+        <p:cxnSp>
+          <p:nvCxnSpPr>
+            <p:cNvPr id="14" name="Gerader Verbinder 13"/>
+            <p:cNvCxnSpPr>
+              <a:stCxn id="26" idx="1"/>
+              <a:endCxn id="23" idx="5"/>
+            </p:cNvCxnSpPr>
+            <p:nvPr/>
+          </p:nvCxnSpPr>
+          <p:spPr>
+            <a:xfrm flipH="1" flipV="1">
+              <a:off x="5461970" y="4693570"/>
+              <a:ext cx="428373" cy="474855"/>
+            </a:xfrm>
+            <a:prstGeom prst="line">
+              <a:avLst/>
+            </a:prstGeom>
+            <a:ln w="38100">
+              <a:solidFill>
+                <a:schemeClr val="tx1"/>
+              </a:solidFill>
+            </a:ln>
+          </p:spPr>
+          <p:style>
+            <a:lnRef idx="1">
+              <a:schemeClr val="accent1"/>
+            </a:lnRef>
+            <a:fillRef idx="0">
+              <a:schemeClr val="accent1"/>
+            </a:fillRef>
+            <a:effectRef idx="0">
+              <a:schemeClr val="accent1"/>
+            </a:effectRef>
+            <a:fontRef idx="minor">
+              <a:schemeClr val="tx1"/>
+            </a:fontRef>
+          </p:style>
+        </p:cxnSp>
+        <p:cxnSp>
+          <p:nvCxnSpPr>
+            <p:cNvPr id="15" name="Gerader Verbinder 14"/>
+            <p:cNvCxnSpPr>
+              <a:stCxn id="26" idx="0"/>
+              <a:endCxn id="25" idx="3"/>
+            </p:cNvCxnSpPr>
+            <p:nvPr/>
+          </p:nvCxnSpPr>
+          <p:spPr>
+            <a:xfrm flipV="1">
+              <a:off x="6006476" y="4650231"/>
+              <a:ext cx="473147" cy="470090"/>
+            </a:xfrm>
+            <a:prstGeom prst="line">
+              <a:avLst/>
+            </a:prstGeom>
+            <a:ln w="38100">
+              <a:solidFill>
+                <a:schemeClr val="tx1"/>
+              </a:solidFill>
+            </a:ln>
+          </p:spPr>
+          <p:style>
+            <a:lnRef idx="1">
+              <a:schemeClr val="accent1"/>
+            </a:lnRef>
+            <a:fillRef idx="0">
+              <a:schemeClr val="accent1"/>
+            </a:fillRef>
+            <a:effectRef idx="0">
+              <a:schemeClr val="accent1"/>
+            </a:effectRef>
+            <a:fontRef idx="minor">
+              <a:schemeClr val="tx1"/>
+            </a:fontRef>
+          </p:style>
+        </p:cxnSp>
+        <p:cxnSp>
+          <p:nvCxnSpPr>
+            <p:cNvPr id="16" name="Gerader Verbinder 15"/>
+            <p:cNvCxnSpPr>
+              <a:stCxn id="26" idx="4"/>
+              <a:endCxn id="30" idx="1"/>
+            </p:cNvCxnSpPr>
+            <p:nvPr/>
+          </p:nvCxnSpPr>
+          <p:spPr>
+            <a:xfrm>
+              <a:off x="6006476" y="5448795"/>
+              <a:ext cx="525156" cy="659084"/>
+            </a:xfrm>
+            <a:prstGeom prst="line">
+              <a:avLst/>
+            </a:prstGeom>
+            <a:ln w="38100">
+              <a:solidFill>
+                <a:schemeClr val="tx1"/>
+              </a:solidFill>
+              <a:prstDash val="sysDot"/>
+            </a:ln>
+          </p:spPr>
+          <p:style>
+            <a:lnRef idx="1">
+              <a:schemeClr val="accent1"/>
+            </a:lnRef>
+            <a:fillRef idx="0">
+              <a:schemeClr val="accent1"/>
+            </a:fillRef>
+            <a:effectRef idx="0">
+              <a:schemeClr val="accent1"/>
+            </a:effectRef>
+            <a:fontRef idx="minor">
+              <a:schemeClr val="tx1"/>
+            </a:fontRef>
+          </p:style>
+        </p:cxnSp>
+        <p:cxnSp>
+          <p:nvCxnSpPr>
+            <p:cNvPr id="17" name="Gerader Verbinder 16"/>
+            <p:cNvCxnSpPr>
+              <a:stCxn id="31" idx="3"/>
+              <a:endCxn id="30" idx="6"/>
+            </p:cNvCxnSpPr>
+            <p:nvPr/>
+          </p:nvCxnSpPr>
+          <p:spPr>
+            <a:xfrm flipH="1">
+              <a:off x="6812002" y="6011671"/>
+              <a:ext cx="886311" cy="212341"/>
+            </a:xfrm>
+            <a:prstGeom prst="line">
+              <a:avLst/>
+            </a:prstGeom>
+            <a:ln w="38100">
+              <a:solidFill>
+                <a:schemeClr val="tx1"/>
+              </a:solidFill>
+            </a:ln>
+          </p:spPr>
+          <p:style>
+            <a:lnRef idx="1">
+              <a:schemeClr val="accent1"/>
+            </a:lnRef>
+            <a:fillRef idx="0">
+              <a:schemeClr val="accent1"/>
+            </a:fillRef>
+            <a:effectRef idx="0">
+              <a:schemeClr val="accent1"/>
+            </a:effectRef>
+            <a:fontRef idx="minor">
+              <a:schemeClr val="tx1"/>
+            </a:fontRef>
+          </p:style>
+        </p:cxnSp>
+        <p:cxnSp>
+          <p:nvCxnSpPr>
+            <p:cNvPr id="18" name="Gerader Verbinder 17"/>
+            <p:cNvCxnSpPr>
+              <a:stCxn id="31" idx="1"/>
+              <a:endCxn id="25" idx="5"/>
+            </p:cNvCxnSpPr>
+            <p:nvPr/>
+          </p:nvCxnSpPr>
+          <p:spPr>
+            <a:xfrm flipH="1" flipV="1">
+              <a:off x="6711889" y="4650231"/>
+              <a:ext cx="986424" cy="1129174"/>
+            </a:xfrm>
+            <a:prstGeom prst="line">
+              <a:avLst/>
+            </a:prstGeom>
+            <a:ln w="38100">
+              <a:solidFill>
+                <a:schemeClr val="tx1"/>
+              </a:solidFill>
+              <a:prstDash val="sysDot"/>
+            </a:ln>
+          </p:spPr>
+          <p:style>
+            <a:lnRef idx="1">
+              <a:schemeClr val="accent1"/>
+            </a:lnRef>
+            <a:fillRef idx="0">
+              <a:schemeClr val="accent1"/>
+            </a:fillRef>
+            <a:effectRef idx="0">
+              <a:schemeClr val="accent1"/>
+            </a:effectRef>
+            <a:fontRef idx="minor">
+              <a:schemeClr val="tx1"/>
+            </a:fontRef>
+          </p:style>
+        </p:cxnSp>
+        <p:cxnSp>
+          <p:nvCxnSpPr>
+            <p:cNvPr id="19" name="Gerader Verbinder 18"/>
+            <p:cNvCxnSpPr>
+              <a:stCxn id="32" idx="2"/>
+              <a:endCxn id="25" idx="6"/>
+            </p:cNvCxnSpPr>
+            <p:nvPr/>
+          </p:nvCxnSpPr>
+          <p:spPr>
+            <a:xfrm flipH="1">
+              <a:off x="6759993" y="4007372"/>
+              <a:ext cx="2181777" cy="526726"/>
+            </a:xfrm>
+            <a:prstGeom prst="line">
+              <a:avLst/>
+            </a:prstGeom>
+            <a:ln w="38100">
+              <a:solidFill>
+                <a:schemeClr val="tx1"/>
+              </a:solidFill>
+            </a:ln>
+          </p:spPr>
+          <p:style>
+            <a:lnRef idx="1">
+              <a:schemeClr val="accent1"/>
+            </a:lnRef>
+            <a:fillRef idx="0">
+              <a:schemeClr val="accent1"/>
+            </a:fillRef>
+            <a:effectRef idx="0">
+              <a:schemeClr val="accent1"/>
+            </a:effectRef>
+            <a:fontRef idx="minor">
+              <a:schemeClr val="tx1"/>
+            </a:fontRef>
+          </p:style>
+        </p:cxnSp>
+        <p:cxnSp>
+          <p:nvCxnSpPr>
+            <p:cNvPr id="20" name="Gerader Verbinder 19"/>
+            <p:cNvCxnSpPr>
+              <a:stCxn id="32" idx="4"/>
+              <a:endCxn id="31" idx="7"/>
+            </p:cNvCxnSpPr>
+            <p:nvPr/>
+          </p:nvCxnSpPr>
+          <p:spPr>
+            <a:xfrm flipH="1">
+              <a:off x="7930579" y="4171609"/>
+              <a:ext cx="1175428" cy="1607796"/>
+            </a:xfrm>
+            <a:prstGeom prst="line">
+              <a:avLst/>
+            </a:prstGeom>
+            <a:ln w="38100">
+              <a:solidFill>
+                <a:schemeClr val="tx1"/>
+              </a:solidFill>
+            </a:ln>
+          </p:spPr>
+          <p:style>
+            <a:lnRef idx="1">
+              <a:schemeClr val="accent1"/>
+            </a:lnRef>
+            <a:fillRef idx="0">
+              <a:schemeClr val="accent1"/>
+            </a:fillRef>
+            <a:effectRef idx="0">
+              <a:schemeClr val="accent1"/>
+            </a:effectRef>
+            <a:fontRef idx="minor">
+              <a:schemeClr val="tx1"/>
+            </a:fontRef>
+          </p:style>
+        </p:cxnSp>
+        <p:cxnSp>
+          <p:nvCxnSpPr>
+            <p:cNvPr id="21" name="Gerader Verbinder 20"/>
+            <p:cNvCxnSpPr>
+              <a:stCxn id="26" idx="6"/>
+              <a:endCxn id="31" idx="2"/>
+            </p:cNvCxnSpPr>
+            <p:nvPr/>
+          </p:nvCxnSpPr>
+          <p:spPr>
+            <a:xfrm>
+              <a:off x="6170713" y="5284558"/>
+              <a:ext cx="1479496" cy="610980"/>
+            </a:xfrm>
+            <a:prstGeom prst="line">
+              <a:avLst/>
+            </a:prstGeom>
+            <a:ln w="38100">
+              <a:solidFill>
+                <a:schemeClr val="tx1"/>
+              </a:solidFill>
+            </a:ln>
+          </p:spPr>
+          <p:style>
+            <a:lnRef idx="1">
+              <a:schemeClr val="accent1"/>
+            </a:lnRef>
+            <a:fillRef idx="0">
+              <a:schemeClr val="accent1"/>
+            </a:fillRef>
+            <a:effectRef idx="0">
+              <a:schemeClr val="accent1"/>
+            </a:effectRef>
+            <a:fontRef idx="minor">
+              <a:schemeClr val="tx1"/>
+            </a:fontRef>
+          </p:style>
+        </p:cxnSp>
+      </p:grpSp>
+      <p:grpSp>
+        <p:nvGrpSpPr>
+          <p:cNvPr id="22" name="Knoten"/>
+          <p:cNvGrpSpPr/>
           <p:nvPr/>
-        </p:nvSpPr>
-        <p:spPr>
+        </p:nvGrpSpPr>
+        <p:grpSpPr>
           <a:xfrm>
-            <a:off x="8231819" y="845564"/>
-            <a:ext cx="328474" cy="328474"/>
+            <a:off x="4633395" y="2459624"/>
+            <a:ext cx="4636849" cy="3928625"/>
+            <a:chOff x="289995" y="2348493"/>
+            <a:chExt cx="4636849" cy="3928625"/>
           </a:xfrm>
-          <a:prstGeom prst="ellipse">
-            <a:avLst/>
-          </a:prstGeom>
-          <a:solidFill>
-            <a:schemeClr val="tx1"/>
-          </a:solidFill>
-        </p:spPr>
-        <p:style>
-          <a:lnRef idx="2">
-            <a:schemeClr val="accent1">
-              <a:shade val="50000"/>
-            </a:schemeClr>
-          </a:lnRef>
-          <a:fillRef idx="1">
-            <a:schemeClr val="accent1"/>
-          </a:fillRef>
-          <a:effectRef idx="0">
-            <a:schemeClr val="accent1"/>
-          </a:effectRef>
-          <a:fontRef idx="minor">
-            <a:schemeClr val="lt1"/>
-          </a:fontRef>
-        </p:style>
-        <p:txBody>
-          <a:bodyPr rtlCol="0" anchor="ctr"/>
-          <a:lstStyle/>
-          <a:p>
-            <a:pPr algn="ctr"/>
-            <a:r>
-              <a:rPr lang="en-US" dirty="0"/>
-              <a:t>2</a:t>
-            </a:r>
-          </a:p>
-        </p:txBody>
-      </p:sp>
-      <p:sp>
-        <p:nvSpPr>
-          <p:cNvPr id="6" name="Ellipse 5"/>
-          <p:cNvSpPr/>
+        </p:grpSpPr>
+        <p:sp>
+          <p:nvSpPr>
+            <p:cNvPr id="23" name="Ellipse 22"/>
+            <p:cNvSpPr/>
+            <p:nvPr/>
+          </p:nvSpPr>
+          <p:spPr>
+            <a:xfrm>
+              <a:off x="838200" y="4302069"/>
+              <a:ext cx="328474" cy="328474"/>
+            </a:xfrm>
+            <a:prstGeom prst="ellipse">
+              <a:avLst/>
+            </a:prstGeom>
+            <a:solidFill>
+              <a:schemeClr val="tx1"/>
+            </a:solidFill>
+            <a:ln>
+              <a:solidFill>
+                <a:schemeClr val="tx1"/>
+              </a:solidFill>
+            </a:ln>
+          </p:spPr>
+          <p:style>
+            <a:lnRef idx="2">
+              <a:schemeClr val="accent1">
+                <a:shade val="50000"/>
+              </a:schemeClr>
+            </a:lnRef>
+            <a:fillRef idx="1">
+              <a:schemeClr val="accent1"/>
+            </a:fillRef>
+            <a:effectRef idx="0">
+              <a:schemeClr val="accent1"/>
+            </a:effectRef>
+            <a:fontRef idx="minor">
+              <a:schemeClr val="lt1"/>
+            </a:fontRef>
+          </p:style>
+          <p:txBody>
+            <a:bodyPr rtlCol="0" anchor="ctr"/>
+            <a:lstStyle/>
+            <a:p>
+              <a:pPr algn="ctr"/>
+              <a:r>
+                <a:rPr lang="en-US" dirty="0" smtClean="0"/>
+                <a:t>1</a:t>
+              </a:r>
+              <a:endParaRPr lang="en-US" dirty="0"/>
+            </a:p>
+          </p:txBody>
+        </p:sp>
+        <p:sp>
+          <p:nvSpPr>
+            <p:cNvPr id="24" name="Ellipse 23"/>
+            <p:cNvSpPr/>
+            <p:nvPr/>
+          </p:nvSpPr>
+          <p:spPr>
+            <a:xfrm>
+              <a:off x="1498839" y="3548910"/>
+              <a:ext cx="328474" cy="328474"/>
+            </a:xfrm>
+            <a:prstGeom prst="ellipse">
+              <a:avLst/>
+            </a:prstGeom>
+            <a:solidFill>
+              <a:schemeClr val="tx1"/>
+            </a:solidFill>
+            <a:ln>
+              <a:solidFill>
+                <a:schemeClr val="tx1"/>
+              </a:solidFill>
+            </a:ln>
+          </p:spPr>
+          <p:style>
+            <a:lnRef idx="2">
+              <a:schemeClr val="accent1">
+                <a:shade val="50000"/>
+              </a:schemeClr>
+            </a:lnRef>
+            <a:fillRef idx="1">
+              <a:schemeClr val="accent1"/>
+            </a:fillRef>
+            <a:effectRef idx="0">
+              <a:schemeClr val="accent1"/>
+            </a:effectRef>
+            <a:fontRef idx="minor">
+              <a:schemeClr val="lt1"/>
+            </a:fontRef>
+          </p:style>
+          <p:txBody>
+            <a:bodyPr rtlCol="0" anchor="ctr"/>
+            <a:lstStyle/>
+            <a:p>
+              <a:pPr algn="ctr"/>
+              <a:r>
+                <a:rPr lang="en-US" dirty="0"/>
+                <a:t>2</a:t>
+              </a:r>
+            </a:p>
+          </p:txBody>
+        </p:sp>
+        <p:sp>
+          <p:nvSpPr>
+            <p:cNvPr id="25" name="Ellipse 24"/>
+            <p:cNvSpPr/>
+            <p:nvPr/>
+          </p:nvSpPr>
+          <p:spPr>
+            <a:xfrm>
+              <a:off x="2088119" y="4258730"/>
+              <a:ext cx="328474" cy="328474"/>
+            </a:xfrm>
+            <a:prstGeom prst="ellipse">
+              <a:avLst/>
+            </a:prstGeom>
+            <a:solidFill>
+              <a:schemeClr val="tx1"/>
+            </a:solidFill>
+            <a:ln>
+              <a:solidFill>
+                <a:schemeClr val="tx1"/>
+              </a:solidFill>
+            </a:ln>
+          </p:spPr>
+          <p:style>
+            <a:lnRef idx="2">
+              <a:schemeClr val="accent1">
+                <a:shade val="50000"/>
+              </a:schemeClr>
+            </a:lnRef>
+            <a:fillRef idx="1">
+              <a:schemeClr val="accent1"/>
+            </a:fillRef>
+            <a:effectRef idx="0">
+              <a:schemeClr val="accent1"/>
+            </a:effectRef>
+            <a:fontRef idx="minor">
+              <a:schemeClr val="lt1"/>
+            </a:fontRef>
+          </p:style>
+          <p:txBody>
+            <a:bodyPr rtlCol="0" anchor="ctr"/>
+            <a:lstStyle/>
+            <a:p>
+              <a:pPr algn="ctr"/>
+              <a:r>
+                <a:rPr lang="en-US" dirty="0" smtClean="0"/>
+                <a:t>3</a:t>
+              </a:r>
+              <a:endParaRPr lang="en-US" dirty="0"/>
+            </a:p>
+          </p:txBody>
+        </p:sp>
+        <p:sp>
+          <p:nvSpPr>
+            <p:cNvPr id="26" name="Ellipse 25"/>
+            <p:cNvSpPr/>
+            <p:nvPr/>
+          </p:nvSpPr>
+          <p:spPr>
+            <a:xfrm>
+              <a:off x="1498839" y="5009190"/>
+              <a:ext cx="328474" cy="328474"/>
+            </a:xfrm>
+            <a:prstGeom prst="ellipse">
+              <a:avLst/>
+            </a:prstGeom>
+            <a:solidFill>
+              <a:schemeClr val="tx1"/>
+            </a:solidFill>
+            <a:ln>
+              <a:solidFill>
+                <a:schemeClr val="tx1"/>
+              </a:solidFill>
+            </a:ln>
+          </p:spPr>
+          <p:style>
+            <a:lnRef idx="2">
+              <a:schemeClr val="accent1">
+                <a:shade val="50000"/>
+              </a:schemeClr>
+            </a:lnRef>
+            <a:fillRef idx="1">
+              <a:schemeClr val="accent1"/>
+            </a:fillRef>
+            <a:effectRef idx="0">
+              <a:schemeClr val="accent1"/>
+            </a:effectRef>
+            <a:fontRef idx="minor">
+              <a:schemeClr val="lt1"/>
+            </a:fontRef>
+          </p:style>
+          <p:txBody>
+            <a:bodyPr rtlCol="0" anchor="ctr"/>
+            <a:lstStyle/>
+            <a:p>
+              <a:pPr algn="ctr"/>
+              <a:r>
+                <a:rPr lang="en-US" dirty="0" smtClean="0"/>
+                <a:t>7</a:t>
+              </a:r>
+              <a:endParaRPr lang="en-US" dirty="0"/>
+            </a:p>
+          </p:txBody>
+        </p:sp>
+        <p:sp>
+          <p:nvSpPr>
+            <p:cNvPr id="27" name="Ellipse 26"/>
+            <p:cNvSpPr/>
+            <p:nvPr/>
+          </p:nvSpPr>
+          <p:spPr>
+            <a:xfrm>
+              <a:off x="2893194" y="3403530"/>
+              <a:ext cx="328474" cy="328474"/>
+            </a:xfrm>
+            <a:prstGeom prst="ellipse">
+              <a:avLst/>
+            </a:prstGeom>
+            <a:solidFill>
+              <a:schemeClr val="tx1"/>
+            </a:solidFill>
+            <a:ln>
+              <a:solidFill>
+                <a:schemeClr val="tx1"/>
+              </a:solidFill>
+            </a:ln>
+          </p:spPr>
+          <p:style>
+            <a:lnRef idx="2">
+              <a:schemeClr val="accent1">
+                <a:shade val="50000"/>
+              </a:schemeClr>
+            </a:lnRef>
+            <a:fillRef idx="1">
+              <a:schemeClr val="accent1"/>
+            </a:fillRef>
+            <a:effectRef idx="0">
+              <a:schemeClr val="accent1"/>
+            </a:effectRef>
+            <a:fontRef idx="minor">
+              <a:schemeClr val="lt1"/>
+            </a:fontRef>
+          </p:style>
+          <p:txBody>
+            <a:bodyPr rtlCol="0" anchor="ctr"/>
+            <a:lstStyle/>
+            <a:p>
+              <a:pPr algn="ctr"/>
+              <a:r>
+                <a:rPr lang="en-US" dirty="0"/>
+                <a:t>4</a:t>
+              </a:r>
+            </a:p>
+          </p:txBody>
+        </p:sp>
+        <p:sp>
+          <p:nvSpPr>
+            <p:cNvPr id="28" name="Ellipse 27"/>
+            <p:cNvSpPr/>
+            <p:nvPr/>
+          </p:nvSpPr>
+          <p:spPr>
+            <a:xfrm>
+              <a:off x="1748721" y="2348493"/>
+              <a:ext cx="328474" cy="328474"/>
+            </a:xfrm>
+            <a:prstGeom prst="ellipse">
+              <a:avLst/>
+            </a:prstGeom>
+            <a:solidFill>
+              <a:schemeClr val="tx1"/>
+            </a:solidFill>
+            <a:ln>
+              <a:solidFill>
+                <a:schemeClr val="tx1"/>
+              </a:solidFill>
+            </a:ln>
+          </p:spPr>
+          <p:style>
+            <a:lnRef idx="2">
+              <a:schemeClr val="accent1">
+                <a:shade val="50000"/>
+              </a:schemeClr>
+            </a:lnRef>
+            <a:fillRef idx="1">
+              <a:schemeClr val="accent1"/>
+            </a:fillRef>
+            <a:effectRef idx="0">
+              <a:schemeClr val="accent1"/>
+            </a:effectRef>
+            <a:fontRef idx="minor">
+              <a:schemeClr val="lt1"/>
+            </a:fontRef>
+          </p:style>
+          <p:txBody>
+            <a:bodyPr rtlCol="0" anchor="ctr"/>
+            <a:lstStyle/>
+            <a:p>
+              <a:pPr algn="ctr"/>
+              <a:r>
+                <a:rPr lang="en-US" dirty="0" smtClean="0"/>
+                <a:t>5</a:t>
+              </a:r>
+              <a:endParaRPr lang="en-US" dirty="0"/>
+            </a:p>
+          </p:txBody>
+        </p:sp>
+        <p:sp>
+          <p:nvSpPr>
+            <p:cNvPr id="29" name="Ellipse 28"/>
+            <p:cNvSpPr/>
+            <p:nvPr/>
+          </p:nvSpPr>
+          <p:spPr>
+            <a:xfrm>
+              <a:off x="289995" y="3239293"/>
+              <a:ext cx="328474" cy="328474"/>
+            </a:xfrm>
+            <a:prstGeom prst="ellipse">
+              <a:avLst/>
+            </a:prstGeom>
+            <a:solidFill>
+              <a:schemeClr val="tx1"/>
+            </a:solidFill>
+            <a:ln>
+              <a:solidFill>
+                <a:schemeClr val="tx1"/>
+              </a:solidFill>
+            </a:ln>
+          </p:spPr>
+          <p:style>
+            <a:lnRef idx="2">
+              <a:schemeClr val="accent1">
+                <a:shade val="50000"/>
+              </a:schemeClr>
+            </a:lnRef>
+            <a:fillRef idx="1">
+              <a:schemeClr val="accent1"/>
+            </a:fillRef>
+            <a:effectRef idx="0">
+              <a:schemeClr val="accent1"/>
+            </a:effectRef>
+            <a:fontRef idx="minor">
+              <a:schemeClr val="lt1"/>
+            </a:fontRef>
+          </p:style>
+          <p:txBody>
+            <a:bodyPr rtlCol="0" anchor="ctr"/>
+            <a:lstStyle/>
+            <a:p>
+              <a:pPr algn="ctr"/>
+              <a:r>
+                <a:rPr lang="en-US" dirty="0" smtClean="0"/>
+                <a:t>6</a:t>
+              </a:r>
+              <a:endParaRPr lang="en-US" dirty="0"/>
+            </a:p>
+          </p:txBody>
+        </p:sp>
+        <p:sp>
+          <p:nvSpPr>
+            <p:cNvPr id="30" name="Ellipse 29"/>
+            <p:cNvSpPr/>
+            <p:nvPr/>
+          </p:nvSpPr>
+          <p:spPr>
+            <a:xfrm>
+              <a:off x="2140128" y="5948644"/>
+              <a:ext cx="328474" cy="328474"/>
+            </a:xfrm>
+            <a:prstGeom prst="ellipse">
+              <a:avLst/>
+            </a:prstGeom>
+            <a:solidFill>
+              <a:schemeClr val="tx1"/>
+            </a:solidFill>
+            <a:ln>
+              <a:solidFill>
+                <a:schemeClr val="tx1"/>
+              </a:solidFill>
+            </a:ln>
+          </p:spPr>
+          <p:style>
+            <a:lnRef idx="2">
+              <a:schemeClr val="accent1">
+                <a:shade val="50000"/>
+              </a:schemeClr>
+            </a:lnRef>
+            <a:fillRef idx="1">
+              <a:schemeClr val="accent1"/>
+            </a:fillRef>
+            <a:effectRef idx="0">
+              <a:schemeClr val="accent1"/>
+            </a:effectRef>
+            <a:fontRef idx="minor">
+              <a:schemeClr val="lt1"/>
+            </a:fontRef>
+          </p:style>
+          <p:txBody>
+            <a:bodyPr rtlCol="0" anchor="ctr"/>
+            <a:lstStyle/>
+            <a:p>
+              <a:pPr algn="ctr"/>
+              <a:r>
+                <a:rPr lang="en-US" dirty="0" smtClean="0"/>
+                <a:t>8</a:t>
+              </a:r>
+              <a:endParaRPr lang="en-US" dirty="0"/>
+            </a:p>
+          </p:txBody>
+        </p:sp>
+        <p:sp>
+          <p:nvSpPr>
+            <p:cNvPr id="31" name="Ellipse 30"/>
+            <p:cNvSpPr/>
+            <p:nvPr/>
+          </p:nvSpPr>
+          <p:spPr>
+            <a:xfrm>
+              <a:off x="3306809" y="5620170"/>
+              <a:ext cx="328474" cy="328474"/>
+            </a:xfrm>
+            <a:prstGeom prst="ellipse">
+              <a:avLst/>
+            </a:prstGeom>
+            <a:solidFill>
+              <a:schemeClr val="tx1"/>
+            </a:solidFill>
+            <a:ln>
+              <a:solidFill>
+                <a:schemeClr val="tx1"/>
+              </a:solidFill>
+            </a:ln>
+          </p:spPr>
+          <p:style>
+            <a:lnRef idx="2">
+              <a:schemeClr val="accent1">
+                <a:shade val="50000"/>
+              </a:schemeClr>
+            </a:lnRef>
+            <a:fillRef idx="1">
+              <a:schemeClr val="accent1"/>
+            </a:fillRef>
+            <a:effectRef idx="0">
+              <a:schemeClr val="accent1"/>
+            </a:effectRef>
+            <a:fontRef idx="minor">
+              <a:schemeClr val="lt1"/>
+            </a:fontRef>
+          </p:style>
+          <p:txBody>
+            <a:bodyPr rtlCol="0" anchor="ctr"/>
+            <a:lstStyle/>
+            <a:p>
+              <a:pPr algn="ctr"/>
+              <a:r>
+                <a:rPr lang="en-US" dirty="0" smtClean="0"/>
+                <a:t>9</a:t>
+              </a:r>
+              <a:endParaRPr lang="en-US" dirty="0"/>
+            </a:p>
+          </p:txBody>
+        </p:sp>
+        <p:sp>
+          <p:nvSpPr>
+            <p:cNvPr id="32" name="Ellipse 31"/>
+            <p:cNvSpPr/>
+            <p:nvPr/>
+          </p:nvSpPr>
+          <p:spPr>
+            <a:xfrm>
+              <a:off x="4598370" y="3732004"/>
+              <a:ext cx="328474" cy="328474"/>
+            </a:xfrm>
+            <a:prstGeom prst="ellipse">
+              <a:avLst/>
+            </a:prstGeom>
+            <a:solidFill>
+              <a:schemeClr val="tx1"/>
+            </a:solidFill>
+            <a:ln>
+              <a:solidFill>
+                <a:schemeClr val="tx1"/>
+              </a:solidFill>
+            </a:ln>
+          </p:spPr>
+          <p:style>
+            <a:lnRef idx="2">
+              <a:schemeClr val="accent1">
+                <a:shade val="50000"/>
+              </a:schemeClr>
+            </a:lnRef>
+            <a:fillRef idx="1">
+              <a:schemeClr val="accent1"/>
+            </a:fillRef>
+            <a:effectRef idx="0">
+              <a:schemeClr val="accent1"/>
+            </a:effectRef>
+            <a:fontRef idx="minor">
+              <a:schemeClr val="lt1"/>
+            </a:fontRef>
+          </p:style>
+          <p:txBody>
+            <a:bodyPr wrap="none" rtlCol="0" anchor="ctr"/>
+            <a:lstStyle/>
+            <a:p>
+              <a:pPr algn="ctr"/>
+              <a:r>
+                <a:rPr lang="en-US" dirty="0" smtClean="0"/>
+                <a:t>11</a:t>
+              </a:r>
+              <a:endParaRPr lang="en-US" dirty="0"/>
+            </a:p>
+          </p:txBody>
+        </p:sp>
+      </p:grpSp>
+      <p:grpSp>
+        <p:nvGrpSpPr>
+          <p:cNvPr id="33" name="Kantenlabels"/>
+          <p:cNvGrpSpPr/>
           <p:nvPr/>
-        </p:nvSpPr>
-        <p:spPr>
+        </p:nvGrpSpPr>
+        <p:grpSpPr>
           <a:xfrm>
-            <a:off x="10150136" y="2192173"/>
-            <a:ext cx="328474" cy="328474"/>
+            <a:off x="5151039" y="2717931"/>
+            <a:ext cx="3728959" cy="3709464"/>
+            <a:chOff x="822879" y="2666578"/>
+            <a:chExt cx="3728959" cy="3709464"/>
           </a:xfrm>
-          <a:prstGeom prst="ellipse">
-            <a:avLst/>
-          </a:prstGeom>
-          <a:solidFill>
-            <a:schemeClr val="tx1"/>
-          </a:solidFill>
-        </p:spPr>
-        <p:style>
-          <a:lnRef idx="2">
-            <a:schemeClr val="accent1">
-              <a:shade val="50000"/>
-            </a:schemeClr>
-          </a:lnRef>
-          <a:fillRef idx="1">
-            <a:schemeClr val="accent1"/>
-          </a:fillRef>
-          <a:effectRef idx="0">
-            <a:schemeClr val="accent1"/>
-          </a:effectRef>
-          <a:fontRef idx="minor">
-            <a:schemeClr val="lt1"/>
-          </a:fontRef>
-        </p:style>
-        <p:txBody>
-          <a:bodyPr rtlCol="0" anchor="ctr"/>
-          <a:lstStyle/>
-          <a:p>
-            <a:pPr algn="ctr"/>
-            <a:r>
-              <a:rPr lang="en-US" dirty="0" smtClean="0"/>
-              <a:t>3</a:t>
-            </a:r>
-            <a:endParaRPr lang="en-US" dirty="0"/>
-          </a:p>
-        </p:txBody>
-      </p:sp>
-      <p:cxnSp>
-        <p:nvCxnSpPr>
-          <p:cNvPr id="7" name="Gerader Verbinder 6"/>
-          <p:cNvCxnSpPr>
-            <a:stCxn id="4" idx="7"/>
-            <a:endCxn id="5" idx="3"/>
-          </p:cNvCxnSpPr>
-          <p:nvPr/>
-        </p:nvCxnSpPr>
-        <p:spPr>
-          <a:xfrm flipV="1">
-            <a:off x="7582295" y="1125934"/>
-            <a:ext cx="697628" cy="1066239"/>
-          </a:xfrm>
-          <a:prstGeom prst="line">
-            <a:avLst/>
-          </a:prstGeom>
-          <a:ln w="38100">
-            <a:solidFill>
-              <a:schemeClr val="tx1"/>
-            </a:solidFill>
-          </a:ln>
-        </p:spPr>
-        <p:style>
-          <a:lnRef idx="1">
-            <a:schemeClr val="accent1"/>
-          </a:lnRef>
-          <a:fillRef idx="0">
-            <a:schemeClr val="accent1"/>
-          </a:fillRef>
-          <a:effectRef idx="0">
-            <a:schemeClr val="accent1"/>
-          </a:effectRef>
-          <a:fontRef idx="minor">
-            <a:schemeClr val="tx1"/>
-          </a:fontRef>
-        </p:style>
-      </p:cxnSp>
-      <p:cxnSp>
-        <p:nvCxnSpPr>
-          <p:cNvPr id="8" name="Gerader Verbinder 7"/>
-          <p:cNvCxnSpPr>
-            <a:stCxn id="6" idx="1"/>
-            <a:endCxn id="5" idx="5"/>
-          </p:cNvCxnSpPr>
-          <p:nvPr/>
-        </p:nvCxnSpPr>
-        <p:spPr>
-          <a:xfrm flipH="1" flipV="1">
-            <a:off x="8512189" y="1125934"/>
-            <a:ext cx="1686051" cy="1114343"/>
-          </a:xfrm>
-          <a:prstGeom prst="line">
-            <a:avLst/>
-          </a:prstGeom>
-          <a:ln w="38100">
-            <a:solidFill>
-              <a:schemeClr val="tx1"/>
-            </a:solidFill>
-          </a:ln>
-        </p:spPr>
-        <p:style>
-          <a:lnRef idx="1">
-            <a:schemeClr val="accent1"/>
-          </a:lnRef>
-          <a:fillRef idx="0">
-            <a:schemeClr val="accent1"/>
-          </a:fillRef>
-          <a:effectRef idx="0">
-            <a:schemeClr val="accent1"/>
-          </a:effectRef>
-          <a:fontRef idx="minor">
-            <a:schemeClr val="tx1"/>
-          </a:fontRef>
-        </p:style>
-      </p:cxnSp>
-      <p:cxnSp>
-        <p:nvCxnSpPr>
-          <p:cNvPr id="9" name="Gerader Verbinder 8"/>
-          <p:cNvCxnSpPr>
-            <a:stCxn id="6" idx="2"/>
-            <a:endCxn id="4" idx="6"/>
-          </p:cNvCxnSpPr>
-          <p:nvPr/>
-        </p:nvCxnSpPr>
-        <p:spPr>
-          <a:xfrm flipH="1" flipV="1">
-            <a:off x="7630399" y="2308306"/>
-            <a:ext cx="2519737" cy="48104"/>
-          </a:xfrm>
-          <a:prstGeom prst="line">
-            <a:avLst/>
-          </a:prstGeom>
-          <a:ln w="38100">
-            <a:solidFill>
-              <a:schemeClr val="tx1"/>
-            </a:solidFill>
-          </a:ln>
-        </p:spPr>
-        <p:style>
-          <a:lnRef idx="1">
-            <a:schemeClr val="accent1"/>
-          </a:lnRef>
-          <a:fillRef idx="0">
-            <a:schemeClr val="accent1"/>
-          </a:fillRef>
-          <a:effectRef idx="0">
-            <a:schemeClr val="accent1"/>
-          </a:effectRef>
-          <a:fontRef idx="minor">
-            <a:schemeClr val="tx1"/>
-          </a:fontRef>
-        </p:style>
-      </p:cxnSp>
-      <p:sp>
-        <p:nvSpPr>
-          <p:cNvPr id="10" name="Textfeld 9"/>
-          <p:cNvSpPr txBox="1"/>
-          <p:nvPr/>
-        </p:nvSpPr>
-        <p:spPr>
-          <a:xfrm>
-            <a:off x="7543860" y="1390910"/>
-            <a:ext cx="301686" cy="369332"/>
-          </a:xfrm>
-          <a:prstGeom prst="rect">
-            <a:avLst/>
-          </a:prstGeom>
-          <a:noFill/>
-        </p:spPr>
-        <p:txBody>
-          <a:bodyPr wrap="none" rtlCol="0">
-            <a:spAutoFit/>
-          </a:bodyPr>
-          <a:lstStyle/>
-          <a:p>
-            <a:r>
-              <a:rPr lang="en-US" dirty="0" smtClean="0"/>
-              <a:t>5</a:t>
-            </a:r>
-            <a:endParaRPr lang="en-US" dirty="0"/>
-          </a:p>
-        </p:txBody>
-      </p:sp>
-      <p:sp>
-        <p:nvSpPr>
-          <p:cNvPr id="11" name="Textfeld 10"/>
-          <p:cNvSpPr txBox="1"/>
-          <p:nvPr/>
-        </p:nvSpPr>
-        <p:spPr>
-          <a:xfrm>
-            <a:off x="9355214" y="1342806"/>
-            <a:ext cx="418704" cy="369332"/>
-          </a:xfrm>
-          <a:prstGeom prst="rect">
-            <a:avLst/>
-          </a:prstGeom>
-          <a:noFill/>
-        </p:spPr>
-        <p:txBody>
-          <a:bodyPr wrap="none" rtlCol="0">
-            <a:spAutoFit/>
-          </a:bodyPr>
-          <a:lstStyle/>
-          <a:p>
-            <a:r>
-              <a:rPr lang="en-US" dirty="0"/>
-              <a:t>1</a:t>
-            </a:r>
-            <a:r>
-              <a:rPr lang="en-US" dirty="0" smtClean="0"/>
-              <a:t>5</a:t>
-            </a:r>
-            <a:endParaRPr lang="en-US" dirty="0"/>
-          </a:p>
-        </p:txBody>
-      </p:sp>
-      <p:sp>
-        <p:nvSpPr>
-          <p:cNvPr id="12" name="Textfeld 11"/>
-          <p:cNvSpPr txBox="1"/>
-          <p:nvPr/>
-        </p:nvSpPr>
-        <p:spPr>
-          <a:xfrm>
-            <a:off x="8681033" y="2335981"/>
-            <a:ext cx="418704" cy="369332"/>
-          </a:xfrm>
-          <a:prstGeom prst="rect">
-            <a:avLst/>
-          </a:prstGeom>
-          <a:noFill/>
-        </p:spPr>
-        <p:txBody>
-          <a:bodyPr wrap="none" rtlCol="0">
-            <a:spAutoFit/>
-          </a:bodyPr>
-          <a:lstStyle/>
-          <a:p>
-            <a:r>
-              <a:rPr lang="en-US" dirty="0" smtClean="0"/>
-              <a:t>10</a:t>
-            </a:r>
-            <a:endParaRPr lang="en-US" dirty="0"/>
-          </a:p>
-        </p:txBody>
-      </p:sp>
-      <p:sp>
-        <p:nvSpPr>
-          <p:cNvPr id="13" name="Textfeld 12"/>
-          <p:cNvSpPr txBox="1"/>
-          <p:nvPr/>
-        </p:nvSpPr>
-        <p:spPr>
-          <a:xfrm>
-            <a:off x="6956441" y="2469261"/>
-            <a:ext cx="699230" cy="369332"/>
-          </a:xfrm>
-          <a:prstGeom prst="rect">
-            <a:avLst/>
-          </a:prstGeom>
-          <a:noFill/>
-        </p:spPr>
-        <p:txBody>
-          <a:bodyPr wrap="none" rtlCol="0">
-            <a:spAutoFit/>
-          </a:bodyPr>
-          <a:lstStyle/>
-          <a:p>
-            <a:r>
-              <a:rPr lang="en-US" dirty="0" smtClean="0"/>
-              <a:t>w=10</a:t>
-            </a:r>
-            <a:endParaRPr lang="en-US" dirty="0"/>
-          </a:p>
-        </p:txBody>
-      </p:sp>
-      <p:sp>
-        <p:nvSpPr>
-          <p:cNvPr id="14" name="Textfeld 13"/>
-          <p:cNvSpPr txBox="1"/>
-          <p:nvPr/>
-        </p:nvSpPr>
-        <p:spPr>
-          <a:xfrm>
-            <a:off x="8046441" y="439783"/>
-            <a:ext cx="699230" cy="369332"/>
-          </a:xfrm>
-          <a:prstGeom prst="rect">
-            <a:avLst/>
-          </a:prstGeom>
-          <a:noFill/>
-        </p:spPr>
-        <p:txBody>
-          <a:bodyPr wrap="none" rtlCol="0">
-            <a:spAutoFit/>
-          </a:bodyPr>
-          <a:lstStyle/>
-          <a:p>
-            <a:r>
-              <a:rPr lang="en-US" dirty="0" smtClean="0"/>
-              <a:t>w=30</a:t>
-            </a:r>
-            <a:endParaRPr lang="en-US" dirty="0"/>
-          </a:p>
-        </p:txBody>
-      </p:sp>
-      <p:sp>
-        <p:nvSpPr>
-          <p:cNvPr id="15" name="Textfeld 14"/>
-          <p:cNvSpPr txBox="1"/>
-          <p:nvPr/>
-        </p:nvSpPr>
-        <p:spPr>
-          <a:xfrm>
-            <a:off x="10386454" y="2240277"/>
-            <a:ext cx="699230" cy="369332"/>
-          </a:xfrm>
-          <a:prstGeom prst="rect">
-            <a:avLst/>
-          </a:prstGeom>
-          <a:noFill/>
-        </p:spPr>
-        <p:txBody>
-          <a:bodyPr wrap="none" rtlCol="0">
-            <a:spAutoFit/>
-          </a:bodyPr>
-          <a:lstStyle/>
-          <a:p>
-            <a:r>
-              <a:rPr lang="en-US" dirty="0" smtClean="0"/>
-              <a:t>w=60</a:t>
-            </a:r>
-            <a:endParaRPr lang="en-US" dirty="0"/>
-          </a:p>
-        </p:txBody>
-      </p:sp>
-      <p:sp>
-        <p:nvSpPr>
-          <p:cNvPr id="16" name="Textfeld 15"/>
-          <p:cNvSpPr txBox="1"/>
-          <p:nvPr/>
-        </p:nvSpPr>
-        <p:spPr>
-          <a:xfrm>
-            <a:off x="6469508" y="952603"/>
-            <a:ext cx="1093569" cy="646331"/>
-          </a:xfrm>
-          <a:prstGeom prst="rect">
-            <a:avLst/>
-          </a:prstGeom>
-          <a:noFill/>
-        </p:spPr>
-        <p:txBody>
-          <a:bodyPr wrap="none" rtlCol="0">
-            <a:spAutoFit/>
-          </a:bodyPr>
-          <a:lstStyle/>
-          <a:p>
-            <a:r>
-              <a:rPr lang="en-US" dirty="0"/>
-              <a:t>r(e12) = 2</a:t>
-            </a:r>
-            <a:endParaRPr lang="en-US" dirty="0" smtClean="0"/>
-          </a:p>
-          <a:p>
-            <a:pPr marL="0" lvl="1"/>
-            <a:r>
-              <a:rPr lang="en-US" dirty="0"/>
-              <a:t>r(e21) = </a:t>
-            </a:r>
-            <a:r>
-              <a:rPr lang="en-US" dirty="0" smtClean="0"/>
-              <a:t>6</a:t>
-            </a:r>
-            <a:endParaRPr lang="en-US" dirty="0"/>
-          </a:p>
-        </p:txBody>
-      </p:sp>
-      <p:sp>
-        <p:nvSpPr>
-          <p:cNvPr id="17" name="Textfeld 16"/>
-          <p:cNvSpPr txBox="1"/>
-          <p:nvPr/>
-        </p:nvSpPr>
-        <p:spPr>
-          <a:xfrm>
-            <a:off x="8343482" y="2653927"/>
-            <a:ext cx="1093569" cy="646331"/>
-          </a:xfrm>
-          <a:prstGeom prst="rect">
-            <a:avLst/>
-          </a:prstGeom>
-          <a:noFill/>
-        </p:spPr>
-        <p:txBody>
-          <a:bodyPr wrap="none" rtlCol="0">
-            <a:spAutoFit/>
-          </a:bodyPr>
-          <a:lstStyle/>
-          <a:p>
-            <a:r>
-              <a:rPr lang="en-US" dirty="0"/>
-              <a:t>r(e13) = </a:t>
-            </a:r>
-            <a:r>
-              <a:rPr lang="en-US" dirty="0" smtClean="0"/>
-              <a:t>1</a:t>
-            </a:r>
-          </a:p>
-          <a:p>
-            <a:pPr marL="0" lvl="1"/>
-            <a:r>
-              <a:rPr lang="en-US" dirty="0"/>
-              <a:t>r(e31) = </a:t>
-            </a:r>
-            <a:r>
-              <a:rPr lang="en-US" dirty="0" smtClean="0"/>
-              <a:t>6</a:t>
-            </a:r>
-            <a:endParaRPr lang="en-US" dirty="0"/>
-          </a:p>
-        </p:txBody>
-      </p:sp>
-      <p:sp>
-        <p:nvSpPr>
-          <p:cNvPr id="18" name="Textfeld 17"/>
-          <p:cNvSpPr txBox="1"/>
-          <p:nvPr/>
-        </p:nvSpPr>
-        <p:spPr>
-          <a:xfrm>
-            <a:off x="9829580" y="974463"/>
-            <a:ext cx="1093569" cy="646331"/>
-          </a:xfrm>
-          <a:prstGeom prst="rect">
-            <a:avLst/>
-          </a:prstGeom>
-          <a:noFill/>
-        </p:spPr>
-        <p:txBody>
-          <a:bodyPr wrap="none" rtlCol="0">
-            <a:spAutoFit/>
-          </a:bodyPr>
-          <a:lstStyle/>
-          <a:p>
-            <a:r>
-              <a:rPr lang="en-US" dirty="0"/>
-              <a:t>r(e23) = </a:t>
-            </a:r>
-            <a:r>
-              <a:rPr lang="en-US" dirty="0" smtClean="0"/>
-              <a:t>2</a:t>
-            </a:r>
-          </a:p>
-          <a:p>
-            <a:pPr marL="0" lvl="1"/>
-            <a:r>
-              <a:rPr lang="en-US" dirty="0"/>
-              <a:t>r(e32) = </a:t>
-            </a:r>
-            <a:r>
-              <a:rPr lang="en-US" dirty="0" smtClean="0"/>
-              <a:t>4</a:t>
-            </a:r>
-            <a:endParaRPr lang="en-US" dirty="0"/>
-          </a:p>
-        </p:txBody>
-      </p:sp>
+        </p:grpSpPr>
+        <p:sp>
+          <p:nvSpPr>
+            <p:cNvPr id="34" name="Textfeld 33"/>
+            <p:cNvSpPr txBox="1"/>
+            <p:nvPr/>
+          </p:nvSpPr>
+          <p:spPr>
+            <a:xfrm>
+              <a:off x="1883083" y="3761496"/>
+              <a:ext cx="418704" cy="369332"/>
+            </a:xfrm>
+            <a:prstGeom prst="rect">
+              <a:avLst/>
+            </a:prstGeom>
+            <a:noFill/>
+          </p:spPr>
+          <p:txBody>
+            <a:bodyPr wrap="none" rtlCol="0">
+              <a:spAutoFit/>
+            </a:bodyPr>
+            <a:lstStyle/>
+            <a:p>
+              <a:r>
+                <a:rPr lang="en-US" dirty="0" smtClean="0"/>
+                <a:t>10</a:t>
+              </a:r>
+              <a:endParaRPr lang="en-US" dirty="0"/>
+            </a:p>
+          </p:txBody>
+        </p:sp>
+        <p:sp>
+          <p:nvSpPr>
+            <p:cNvPr id="35" name="Textfeld 34"/>
+            <p:cNvSpPr txBox="1"/>
+            <p:nvPr/>
+          </p:nvSpPr>
+          <p:spPr>
+            <a:xfrm>
+              <a:off x="2203902" y="3377296"/>
+              <a:ext cx="418704" cy="369332"/>
+            </a:xfrm>
+            <a:prstGeom prst="rect">
+              <a:avLst/>
+            </a:prstGeom>
+            <a:noFill/>
+          </p:spPr>
+          <p:txBody>
+            <a:bodyPr wrap="none" rtlCol="0">
+              <a:spAutoFit/>
+            </a:bodyPr>
+            <a:lstStyle/>
+            <a:p>
+              <a:r>
+                <a:rPr lang="en-US" dirty="0" smtClean="0"/>
+                <a:t>20</a:t>
+              </a:r>
+              <a:endParaRPr lang="en-US" dirty="0"/>
+            </a:p>
+          </p:txBody>
+        </p:sp>
+        <p:sp>
+          <p:nvSpPr>
+            <p:cNvPr id="36" name="Textfeld 35"/>
+            <p:cNvSpPr txBox="1"/>
+            <p:nvPr/>
+          </p:nvSpPr>
+          <p:spPr>
+            <a:xfrm>
+              <a:off x="2658412" y="3882127"/>
+              <a:ext cx="418704" cy="369332"/>
+            </a:xfrm>
+            <a:prstGeom prst="rect">
+              <a:avLst/>
+            </a:prstGeom>
+            <a:noFill/>
+          </p:spPr>
+          <p:txBody>
+            <a:bodyPr wrap="none" rtlCol="0">
+              <a:spAutoFit/>
+            </a:bodyPr>
+            <a:lstStyle/>
+            <a:p>
+              <a:r>
+                <a:rPr lang="en-US" dirty="0" smtClean="0"/>
+                <a:t>10</a:t>
+              </a:r>
+              <a:endParaRPr lang="en-US" dirty="0"/>
+            </a:p>
+          </p:txBody>
+        </p:sp>
+        <p:sp>
+          <p:nvSpPr>
+            <p:cNvPr id="37" name="Textfeld 36"/>
+            <p:cNvSpPr txBox="1"/>
+            <p:nvPr/>
+          </p:nvSpPr>
+          <p:spPr>
+            <a:xfrm>
+              <a:off x="2629339" y="2851244"/>
+              <a:ext cx="418704" cy="369332"/>
+            </a:xfrm>
+            <a:prstGeom prst="rect">
+              <a:avLst/>
+            </a:prstGeom>
+            <a:noFill/>
+          </p:spPr>
+          <p:txBody>
+            <a:bodyPr wrap="none" rtlCol="0">
+              <a:spAutoFit/>
+            </a:bodyPr>
+            <a:lstStyle/>
+            <a:p>
+              <a:r>
+                <a:rPr lang="en-US" dirty="0" smtClean="0"/>
+                <a:t>30</a:t>
+              </a:r>
+              <a:endParaRPr lang="en-US" dirty="0"/>
+            </a:p>
+          </p:txBody>
+        </p:sp>
+        <p:sp>
+          <p:nvSpPr>
+            <p:cNvPr id="38" name="Textfeld 37"/>
+            <p:cNvSpPr txBox="1"/>
+            <p:nvPr/>
+          </p:nvSpPr>
+          <p:spPr>
+            <a:xfrm>
+              <a:off x="822879" y="2666578"/>
+              <a:ext cx="418704" cy="369332"/>
+            </a:xfrm>
+            <a:prstGeom prst="rect">
+              <a:avLst/>
+            </a:prstGeom>
+            <a:noFill/>
+          </p:spPr>
+          <p:txBody>
+            <a:bodyPr wrap="none" rtlCol="0">
+              <a:spAutoFit/>
+            </a:bodyPr>
+            <a:lstStyle/>
+            <a:p>
+              <a:r>
+                <a:rPr lang="en-US" dirty="0" smtClean="0"/>
+                <a:t>30</a:t>
+              </a:r>
+              <a:endParaRPr lang="en-US" dirty="0"/>
+            </a:p>
+          </p:txBody>
+        </p:sp>
+        <p:sp>
+          <p:nvSpPr>
+            <p:cNvPr id="39" name="Textfeld 38"/>
+            <p:cNvSpPr txBox="1"/>
+            <p:nvPr/>
+          </p:nvSpPr>
+          <p:spPr>
+            <a:xfrm>
+              <a:off x="1868947" y="3009536"/>
+              <a:ext cx="418704" cy="369332"/>
+            </a:xfrm>
+            <a:prstGeom prst="rect">
+              <a:avLst/>
+            </a:prstGeom>
+            <a:noFill/>
+          </p:spPr>
+          <p:txBody>
+            <a:bodyPr wrap="none" rtlCol="0">
+              <a:spAutoFit/>
+            </a:bodyPr>
+            <a:lstStyle/>
+            <a:p>
+              <a:r>
+                <a:rPr lang="en-US" dirty="0" smtClean="0"/>
+                <a:t>15</a:t>
+              </a:r>
+              <a:endParaRPr lang="en-US" dirty="0"/>
+            </a:p>
+          </p:txBody>
+        </p:sp>
+        <p:sp>
+          <p:nvSpPr>
+            <p:cNvPr id="40" name="Textfeld 39"/>
+            <p:cNvSpPr txBox="1"/>
+            <p:nvPr/>
+          </p:nvSpPr>
+          <p:spPr>
+            <a:xfrm>
+              <a:off x="1050260" y="3238002"/>
+              <a:ext cx="418704" cy="369332"/>
+            </a:xfrm>
+            <a:prstGeom prst="rect">
+              <a:avLst/>
+            </a:prstGeom>
+            <a:noFill/>
+          </p:spPr>
+          <p:txBody>
+            <a:bodyPr wrap="none" rtlCol="0">
+              <a:spAutoFit/>
+            </a:bodyPr>
+            <a:lstStyle/>
+            <a:p>
+              <a:r>
+                <a:rPr lang="en-US" dirty="0" smtClean="0"/>
+                <a:t>15</a:t>
+              </a:r>
+              <a:endParaRPr lang="en-US" dirty="0"/>
+            </a:p>
+          </p:txBody>
+        </p:sp>
+        <p:sp>
+          <p:nvSpPr>
+            <p:cNvPr id="41" name="Textfeld 40"/>
+            <p:cNvSpPr txBox="1"/>
+            <p:nvPr/>
+          </p:nvSpPr>
+          <p:spPr>
+            <a:xfrm>
+              <a:off x="1405620" y="4096804"/>
+              <a:ext cx="418704" cy="369332"/>
+            </a:xfrm>
+            <a:prstGeom prst="rect">
+              <a:avLst/>
+            </a:prstGeom>
+            <a:noFill/>
+          </p:spPr>
+          <p:txBody>
+            <a:bodyPr wrap="none" rtlCol="0">
+              <a:spAutoFit/>
+            </a:bodyPr>
+            <a:lstStyle/>
+            <a:p>
+              <a:r>
+                <a:rPr lang="en-US" dirty="0" smtClean="0"/>
+                <a:t>20</a:t>
+              </a:r>
+              <a:endParaRPr lang="en-US" dirty="0"/>
+            </a:p>
+          </p:txBody>
+        </p:sp>
+        <p:sp>
+          <p:nvSpPr>
+            <p:cNvPr id="42" name="Textfeld 41"/>
+            <p:cNvSpPr txBox="1"/>
+            <p:nvPr/>
+          </p:nvSpPr>
+          <p:spPr>
+            <a:xfrm>
+              <a:off x="957322" y="4746676"/>
+              <a:ext cx="418704" cy="369332"/>
+            </a:xfrm>
+            <a:prstGeom prst="rect">
+              <a:avLst/>
+            </a:prstGeom>
+            <a:noFill/>
+          </p:spPr>
+          <p:txBody>
+            <a:bodyPr wrap="none" rtlCol="0">
+              <a:spAutoFit/>
+            </a:bodyPr>
+            <a:lstStyle/>
+            <a:p>
+              <a:r>
+                <a:rPr lang="en-US" dirty="0" smtClean="0"/>
+                <a:t>10</a:t>
+              </a:r>
+              <a:endParaRPr lang="en-US" dirty="0"/>
+            </a:p>
+          </p:txBody>
+        </p:sp>
+        <p:sp>
+          <p:nvSpPr>
+            <p:cNvPr id="43" name="Textfeld 42"/>
+            <p:cNvSpPr txBox="1"/>
+            <p:nvPr/>
+          </p:nvSpPr>
+          <p:spPr>
+            <a:xfrm>
+              <a:off x="1513809" y="4522457"/>
+              <a:ext cx="418704" cy="369332"/>
+            </a:xfrm>
+            <a:prstGeom prst="rect">
+              <a:avLst/>
+            </a:prstGeom>
+            <a:noFill/>
+          </p:spPr>
+          <p:txBody>
+            <a:bodyPr wrap="none" rtlCol="0">
+              <a:spAutoFit/>
+            </a:bodyPr>
+            <a:lstStyle/>
+            <a:p>
+              <a:r>
+                <a:rPr lang="en-US" dirty="0" smtClean="0"/>
+                <a:t>10</a:t>
+              </a:r>
+              <a:endParaRPr lang="en-US" dirty="0"/>
+            </a:p>
+          </p:txBody>
+        </p:sp>
+        <p:sp>
+          <p:nvSpPr>
+            <p:cNvPr id="44" name="Textfeld 43"/>
+            <p:cNvSpPr txBox="1"/>
+            <p:nvPr/>
+          </p:nvSpPr>
+          <p:spPr>
+            <a:xfrm>
+              <a:off x="1513809" y="5574984"/>
+              <a:ext cx="418704" cy="369332"/>
+            </a:xfrm>
+            <a:prstGeom prst="rect">
+              <a:avLst/>
+            </a:prstGeom>
+            <a:noFill/>
+          </p:spPr>
+          <p:txBody>
+            <a:bodyPr wrap="none" rtlCol="0">
+              <a:spAutoFit/>
+            </a:bodyPr>
+            <a:lstStyle/>
+            <a:p>
+              <a:r>
+                <a:rPr lang="en-US" dirty="0" smtClean="0"/>
+                <a:t>20</a:t>
+              </a:r>
+              <a:endParaRPr lang="en-US" dirty="0"/>
+            </a:p>
+          </p:txBody>
+        </p:sp>
+        <p:sp>
+          <p:nvSpPr>
+            <p:cNvPr id="45" name="Textfeld 44"/>
+            <p:cNvSpPr txBox="1"/>
+            <p:nvPr/>
+          </p:nvSpPr>
+          <p:spPr>
+            <a:xfrm>
+              <a:off x="2732681" y="6006710"/>
+              <a:ext cx="418704" cy="369332"/>
+            </a:xfrm>
+            <a:prstGeom prst="rect">
+              <a:avLst/>
+            </a:prstGeom>
+            <a:noFill/>
+          </p:spPr>
+          <p:txBody>
+            <a:bodyPr wrap="none" rtlCol="0">
+              <a:spAutoFit/>
+            </a:bodyPr>
+            <a:lstStyle/>
+            <a:p>
+              <a:r>
+                <a:rPr lang="en-US" dirty="0" smtClean="0"/>
+                <a:t>10</a:t>
+              </a:r>
+              <a:endParaRPr lang="en-US" dirty="0"/>
+            </a:p>
+          </p:txBody>
+        </p:sp>
+        <p:sp>
+          <p:nvSpPr>
+            <p:cNvPr id="46" name="Textfeld 45"/>
+            <p:cNvSpPr txBox="1"/>
+            <p:nvPr/>
+          </p:nvSpPr>
+          <p:spPr>
+            <a:xfrm>
+              <a:off x="2466043" y="5025621"/>
+              <a:ext cx="418704" cy="369332"/>
+            </a:xfrm>
+            <a:prstGeom prst="rect">
+              <a:avLst/>
+            </a:prstGeom>
+            <a:noFill/>
+          </p:spPr>
+          <p:txBody>
+            <a:bodyPr wrap="none" rtlCol="0">
+              <a:spAutoFit/>
+            </a:bodyPr>
+            <a:lstStyle/>
+            <a:p>
+              <a:r>
+                <a:rPr lang="en-US" dirty="0" smtClean="0"/>
+                <a:t>30</a:t>
+              </a:r>
+              <a:endParaRPr lang="en-US" dirty="0"/>
+            </a:p>
+          </p:txBody>
+        </p:sp>
+        <p:sp>
+          <p:nvSpPr>
+            <p:cNvPr id="47" name="Textfeld 46"/>
+            <p:cNvSpPr txBox="1"/>
+            <p:nvPr/>
+          </p:nvSpPr>
+          <p:spPr>
+            <a:xfrm>
+              <a:off x="4133134" y="4824769"/>
+              <a:ext cx="418704" cy="369332"/>
+            </a:xfrm>
+            <a:prstGeom prst="rect">
+              <a:avLst/>
+            </a:prstGeom>
+            <a:noFill/>
+          </p:spPr>
+          <p:txBody>
+            <a:bodyPr wrap="none" rtlCol="0">
+              <a:spAutoFit/>
+            </a:bodyPr>
+            <a:lstStyle/>
+            <a:p>
+              <a:r>
+                <a:rPr lang="en-US" dirty="0"/>
+                <a:t>4</a:t>
+              </a:r>
+              <a:r>
+                <a:rPr lang="en-US" dirty="0" smtClean="0"/>
+                <a:t>0</a:t>
+              </a:r>
+              <a:endParaRPr lang="en-US" dirty="0"/>
+            </a:p>
+          </p:txBody>
+        </p:sp>
+        <p:sp>
+          <p:nvSpPr>
+            <p:cNvPr id="48" name="Textfeld 47"/>
+            <p:cNvSpPr txBox="1"/>
+            <p:nvPr/>
+          </p:nvSpPr>
+          <p:spPr>
+            <a:xfrm>
+              <a:off x="3494922" y="3800600"/>
+              <a:ext cx="418704" cy="369332"/>
+            </a:xfrm>
+            <a:prstGeom prst="rect">
+              <a:avLst/>
+            </a:prstGeom>
+            <a:noFill/>
+          </p:spPr>
+          <p:txBody>
+            <a:bodyPr wrap="none" rtlCol="0">
+              <a:spAutoFit/>
+            </a:bodyPr>
+            <a:lstStyle/>
+            <a:p>
+              <a:r>
+                <a:rPr lang="en-US" dirty="0" smtClean="0"/>
+                <a:t>35</a:t>
+              </a:r>
+              <a:endParaRPr lang="en-US" dirty="0"/>
+            </a:p>
+          </p:txBody>
+        </p:sp>
+        <p:sp>
+          <p:nvSpPr>
+            <p:cNvPr id="49" name="Textfeld 48"/>
+            <p:cNvSpPr txBox="1"/>
+            <p:nvPr/>
+          </p:nvSpPr>
+          <p:spPr>
+            <a:xfrm>
+              <a:off x="969573" y="3812614"/>
+              <a:ext cx="418704" cy="369332"/>
+            </a:xfrm>
+            <a:prstGeom prst="rect">
+              <a:avLst/>
+            </a:prstGeom>
+            <a:noFill/>
+          </p:spPr>
+          <p:txBody>
+            <a:bodyPr wrap="none" rtlCol="0">
+              <a:spAutoFit/>
+            </a:bodyPr>
+            <a:lstStyle/>
+            <a:p>
+              <a:r>
+                <a:rPr lang="en-US" dirty="0" smtClean="0"/>
+                <a:t>10</a:t>
+              </a:r>
+              <a:endParaRPr lang="en-US" dirty="0"/>
+            </a:p>
+          </p:txBody>
+        </p:sp>
+        <p:sp>
+          <p:nvSpPr>
+            <p:cNvPr id="50" name="Textfeld 49"/>
+            <p:cNvSpPr txBox="1"/>
+            <p:nvPr/>
+          </p:nvSpPr>
+          <p:spPr>
+            <a:xfrm>
+              <a:off x="2251429" y="5495282"/>
+              <a:ext cx="418704" cy="369332"/>
+            </a:xfrm>
+            <a:prstGeom prst="rect">
+              <a:avLst/>
+            </a:prstGeom>
+            <a:noFill/>
+          </p:spPr>
+          <p:txBody>
+            <a:bodyPr wrap="none" rtlCol="0">
+              <a:spAutoFit/>
+            </a:bodyPr>
+            <a:lstStyle/>
+            <a:p>
+              <a:r>
+                <a:rPr lang="en-US" dirty="0" smtClean="0"/>
+                <a:t>10</a:t>
+              </a:r>
+              <a:endParaRPr lang="en-US" dirty="0"/>
+            </a:p>
+          </p:txBody>
+        </p:sp>
+      </p:grpSp>
     </p:spTree>
     <p:extLst>
       <p:ext uri="{BB962C8B-B14F-4D97-AF65-F5344CB8AC3E}">
-        <p14:creationId xmlns:p14="http://schemas.microsoft.com/office/powerpoint/2010/main" val="1795859511"/>
+        <p14:creationId xmlns:p14="http://schemas.microsoft.com/office/powerpoint/2010/main" val="3022888696"/>
       </p:ext>
     </p:extLst>
   </p:cSld>

--- a/de.tudarmstadt.maki.modeling.jvlc/instances/testgraphs.pptx
+++ b/de.tudarmstadt.maki.modeling.jvlc/instances/testgraphs.pptx
@@ -16,6 +16,7 @@
     <p:sldId id="265" r:id="rId10"/>
     <p:sldId id="259" r:id="rId11"/>
     <p:sldId id="260" r:id="rId12"/>
+    <p:sldId id="267" r:id="rId13"/>
   </p:sldIdLst>
   <p:sldSz cx="12192000" cy="6858000"/>
   <p:notesSz cx="6858000" cy="9144000"/>
@@ -134,6 +135,7 @@
           <p14:sldIdLst>
             <p14:sldId id="259"/>
             <p14:sldId id="260"/>
+            <p14:sldId id="267"/>
           </p14:sldIdLst>
         </p14:section>
       </p14:sectionLst>
@@ -287,7 +289,7 @@
           <a:p>
             <a:fld id="{AA2F2A37-85DD-45B9-AC18-C6701B3AEA4C}" type="datetimeFigureOut">
               <a:rPr lang="en-US" smtClean="0"/>
-              <a:t>10/18/2015</a:t>
+              <a:t>11/10/2015</a:t>
             </a:fld>
             <a:endParaRPr lang="en-US"/>
           </a:p>
@@ -540,7 +542,7 @@
           <a:p>
             <a:fld id="{AA2F2A37-85DD-45B9-AC18-C6701B3AEA4C}" type="datetimeFigureOut">
               <a:rPr lang="en-US" smtClean="0"/>
-              <a:t>10/18/2015</a:t>
+              <a:t>11/10/2015</a:t>
             </a:fld>
             <a:endParaRPr lang="en-US"/>
           </a:p>
@@ -710,7 +712,7 @@
           <a:p>
             <a:fld id="{AA2F2A37-85DD-45B9-AC18-C6701B3AEA4C}" type="datetimeFigureOut">
               <a:rPr lang="en-US" smtClean="0"/>
-              <a:t>10/18/2015</a:t>
+              <a:t>11/10/2015</a:t>
             </a:fld>
             <a:endParaRPr lang="en-US"/>
           </a:p>
@@ -890,7 +892,7 @@
           <a:p>
             <a:fld id="{AA2F2A37-85DD-45B9-AC18-C6701B3AEA4C}" type="datetimeFigureOut">
               <a:rPr lang="en-US" smtClean="0"/>
-              <a:t>10/18/2015</a:t>
+              <a:t>11/10/2015</a:t>
             </a:fld>
             <a:endParaRPr lang="en-US"/>
           </a:p>
@@ -1060,7 +1062,7 @@
           <a:p>
             <a:fld id="{AA2F2A37-85DD-45B9-AC18-C6701B3AEA4C}" type="datetimeFigureOut">
               <a:rPr lang="en-US" smtClean="0"/>
-              <a:t>10/18/2015</a:t>
+              <a:t>11/10/2015</a:t>
             </a:fld>
             <a:endParaRPr lang="en-US"/>
           </a:p>
@@ -1249,7 +1251,7 @@
           <a:p>
             <a:fld id="{AA2F2A37-85DD-45B9-AC18-C6701B3AEA4C}" type="datetimeFigureOut">
               <a:rPr lang="en-US" smtClean="0"/>
-              <a:t>10/18/2015</a:t>
+              <a:t>11/10/2015</a:t>
             </a:fld>
             <a:endParaRPr lang="en-US"/>
           </a:p>
@@ -1502,7 +1504,7 @@
           <a:p>
             <a:fld id="{AA2F2A37-85DD-45B9-AC18-C6701B3AEA4C}" type="datetimeFigureOut">
               <a:rPr lang="en-US" smtClean="0"/>
-              <a:t>10/18/2015</a:t>
+              <a:t>11/10/2015</a:t>
             </a:fld>
             <a:endParaRPr lang="en-US"/>
           </a:p>
@@ -1734,7 +1736,7 @@
           <a:p>
             <a:fld id="{AA2F2A37-85DD-45B9-AC18-C6701B3AEA4C}" type="datetimeFigureOut">
               <a:rPr lang="en-US" smtClean="0"/>
-              <a:t>10/18/2015</a:t>
+              <a:t>11/10/2015</a:t>
             </a:fld>
             <a:endParaRPr lang="en-US"/>
           </a:p>
@@ -2101,7 +2103,7 @@
           <a:p>
             <a:fld id="{AA2F2A37-85DD-45B9-AC18-C6701B3AEA4C}" type="datetimeFigureOut">
               <a:rPr lang="en-US" smtClean="0"/>
-              <a:t>10/18/2015</a:t>
+              <a:t>11/10/2015</a:t>
             </a:fld>
             <a:endParaRPr lang="en-US"/>
           </a:p>
@@ -2219,7 +2221,7 @@
           <a:p>
             <a:fld id="{AA2F2A37-85DD-45B9-AC18-C6701B3AEA4C}" type="datetimeFigureOut">
               <a:rPr lang="en-US" smtClean="0"/>
-              <a:t>10/18/2015</a:t>
+              <a:t>11/10/2015</a:t>
             </a:fld>
             <a:endParaRPr lang="en-US"/>
           </a:p>
@@ -2321,7 +2323,7 @@
           <a:p>
             <a:fld id="{AA2F2A37-85DD-45B9-AC18-C6701B3AEA4C}" type="datetimeFigureOut">
               <a:rPr lang="en-US" smtClean="0"/>
-              <a:t>10/18/2015</a:t>
+              <a:t>11/10/2015</a:t>
             </a:fld>
             <a:endParaRPr lang="en-US"/>
           </a:p>
@@ -2598,7 +2600,7 @@
           <a:p>
             <a:fld id="{AA2F2A37-85DD-45B9-AC18-C6701B3AEA4C}" type="datetimeFigureOut">
               <a:rPr lang="en-US" smtClean="0"/>
-              <a:t>10/18/2015</a:t>
+              <a:t>11/10/2015</a:t>
             </a:fld>
             <a:endParaRPr lang="en-US"/>
           </a:p>
@@ -2811,7 +2813,7 @@
           <a:p>
             <a:fld id="{AA2F2A37-85DD-45B9-AC18-C6701B3AEA4C}" type="datetimeFigureOut">
               <a:rPr lang="en-US" smtClean="0"/>
-              <a:t>10/18/2015</a:t>
+              <a:t>11/10/2015</a:t>
             </a:fld>
             <a:endParaRPr lang="en-US"/>
           </a:p>
@@ -4046,8 +4048,12 @@
           <a:lstStyle/>
           <a:p>
             <a:r>
-              <a:rPr lang="en-US" smtClean="0"/>
-              <a:t>Testgraph E1</a:t>
+              <a:rPr lang="en-US" dirty="0" err="1" smtClean="0"/>
+              <a:t>Testgraph</a:t>
+            </a:r>
+            <a:r>
+              <a:rPr lang="en-US" dirty="0" smtClean="0"/>
+              <a:t> E1</a:t>
             </a:r>
             <a:endParaRPr lang="en-US" dirty="0"/>
           </a:p>
@@ -6061,6 +6067,677 @@
 </p:sld>
 </file>
 
+<file path=ppt/slides/slide12.xml><?xml version="1.0" encoding="utf-8"?>
+<p:sld xmlns:a="http://schemas.openxmlformats.org/drawingml/2006/main" xmlns:r="http://schemas.openxmlformats.org/officeDocument/2006/relationships" xmlns:p="http://schemas.openxmlformats.org/presentationml/2006/main">
+  <p:cSld>
+    <p:spTree>
+      <p:nvGrpSpPr>
+        <p:cNvPr id="1" name=""/>
+        <p:cNvGrpSpPr/>
+        <p:nvPr/>
+      </p:nvGrpSpPr>
+      <p:grpSpPr>
+        <a:xfrm>
+          <a:off x="0" y="0"/>
+          <a:ext cx="0" cy="0"/>
+          <a:chOff x="0" y="0"/>
+          <a:chExt cx="0" cy="0"/>
+        </a:xfrm>
+      </p:grpSpPr>
+      <p:sp>
+        <p:nvSpPr>
+          <p:cNvPr id="2" name="Titel 1"/>
+          <p:cNvSpPr>
+            <a:spLocks noGrp="1"/>
+          </p:cNvSpPr>
+          <p:nvPr>
+            <p:ph type="title"/>
+          </p:nvPr>
+        </p:nvSpPr>
+        <p:spPr/>
+        <p:txBody>
+          <a:bodyPr/>
+          <a:lstStyle/>
+          <a:p>
+            <a:r>
+              <a:rPr lang="en-US" dirty="0" err="1"/>
+              <a:t>Testgraph</a:t>
+            </a:r>
+            <a:r>
+              <a:rPr lang="en-US" dirty="0"/>
+              <a:t> </a:t>
+            </a:r>
+            <a:r>
+              <a:rPr lang="en-US" dirty="0" smtClean="0"/>
+              <a:t>E2</a:t>
+            </a:r>
+            <a:endParaRPr lang="en-US" dirty="0"/>
+          </a:p>
+        </p:txBody>
+      </p:sp>
+      <p:sp>
+        <p:nvSpPr>
+          <p:cNvPr id="3" name="Inhaltsplatzhalter 2"/>
+          <p:cNvSpPr>
+            <a:spLocks noGrp="1"/>
+          </p:cNvSpPr>
+          <p:nvPr>
+            <p:ph idx="1"/>
+          </p:nvPr>
+        </p:nvSpPr>
+        <p:spPr/>
+        <p:txBody>
+          <a:bodyPr/>
+          <a:lstStyle/>
+          <a:p>
+            <a:r>
+              <a:rPr lang="en-US" smtClean="0"/>
+              <a:t>k=1.1</a:t>
+            </a:r>
+          </a:p>
+          <a:p>
+            <a:r>
+              <a:rPr lang="en-US" dirty="0" smtClean="0"/>
+              <a:t>This test case illustrates a situation where two links in a triangle have the same estimated remaining lifetime (e12 and e13)</a:t>
+            </a:r>
+            <a:endParaRPr lang="en-US" dirty="0"/>
+          </a:p>
+        </p:txBody>
+      </p:sp>
+      <p:sp>
+        <p:nvSpPr>
+          <p:cNvPr id="4" name="Ellipse 3"/>
+          <p:cNvSpPr/>
+          <p:nvPr/>
+        </p:nvSpPr>
+        <p:spPr>
+          <a:xfrm>
+            <a:off x="7301925" y="2144069"/>
+            <a:ext cx="328474" cy="328474"/>
+          </a:xfrm>
+          <a:prstGeom prst="ellipse">
+            <a:avLst/>
+          </a:prstGeom>
+          <a:solidFill>
+            <a:schemeClr val="tx1"/>
+          </a:solidFill>
+        </p:spPr>
+        <p:style>
+          <a:lnRef idx="2">
+            <a:schemeClr val="accent1">
+              <a:shade val="50000"/>
+            </a:schemeClr>
+          </a:lnRef>
+          <a:fillRef idx="1">
+            <a:schemeClr val="accent1"/>
+          </a:fillRef>
+          <a:effectRef idx="0">
+            <a:schemeClr val="accent1"/>
+          </a:effectRef>
+          <a:fontRef idx="minor">
+            <a:schemeClr val="lt1"/>
+          </a:fontRef>
+        </p:style>
+        <p:txBody>
+          <a:bodyPr rtlCol="0" anchor="ctr"/>
+          <a:lstStyle/>
+          <a:p>
+            <a:pPr algn="ctr"/>
+            <a:r>
+              <a:rPr lang="en-US" dirty="0" smtClean="0"/>
+              <a:t>1</a:t>
+            </a:r>
+            <a:endParaRPr lang="en-US" dirty="0"/>
+          </a:p>
+        </p:txBody>
+      </p:sp>
+      <p:sp>
+        <p:nvSpPr>
+          <p:cNvPr id="5" name="Ellipse 4"/>
+          <p:cNvSpPr/>
+          <p:nvPr/>
+        </p:nvSpPr>
+        <p:spPr>
+          <a:xfrm>
+            <a:off x="8231819" y="845564"/>
+            <a:ext cx="328474" cy="328474"/>
+          </a:xfrm>
+          <a:prstGeom prst="ellipse">
+            <a:avLst/>
+          </a:prstGeom>
+          <a:solidFill>
+            <a:schemeClr val="tx1"/>
+          </a:solidFill>
+        </p:spPr>
+        <p:style>
+          <a:lnRef idx="2">
+            <a:schemeClr val="accent1">
+              <a:shade val="50000"/>
+            </a:schemeClr>
+          </a:lnRef>
+          <a:fillRef idx="1">
+            <a:schemeClr val="accent1"/>
+          </a:fillRef>
+          <a:effectRef idx="0">
+            <a:schemeClr val="accent1"/>
+          </a:effectRef>
+          <a:fontRef idx="minor">
+            <a:schemeClr val="lt1"/>
+          </a:fontRef>
+        </p:style>
+        <p:txBody>
+          <a:bodyPr rtlCol="0" anchor="ctr"/>
+          <a:lstStyle/>
+          <a:p>
+            <a:pPr algn="ctr"/>
+            <a:r>
+              <a:rPr lang="en-US" dirty="0"/>
+              <a:t>2</a:t>
+            </a:r>
+          </a:p>
+        </p:txBody>
+      </p:sp>
+      <p:sp>
+        <p:nvSpPr>
+          <p:cNvPr id="6" name="Ellipse 5"/>
+          <p:cNvSpPr/>
+          <p:nvPr/>
+        </p:nvSpPr>
+        <p:spPr>
+          <a:xfrm>
+            <a:off x="10150136" y="2192173"/>
+            <a:ext cx="328474" cy="328474"/>
+          </a:xfrm>
+          <a:prstGeom prst="ellipse">
+            <a:avLst/>
+          </a:prstGeom>
+          <a:solidFill>
+            <a:schemeClr val="tx1"/>
+          </a:solidFill>
+        </p:spPr>
+        <p:style>
+          <a:lnRef idx="2">
+            <a:schemeClr val="accent1">
+              <a:shade val="50000"/>
+            </a:schemeClr>
+          </a:lnRef>
+          <a:fillRef idx="1">
+            <a:schemeClr val="accent1"/>
+          </a:fillRef>
+          <a:effectRef idx="0">
+            <a:schemeClr val="accent1"/>
+          </a:effectRef>
+          <a:fontRef idx="minor">
+            <a:schemeClr val="lt1"/>
+          </a:fontRef>
+        </p:style>
+        <p:txBody>
+          <a:bodyPr rtlCol="0" anchor="ctr"/>
+          <a:lstStyle/>
+          <a:p>
+            <a:pPr algn="ctr"/>
+            <a:r>
+              <a:rPr lang="en-US" dirty="0" smtClean="0"/>
+              <a:t>3</a:t>
+            </a:r>
+            <a:endParaRPr lang="en-US" dirty="0"/>
+          </a:p>
+        </p:txBody>
+      </p:sp>
+      <p:cxnSp>
+        <p:nvCxnSpPr>
+          <p:cNvPr id="7" name="Gerader Verbinder 6"/>
+          <p:cNvCxnSpPr>
+            <a:stCxn id="4" idx="7"/>
+            <a:endCxn id="5" idx="3"/>
+          </p:cNvCxnSpPr>
+          <p:nvPr/>
+        </p:nvCxnSpPr>
+        <p:spPr>
+          <a:xfrm flipV="1">
+            <a:off x="7582295" y="1125934"/>
+            <a:ext cx="697628" cy="1066239"/>
+          </a:xfrm>
+          <a:prstGeom prst="line">
+            <a:avLst/>
+          </a:prstGeom>
+          <a:ln w="38100">
+            <a:solidFill>
+              <a:schemeClr val="tx1"/>
+            </a:solidFill>
+          </a:ln>
+        </p:spPr>
+        <p:style>
+          <a:lnRef idx="1">
+            <a:schemeClr val="accent1"/>
+          </a:lnRef>
+          <a:fillRef idx="0">
+            <a:schemeClr val="accent1"/>
+          </a:fillRef>
+          <a:effectRef idx="0">
+            <a:schemeClr val="accent1"/>
+          </a:effectRef>
+          <a:fontRef idx="minor">
+            <a:schemeClr val="tx1"/>
+          </a:fontRef>
+        </p:style>
+      </p:cxnSp>
+      <p:cxnSp>
+        <p:nvCxnSpPr>
+          <p:cNvPr id="8" name="Gerader Verbinder 7"/>
+          <p:cNvCxnSpPr>
+            <a:stCxn id="6" idx="1"/>
+            <a:endCxn id="5" idx="5"/>
+          </p:cNvCxnSpPr>
+          <p:nvPr/>
+        </p:nvCxnSpPr>
+        <p:spPr>
+          <a:xfrm flipH="1" flipV="1">
+            <a:off x="8512189" y="1125934"/>
+            <a:ext cx="1686051" cy="1114343"/>
+          </a:xfrm>
+          <a:prstGeom prst="line">
+            <a:avLst/>
+          </a:prstGeom>
+          <a:ln w="38100">
+            <a:solidFill>
+              <a:schemeClr val="tx1"/>
+            </a:solidFill>
+          </a:ln>
+        </p:spPr>
+        <p:style>
+          <a:lnRef idx="1">
+            <a:schemeClr val="accent1"/>
+          </a:lnRef>
+          <a:fillRef idx="0">
+            <a:schemeClr val="accent1"/>
+          </a:fillRef>
+          <a:effectRef idx="0">
+            <a:schemeClr val="accent1"/>
+          </a:effectRef>
+          <a:fontRef idx="minor">
+            <a:schemeClr val="tx1"/>
+          </a:fontRef>
+        </p:style>
+      </p:cxnSp>
+      <p:cxnSp>
+        <p:nvCxnSpPr>
+          <p:cNvPr id="9" name="Gerader Verbinder 8"/>
+          <p:cNvCxnSpPr>
+            <a:stCxn id="6" idx="2"/>
+            <a:endCxn id="4" idx="6"/>
+          </p:cNvCxnSpPr>
+          <p:nvPr/>
+        </p:nvCxnSpPr>
+        <p:spPr>
+          <a:xfrm flipH="1" flipV="1">
+            <a:off x="7630399" y="2308306"/>
+            <a:ext cx="2519737" cy="48104"/>
+          </a:xfrm>
+          <a:prstGeom prst="line">
+            <a:avLst/>
+          </a:prstGeom>
+          <a:ln w="38100">
+            <a:solidFill>
+              <a:schemeClr val="tx1"/>
+            </a:solidFill>
+          </a:ln>
+        </p:spPr>
+        <p:style>
+          <a:lnRef idx="1">
+            <a:schemeClr val="accent1"/>
+          </a:lnRef>
+          <a:fillRef idx="0">
+            <a:schemeClr val="accent1"/>
+          </a:fillRef>
+          <a:effectRef idx="0">
+            <a:schemeClr val="accent1"/>
+          </a:effectRef>
+          <a:fontRef idx="minor">
+            <a:schemeClr val="tx1"/>
+          </a:fontRef>
+        </p:style>
+      </p:cxnSp>
+      <p:sp>
+        <p:nvSpPr>
+          <p:cNvPr id="10" name="Textfeld 9"/>
+          <p:cNvSpPr txBox="1"/>
+          <p:nvPr/>
+        </p:nvSpPr>
+        <p:spPr>
+          <a:xfrm>
+            <a:off x="7543860" y="1390910"/>
+            <a:ext cx="418704" cy="369332"/>
+          </a:xfrm>
+          <a:prstGeom prst="rect">
+            <a:avLst/>
+          </a:prstGeom>
+          <a:noFill/>
+        </p:spPr>
+        <p:txBody>
+          <a:bodyPr wrap="none" rtlCol="0">
+            <a:spAutoFit/>
+          </a:bodyPr>
+          <a:lstStyle/>
+          <a:p>
+            <a:r>
+              <a:rPr lang="en-US" dirty="0" smtClean="0"/>
+              <a:t>10</a:t>
+            </a:r>
+            <a:endParaRPr lang="en-US" dirty="0"/>
+          </a:p>
+        </p:txBody>
+      </p:sp>
+      <p:sp>
+        <p:nvSpPr>
+          <p:cNvPr id="11" name="Textfeld 10"/>
+          <p:cNvSpPr txBox="1"/>
+          <p:nvPr/>
+        </p:nvSpPr>
+        <p:spPr>
+          <a:xfrm>
+            <a:off x="9355214" y="1342806"/>
+            <a:ext cx="418704" cy="369332"/>
+          </a:xfrm>
+          <a:prstGeom prst="rect">
+            <a:avLst/>
+          </a:prstGeom>
+          <a:noFill/>
+        </p:spPr>
+        <p:txBody>
+          <a:bodyPr wrap="none" rtlCol="0">
+            <a:spAutoFit/>
+          </a:bodyPr>
+          <a:lstStyle/>
+          <a:p>
+            <a:r>
+              <a:rPr lang="en-US" dirty="0"/>
+              <a:t>1</a:t>
+            </a:r>
+            <a:r>
+              <a:rPr lang="en-US" dirty="0" smtClean="0"/>
+              <a:t>5</a:t>
+            </a:r>
+            <a:endParaRPr lang="en-US" dirty="0"/>
+          </a:p>
+        </p:txBody>
+      </p:sp>
+      <p:sp>
+        <p:nvSpPr>
+          <p:cNvPr id="12" name="Textfeld 11"/>
+          <p:cNvSpPr txBox="1"/>
+          <p:nvPr/>
+        </p:nvSpPr>
+        <p:spPr>
+          <a:xfrm>
+            <a:off x="8681033" y="2335981"/>
+            <a:ext cx="418704" cy="369332"/>
+          </a:xfrm>
+          <a:prstGeom prst="rect">
+            <a:avLst/>
+          </a:prstGeom>
+          <a:noFill/>
+        </p:spPr>
+        <p:txBody>
+          <a:bodyPr wrap="none" rtlCol="0">
+            <a:spAutoFit/>
+          </a:bodyPr>
+          <a:lstStyle/>
+          <a:p>
+            <a:r>
+              <a:rPr lang="en-US" dirty="0" smtClean="0"/>
+              <a:t>10</a:t>
+            </a:r>
+            <a:endParaRPr lang="en-US" dirty="0"/>
+          </a:p>
+        </p:txBody>
+      </p:sp>
+      <p:sp>
+        <p:nvSpPr>
+          <p:cNvPr id="13" name="Textfeld 12"/>
+          <p:cNvSpPr txBox="1"/>
+          <p:nvPr/>
+        </p:nvSpPr>
+        <p:spPr>
+          <a:xfrm>
+            <a:off x="6956441" y="2469261"/>
+            <a:ext cx="699230" cy="369332"/>
+          </a:xfrm>
+          <a:prstGeom prst="rect">
+            <a:avLst/>
+          </a:prstGeom>
+          <a:noFill/>
+        </p:spPr>
+        <p:txBody>
+          <a:bodyPr wrap="none" rtlCol="0">
+            <a:spAutoFit/>
+          </a:bodyPr>
+          <a:lstStyle/>
+          <a:p>
+            <a:r>
+              <a:rPr lang="en-US" dirty="0" smtClean="0"/>
+              <a:t>w=10</a:t>
+            </a:r>
+            <a:endParaRPr lang="en-US" dirty="0"/>
+          </a:p>
+        </p:txBody>
+      </p:sp>
+      <p:sp>
+        <p:nvSpPr>
+          <p:cNvPr id="14" name="Textfeld 13"/>
+          <p:cNvSpPr txBox="1"/>
+          <p:nvPr/>
+        </p:nvSpPr>
+        <p:spPr>
+          <a:xfrm>
+            <a:off x="8046441" y="439783"/>
+            <a:ext cx="699230" cy="369332"/>
+          </a:xfrm>
+          <a:prstGeom prst="rect">
+            <a:avLst/>
+          </a:prstGeom>
+          <a:noFill/>
+        </p:spPr>
+        <p:txBody>
+          <a:bodyPr wrap="none" rtlCol="0">
+            <a:spAutoFit/>
+          </a:bodyPr>
+          <a:lstStyle/>
+          <a:p>
+            <a:r>
+              <a:rPr lang="en-US" dirty="0" smtClean="0"/>
+              <a:t>w=30</a:t>
+            </a:r>
+            <a:endParaRPr lang="en-US" dirty="0"/>
+          </a:p>
+        </p:txBody>
+      </p:sp>
+      <p:sp>
+        <p:nvSpPr>
+          <p:cNvPr id="15" name="Textfeld 14"/>
+          <p:cNvSpPr txBox="1"/>
+          <p:nvPr/>
+        </p:nvSpPr>
+        <p:spPr>
+          <a:xfrm>
+            <a:off x="10386454" y="2240277"/>
+            <a:ext cx="699230" cy="369332"/>
+          </a:xfrm>
+          <a:prstGeom prst="rect">
+            <a:avLst/>
+          </a:prstGeom>
+          <a:noFill/>
+        </p:spPr>
+        <p:txBody>
+          <a:bodyPr wrap="none" rtlCol="0">
+            <a:spAutoFit/>
+          </a:bodyPr>
+          <a:lstStyle/>
+          <a:p>
+            <a:r>
+              <a:rPr lang="en-US" dirty="0" smtClean="0"/>
+              <a:t>w=60</a:t>
+            </a:r>
+            <a:endParaRPr lang="en-US" dirty="0"/>
+          </a:p>
+        </p:txBody>
+      </p:sp>
+      <p:sp>
+        <p:nvSpPr>
+          <p:cNvPr id="16" name="Textfeld 15"/>
+          <p:cNvSpPr txBox="1"/>
+          <p:nvPr/>
+        </p:nvSpPr>
+        <p:spPr>
+          <a:xfrm>
+            <a:off x="6469508" y="952603"/>
+            <a:ext cx="1093569" cy="646331"/>
+          </a:xfrm>
+          <a:prstGeom prst="rect">
+            <a:avLst/>
+          </a:prstGeom>
+          <a:noFill/>
+        </p:spPr>
+        <p:txBody>
+          <a:bodyPr wrap="none" rtlCol="0">
+            <a:spAutoFit/>
+          </a:bodyPr>
+          <a:lstStyle/>
+          <a:p>
+            <a:r>
+              <a:rPr lang="en-US" dirty="0"/>
+              <a:t>r(e12) = </a:t>
+            </a:r>
+            <a:r>
+              <a:rPr lang="en-US" dirty="0" smtClean="0"/>
+              <a:t>1</a:t>
+            </a:r>
+            <a:endParaRPr lang="en-US" dirty="0" smtClean="0"/>
+          </a:p>
+          <a:p>
+            <a:pPr marL="0" lvl="1"/>
+            <a:r>
+              <a:rPr lang="en-US" dirty="0"/>
+              <a:t>r(e21) = </a:t>
+            </a:r>
+            <a:r>
+              <a:rPr lang="en-US" dirty="0" smtClean="0"/>
+              <a:t>3</a:t>
+            </a:r>
+            <a:endParaRPr lang="en-US" dirty="0"/>
+          </a:p>
+        </p:txBody>
+      </p:sp>
+      <p:sp>
+        <p:nvSpPr>
+          <p:cNvPr id="17" name="Textfeld 16"/>
+          <p:cNvSpPr txBox="1"/>
+          <p:nvPr/>
+        </p:nvSpPr>
+        <p:spPr>
+          <a:xfrm>
+            <a:off x="8343482" y="2653927"/>
+            <a:ext cx="1093569" cy="646331"/>
+          </a:xfrm>
+          <a:prstGeom prst="rect">
+            <a:avLst/>
+          </a:prstGeom>
+          <a:noFill/>
+        </p:spPr>
+        <p:txBody>
+          <a:bodyPr wrap="none" rtlCol="0">
+            <a:spAutoFit/>
+          </a:bodyPr>
+          <a:lstStyle/>
+          <a:p>
+            <a:r>
+              <a:rPr lang="en-US" dirty="0"/>
+              <a:t>r(e13) = </a:t>
+            </a:r>
+            <a:r>
+              <a:rPr lang="en-US" dirty="0" smtClean="0"/>
+              <a:t>1</a:t>
+            </a:r>
+          </a:p>
+          <a:p>
+            <a:pPr marL="0" lvl="1"/>
+            <a:r>
+              <a:rPr lang="en-US" dirty="0"/>
+              <a:t>r(e31) = </a:t>
+            </a:r>
+            <a:r>
+              <a:rPr lang="en-US" dirty="0" smtClean="0"/>
+              <a:t>6</a:t>
+            </a:r>
+            <a:endParaRPr lang="en-US" dirty="0"/>
+          </a:p>
+        </p:txBody>
+      </p:sp>
+      <p:sp>
+        <p:nvSpPr>
+          <p:cNvPr id="18" name="Textfeld 17"/>
+          <p:cNvSpPr txBox="1"/>
+          <p:nvPr/>
+        </p:nvSpPr>
+        <p:spPr>
+          <a:xfrm>
+            <a:off x="9829580" y="974463"/>
+            <a:ext cx="1093569" cy="646331"/>
+          </a:xfrm>
+          <a:prstGeom prst="rect">
+            <a:avLst/>
+          </a:prstGeom>
+          <a:noFill/>
+        </p:spPr>
+        <p:txBody>
+          <a:bodyPr wrap="none" rtlCol="0">
+            <a:spAutoFit/>
+          </a:bodyPr>
+          <a:lstStyle/>
+          <a:p>
+            <a:r>
+              <a:rPr lang="en-US" dirty="0"/>
+              <a:t>r(e23) = </a:t>
+            </a:r>
+            <a:r>
+              <a:rPr lang="en-US" dirty="0" smtClean="0"/>
+              <a:t>2</a:t>
+            </a:r>
+          </a:p>
+          <a:p>
+            <a:pPr marL="0" lvl="1"/>
+            <a:r>
+              <a:rPr lang="en-US" dirty="0"/>
+              <a:t>r(e32) = </a:t>
+            </a:r>
+            <a:r>
+              <a:rPr lang="en-US" dirty="0" smtClean="0"/>
+              <a:t>4</a:t>
+            </a:r>
+            <a:endParaRPr lang="en-US" dirty="0"/>
+          </a:p>
+        </p:txBody>
+      </p:sp>
+    </p:spTree>
+    <p:extLst>
+      <p:ext uri="{BB962C8B-B14F-4D97-AF65-F5344CB8AC3E}">
+        <p14:creationId xmlns:p14="http://schemas.microsoft.com/office/powerpoint/2010/main" val="2367440462"/>
+      </p:ext>
+    </p:extLst>
+  </p:cSld>
+  <p:clrMapOvr>
+    <a:masterClrMapping/>
+  </p:clrMapOvr>
+  <p:timing>
+    <p:tnLst>
+      <p:par>
+        <p:cTn id="1" dur="indefinite" restart="never" nodeType="tmRoot"/>
+      </p:par>
+    </p:tnLst>
+  </p:timing>
+</p:sld>
+</file>
+
 <file path=ppt/slides/slide2.xml><?xml version="1.0" encoding="utf-8"?>
 <p:sld xmlns:a="http://schemas.openxmlformats.org/drawingml/2006/main" xmlns:r="http://schemas.openxmlformats.org/officeDocument/2006/relationships" xmlns:p="http://schemas.openxmlformats.org/presentationml/2006/main">
   <p:cSld>
@@ -6967,11 +7644,7 @@
             </a:r>
             <a:r>
               <a:rPr lang="en-US" dirty="0" smtClean="0"/>
-              <a:t> D4 – </a:t>
-            </a:r>
-            <a:r>
-              <a:rPr lang="en-US" dirty="0" smtClean="0"/>
-              <a:t>Initial</a:t>
+              <a:t> D4 – Initial</a:t>
             </a:r>
             <a:endParaRPr lang="en-US" dirty="0"/>
           </a:p>
@@ -9041,11 +9714,7 @@
           <a:p>
             <a:r>
               <a:rPr lang="en-US" dirty="0" smtClean="0"/>
-              <a:t>Inactive </a:t>
-            </a:r>
-            <a:r>
-              <a:rPr lang="en-US" dirty="0" smtClean="0"/>
-              <a:t>links after first TC iteration (k=2.0): e1-3,e2-3,e2-4,e2-5,e3-9,e3-11,e9-11</a:t>
+              <a:t>Inactive links after first TC iteration (k=2.0): e1-3,e2-3,e2-4,e2-5,e3-9,e3-11,e9-11</a:t>
             </a:r>
             <a:endParaRPr lang="en-US" dirty="0"/>
           </a:p>

--- a/de.tudarmstadt.maki.modeling.jvlc/instances/testgraphs.pptx
+++ b/de.tudarmstadt.maki.modeling.jvlc/instances/testgraphs.pptx
@@ -14,9 +14,10 @@
     <p:sldId id="264" r:id="rId8"/>
     <p:sldId id="263" r:id="rId9"/>
     <p:sldId id="265" r:id="rId10"/>
-    <p:sldId id="259" r:id="rId11"/>
-    <p:sldId id="260" r:id="rId12"/>
-    <p:sldId id="267" r:id="rId13"/>
+    <p:sldId id="268" r:id="rId11"/>
+    <p:sldId id="259" r:id="rId12"/>
+    <p:sldId id="260" r:id="rId13"/>
+    <p:sldId id="267" r:id="rId14"/>
   </p:sldIdLst>
   <p:sldSz cx="12192000" cy="6858000"/>
   <p:notesSz cx="6858000" cy="9144000"/>
@@ -129,6 +130,7 @@
             <p14:sldId id="264"/>
             <p14:sldId id="263"/>
             <p14:sldId id="265"/>
+            <p14:sldId id="268"/>
           </p14:sldIdLst>
         </p14:section>
         <p14:section name="Testgraphs for e-kTC" id="{893D8346-A827-4FEC-9989-0B78EDAA378C}">
@@ -289,7 +291,7 @@
           <a:p>
             <a:fld id="{AA2F2A37-85DD-45B9-AC18-C6701B3AEA4C}" type="datetimeFigureOut">
               <a:rPr lang="en-US" smtClean="0"/>
-              <a:t>11/10/2015</a:t>
+              <a:t>4/26/2016</a:t>
             </a:fld>
             <a:endParaRPr lang="en-US"/>
           </a:p>
@@ -542,7 +544,7 @@
           <a:p>
             <a:fld id="{AA2F2A37-85DD-45B9-AC18-C6701B3AEA4C}" type="datetimeFigureOut">
               <a:rPr lang="en-US" smtClean="0"/>
-              <a:t>11/10/2015</a:t>
+              <a:t>4/26/2016</a:t>
             </a:fld>
             <a:endParaRPr lang="en-US"/>
           </a:p>
@@ -712,7 +714,7 @@
           <a:p>
             <a:fld id="{AA2F2A37-85DD-45B9-AC18-C6701B3AEA4C}" type="datetimeFigureOut">
               <a:rPr lang="en-US" smtClean="0"/>
-              <a:t>11/10/2015</a:t>
+              <a:t>4/26/2016</a:t>
             </a:fld>
             <a:endParaRPr lang="en-US"/>
           </a:p>
@@ -892,7 +894,7 @@
           <a:p>
             <a:fld id="{AA2F2A37-85DD-45B9-AC18-C6701B3AEA4C}" type="datetimeFigureOut">
               <a:rPr lang="en-US" smtClean="0"/>
-              <a:t>11/10/2015</a:t>
+              <a:t>4/26/2016</a:t>
             </a:fld>
             <a:endParaRPr lang="en-US"/>
           </a:p>
@@ -1062,7 +1064,7 @@
           <a:p>
             <a:fld id="{AA2F2A37-85DD-45B9-AC18-C6701B3AEA4C}" type="datetimeFigureOut">
               <a:rPr lang="en-US" smtClean="0"/>
-              <a:t>11/10/2015</a:t>
+              <a:t>4/26/2016</a:t>
             </a:fld>
             <a:endParaRPr lang="en-US"/>
           </a:p>
@@ -1251,7 +1253,7 @@
           <a:p>
             <a:fld id="{AA2F2A37-85DD-45B9-AC18-C6701B3AEA4C}" type="datetimeFigureOut">
               <a:rPr lang="en-US" smtClean="0"/>
-              <a:t>11/10/2015</a:t>
+              <a:t>4/26/2016</a:t>
             </a:fld>
             <a:endParaRPr lang="en-US"/>
           </a:p>
@@ -1504,7 +1506,7 @@
           <a:p>
             <a:fld id="{AA2F2A37-85DD-45B9-AC18-C6701B3AEA4C}" type="datetimeFigureOut">
               <a:rPr lang="en-US" smtClean="0"/>
-              <a:t>11/10/2015</a:t>
+              <a:t>4/26/2016</a:t>
             </a:fld>
             <a:endParaRPr lang="en-US"/>
           </a:p>
@@ -1736,7 +1738,7 @@
           <a:p>
             <a:fld id="{AA2F2A37-85DD-45B9-AC18-C6701B3AEA4C}" type="datetimeFigureOut">
               <a:rPr lang="en-US" smtClean="0"/>
-              <a:t>11/10/2015</a:t>
+              <a:t>4/26/2016</a:t>
             </a:fld>
             <a:endParaRPr lang="en-US"/>
           </a:p>
@@ -2103,7 +2105,7 @@
           <a:p>
             <a:fld id="{AA2F2A37-85DD-45B9-AC18-C6701B3AEA4C}" type="datetimeFigureOut">
               <a:rPr lang="en-US" smtClean="0"/>
-              <a:t>11/10/2015</a:t>
+              <a:t>4/26/2016</a:t>
             </a:fld>
             <a:endParaRPr lang="en-US"/>
           </a:p>
@@ -2221,7 +2223,7 @@
           <a:p>
             <a:fld id="{AA2F2A37-85DD-45B9-AC18-C6701B3AEA4C}" type="datetimeFigureOut">
               <a:rPr lang="en-US" smtClean="0"/>
-              <a:t>11/10/2015</a:t>
+              <a:t>4/26/2016</a:t>
             </a:fld>
             <a:endParaRPr lang="en-US"/>
           </a:p>
@@ -2323,7 +2325,7 @@
           <a:p>
             <a:fld id="{AA2F2A37-85DD-45B9-AC18-C6701B3AEA4C}" type="datetimeFigureOut">
               <a:rPr lang="en-US" smtClean="0"/>
-              <a:t>11/10/2015</a:t>
+              <a:t>4/26/2016</a:t>
             </a:fld>
             <a:endParaRPr lang="en-US"/>
           </a:p>
@@ -2600,7 +2602,7 @@
           <a:p>
             <a:fld id="{AA2F2A37-85DD-45B9-AC18-C6701B3AEA4C}" type="datetimeFigureOut">
               <a:rPr lang="en-US" smtClean="0"/>
-              <a:t>11/10/2015</a:t>
+              <a:t>4/26/2016</a:t>
             </a:fld>
             <a:endParaRPr lang="en-US"/>
           </a:p>
@@ -2813,7 +2815,7 @@
           <a:p>
             <a:fld id="{AA2F2A37-85DD-45B9-AC18-C6701B3AEA4C}" type="datetimeFigureOut">
               <a:rPr lang="en-US" smtClean="0"/>
-              <a:t>11/10/2015</a:t>
+              <a:t>4/26/2016</a:t>
             </a:fld>
             <a:endParaRPr lang="en-US"/>
           </a:p>
@@ -4048,14 +4050,10 @@
           <a:lstStyle/>
           <a:p>
             <a:r>
-              <a:rPr lang="en-US" dirty="0" err="1" smtClean="0"/>
-              <a:t>Testgraph</a:t>
-            </a:r>
-            <a:r>
-              <a:rPr lang="en-US" dirty="0" smtClean="0"/>
-              <a:t> E1</a:t>
-            </a:r>
-            <a:endParaRPr lang="en-US" dirty="0"/>
+              <a:rPr lang="en-US" smtClean="0"/>
+              <a:t>Testgraph D5</a:t>
+            </a:r>
+            <a:endParaRPr lang="en-US"/>
           </a:p>
         </p:txBody>
       </p:sp>
@@ -4074,59 +4072,7 @@
           <a:bodyPr/>
           <a:lstStyle/>
           <a:p>
-            <a:r>
-              <a:rPr lang="en-US" smtClean="0"/>
-              <a:t>Simple test case for e-ktc</a:t>
-            </a:r>
-          </a:p>
-          <a:p>
-            <a:r>
-              <a:rPr lang="en-US" smtClean="0"/>
-              <a:t>Cases (k=1.5)</a:t>
-            </a:r>
-          </a:p>
-          <a:p>
-            <a:pPr lvl="1"/>
-            <a:r>
-              <a:rPr lang="en-US" smtClean="0"/>
-              <a:t>e13-e12-e23 =&gt; I</a:t>
-            </a:r>
-          </a:p>
-          <a:p>
-            <a:pPr lvl="1"/>
-            <a:r>
-              <a:rPr lang="en-US" smtClean="0"/>
-              <a:t>e32-e21-e13 =&gt; A</a:t>
-            </a:r>
-          </a:p>
-          <a:p>
-            <a:pPr lvl="1"/>
-            <a:r>
-              <a:rPr lang="en-US" smtClean="0"/>
-              <a:t>e21-e23-e31 =&gt; A</a:t>
-            </a:r>
-          </a:p>
-          <a:p>
-            <a:pPr lvl="1"/>
-            <a:r>
-              <a:rPr lang="en-US" smtClean="0"/>
-              <a:t>e31-e32-e21 =&gt; A</a:t>
-            </a:r>
-          </a:p>
-          <a:p>
-            <a:pPr lvl="1"/>
-            <a:r>
-              <a:rPr lang="en-US" smtClean="0"/>
-              <a:t>e12-e13-e32 =&gt; A</a:t>
-            </a:r>
-          </a:p>
-          <a:p>
-            <a:pPr lvl="1"/>
-            <a:r>
-              <a:rPr lang="en-US" smtClean="0"/>
-              <a:t>e23-e21-e13 =&gt; A</a:t>
-            </a:r>
-            <a:endParaRPr lang="en-US" dirty="0" smtClean="0"/>
+            <a:endParaRPr lang="en-US"/>
           </a:p>
         </p:txBody>
       </p:sp>
@@ -4138,7 +4084,7 @@
         </p:nvSpPr>
         <p:spPr>
           <a:xfrm>
-            <a:off x="7301925" y="2144069"/>
+            <a:off x="7391400" y="3956000"/>
             <a:ext cx="328474" cy="328474"/>
           </a:xfrm>
           <a:prstGeom prst="ellipse">
@@ -4147,6 +4093,11 @@
           <a:solidFill>
             <a:schemeClr val="tx1"/>
           </a:solidFill>
+          <a:ln>
+            <a:solidFill>
+              <a:schemeClr val="tx1"/>
+            </a:solidFill>
+          </a:ln>
         </p:spPr>
         <p:style>
           <a:lnRef idx="2">
@@ -4185,7 +4136,7 @@
         </p:nvSpPr>
         <p:spPr>
           <a:xfrm>
-            <a:off x="8231819" y="845564"/>
+            <a:off x="8052039" y="3202841"/>
             <a:ext cx="328474" cy="328474"/>
           </a:xfrm>
           <a:prstGeom prst="ellipse">
@@ -4194,6 +4145,11 @@
           <a:solidFill>
             <a:schemeClr val="tx1"/>
           </a:solidFill>
+          <a:ln>
+            <a:solidFill>
+              <a:schemeClr val="tx1"/>
+            </a:solidFill>
+          </a:ln>
         </p:spPr>
         <p:style>
           <a:lnRef idx="2">
@@ -4231,7 +4187,7 @@
         </p:nvSpPr>
         <p:spPr>
           <a:xfrm>
-            <a:off x="10150136" y="2192173"/>
+            <a:off x="8641319" y="3912661"/>
             <a:ext cx="328474" cy="328474"/>
           </a:xfrm>
           <a:prstGeom prst="ellipse">
@@ -4240,6 +4196,11 @@
           <a:solidFill>
             <a:schemeClr val="tx1"/>
           </a:solidFill>
+          <a:ln>
+            <a:solidFill>
+              <a:schemeClr val="tx1"/>
+            </a:solidFill>
+          </a:ln>
         </p:spPr>
         <p:style>
           <a:lnRef idx="2">
@@ -4270,19 +4231,122 @@
           </a:p>
         </p:txBody>
       </p:sp>
+      <p:sp>
+        <p:nvSpPr>
+          <p:cNvPr id="7" name="Ellipse 6"/>
+          <p:cNvSpPr/>
+          <p:nvPr/>
+        </p:nvSpPr>
+        <p:spPr>
+          <a:xfrm>
+            <a:off x="7935906" y="4671631"/>
+            <a:ext cx="328474" cy="328474"/>
+          </a:xfrm>
+          <a:prstGeom prst="ellipse">
+            <a:avLst/>
+          </a:prstGeom>
+          <a:solidFill>
+            <a:schemeClr val="tx1"/>
+          </a:solidFill>
+          <a:ln>
+            <a:solidFill>
+              <a:schemeClr val="tx1"/>
+            </a:solidFill>
+          </a:ln>
+        </p:spPr>
+        <p:style>
+          <a:lnRef idx="2">
+            <a:schemeClr val="accent1">
+              <a:shade val="50000"/>
+            </a:schemeClr>
+          </a:lnRef>
+          <a:fillRef idx="1">
+            <a:schemeClr val="accent1"/>
+          </a:fillRef>
+          <a:effectRef idx="0">
+            <a:schemeClr val="accent1"/>
+          </a:effectRef>
+          <a:fontRef idx="minor">
+            <a:schemeClr val="lt1"/>
+          </a:fontRef>
+        </p:style>
+        <p:txBody>
+          <a:bodyPr rtlCol="0" anchor="ctr"/>
+          <a:lstStyle/>
+          <a:p>
+            <a:pPr algn="ctr"/>
+            <a:r>
+              <a:rPr lang="en-US" dirty="0"/>
+              <a:t>4</a:t>
+            </a:r>
+          </a:p>
+        </p:txBody>
+      </p:sp>
+      <p:sp>
+        <p:nvSpPr>
+          <p:cNvPr id="8" name="Ellipse 7"/>
+          <p:cNvSpPr/>
+          <p:nvPr/>
+        </p:nvSpPr>
+        <p:spPr>
+          <a:xfrm>
+            <a:off x="6884267" y="4835868"/>
+            <a:ext cx="328474" cy="328474"/>
+          </a:xfrm>
+          <a:prstGeom prst="ellipse">
+            <a:avLst/>
+          </a:prstGeom>
+          <a:solidFill>
+            <a:schemeClr val="tx1"/>
+          </a:solidFill>
+          <a:ln>
+            <a:solidFill>
+              <a:schemeClr val="tx1"/>
+            </a:solidFill>
+          </a:ln>
+        </p:spPr>
+        <p:style>
+          <a:lnRef idx="2">
+            <a:schemeClr val="accent1">
+              <a:shade val="50000"/>
+            </a:schemeClr>
+          </a:lnRef>
+          <a:fillRef idx="1">
+            <a:schemeClr val="accent1"/>
+          </a:fillRef>
+          <a:effectRef idx="0">
+            <a:schemeClr val="accent1"/>
+          </a:effectRef>
+          <a:fontRef idx="minor">
+            <a:schemeClr val="lt1"/>
+          </a:fontRef>
+        </p:style>
+        <p:txBody>
+          <a:bodyPr rtlCol="0" anchor="ctr"/>
+          <a:lstStyle/>
+          <a:p>
+            <a:pPr algn="ctr"/>
+            <a:r>
+              <a:rPr lang="en-US" dirty="0" smtClean="0"/>
+              <a:t>5</a:t>
+            </a:r>
+            <a:endParaRPr lang="en-US" dirty="0"/>
+          </a:p>
+        </p:txBody>
+      </p:sp>
       <p:cxnSp>
         <p:nvCxnSpPr>
-          <p:cNvPr id="7" name="Gerader Verbinder 6"/>
+          <p:cNvPr id="9" name="Gerader Verbinder 8"/>
           <p:cNvCxnSpPr>
-            <a:stCxn id="4" idx="7"/>
-            <a:endCxn id="5" idx="3"/>
+            <a:stCxn id="8" idx="6"/>
+            <a:endCxn id="7" idx="2"/>
           </p:cNvCxnSpPr>
           <p:nvPr/>
         </p:nvCxnSpPr>
         <p:spPr>
           <a:xfrm flipV="1">
-            <a:off x="7582295" y="1125934"/>
-            <a:ext cx="697628" cy="1066239"/>
+            <a:off x="7212741" y="4835868"/>
+            <a:ext cx="723165" cy="164237"/>
           </a:xfrm>
           <a:prstGeom prst="line">
             <a:avLst/>
@@ -4310,17 +4374,17 @@
       </p:cxnSp>
       <p:cxnSp>
         <p:nvCxnSpPr>
-          <p:cNvPr id="8" name="Gerader Verbinder 7"/>
+          <p:cNvPr id="13" name="Gerader Verbinder 12"/>
           <p:cNvCxnSpPr>
-            <a:stCxn id="6" idx="1"/>
-            <a:endCxn id="5" idx="5"/>
+            <a:stCxn id="4" idx="3"/>
+            <a:endCxn id="8" idx="7"/>
           </p:cNvCxnSpPr>
           <p:nvPr/>
         </p:nvCxnSpPr>
         <p:spPr>
-          <a:xfrm flipH="1" flipV="1">
-            <a:off x="8512189" y="1125934"/>
-            <a:ext cx="1686051" cy="1114343"/>
+          <a:xfrm flipH="1">
+            <a:off x="7164637" y="4236370"/>
+            <a:ext cx="274867" cy="647602"/>
           </a:xfrm>
           <a:prstGeom prst="line">
             <a:avLst/>
@@ -4348,7 +4412,159 @@
       </p:cxnSp>
       <p:cxnSp>
         <p:nvCxnSpPr>
-          <p:cNvPr id="9" name="Gerader Verbinder 8"/>
+          <p:cNvPr id="16" name="Gerader Verbinder 15"/>
+          <p:cNvCxnSpPr>
+            <a:stCxn id="7" idx="0"/>
+            <a:endCxn id="6" idx="1"/>
+          </p:cNvCxnSpPr>
+          <p:nvPr/>
+        </p:nvCxnSpPr>
+        <p:spPr>
+          <a:xfrm flipV="1">
+            <a:off x="8100143" y="3960765"/>
+            <a:ext cx="589280" cy="710866"/>
+          </a:xfrm>
+          <a:prstGeom prst="line">
+            <a:avLst/>
+          </a:prstGeom>
+          <a:ln w="38100">
+            <a:solidFill>
+              <a:schemeClr val="tx1"/>
+            </a:solidFill>
+          </a:ln>
+        </p:spPr>
+        <p:style>
+          <a:lnRef idx="1">
+            <a:schemeClr val="accent1"/>
+          </a:lnRef>
+          <a:fillRef idx="0">
+            <a:schemeClr val="accent1"/>
+          </a:fillRef>
+          <a:effectRef idx="0">
+            <a:schemeClr val="accent1"/>
+          </a:effectRef>
+          <a:fontRef idx="minor">
+            <a:schemeClr val="tx1"/>
+          </a:fontRef>
+        </p:style>
+      </p:cxnSp>
+      <p:cxnSp>
+        <p:nvCxnSpPr>
+          <p:cNvPr id="19" name="Gerader Verbinder 18"/>
+          <p:cNvCxnSpPr>
+            <a:stCxn id="7" idx="0"/>
+            <a:endCxn id="4" idx="5"/>
+          </p:cNvCxnSpPr>
+          <p:nvPr/>
+        </p:nvCxnSpPr>
+        <p:spPr>
+          <a:xfrm flipH="1" flipV="1">
+            <a:off x="7671770" y="4236370"/>
+            <a:ext cx="428373" cy="435261"/>
+          </a:xfrm>
+          <a:prstGeom prst="line">
+            <a:avLst/>
+          </a:prstGeom>
+          <a:ln w="38100">
+            <a:solidFill>
+              <a:schemeClr val="tx1"/>
+            </a:solidFill>
+          </a:ln>
+        </p:spPr>
+        <p:style>
+          <a:lnRef idx="1">
+            <a:schemeClr val="accent1"/>
+          </a:lnRef>
+          <a:fillRef idx="0">
+            <a:schemeClr val="accent1"/>
+          </a:fillRef>
+          <a:effectRef idx="0">
+            <a:schemeClr val="accent1"/>
+          </a:effectRef>
+          <a:fontRef idx="minor">
+            <a:schemeClr val="tx1"/>
+          </a:fontRef>
+        </p:style>
+      </p:cxnSp>
+      <p:cxnSp>
+        <p:nvCxnSpPr>
+          <p:cNvPr id="22" name="Gerader Verbinder 21"/>
+          <p:cNvCxnSpPr>
+            <a:stCxn id="6" idx="1"/>
+            <a:endCxn id="5" idx="5"/>
+          </p:cNvCxnSpPr>
+          <p:nvPr/>
+        </p:nvCxnSpPr>
+        <p:spPr>
+          <a:xfrm flipH="1" flipV="1">
+            <a:off x="8332409" y="3483211"/>
+            <a:ext cx="357014" cy="477554"/>
+          </a:xfrm>
+          <a:prstGeom prst="line">
+            <a:avLst/>
+          </a:prstGeom>
+          <a:ln w="38100">
+            <a:solidFill>
+              <a:schemeClr val="tx1"/>
+            </a:solidFill>
+          </a:ln>
+        </p:spPr>
+        <p:style>
+          <a:lnRef idx="1">
+            <a:schemeClr val="accent1"/>
+          </a:lnRef>
+          <a:fillRef idx="0">
+            <a:schemeClr val="accent1"/>
+          </a:fillRef>
+          <a:effectRef idx="0">
+            <a:schemeClr val="accent1"/>
+          </a:effectRef>
+          <a:fontRef idx="minor">
+            <a:schemeClr val="tx1"/>
+          </a:fontRef>
+        </p:style>
+      </p:cxnSp>
+      <p:cxnSp>
+        <p:nvCxnSpPr>
+          <p:cNvPr id="25" name="Gerader Verbinder 24"/>
+          <p:cNvCxnSpPr>
+            <a:stCxn id="5" idx="3"/>
+            <a:endCxn id="4" idx="0"/>
+          </p:cNvCxnSpPr>
+          <p:nvPr/>
+        </p:nvCxnSpPr>
+        <p:spPr>
+          <a:xfrm flipH="1">
+            <a:off x="7555637" y="3483211"/>
+            <a:ext cx="544506" cy="472789"/>
+          </a:xfrm>
+          <a:prstGeom prst="line">
+            <a:avLst/>
+          </a:prstGeom>
+          <a:ln w="38100">
+            <a:solidFill>
+              <a:schemeClr val="tx1"/>
+            </a:solidFill>
+          </a:ln>
+        </p:spPr>
+        <p:style>
+          <a:lnRef idx="1">
+            <a:schemeClr val="accent1"/>
+          </a:lnRef>
+          <a:fillRef idx="0">
+            <a:schemeClr val="accent1"/>
+          </a:fillRef>
+          <a:effectRef idx="0">
+            <a:schemeClr val="accent1"/>
+          </a:effectRef>
+          <a:fontRef idx="minor">
+            <a:schemeClr val="tx1"/>
+          </a:fontRef>
+        </p:style>
+      </p:cxnSp>
+      <p:cxnSp>
+        <p:nvCxnSpPr>
+          <p:cNvPr id="28" name="Gerader Verbinder 27"/>
           <p:cNvCxnSpPr>
             <a:stCxn id="6" idx="2"/>
             <a:endCxn id="4" idx="6"/>
@@ -4356,9 +4572,9 @@
           <p:nvPr/>
         </p:nvCxnSpPr>
         <p:spPr>
-          <a:xfrm flipH="1" flipV="1">
-            <a:off x="7630399" y="2308306"/>
-            <a:ext cx="2519737" cy="48104"/>
+          <a:xfrm flipH="1">
+            <a:off x="7719874" y="4076898"/>
+            <a:ext cx="921445" cy="43339"/>
           </a:xfrm>
           <a:prstGeom prst="line">
             <a:avLst/>
@@ -4386,43 +4602,13 @@
       </p:cxnSp>
       <p:sp>
         <p:nvSpPr>
-          <p:cNvPr id="10" name="Textfeld 9"/>
+          <p:cNvPr id="44" name="Textfeld 43"/>
           <p:cNvSpPr txBox="1"/>
           <p:nvPr/>
         </p:nvSpPr>
         <p:spPr>
           <a:xfrm>
-            <a:off x="7543860" y="1390910"/>
-            <a:ext cx="301686" cy="369332"/>
-          </a:xfrm>
-          <a:prstGeom prst="rect">
-            <a:avLst/>
-          </a:prstGeom>
-          <a:noFill/>
-        </p:spPr>
-        <p:txBody>
-          <a:bodyPr wrap="none" rtlCol="0">
-            <a:spAutoFit/>
-          </a:bodyPr>
-          <a:lstStyle/>
-          <a:p>
-            <a:r>
-              <a:rPr lang="en-US" dirty="0" smtClean="0"/>
-              <a:t>5</a:t>
-            </a:r>
-            <a:endParaRPr lang="en-US" dirty="0"/>
-          </a:p>
-        </p:txBody>
-      </p:sp>
-      <p:sp>
-        <p:nvSpPr>
-          <p:cNvPr id="11" name="Textfeld 10"/>
-          <p:cNvSpPr txBox="1"/>
-          <p:nvPr/>
-        </p:nvSpPr>
-        <p:spPr>
-          <a:xfrm>
-            <a:off x="9355214" y="1342806"/>
+            <a:off x="6852104" y="4350403"/>
             <a:ext cx="418704" cy="369332"/>
           </a:xfrm>
           <a:prstGeom prst="rect">
@@ -4437,12 +4623,8 @@
           <a:lstStyle/>
           <a:p>
             <a:r>
-              <a:rPr lang="en-US" dirty="0"/>
-              <a:t>1</a:t>
-            </a:r>
-            <a:r>
               <a:rPr lang="en-US" dirty="0" smtClean="0"/>
-              <a:t>5</a:t>
+              <a:t>30</a:t>
             </a:r>
             <a:endParaRPr lang="en-US" dirty="0"/>
           </a:p>
@@ -4450,13 +4632,13 @@
       </p:sp>
       <p:sp>
         <p:nvSpPr>
-          <p:cNvPr id="12" name="Textfeld 11"/>
+          <p:cNvPr id="45" name="Textfeld 44"/>
           <p:cNvSpPr txBox="1"/>
           <p:nvPr/>
         </p:nvSpPr>
         <p:spPr>
           <a:xfrm>
-            <a:off x="8681033" y="2335981"/>
+            <a:off x="7449466" y="4853693"/>
             <a:ext cx="418704" cy="369332"/>
           </a:xfrm>
           <a:prstGeom prst="rect">
@@ -4471,8 +4653,8 @@
           <a:lstStyle/>
           <a:p>
             <a:r>
-              <a:rPr lang="en-US" dirty="0" smtClean="0"/>
-              <a:t>10</a:t>
+              <a:rPr lang="en-US" smtClean="0"/>
+              <a:t>27</a:t>
             </a:r>
             <a:endParaRPr lang="en-US" dirty="0"/>
           </a:p>
@@ -4480,14 +4662,14 @@
       </p:sp>
       <p:sp>
         <p:nvSpPr>
-          <p:cNvPr id="13" name="Textfeld 12"/>
+          <p:cNvPr id="46" name="Textfeld 45"/>
           <p:cNvSpPr txBox="1"/>
           <p:nvPr/>
         </p:nvSpPr>
         <p:spPr>
           <a:xfrm>
-            <a:off x="6956441" y="2469261"/>
-            <a:ext cx="699230" cy="369332"/>
+            <a:off x="8319164" y="4316198"/>
+            <a:ext cx="418704" cy="369332"/>
           </a:xfrm>
           <a:prstGeom prst="rect">
             <a:avLst/>
@@ -4501,8 +4683,8 @@
           <a:lstStyle/>
           <a:p>
             <a:r>
-              <a:rPr lang="en-US" dirty="0" smtClean="0"/>
-              <a:t>w=10</a:t>
+              <a:rPr lang="en-US" smtClean="0"/>
+              <a:t>22</a:t>
             </a:r>
             <a:endParaRPr lang="en-US" dirty="0"/>
           </a:p>
@@ -4510,14 +4692,14 @@
       </p:sp>
       <p:sp>
         <p:nvSpPr>
-          <p:cNvPr id="14" name="Textfeld 13"/>
+          <p:cNvPr id="47" name="Textfeld 46"/>
           <p:cNvSpPr txBox="1"/>
           <p:nvPr/>
         </p:nvSpPr>
         <p:spPr>
           <a:xfrm>
-            <a:off x="8046441" y="439783"/>
-            <a:ext cx="699230" cy="369332"/>
+            <a:off x="7486470" y="4279302"/>
+            <a:ext cx="418704" cy="369332"/>
           </a:xfrm>
           <a:prstGeom prst="rect">
             <a:avLst/>
@@ -4531,8 +4713,8 @@
           <a:lstStyle/>
           <a:p>
             <a:r>
-              <a:rPr lang="en-US" dirty="0" smtClean="0"/>
-              <a:t>w=30</a:t>
+              <a:rPr lang="en-US" smtClean="0"/>
+              <a:t>25</a:t>
             </a:r>
             <a:endParaRPr lang="en-US" dirty="0"/>
           </a:p>
@@ -4540,14 +4722,14 @@
       </p:sp>
       <p:sp>
         <p:nvSpPr>
-          <p:cNvPr id="15" name="Textfeld 14"/>
+          <p:cNvPr id="48" name="Textfeld 47"/>
           <p:cNvSpPr txBox="1"/>
           <p:nvPr/>
         </p:nvSpPr>
         <p:spPr>
           <a:xfrm>
-            <a:off x="10386454" y="2240277"/>
-            <a:ext cx="699230" cy="369332"/>
+            <a:off x="7942245" y="3759818"/>
+            <a:ext cx="418704" cy="369332"/>
           </a:xfrm>
           <a:prstGeom prst="rect">
             <a:avLst/>
@@ -4561,8 +4743,8 @@
           <a:lstStyle/>
           <a:p>
             <a:r>
-              <a:rPr lang="en-US" dirty="0" smtClean="0"/>
-              <a:t>w=60</a:t>
+              <a:rPr lang="en-US" smtClean="0"/>
+              <a:t>20</a:t>
             </a:r>
             <a:endParaRPr lang="en-US" dirty="0"/>
           </a:p>
@@ -4570,14 +4752,14 @@
       </p:sp>
       <p:sp>
         <p:nvSpPr>
-          <p:cNvPr id="16" name="Textfeld 15"/>
+          <p:cNvPr id="50" name="Textfeld 49"/>
           <p:cNvSpPr txBox="1"/>
           <p:nvPr/>
         </p:nvSpPr>
         <p:spPr>
           <a:xfrm>
-            <a:off x="6469508" y="952603"/>
-            <a:ext cx="1093569" cy="646331"/>
+            <a:off x="8462259" y="3413359"/>
+            <a:ext cx="418704" cy="369332"/>
           </a:xfrm>
           <a:prstGeom prst="rect">
             <a:avLst/>
@@ -4591,20 +4773,8 @@
           <a:lstStyle/>
           <a:p>
             <a:r>
-              <a:rPr lang="en-US" dirty="0"/>
-              <a:t>r(e12) = 2</a:t>
-            </a:r>
-            <a:endParaRPr lang="en-US" dirty="0" smtClean="0"/>
-          </a:p>
-          <a:p>
-            <a:pPr marL="0" lvl="1"/>
-            <a:r>
-              <a:rPr lang="en-US" dirty="0"/>
-              <a:t>r(e21) = </a:t>
-            </a:r>
-            <a:r>
-              <a:rPr lang="en-US" dirty="0" smtClean="0"/>
-              <a:t>6</a:t>
+              <a:rPr lang="en-US" smtClean="0"/>
+              <a:t>17</a:t>
             </a:r>
             <a:endParaRPr lang="en-US" dirty="0"/>
           </a:p>
@@ -4612,14 +4782,14 @@
       </p:sp>
       <p:sp>
         <p:nvSpPr>
-          <p:cNvPr id="17" name="Textfeld 16"/>
+          <p:cNvPr id="51" name="Textfeld 50"/>
           <p:cNvSpPr txBox="1"/>
           <p:nvPr/>
         </p:nvSpPr>
         <p:spPr>
           <a:xfrm>
-            <a:off x="8343482" y="2653927"/>
-            <a:ext cx="1093569" cy="646331"/>
+            <a:off x="7472886" y="3431869"/>
+            <a:ext cx="418704" cy="369332"/>
           </a:xfrm>
           <a:prstGeom prst="rect">
             <a:avLst/>
@@ -4633,68 +4803,8 @@
           <a:lstStyle/>
           <a:p>
             <a:r>
-              <a:rPr lang="en-US" dirty="0"/>
-              <a:t>r(e13) = </a:t>
-            </a:r>
-            <a:r>
-              <a:rPr lang="en-US" dirty="0" smtClean="0"/>
-              <a:t>1</a:t>
-            </a:r>
-          </a:p>
-          <a:p>
-            <a:pPr marL="0" lvl="1"/>
-            <a:r>
-              <a:rPr lang="en-US" dirty="0"/>
-              <a:t>r(e31) = </a:t>
-            </a:r>
-            <a:r>
-              <a:rPr lang="en-US" dirty="0" smtClean="0"/>
-              <a:t>6</a:t>
-            </a:r>
-            <a:endParaRPr lang="en-US" dirty="0"/>
-          </a:p>
-        </p:txBody>
-      </p:sp>
-      <p:sp>
-        <p:nvSpPr>
-          <p:cNvPr id="18" name="Textfeld 17"/>
-          <p:cNvSpPr txBox="1"/>
-          <p:nvPr/>
-        </p:nvSpPr>
-        <p:spPr>
-          <a:xfrm>
-            <a:off x="9829580" y="974463"/>
-            <a:ext cx="1093569" cy="646331"/>
-          </a:xfrm>
-          <a:prstGeom prst="rect">
-            <a:avLst/>
-          </a:prstGeom>
-          <a:noFill/>
-        </p:spPr>
-        <p:txBody>
-          <a:bodyPr wrap="none" rtlCol="0">
-            <a:spAutoFit/>
-          </a:bodyPr>
-          <a:lstStyle/>
-          <a:p>
-            <a:r>
-              <a:rPr lang="en-US" dirty="0"/>
-              <a:t>r(e23) = </a:t>
-            </a:r>
-            <a:r>
-              <a:rPr lang="en-US" dirty="0" smtClean="0"/>
-              <a:t>2</a:t>
-            </a:r>
-          </a:p>
-          <a:p>
-            <a:pPr marL="0" lvl="1"/>
-            <a:r>
-              <a:rPr lang="en-US" dirty="0"/>
-              <a:t>r(e32) = </a:t>
-            </a:r>
-            <a:r>
-              <a:rPr lang="en-US" dirty="0" smtClean="0"/>
-              <a:t>4</a:t>
+              <a:rPr lang="en-US" smtClean="0"/>
+              <a:t>15</a:t>
             </a:r>
             <a:endParaRPr lang="en-US" dirty="0"/>
           </a:p>
@@ -4703,7 +4813,7 @@
     </p:spTree>
     <p:extLst>
       <p:ext uri="{BB962C8B-B14F-4D97-AF65-F5344CB8AC3E}">
-        <p14:creationId xmlns:p14="http://schemas.microsoft.com/office/powerpoint/2010/main" val="1795859511"/>
+        <p14:creationId xmlns:p14="http://schemas.microsoft.com/office/powerpoint/2010/main" val="1165908594"/>
       </p:ext>
     </p:extLst>
   </p:cSld>
@@ -4758,7 +4868,7 @@
             </a:r>
             <a:r>
               <a:rPr lang="en-US" dirty="0" smtClean="0"/>
-              <a:t> E1a</a:t>
+              <a:t> E1</a:t>
             </a:r>
             <a:endParaRPr lang="en-US" dirty="0"/>
           </a:p>
@@ -4776,104 +4886,62 @@
         </p:nvSpPr>
         <p:spPr/>
         <p:txBody>
-          <a:bodyPr>
-            <a:normAutofit fontScale="92500" lnSpcReduction="10000"/>
-          </a:bodyPr>
+          <a:bodyPr/>
           <a:lstStyle/>
           <a:p>
             <a:r>
-              <a:rPr lang="en-US" dirty="0" smtClean="0"/>
-              <a:t>This is a test for a topology that is modified by context events</a:t>
-            </a:r>
-          </a:p>
-          <a:p>
-            <a:r>
-              <a:rPr lang="en-US" dirty="0" smtClean="0"/>
-              <a:t>Initially: (k=1.5)</a:t>
+              <a:rPr lang="en-US" smtClean="0"/>
+              <a:t>Simple test case for e-ktc</a:t>
+            </a:r>
+          </a:p>
+          <a:p>
+            <a:r>
+              <a:rPr lang="en-US" smtClean="0"/>
+              <a:t>Cases (k=1.5)</a:t>
             </a:r>
           </a:p>
           <a:p>
             <a:pPr lvl="1"/>
             <a:r>
-              <a:rPr lang="en-US" dirty="0" smtClean="0"/>
-              <a:t>Only e13 inactive</a:t>
-            </a:r>
-          </a:p>
-          <a:p>
-            <a:r>
-              <a:rPr lang="en-US" dirty="0" smtClean="0"/>
-              <a:t>Context event: </a:t>
+              <a:rPr lang="en-US" smtClean="0"/>
+              <a:t>e13-e12-e23 =&gt; I</a:t>
             </a:r>
           </a:p>
           <a:p>
             <a:pPr lvl="1"/>
             <a:r>
-              <a:rPr lang="en-US" dirty="0"/>
-              <a:t>w</a:t>
-            </a:r>
-            <a:r>
-              <a:rPr lang="en-US" dirty="0" smtClean="0"/>
-              <a:t>(n3) := 15 -&gt; r(31) = 1.5, r(32) = 1</a:t>
-            </a:r>
-          </a:p>
-          <a:p>
-            <a:r>
-              <a:rPr lang="en-US" dirty="0" smtClean="0"/>
-              <a:t>Final state:</a:t>
+              <a:rPr lang="en-US" smtClean="0"/>
+              <a:t>e32-e21-e13 =&gt; A</a:t>
             </a:r>
           </a:p>
           <a:p>
             <a:pPr lvl="1"/>
             <a:r>
-              <a:rPr lang="en-US" dirty="0" smtClean="0"/>
-              <a:t>e13 I</a:t>
+              <a:rPr lang="en-US" smtClean="0"/>
+              <a:t>e21-e23-e31 =&gt; A</a:t>
             </a:r>
           </a:p>
           <a:p>
             <a:pPr lvl="1"/>
             <a:r>
-              <a:rPr lang="en-US" dirty="0" smtClean="0"/>
-              <a:t>e32 I</a:t>
+              <a:rPr lang="en-US" smtClean="0"/>
+              <a:t>e31-e32-e21 =&gt; A</a:t>
             </a:r>
           </a:p>
           <a:p>
             <a:pPr lvl="1"/>
             <a:r>
-              <a:rPr lang="en-US" dirty="0" smtClean="0"/>
-              <a:t>e21 A</a:t>
+              <a:rPr lang="en-US" smtClean="0"/>
+              <a:t>e12-e13-e32 =&gt; A</a:t>
             </a:r>
           </a:p>
           <a:p>
             <a:pPr lvl="1"/>
             <a:r>
-              <a:rPr lang="en-US" dirty="0" smtClean="0"/>
-              <a:t>e31 A</a:t>
-            </a:r>
-          </a:p>
-          <a:p>
-            <a:pPr lvl="1"/>
-            <a:r>
-              <a:rPr lang="en-US" dirty="0" smtClean="0"/>
-              <a:t>e12 A</a:t>
-            </a:r>
-          </a:p>
-          <a:p>
-            <a:pPr lvl="1"/>
-            <a:r>
-              <a:rPr lang="en-US" dirty="0" smtClean="0"/>
-              <a:t>e23 A</a:t>
-            </a:r>
-          </a:p>
-          <a:p>
-            <a:pPr lvl="1"/>
+              <a:rPr lang="en-US" smtClean="0"/>
+              <a:t>e23-e21-e13 =&gt; A</a:t>
+            </a:r>
             <a:endParaRPr lang="en-US" dirty="0" smtClean="0"/>
-          </a:p>
-          <a:p>
-            <a:pPr lvl="1"/>
-            <a:endParaRPr lang="en-US" dirty="0" smtClean="0"/>
-          </a:p>
-          <a:p>
-            <a:endParaRPr lang="en-US" dirty="0"/>
           </a:p>
         </p:txBody>
       </p:sp>
@@ -5139,8 +5207,8 @@
         </p:nvSpPr>
         <p:spPr>
           <a:xfrm>
-            <a:off x="7330453" y="1551899"/>
-            <a:ext cx="538930" cy="369332"/>
+            <a:off x="7543860" y="1390910"/>
+            <a:ext cx="301686" cy="369332"/>
           </a:xfrm>
           <a:prstGeom prst="rect">
             <a:avLst/>
@@ -5155,7 +5223,7 @@
           <a:p>
             <a:r>
               <a:rPr lang="en-US" dirty="0" smtClean="0"/>
-              <a:t>p=5</a:t>
+              <a:t>5</a:t>
             </a:r>
             <a:endParaRPr lang="en-US" dirty="0"/>
           </a:p>
@@ -5170,7 +5238,7 @@
         <p:spPr>
           <a:xfrm>
             <a:off x="9355214" y="1342806"/>
-            <a:ext cx="655949" cy="369332"/>
+            <a:ext cx="418704" cy="369332"/>
           </a:xfrm>
           <a:prstGeom prst="rect">
             <a:avLst/>
@@ -5184,8 +5252,12 @@
           <a:lstStyle/>
           <a:p>
             <a:r>
+              <a:rPr lang="en-US" dirty="0"/>
+              <a:t>1</a:t>
+            </a:r>
+            <a:r>
               <a:rPr lang="en-US" dirty="0" smtClean="0"/>
-              <a:t>p=15</a:t>
+              <a:t>5</a:t>
             </a:r>
             <a:endParaRPr lang="en-US" dirty="0"/>
           </a:p>
@@ -5200,7 +5272,7 @@
         <p:spPr>
           <a:xfrm>
             <a:off x="8681033" y="2335981"/>
-            <a:ext cx="655949" cy="369332"/>
+            <a:ext cx="418704" cy="369332"/>
           </a:xfrm>
           <a:prstGeom prst="rect">
             <a:avLst/>
@@ -5215,7 +5287,7 @@
           <a:p>
             <a:r>
               <a:rPr lang="en-US" dirty="0" smtClean="0"/>
-              <a:t>p=10</a:t>
+              <a:t>10</a:t>
             </a:r>
             <a:endParaRPr lang="en-US" dirty="0"/>
           </a:p>
@@ -5443,614 +5515,10 @@
           </a:p>
         </p:txBody>
       </p:sp>
-      <p:sp>
-        <p:nvSpPr>
-          <p:cNvPr id="19" name="Ellipse 18"/>
-          <p:cNvSpPr/>
-          <p:nvPr/>
-        </p:nvSpPr>
-        <p:spPr>
-          <a:xfrm>
-            <a:off x="7216362" y="5551996"/>
-            <a:ext cx="328474" cy="328474"/>
-          </a:xfrm>
-          <a:prstGeom prst="ellipse">
-            <a:avLst/>
-          </a:prstGeom>
-          <a:solidFill>
-            <a:schemeClr val="tx1"/>
-          </a:solidFill>
-        </p:spPr>
-        <p:style>
-          <a:lnRef idx="2">
-            <a:schemeClr val="accent1">
-              <a:shade val="50000"/>
-            </a:schemeClr>
-          </a:lnRef>
-          <a:fillRef idx="1">
-            <a:schemeClr val="accent1"/>
-          </a:fillRef>
-          <a:effectRef idx="0">
-            <a:schemeClr val="accent1"/>
-          </a:effectRef>
-          <a:fontRef idx="minor">
-            <a:schemeClr val="lt1"/>
-          </a:fontRef>
-        </p:style>
-        <p:txBody>
-          <a:bodyPr rtlCol="0" anchor="ctr"/>
-          <a:lstStyle/>
-          <a:p>
-            <a:pPr algn="ctr"/>
-            <a:r>
-              <a:rPr lang="en-US" dirty="0" smtClean="0"/>
-              <a:t>1</a:t>
-            </a:r>
-            <a:endParaRPr lang="en-US" dirty="0"/>
-          </a:p>
-        </p:txBody>
-      </p:sp>
-      <p:sp>
-        <p:nvSpPr>
-          <p:cNvPr id="20" name="Ellipse 19"/>
-          <p:cNvSpPr/>
-          <p:nvPr/>
-        </p:nvSpPr>
-        <p:spPr>
-          <a:xfrm>
-            <a:off x="8146256" y="4253491"/>
-            <a:ext cx="328474" cy="328474"/>
-          </a:xfrm>
-          <a:prstGeom prst="ellipse">
-            <a:avLst/>
-          </a:prstGeom>
-          <a:solidFill>
-            <a:schemeClr val="tx1"/>
-          </a:solidFill>
-        </p:spPr>
-        <p:style>
-          <a:lnRef idx="2">
-            <a:schemeClr val="accent1">
-              <a:shade val="50000"/>
-            </a:schemeClr>
-          </a:lnRef>
-          <a:fillRef idx="1">
-            <a:schemeClr val="accent1"/>
-          </a:fillRef>
-          <a:effectRef idx="0">
-            <a:schemeClr val="accent1"/>
-          </a:effectRef>
-          <a:fontRef idx="minor">
-            <a:schemeClr val="lt1"/>
-          </a:fontRef>
-        </p:style>
-        <p:txBody>
-          <a:bodyPr rtlCol="0" anchor="ctr"/>
-          <a:lstStyle/>
-          <a:p>
-            <a:pPr algn="ctr"/>
-            <a:r>
-              <a:rPr lang="en-US" dirty="0"/>
-              <a:t>2</a:t>
-            </a:r>
-          </a:p>
-        </p:txBody>
-      </p:sp>
-      <p:sp>
-        <p:nvSpPr>
-          <p:cNvPr id="21" name="Ellipse 20"/>
-          <p:cNvSpPr/>
-          <p:nvPr/>
-        </p:nvSpPr>
-        <p:spPr>
-          <a:xfrm>
-            <a:off x="10064573" y="5600100"/>
-            <a:ext cx="328474" cy="328474"/>
-          </a:xfrm>
-          <a:prstGeom prst="ellipse">
-            <a:avLst/>
-          </a:prstGeom>
-          <a:solidFill>
-            <a:schemeClr val="tx1"/>
-          </a:solidFill>
-        </p:spPr>
-        <p:style>
-          <a:lnRef idx="2">
-            <a:schemeClr val="accent1">
-              <a:shade val="50000"/>
-            </a:schemeClr>
-          </a:lnRef>
-          <a:fillRef idx="1">
-            <a:schemeClr val="accent1"/>
-          </a:fillRef>
-          <a:effectRef idx="0">
-            <a:schemeClr val="accent1"/>
-          </a:effectRef>
-          <a:fontRef idx="minor">
-            <a:schemeClr val="lt1"/>
-          </a:fontRef>
-        </p:style>
-        <p:txBody>
-          <a:bodyPr rtlCol="0" anchor="ctr"/>
-          <a:lstStyle/>
-          <a:p>
-            <a:pPr algn="ctr"/>
-            <a:r>
-              <a:rPr lang="en-US" dirty="0" smtClean="0"/>
-              <a:t>3</a:t>
-            </a:r>
-            <a:endParaRPr lang="en-US" dirty="0"/>
-          </a:p>
-        </p:txBody>
-      </p:sp>
-      <p:cxnSp>
-        <p:nvCxnSpPr>
-          <p:cNvPr id="22" name="Gerader Verbinder 21"/>
-          <p:cNvCxnSpPr>
-            <a:stCxn id="19" idx="7"/>
-            <a:endCxn id="20" idx="3"/>
-          </p:cNvCxnSpPr>
-          <p:nvPr/>
-        </p:nvCxnSpPr>
-        <p:spPr>
-          <a:xfrm flipV="1">
-            <a:off x="7496732" y="4533861"/>
-            <a:ext cx="697628" cy="1066239"/>
-          </a:xfrm>
-          <a:prstGeom prst="line">
-            <a:avLst/>
-          </a:prstGeom>
-          <a:ln w="38100">
-            <a:solidFill>
-              <a:schemeClr val="tx1"/>
-            </a:solidFill>
-          </a:ln>
-        </p:spPr>
-        <p:style>
-          <a:lnRef idx="1">
-            <a:schemeClr val="accent1"/>
-          </a:lnRef>
-          <a:fillRef idx="0">
-            <a:schemeClr val="accent1"/>
-          </a:fillRef>
-          <a:effectRef idx="0">
-            <a:schemeClr val="accent1"/>
-          </a:effectRef>
-          <a:fontRef idx="minor">
-            <a:schemeClr val="tx1"/>
-          </a:fontRef>
-        </p:style>
-      </p:cxnSp>
-      <p:cxnSp>
-        <p:nvCxnSpPr>
-          <p:cNvPr id="23" name="Gerader Verbinder 22"/>
-          <p:cNvCxnSpPr>
-            <a:stCxn id="21" idx="1"/>
-            <a:endCxn id="20" idx="5"/>
-          </p:cNvCxnSpPr>
-          <p:nvPr/>
-        </p:nvCxnSpPr>
-        <p:spPr>
-          <a:xfrm flipH="1" flipV="1">
-            <a:off x="8426626" y="4533861"/>
-            <a:ext cx="1686051" cy="1114343"/>
-          </a:xfrm>
-          <a:prstGeom prst="line">
-            <a:avLst/>
-          </a:prstGeom>
-          <a:ln w="38100">
-            <a:solidFill>
-              <a:schemeClr val="tx1"/>
-            </a:solidFill>
-          </a:ln>
-        </p:spPr>
-        <p:style>
-          <a:lnRef idx="1">
-            <a:schemeClr val="accent1"/>
-          </a:lnRef>
-          <a:fillRef idx="0">
-            <a:schemeClr val="accent1"/>
-          </a:fillRef>
-          <a:effectRef idx="0">
-            <a:schemeClr val="accent1"/>
-          </a:effectRef>
-          <a:fontRef idx="minor">
-            <a:schemeClr val="tx1"/>
-          </a:fontRef>
-        </p:style>
-      </p:cxnSp>
-      <p:cxnSp>
-        <p:nvCxnSpPr>
-          <p:cNvPr id="24" name="Gerader Verbinder 23"/>
-          <p:cNvCxnSpPr>
-            <a:stCxn id="21" idx="2"/>
-            <a:endCxn id="19" idx="6"/>
-          </p:cNvCxnSpPr>
-          <p:nvPr/>
-        </p:nvCxnSpPr>
-        <p:spPr>
-          <a:xfrm flipH="1" flipV="1">
-            <a:off x="7544836" y="5716233"/>
-            <a:ext cx="2519737" cy="48104"/>
-          </a:xfrm>
-          <a:prstGeom prst="line">
-            <a:avLst/>
-          </a:prstGeom>
-          <a:ln w="38100">
-            <a:solidFill>
-              <a:schemeClr val="tx1"/>
-            </a:solidFill>
-          </a:ln>
-        </p:spPr>
-        <p:style>
-          <a:lnRef idx="1">
-            <a:schemeClr val="accent1"/>
-          </a:lnRef>
-          <a:fillRef idx="0">
-            <a:schemeClr val="accent1"/>
-          </a:fillRef>
-          <a:effectRef idx="0">
-            <a:schemeClr val="accent1"/>
-          </a:effectRef>
-          <a:fontRef idx="minor">
-            <a:schemeClr val="tx1"/>
-          </a:fontRef>
-        </p:style>
-      </p:cxnSp>
-      <p:sp>
-        <p:nvSpPr>
-          <p:cNvPr id="25" name="Textfeld 24"/>
-          <p:cNvSpPr txBox="1"/>
-          <p:nvPr/>
-        </p:nvSpPr>
-        <p:spPr>
-          <a:xfrm>
-            <a:off x="7316698" y="4841586"/>
-            <a:ext cx="538930" cy="369332"/>
-          </a:xfrm>
-          <a:prstGeom prst="rect">
-            <a:avLst/>
-          </a:prstGeom>
-          <a:noFill/>
-        </p:spPr>
-        <p:txBody>
-          <a:bodyPr wrap="none" rtlCol="0">
-            <a:spAutoFit/>
-          </a:bodyPr>
-          <a:lstStyle/>
-          <a:p>
-            <a:r>
-              <a:rPr lang="en-US" dirty="0" smtClean="0"/>
-              <a:t>p=5</a:t>
-            </a:r>
-            <a:endParaRPr lang="en-US" dirty="0"/>
-          </a:p>
-        </p:txBody>
-      </p:sp>
-      <p:sp>
-        <p:nvSpPr>
-          <p:cNvPr id="26" name="Textfeld 25"/>
-          <p:cNvSpPr txBox="1"/>
-          <p:nvPr/>
-        </p:nvSpPr>
-        <p:spPr>
-          <a:xfrm>
-            <a:off x="9269651" y="4750733"/>
-            <a:ext cx="655949" cy="369332"/>
-          </a:xfrm>
-          <a:prstGeom prst="rect">
-            <a:avLst/>
-          </a:prstGeom>
-          <a:noFill/>
-        </p:spPr>
-        <p:txBody>
-          <a:bodyPr wrap="none" rtlCol="0">
-            <a:spAutoFit/>
-          </a:bodyPr>
-          <a:lstStyle/>
-          <a:p>
-            <a:r>
-              <a:rPr lang="en-US" dirty="0" smtClean="0"/>
-              <a:t>p=15</a:t>
-            </a:r>
-            <a:endParaRPr lang="en-US" dirty="0"/>
-          </a:p>
-        </p:txBody>
-      </p:sp>
-      <p:sp>
-        <p:nvSpPr>
-          <p:cNvPr id="27" name="Textfeld 26"/>
-          <p:cNvSpPr txBox="1"/>
-          <p:nvPr/>
-        </p:nvSpPr>
-        <p:spPr>
-          <a:xfrm>
-            <a:off x="8595470" y="5743908"/>
-            <a:ext cx="655949" cy="369332"/>
-          </a:xfrm>
-          <a:prstGeom prst="rect">
-            <a:avLst/>
-          </a:prstGeom>
-          <a:noFill/>
-        </p:spPr>
-        <p:txBody>
-          <a:bodyPr wrap="none" rtlCol="0">
-            <a:spAutoFit/>
-          </a:bodyPr>
-          <a:lstStyle/>
-          <a:p>
-            <a:r>
-              <a:rPr lang="en-US" dirty="0" smtClean="0"/>
-              <a:t>p=10</a:t>
-            </a:r>
-            <a:endParaRPr lang="en-US" dirty="0"/>
-          </a:p>
-        </p:txBody>
-      </p:sp>
-      <p:sp>
-        <p:nvSpPr>
-          <p:cNvPr id="28" name="Textfeld 27"/>
-          <p:cNvSpPr txBox="1"/>
-          <p:nvPr/>
-        </p:nvSpPr>
-        <p:spPr>
-          <a:xfrm>
-            <a:off x="6870878" y="5877188"/>
-            <a:ext cx="699230" cy="369332"/>
-          </a:xfrm>
-          <a:prstGeom prst="rect">
-            <a:avLst/>
-          </a:prstGeom>
-          <a:noFill/>
-        </p:spPr>
-        <p:txBody>
-          <a:bodyPr wrap="none" rtlCol="0">
-            <a:spAutoFit/>
-          </a:bodyPr>
-          <a:lstStyle/>
-          <a:p>
-            <a:r>
-              <a:rPr lang="en-US" dirty="0" smtClean="0"/>
-              <a:t>w=10</a:t>
-            </a:r>
-            <a:endParaRPr lang="en-US" dirty="0"/>
-          </a:p>
-        </p:txBody>
-      </p:sp>
-      <p:sp>
-        <p:nvSpPr>
-          <p:cNvPr id="29" name="Textfeld 28"/>
-          <p:cNvSpPr txBox="1"/>
-          <p:nvPr/>
-        </p:nvSpPr>
-        <p:spPr>
-          <a:xfrm>
-            <a:off x="7960878" y="3847710"/>
-            <a:ext cx="699230" cy="369332"/>
-          </a:xfrm>
-          <a:prstGeom prst="rect">
-            <a:avLst/>
-          </a:prstGeom>
-          <a:noFill/>
-        </p:spPr>
-        <p:txBody>
-          <a:bodyPr wrap="none" rtlCol="0">
-            <a:spAutoFit/>
-          </a:bodyPr>
-          <a:lstStyle/>
-          <a:p>
-            <a:r>
-              <a:rPr lang="en-US" dirty="0" smtClean="0"/>
-              <a:t>w=30</a:t>
-            </a:r>
-            <a:endParaRPr lang="en-US" dirty="0"/>
-          </a:p>
-        </p:txBody>
-      </p:sp>
-      <p:sp>
-        <p:nvSpPr>
-          <p:cNvPr id="30" name="Textfeld 29"/>
-          <p:cNvSpPr txBox="1"/>
-          <p:nvPr/>
-        </p:nvSpPr>
-        <p:spPr>
-          <a:xfrm>
-            <a:off x="10300891" y="5648204"/>
-            <a:ext cx="699230" cy="369332"/>
-          </a:xfrm>
-          <a:prstGeom prst="rect">
-            <a:avLst/>
-          </a:prstGeom>
-          <a:noFill/>
-        </p:spPr>
-        <p:txBody>
-          <a:bodyPr wrap="none" rtlCol="0">
-            <a:spAutoFit/>
-          </a:bodyPr>
-          <a:lstStyle/>
-          <a:p>
-            <a:r>
-              <a:rPr lang="en-US" dirty="0" smtClean="0"/>
-              <a:t>w=15</a:t>
-            </a:r>
-            <a:endParaRPr lang="en-US" dirty="0"/>
-          </a:p>
-        </p:txBody>
-      </p:sp>
-      <p:sp>
-        <p:nvSpPr>
-          <p:cNvPr id="31" name="Textfeld 30"/>
-          <p:cNvSpPr txBox="1"/>
-          <p:nvPr/>
-        </p:nvSpPr>
-        <p:spPr>
-          <a:xfrm>
-            <a:off x="6383945" y="4360530"/>
-            <a:ext cx="1093569" cy="646331"/>
-          </a:xfrm>
-          <a:prstGeom prst="rect">
-            <a:avLst/>
-          </a:prstGeom>
-          <a:noFill/>
-        </p:spPr>
-        <p:txBody>
-          <a:bodyPr wrap="none" rtlCol="0">
-            <a:spAutoFit/>
-          </a:bodyPr>
-          <a:lstStyle/>
-          <a:p>
-            <a:r>
-              <a:rPr lang="en-US" dirty="0"/>
-              <a:t>r(e12) = 2</a:t>
-            </a:r>
-            <a:endParaRPr lang="en-US" dirty="0" smtClean="0"/>
-          </a:p>
-          <a:p>
-            <a:pPr marL="0" lvl="1"/>
-            <a:r>
-              <a:rPr lang="en-US" dirty="0"/>
-              <a:t>r(e21) = </a:t>
-            </a:r>
-            <a:r>
-              <a:rPr lang="en-US" dirty="0" smtClean="0"/>
-              <a:t>6</a:t>
-            </a:r>
-            <a:endParaRPr lang="en-US" dirty="0"/>
-          </a:p>
-        </p:txBody>
-      </p:sp>
-      <p:sp>
-        <p:nvSpPr>
-          <p:cNvPr id="32" name="Textfeld 31"/>
-          <p:cNvSpPr txBox="1"/>
-          <p:nvPr/>
-        </p:nvSpPr>
-        <p:spPr>
-          <a:xfrm>
-            <a:off x="8257919" y="6061854"/>
-            <a:ext cx="1268296" cy="646331"/>
-          </a:xfrm>
-          <a:prstGeom prst="rect">
-            <a:avLst/>
-          </a:prstGeom>
-          <a:noFill/>
-        </p:spPr>
-        <p:txBody>
-          <a:bodyPr wrap="none" rtlCol="0">
-            <a:spAutoFit/>
-          </a:bodyPr>
-          <a:lstStyle/>
-          <a:p>
-            <a:r>
-              <a:rPr lang="en-US" b="1" dirty="0"/>
-              <a:t>r(e13) = </a:t>
-            </a:r>
-            <a:r>
-              <a:rPr lang="en-US" b="1" dirty="0" smtClean="0"/>
-              <a:t>1</a:t>
-            </a:r>
-          </a:p>
-          <a:p>
-            <a:pPr marL="0" lvl="1"/>
-            <a:r>
-              <a:rPr lang="en-US" b="1" dirty="0"/>
-              <a:t>r(e31) = </a:t>
-            </a:r>
-            <a:r>
-              <a:rPr lang="en-US" b="1" dirty="0" smtClean="0"/>
-              <a:t>1.5</a:t>
-            </a:r>
-            <a:endParaRPr lang="en-US" b="1" dirty="0"/>
-          </a:p>
-        </p:txBody>
-      </p:sp>
-      <p:sp>
-        <p:nvSpPr>
-          <p:cNvPr id="33" name="Textfeld 32"/>
-          <p:cNvSpPr txBox="1"/>
-          <p:nvPr/>
-        </p:nvSpPr>
-        <p:spPr>
-          <a:xfrm>
-            <a:off x="9744017" y="4382390"/>
-            <a:ext cx="1093569" cy="646331"/>
-          </a:xfrm>
-          <a:prstGeom prst="rect">
-            <a:avLst/>
-          </a:prstGeom>
-          <a:noFill/>
-        </p:spPr>
-        <p:txBody>
-          <a:bodyPr wrap="none" rtlCol="0">
-            <a:spAutoFit/>
-          </a:bodyPr>
-          <a:lstStyle/>
-          <a:p>
-            <a:r>
-              <a:rPr lang="en-US" dirty="0"/>
-              <a:t>r(e23) = </a:t>
-            </a:r>
-            <a:r>
-              <a:rPr lang="en-US" dirty="0" smtClean="0"/>
-              <a:t>2</a:t>
-            </a:r>
-          </a:p>
-          <a:p>
-            <a:pPr marL="0" lvl="1"/>
-            <a:r>
-              <a:rPr lang="en-US" b="1" dirty="0"/>
-              <a:t>r(e32) = 1</a:t>
-            </a:r>
-          </a:p>
-        </p:txBody>
-      </p:sp>
-      <p:sp>
-        <p:nvSpPr>
-          <p:cNvPr id="34" name="Pfeil nach unten 33"/>
-          <p:cNvSpPr/>
-          <p:nvPr/>
-        </p:nvSpPr>
-        <p:spPr>
-          <a:xfrm>
-            <a:off x="8535261" y="3299070"/>
-            <a:ext cx="574112" cy="639846"/>
-          </a:xfrm>
-          <a:prstGeom prst="downArrow">
-            <a:avLst/>
-          </a:prstGeom>
-          <a:solidFill>
-            <a:srgbClr val="0070C0"/>
-          </a:solidFill>
-        </p:spPr>
-        <p:style>
-          <a:lnRef idx="2">
-            <a:schemeClr val="accent1">
-              <a:shade val="50000"/>
-            </a:schemeClr>
-          </a:lnRef>
-          <a:fillRef idx="1">
-            <a:schemeClr val="accent1"/>
-          </a:fillRef>
-          <a:effectRef idx="0">
-            <a:schemeClr val="accent1"/>
-          </a:effectRef>
-          <a:fontRef idx="minor">
-            <a:schemeClr val="lt1"/>
-          </a:fontRef>
-        </p:style>
-        <p:txBody>
-          <a:bodyPr rtlCol="0" anchor="ctr"/>
-          <a:lstStyle/>
-          <a:p>
-            <a:pPr algn="ctr"/>
-            <a:endParaRPr lang="en-US"/>
-          </a:p>
-        </p:txBody>
-      </p:sp>
     </p:spTree>
     <p:extLst>
       <p:ext uri="{BB962C8B-B14F-4D97-AF65-F5344CB8AC3E}">
-        <p14:creationId xmlns:p14="http://schemas.microsoft.com/office/powerpoint/2010/main" val="1641011994"/>
+        <p14:creationId xmlns:p14="http://schemas.microsoft.com/office/powerpoint/2010/main" val="1795859511"/>
       </p:ext>
     </p:extLst>
   </p:cSld>
@@ -6100,16 +5568,12 @@
           <a:lstStyle/>
           <a:p>
             <a:r>
-              <a:rPr lang="en-US" dirty="0" err="1"/>
+              <a:rPr lang="en-US" dirty="0" err="1" smtClean="0"/>
               <a:t>Testgraph</a:t>
             </a:r>
             <a:r>
-              <a:rPr lang="en-US" dirty="0"/>
-              <a:t> </a:t>
-            </a:r>
-            <a:r>
               <a:rPr lang="en-US" dirty="0" smtClean="0"/>
-              <a:t>E2</a:t>
+              <a:t> E1a</a:t>
             </a:r>
             <a:endParaRPr lang="en-US" dirty="0"/>
           </a:p>
@@ -6127,19 +5591,103 @@
         </p:nvSpPr>
         <p:spPr/>
         <p:txBody>
-          <a:bodyPr/>
+          <a:bodyPr>
+            <a:normAutofit fontScale="92500" lnSpcReduction="10000"/>
+          </a:bodyPr>
           <a:lstStyle/>
           <a:p>
             <a:r>
-              <a:rPr lang="en-US" smtClean="0"/>
-              <a:t>k=1.1</a:t>
-            </a:r>
-          </a:p>
-          <a:p>
-            <a:r>
               <a:rPr lang="en-US" dirty="0" smtClean="0"/>
-              <a:t>This test case illustrates a situation where two links in a triangle have the same estimated remaining lifetime (e12 and e13)</a:t>
-            </a:r>
+              <a:t>This is a test for a topology that is modified by context events</a:t>
+            </a:r>
+          </a:p>
+          <a:p>
+            <a:r>
+              <a:rPr lang="en-US" dirty="0" smtClean="0"/>
+              <a:t>Initially: (k=1.5)</a:t>
+            </a:r>
+          </a:p>
+          <a:p>
+            <a:pPr lvl="1"/>
+            <a:r>
+              <a:rPr lang="en-US" dirty="0" smtClean="0"/>
+              <a:t>Only e13 inactive</a:t>
+            </a:r>
+          </a:p>
+          <a:p>
+            <a:r>
+              <a:rPr lang="en-US" dirty="0" smtClean="0"/>
+              <a:t>Context event: </a:t>
+            </a:r>
+          </a:p>
+          <a:p>
+            <a:pPr lvl="1"/>
+            <a:r>
+              <a:rPr lang="en-US" dirty="0"/>
+              <a:t>w</a:t>
+            </a:r>
+            <a:r>
+              <a:rPr lang="en-US" dirty="0" smtClean="0"/>
+              <a:t>(n3) := 15 -&gt; r(31) = 1.5, r(32) = 1</a:t>
+            </a:r>
+          </a:p>
+          <a:p>
+            <a:r>
+              <a:rPr lang="en-US" dirty="0" smtClean="0"/>
+              <a:t>Final state:</a:t>
+            </a:r>
+          </a:p>
+          <a:p>
+            <a:pPr lvl="1"/>
+            <a:r>
+              <a:rPr lang="en-US" dirty="0" smtClean="0"/>
+              <a:t>e13 I</a:t>
+            </a:r>
+          </a:p>
+          <a:p>
+            <a:pPr lvl="1"/>
+            <a:r>
+              <a:rPr lang="en-US" dirty="0" smtClean="0"/>
+              <a:t>e32 I</a:t>
+            </a:r>
+          </a:p>
+          <a:p>
+            <a:pPr lvl="1"/>
+            <a:r>
+              <a:rPr lang="en-US" dirty="0" smtClean="0"/>
+              <a:t>e21 A</a:t>
+            </a:r>
+          </a:p>
+          <a:p>
+            <a:pPr lvl="1"/>
+            <a:r>
+              <a:rPr lang="en-US" dirty="0" smtClean="0"/>
+              <a:t>e31 A</a:t>
+            </a:r>
+          </a:p>
+          <a:p>
+            <a:pPr lvl="1"/>
+            <a:r>
+              <a:rPr lang="en-US" dirty="0" smtClean="0"/>
+              <a:t>e12 A</a:t>
+            </a:r>
+          </a:p>
+          <a:p>
+            <a:pPr lvl="1"/>
+            <a:r>
+              <a:rPr lang="en-US" dirty="0" smtClean="0"/>
+              <a:t>e23 A</a:t>
+            </a:r>
+          </a:p>
+          <a:p>
+            <a:pPr lvl="1"/>
+            <a:endParaRPr lang="en-US" dirty="0" smtClean="0"/>
+          </a:p>
+          <a:p>
+            <a:pPr lvl="1"/>
+            <a:endParaRPr lang="en-US" dirty="0" smtClean="0"/>
+          </a:p>
+          <a:p>
             <a:endParaRPr lang="en-US" dirty="0"/>
           </a:p>
         </p:txBody>
@@ -6406,6 +5954,1273 @@
         </p:nvSpPr>
         <p:spPr>
           <a:xfrm>
+            <a:off x="7330453" y="1551899"/>
+            <a:ext cx="538930" cy="369332"/>
+          </a:xfrm>
+          <a:prstGeom prst="rect">
+            <a:avLst/>
+          </a:prstGeom>
+          <a:noFill/>
+        </p:spPr>
+        <p:txBody>
+          <a:bodyPr wrap="none" rtlCol="0">
+            <a:spAutoFit/>
+          </a:bodyPr>
+          <a:lstStyle/>
+          <a:p>
+            <a:r>
+              <a:rPr lang="en-US" dirty="0" smtClean="0"/>
+              <a:t>p=5</a:t>
+            </a:r>
+            <a:endParaRPr lang="en-US" dirty="0"/>
+          </a:p>
+        </p:txBody>
+      </p:sp>
+      <p:sp>
+        <p:nvSpPr>
+          <p:cNvPr id="11" name="Textfeld 10"/>
+          <p:cNvSpPr txBox="1"/>
+          <p:nvPr/>
+        </p:nvSpPr>
+        <p:spPr>
+          <a:xfrm>
+            <a:off x="9355214" y="1342806"/>
+            <a:ext cx="655949" cy="369332"/>
+          </a:xfrm>
+          <a:prstGeom prst="rect">
+            <a:avLst/>
+          </a:prstGeom>
+          <a:noFill/>
+        </p:spPr>
+        <p:txBody>
+          <a:bodyPr wrap="none" rtlCol="0">
+            <a:spAutoFit/>
+          </a:bodyPr>
+          <a:lstStyle/>
+          <a:p>
+            <a:r>
+              <a:rPr lang="en-US" dirty="0" smtClean="0"/>
+              <a:t>p=15</a:t>
+            </a:r>
+            <a:endParaRPr lang="en-US" dirty="0"/>
+          </a:p>
+        </p:txBody>
+      </p:sp>
+      <p:sp>
+        <p:nvSpPr>
+          <p:cNvPr id="12" name="Textfeld 11"/>
+          <p:cNvSpPr txBox="1"/>
+          <p:nvPr/>
+        </p:nvSpPr>
+        <p:spPr>
+          <a:xfrm>
+            <a:off x="8681033" y="2335981"/>
+            <a:ext cx="655949" cy="369332"/>
+          </a:xfrm>
+          <a:prstGeom prst="rect">
+            <a:avLst/>
+          </a:prstGeom>
+          <a:noFill/>
+        </p:spPr>
+        <p:txBody>
+          <a:bodyPr wrap="none" rtlCol="0">
+            <a:spAutoFit/>
+          </a:bodyPr>
+          <a:lstStyle/>
+          <a:p>
+            <a:r>
+              <a:rPr lang="en-US" dirty="0" smtClean="0"/>
+              <a:t>p=10</a:t>
+            </a:r>
+            <a:endParaRPr lang="en-US" dirty="0"/>
+          </a:p>
+        </p:txBody>
+      </p:sp>
+      <p:sp>
+        <p:nvSpPr>
+          <p:cNvPr id="13" name="Textfeld 12"/>
+          <p:cNvSpPr txBox="1"/>
+          <p:nvPr/>
+        </p:nvSpPr>
+        <p:spPr>
+          <a:xfrm>
+            <a:off x="6956441" y="2469261"/>
+            <a:ext cx="699230" cy="369332"/>
+          </a:xfrm>
+          <a:prstGeom prst="rect">
+            <a:avLst/>
+          </a:prstGeom>
+          <a:noFill/>
+        </p:spPr>
+        <p:txBody>
+          <a:bodyPr wrap="none" rtlCol="0">
+            <a:spAutoFit/>
+          </a:bodyPr>
+          <a:lstStyle/>
+          <a:p>
+            <a:r>
+              <a:rPr lang="en-US" dirty="0" smtClean="0"/>
+              <a:t>w=10</a:t>
+            </a:r>
+            <a:endParaRPr lang="en-US" dirty="0"/>
+          </a:p>
+        </p:txBody>
+      </p:sp>
+      <p:sp>
+        <p:nvSpPr>
+          <p:cNvPr id="14" name="Textfeld 13"/>
+          <p:cNvSpPr txBox="1"/>
+          <p:nvPr/>
+        </p:nvSpPr>
+        <p:spPr>
+          <a:xfrm>
+            <a:off x="8046441" y="439783"/>
+            <a:ext cx="699230" cy="369332"/>
+          </a:xfrm>
+          <a:prstGeom prst="rect">
+            <a:avLst/>
+          </a:prstGeom>
+          <a:noFill/>
+        </p:spPr>
+        <p:txBody>
+          <a:bodyPr wrap="none" rtlCol="0">
+            <a:spAutoFit/>
+          </a:bodyPr>
+          <a:lstStyle/>
+          <a:p>
+            <a:r>
+              <a:rPr lang="en-US" dirty="0" smtClean="0"/>
+              <a:t>w=30</a:t>
+            </a:r>
+            <a:endParaRPr lang="en-US" dirty="0"/>
+          </a:p>
+        </p:txBody>
+      </p:sp>
+      <p:sp>
+        <p:nvSpPr>
+          <p:cNvPr id="15" name="Textfeld 14"/>
+          <p:cNvSpPr txBox="1"/>
+          <p:nvPr/>
+        </p:nvSpPr>
+        <p:spPr>
+          <a:xfrm>
+            <a:off x="10386454" y="2240277"/>
+            <a:ext cx="699230" cy="369332"/>
+          </a:xfrm>
+          <a:prstGeom prst="rect">
+            <a:avLst/>
+          </a:prstGeom>
+          <a:noFill/>
+        </p:spPr>
+        <p:txBody>
+          <a:bodyPr wrap="none" rtlCol="0">
+            <a:spAutoFit/>
+          </a:bodyPr>
+          <a:lstStyle/>
+          <a:p>
+            <a:r>
+              <a:rPr lang="en-US" dirty="0" smtClean="0"/>
+              <a:t>w=60</a:t>
+            </a:r>
+            <a:endParaRPr lang="en-US" dirty="0"/>
+          </a:p>
+        </p:txBody>
+      </p:sp>
+      <p:sp>
+        <p:nvSpPr>
+          <p:cNvPr id="16" name="Textfeld 15"/>
+          <p:cNvSpPr txBox="1"/>
+          <p:nvPr/>
+        </p:nvSpPr>
+        <p:spPr>
+          <a:xfrm>
+            <a:off x="6469508" y="952603"/>
+            <a:ext cx="1093569" cy="646331"/>
+          </a:xfrm>
+          <a:prstGeom prst="rect">
+            <a:avLst/>
+          </a:prstGeom>
+          <a:noFill/>
+        </p:spPr>
+        <p:txBody>
+          <a:bodyPr wrap="none" rtlCol="0">
+            <a:spAutoFit/>
+          </a:bodyPr>
+          <a:lstStyle/>
+          <a:p>
+            <a:r>
+              <a:rPr lang="en-US" dirty="0"/>
+              <a:t>r(e12) = 2</a:t>
+            </a:r>
+            <a:endParaRPr lang="en-US" dirty="0" smtClean="0"/>
+          </a:p>
+          <a:p>
+            <a:pPr marL="0" lvl="1"/>
+            <a:r>
+              <a:rPr lang="en-US" dirty="0"/>
+              <a:t>r(e21) = </a:t>
+            </a:r>
+            <a:r>
+              <a:rPr lang="en-US" dirty="0" smtClean="0"/>
+              <a:t>6</a:t>
+            </a:r>
+            <a:endParaRPr lang="en-US" dirty="0"/>
+          </a:p>
+        </p:txBody>
+      </p:sp>
+      <p:sp>
+        <p:nvSpPr>
+          <p:cNvPr id="17" name="Textfeld 16"/>
+          <p:cNvSpPr txBox="1"/>
+          <p:nvPr/>
+        </p:nvSpPr>
+        <p:spPr>
+          <a:xfrm>
+            <a:off x="8343482" y="2653927"/>
+            <a:ext cx="1093569" cy="646331"/>
+          </a:xfrm>
+          <a:prstGeom prst="rect">
+            <a:avLst/>
+          </a:prstGeom>
+          <a:noFill/>
+        </p:spPr>
+        <p:txBody>
+          <a:bodyPr wrap="none" rtlCol="0">
+            <a:spAutoFit/>
+          </a:bodyPr>
+          <a:lstStyle/>
+          <a:p>
+            <a:r>
+              <a:rPr lang="en-US" dirty="0"/>
+              <a:t>r(e13) = </a:t>
+            </a:r>
+            <a:r>
+              <a:rPr lang="en-US" dirty="0" smtClean="0"/>
+              <a:t>1</a:t>
+            </a:r>
+          </a:p>
+          <a:p>
+            <a:pPr marL="0" lvl="1"/>
+            <a:r>
+              <a:rPr lang="en-US" dirty="0"/>
+              <a:t>r(e31) = </a:t>
+            </a:r>
+            <a:r>
+              <a:rPr lang="en-US" dirty="0" smtClean="0"/>
+              <a:t>6</a:t>
+            </a:r>
+            <a:endParaRPr lang="en-US" dirty="0"/>
+          </a:p>
+        </p:txBody>
+      </p:sp>
+      <p:sp>
+        <p:nvSpPr>
+          <p:cNvPr id="18" name="Textfeld 17"/>
+          <p:cNvSpPr txBox="1"/>
+          <p:nvPr/>
+        </p:nvSpPr>
+        <p:spPr>
+          <a:xfrm>
+            <a:off x="9829580" y="974463"/>
+            <a:ext cx="1093569" cy="646331"/>
+          </a:xfrm>
+          <a:prstGeom prst="rect">
+            <a:avLst/>
+          </a:prstGeom>
+          <a:noFill/>
+        </p:spPr>
+        <p:txBody>
+          <a:bodyPr wrap="none" rtlCol="0">
+            <a:spAutoFit/>
+          </a:bodyPr>
+          <a:lstStyle/>
+          <a:p>
+            <a:r>
+              <a:rPr lang="en-US" dirty="0"/>
+              <a:t>r(e23) = </a:t>
+            </a:r>
+            <a:r>
+              <a:rPr lang="en-US" dirty="0" smtClean="0"/>
+              <a:t>2</a:t>
+            </a:r>
+          </a:p>
+          <a:p>
+            <a:pPr marL="0" lvl="1"/>
+            <a:r>
+              <a:rPr lang="en-US" dirty="0"/>
+              <a:t>r(e32) = </a:t>
+            </a:r>
+            <a:r>
+              <a:rPr lang="en-US" dirty="0" smtClean="0"/>
+              <a:t>4</a:t>
+            </a:r>
+            <a:endParaRPr lang="en-US" dirty="0"/>
+          </a:p>
+        </p:txBody>
+      </p:sp>
+      <p:sp>
+        <p:nvSpPr>
+          <p:cNvPr id="19" name="Ellipse 18"/>
+          <p:cNvSpPr/>
+          <p:nvPr/>
+        </p:nvSpPr>
+        <p:spPr>
+          <a:xfrm>
+            <a:off x="7216362" y="5551996"/>
+            <a:ext cx="328474" cy="328474"/>
+          </a:xfrm>
+          <a:prstGeom prst="ellipse">
+            <a:avLst/>
+          </a:prstGeom>
+          <a:solidFill>
+            <a:schemeClr val="tx1"/>
+          </a:solidFill>
+        </p:spPr>
+        <p:style>
+          <a:lnRef idx="2">
+            <a:schemeClr val="accent1">
+              <a:shade val="50000"/>
+            </a:schemeClr>
+          </a:lnRef>
+          <a:fillRef idx="1">
+            <a:schemeClr val="accent1"/>
+          </a:fillRef>
+          <a:effectRef idx="0">
+            <a:schemeClr val="accent1"/>
+          </a:effectRef>
+          <a:fontRef idx="minor">
+            <a:schemeClr val="lt1"/>
+          </a:fontRef>
+        </p:style>
+        <p:txBody>
+          <a:bodyPr rtlCol="0" anchor="ctr"/>
+          <a:lstStyle/>
+          <a:p>
+            <a:pPr algn="ctr"/>
+            <a:r>
+              <a:rPr lang="en-US" dirty="0" smtClean="0"/>
+              <a:t>1</a:t>
+            </a:r>
+            <a:endParaRPr lang="en-US" dirty="0"/>
+          </a:p>
+        </p:txBody>
+      </p:sp>
+      <p:sp>
+        <p:nvSpPr>
+          <p:cNvPr id="20" name="Ellipse 19"/>
+          <p:cNvSpPr/>
+          <p:nvPr/>
+        </p:nvSpPr>
+        <p:spPr>
+          <a:xfrm>
+            <a:off x="8146256" y="4253491"/>
+            <a:ext cx="328474" cy="328474"/>
+          </a:xfrm>
+          <a:prstGeom prst="ellipse">
+            <a:avLst/>
+          </a:prstGeom>
+          <a:solidFill>
+            <a:schemeClr val="tx1"/>
+          </a:solidFill>
+        </p:spPr>
+        <p:style>
+          <a:lnRef idx="2">
+            <a:schemeClr val="accent1">
+              <a:shade val="50000"/>
+            </a:schemeClr>
+          </a:lnRef>
+          <a:fillRef idx="1">
+            <a:schemeClr val="accent1"/>
+          </a:fillRef>
+          <a:effectRef idx="0">
+            <a:schemeClr val="accent1"/>
+          </a:effectRef>
+          <a:fontRef idx="minor">
+            <a:schemeClr val="lt1"/>
+          </a:fontRef>
+        </p:style>
+        <p:txBody>
+          <a:bodyPr rtlCol="0" anchor="ctr"/>
+          <a:lstStyle/>
+          <a:p>
+            <a:pPr algn="ctr"/>
+            <a:r>
+              <a:rPr lang="en-US" dirty="0"/>
+              <a:t>2</a:t>
+            </a:r>
+          </a:p>
+        </p:txBody>
+      </p:sp>
+      <p:sp>
+        <p:nvSpPr>
+          <p:cNvPr id="21" name="Ellipse 20"/>
+          <p:cNvSpPr/>
+          <p:nvPr/>
+        </p:nvSpPr>
+        <p:spPr>
+          <a:xfrm>
+            <a:off x="10064573" y="5600100"/>
+            <a:ext cx="328474" cy="328474"/>
+          </a:xfrm>
+          <a:prstGeom prst="ellipse">
+            <a:avLst/>
+          </a:prstGeom>
+          <a:solidFill>
+            <a:schemeClr val="tx1"/>
+          </a:solidFill>
+        </p:spPr>
+        <p:style>
+          <a:lnRef idx="2">
+            <a:schemeClr val="accent1">
+              <a:shade val="50000"/>
+            </a:schemeClr>
+          </a:lnRef>
+          <a:fillRef idx="1">
+            <a:schemeClr val="accent1"/>
+          </a:fillRef>
+          <a:effectRef idx="0">
+            <a:schemeClr val="accent1"/>
+          </a:effectRef>
+          <a:fontRef idx="minor">
+            <a:schemeClr val="lt1"/>
+          </a:fontRef>
+        </p:style>
+        <p:txBody>
+          <a:bodyPr rtlCol="0" anchor="ctr"/>
+          <a:lstStyle/>
+          <a:p>
+            <a:pPr algn="ctr"/>
+            <a:r>
+              <a:rPr lang="en-US" dirty="0" smtClean="0"/>
+              <a:t>3</a:t>
+            </a:r>
+            <a:endParaRPr lang="en-US" dirty="0"/>
+          </a:p>
+        </p:txBody>
+      </p:sp>
+      <p:cxnSp>
+        <p:nvCxnSpPr>
+          <p:cNvPr id="22" name="Gerader Verbinder 21"/>
+          <p:cNvCxnSpPr>
+            <a:stCxn id="19" idx="7"/>
+            <a:endCxn id="20" idx="3"/>
+          </p:cNvCxnSpPr>
+          <p:nvPr/>
+        </p:nvCxnSpPr>
+        <p:spPr>
+          <a:xfrm flipV="1">
+            <a:off x="7496732" y="4533861"/>
+            <a:ext cx="697628" cy="1066239"/>
+          </a:xfrm>
+          <a:prstGeom prst="line">
+            <a:avLst/>
+          </a:prstGeom>
+          <a:ln w="38100">
+            <a:solidFill>
+              <a:schemeClr val="tx1"/>
+            </a:solidFill>
+          </a:ln>
+        </p:spPr>
+        <p:style>
+          <a:lnRef idx="1">
+            <a:schemeClr val="accent1"/>
+          </a:lnRef>
+          <a:fillRef idx="0">
+            <a:schemeClr val="accent1"/>
+          </a:fillRef>
+          <a:effectRef idx="0">
+            <a:schemeClr val="accent1"/>
+          </a:effectRef>
+          <a:fontRef idx="minor">
+            <a:schemeClr val="tx1"/>
+          </a:fontRef>
+        </p:style>
+      </p:cxnSp>
+      <p:cxnSp>
+        <p:nvCxnSpPr>
+          <p:cNvPr id="23" name="Gerader Verbinder 22"/>
+          <p:cNvCxnSpPr>
+            <a:stCxn id="21" idx="1"/>
+            <a:endCxn id="20" idx="5"/>
+          </p:cNvCxnSpPr>
+          <p:nvPr/>
+        </p:nvCxnSpPr>
+        <p:spPr>
+          <a:xfrm flipH="1" flipV="1">
+            <a:off x="8426626" y="4533861"/>
+            <a:ext cx="1686051" cy="1114343"/>
+          </a:xfrm>
+          <a:prstGeom prst="line">
+            <a:avLst/>
+          </a:prstGeom>
+          <a:ln w="38100">
+            <a:solidFill>
+              <a:schemeClr val="tx1"/>
+            </a:solidFill>
+          </a:ln>
+        </p:spPr>
+        <p:style>
+          <a:lnRef idx="1">
+            <a:schemeClr val="accent1"/>
+          </a:lnRef>
+          <a:fillRef idx="0">
+            <a:schemeClr val="accent1"/>
+          </a:fillRef>
+          <a:effectRef idx="0">
+            <a:schemeClr val="accent1"/>
+          </a:effectRef>
+          <a:fontRef idx="minor">
+            <a:schemeClr val="tx1"/>
+          </a:fontRef>
+        </p:style>
+      </p:cxnSp>
+      <p:cxnSp>
+        <p:nvCxnSpPr>
+          <p:cNvPr id="24" name="Gerader Verbinder 23"/>
+          <p:cNvCxnSpPr>
+            <a:stCxn id="21" idx="2"/>
+            <a:endCxn id="19" idx="6"/>
+          </p:cNvCxnSpPr>
+          <p:nvPr/>
+        </p:nvCxnSpPr>
+        <p:spPr>
+          <a:xfrm flipH="1" flipV="1">
+            <a:off x="7544836" y="5716233"/>
+            <a:ext cx="2519737" cy="48104"/>
+          </a:xfrm>
+          <a:prstGeom prst="line">
+            <a:avLst/>
+          </a:prstGeom>
+          <a:ln w="38100">
+            <a:solidFill>
+              <a:schemeClr val="tx1"/>
+            </a:solidFill>
+          </a:ln>
+        </p:spPr>
+        <p:style>
+          <a:lnRef idx="1">
+            <a:schemeClr val="accent1"/>
+          </a:lnRef>
+          <a:fillRef idx="0">
+            <a:schemeClr val="accent1"/>
+          </a:fillRef>
+          <a:effectRef idx="0">
+            <a:schemeClr val="accent1"/>
+          </a:effectRef>
+          <a:fontRef idx="minor">
+            <a:schemeClr val="tx1"/>
+          </a:fontRef>
+        </p:style>
+      </p:cxnSp>
+      <p:sp>
+        <p:nvSpPr>
+          <p:cNvPr id="25" name="Textfeld 24"/>
+          <p:cNvSpPr txBox="1"/>
+          <p:nvPr/>
+        </p:nvSpPr>
+        <p:spPr>
+          <a:xfrm>
+            <a:off x="7316698" y="4841586"/>
+            <a:ext cx="538930" cy="369332"/>
+          </a:xfrm>
+          <a:prstGeom prst="rect">
+            <a:avLst/>
+          </a:prstGeom>
+          <a:noFill/>
+        </p:spPr>
+        <p:txBody>
+          <a:bodyPr wrap="none" rtlCol="0">
+            <a:spAutoFit/>
+          </a:bodyPr>
+          <a:lstStyle/>
+          <a:p>
+            <a:r>
+              <a:rPr lang="en-US" dirty="0" smtClean="0"/>
+              <a:t>p=5</a:t>
+            </a:r>
+            <a:endParaRPr lang="en-US" dirty="0"/>
+          </a:p>
+        </p:txBody>
+      </p:sp>
+      <p:sp>
+        <p:nvSpPr>
+          <p:cNvPr id="26" name="Textfeld 25"/>
+          <p:cNvSpPr txBox="1"/>
+          <p:nvPr/>
+        </p:nvSpPr>
+        <p:spPr>
+          <a:xfrm>
+            <a:off x="9269651" y="4750733"/>
+            <a:ext cx="655949" cy="369332"/>
+          </a:xfrm>
+          <a:prstGeom prst="rect">
+            <a:avLst/>
+          </a:prstGeom>
+          <a:noFill/>
+        </p:spPr>
+        <p:txBody>
+          <a:bodyPr wrap="none" rtlCol="0">
+            <a:spAutoFit/>
+          </a:bodyPr>
+          <a:lstStyle/>
+          <a:p>
+            <a:r>
+              <a:rPr lang="en-US" dirty="0" smtClean="0"/>
+              <a:t>p=15</a:t>
+            </a:r>
+            <a:endParaRPr lang="en-US" dirty="0"/>
+          </a:p>
+        </p:txBody>
+      </p:sp>
+      <p:sp>
+        <p:nvSpPr>
+          <p:cNvPr id="27" name="Textfeld 26"/>
+          <p:cNvSpPr txBox="1"/>
+          <p:nvPr/>
+        </p:nvSpPr>
+        <p:spPr>
+          <a:xfrm>
+            <a:off x="8595470" y="5743908"/>
+            <a:ext cx="655949" cy="369332"/>
+          </a:xfrm>
+          <a:prstGeom prst="rect">
+            <a:avLst/>
+          </a:prstGeom>
+          <a:noFill/>
+        </p:spPr>
+        <p:txBody>
+          <a:bodyPr wrap="none" rtlCol="0">
+            <a:spAutoFit/>
+          </a:bodyPr>
+          <a:lstStyle/>
+          <a:p>
+            <a:r>
+              <a:rPr lang="en-US" dirty="0" smtClean="0"/>
+              <a:t>p=10</a:t>
+            </a:r>
+            <a:endParaRPr lang="en-US" dirty="0"/>
+          </a:p>
+        </p:txBody>
+      </p:sp>
+      <p:sp>
+        <p:nvSpPr>
+          <p:cNvPr id="28" name="Textfeld 27"/>
+          <p:cNvSpPr txBox="1"/>
+          <p:nvPr/>
+        </p:nvSpPr>
+        <p:spPr>
+          <a:xfrm>
+            <a:off x="6870878" y="5877188"/>
+            <a:ext cx="699230" cy="369332"/>
+          </a:xfrm>
+          <a:prstGeom prst="rect">
+            <a:avLst/>
+          </a:prstGeom>
+          <a:noFill/>
+        </p:spPr>
+        <p:txBody>
+          <a:bodyPr wrap="none" rtlCol="0">
+            <a:spAutoFit/>
+          </a:bodyPr>
+          <a:lstStyle/>
+          <a:p>
+            <a:r>
+              <a:rPr lang="en-US" dirty="0" smtClean="0"/>
+              <a:t>w=10</a:t>
+            </a:r>
+            <a:endParaRPr lang="en-US" dirty="0"/>
+          </a:p>
+        </p:txBody>
+      </p:sp>
+      <p:sp>
+        <p:nvSpPr>
+          <p:cNvPr id="29" name="Textfeld 28"/>
+          <p:cNvSpPr txBox="1"/>
+          <p:nvPr/>
+        </p:nvSpPr>
+        <p:spPr>
+          <a:xfrm>
+            <a:off x="7960878" y="3847710"/>
+            <a:ext cx="699230" cy="369332"/>
+          </a:xfrm>
+          <a:prstGeom prst="rect">
+            <a:avLst/>
+          </a:prstGeom>
+          <a:noFill/>
+        </p:spPr>
+        <p:txBody>
+          <a:bodyPr wrap="none" rtlCol="0">
+            <a:spAutoFit/>
+          </a:bodyPr>
+          <a:lstStyle/>
+          <a:p>
+            <a:r>
+              <a:rPr lang="en-US" dirty="0" smtClean="0"/>
+              <a:t>w=30</a:t>
+            </a:r>
+            <a:endParaRPr lang="en-US" dirty="0"/>
+          </a:p>
+        </p:txBody>
+      </p:sp>
+      <p:sp>
+        <p:nvSpPr>
+          <p:cNvPr id="30" name="Textfeld 29"/>
+          <p:cNvSpPr txBox="1"/>
+          <p:nvPr/>
+        </p:nvSpPr>
+        <p:spPr>
+          <a:xfrm>
+            <a:off x="10300891" y="5648204"/>
+            <a:ext cx="699230" cy="369332"/>
+          </a:xfrm>
+          <a:prstGeom prst="rect">
+            <a:avLst/>
+          </a:prstGeom>
+          <a:noFill/>
+        </p:spPr>
+        <p:txBody>
+          <a:bodyPr wrap="none" rtlCol="0">
+            <a:spAutoFit/>
+          </a:bodyPr>
+          <a:lstStyle/>
+          <a:p>
+            <a:r>
+              <a:rPr lang="en-US" dirty="0" smtClean="0"/>
+              <a:t>w=15</a:t>
+            </a:r>
+            <a:endParaRPr lang="en-US" dirty="0"/>
+          </a:p>
+        </p:txBody>
+      </p:sp>
+      <p:sp>
+        <p:nvSpPr>
+          <p:cNvPr id="31" name="Textfeld 30"/>
+          <p:cNvSpPr txBox="1"/>
+          <p:nvPr/>
+        </p:nvSpPr>
+        <p:spPr>
+          <a:xfrm>
+            <a:off x="6383945" y="4360530"/>
+            <a:ext cx="1093569" cy="646331"/>
+          </a:xfrm>
+          <a:prstGeom prst="rect">
+            <a:avLst/>
+          </a:prstGeom>
+          <a:noFill/>
+        </p:spPr>
+        <p:txBody>
+          <a:bodyPr wrap="none" rtlCol="0">
+            <a:spAutoFit/>
+          </a:bodyPr>
+          <a:lstStyle/>
+          <a:p>
+            <a:r>
+              <a:rPr lang="en-US" dirty="0"/>
+              <a:t>r(e12) = 2</a:t>
+            </a:r>
+            <a:endParaRPr lang="en-US" dirty="0" smtClean="0"/>
+          </a:p>
+          <a:p>
+            <a:pPr marL="0" lvl="1"/>
+            <a:r>
+              <a:rPr lang="en-US" dirty="0"/>
+              <a:t>r(e21) = </a:t>
+            </a:r>
+            <a:r>
+              <a:rPr lang="en-US" dirty="0" smtClean="0"/>
+              <a:t>6</a:t>
+            </a:r>
+            <a:endParaRPr lang="en-US" dirty="0"/>
+          </a:p>
+        </p:txBody>
+      </p:sp>
+      <p:sp>
+        <p:nvSpPr>
+          <p:cNvPr id="32" name="Textfeld 31"/>
+          <p:cNvSpPr txBox="1"/>
+          <p:nvPr/>
+        </p:nvSpPr>
+        <p:spPr>
+          <a:xfrm>
+            <a:off x="8257919" y="6061854"/>
+            <a:ext cx="1268296" cy="646331"/>
+          </a:xfrm>
+          <a:prstGeom prst="rect">
+            <a:avLst/>
+          </a:prstGeom>
+          <a:noFill/>
+        </p:spPr>
+        <p:txBody>
+          <a:bodyPr wrap="none" rtlCol="0">
+            <a:spAutoFit/>
+          </a:bodyPr>
+          <a:lstStyle/>
+          <a:p>
+            <a:r>
+              <a:rPr lang="en-US" b="1" dirty="0"/>
+              <a:t>r(e13) = </a:t>
+            </a:r>
+            <a:r>
+              <a:rPr lang="en-US" b="1" dirty="0" smtClean="0"/>
+              <a:t>1</a:t>
+            </a:r>
+          </a:p>
+          <a:p>
+            <a:pPr marL="0" lvl="1"/>
+            <a:r>
+              <a:rPr lang="en-US" b="1" dirty="0"/>
+              <a:t>r(e31) = </a:t>
+            </a:r>
+            <a:r>
+              <a:rPr lang="en-US" b="1" dirty="0" smtClean="0"/>
+              <a:t>1.5</a:t>
+            </a:r>
+            <a:endParaRPr lang="en-US" b="1" dirty="0"/>
+          </a:p>
+        </p:txBody>
+      </p:sp>
+      <p:sp>
+        <p:nvSpPr>
+          <p:cNvPr id="33" name="Textfeld 32"/>
+          <p:cNvSpPr txBox="1"/>
+          <p:nvPr/>
+        </p:nvSpPr>
+        <p:spPr>
+          <a:xfrm>
+            <a:off x="9744017" y="4382390"/>
+            <a:ext cx="1093569" cy="646331"/>
+          </a:xfrm>
+          <a:prstGeom prst="rect">
+            <a:avLst/>
+          </a:prstGeom>
+          <a:noFill/>
+        </p:spPr>
+        <p:txBody>
+          <a:bodyPr wrap="none" rtlCol="0">
+            <a:spAutoFit/>
+          </a:bodyPr>
+          <a:lstStyle/>
+          <a:p>
+            <a:r>
+              <a:rPr lang="en-US" dirty="0"/>
+              <a:t>r(e23) = </a:t>
+            </a:r>
+            <a:r>
+              <a:rPr lang="en-US" dirty="0" smtClean="0"/>
+              <a:t>2</a:t>
+            </a:r>
+          </a:p>
+          <a:p>
+            <a:pPr marL="0" lvl="1"/>
+            <a:r>
+              <a:rPr lang="en-US" b="1" dirty="0"/>
+              <a:t>r(e32) = 1</a:t>
+            </a:r>
+          </a:p>
+        </p:txBody>
+      </p:sp>
+      <p:sp>
+        <p:nvSpPr>
+          <p:cNvPr id="34" name="Pfeil nach unten 33"/>
+          <p:cNvSpPr/>
+          <p:nvPr/>
+        </p:nvSpPr>
+        <p:spPr>
+          <a:xfrm>
+            <a:off x="8535261" y="3299070"/>
+            <a:ext cx="574112" cy="639846"/>
+          </a:xfrm>
+          <a:prstGeom prst="downArrow">
+            <a:avLst/>
+          </a:prstGeom>
+          <a:solidFill>
+            <a:srgbClr val="0070C0"/>
+          </a:solidFill>
+        </p:spPr>
+        <p:style>
+          <a:lnRef idx="2">
+            <a:schemeClr val="accent1">
+              <a:shade val="50000"/>
+            </a:schemeClr>
+          </a:lnRef>
+          <a:fillRef idx="1">
+            <a:schemeClr val="accent1"/>
+          </a:fillRef>
+          <a:effectRef idx="0">
+            <a:schemeClr val="accent1"/>
+          </a:effectRef>
+          <a:fontRef idx="minor">
+            <a:schemeClr val="lt1"/>
+          </a:fontRef>
+        </p:style>
+        <p:txBody>
+          <a:bodyPr rtlCol="0" anchor="ctr"/>
+          <a:lstStyle/>
+          <a:p>
+            <a:pPr algn="ctr"/>
+            <a:endParaRPr lang="en-US"/>
+          </a:p>
+        </p:txBody>
+      </p:sp>
+    </p:spTree>
+    <p:extLst>
+      <p:ext uri="{BB962C8B-B14F-4D97-AF65-F5344CB8AC3E}">
+        <p14:creationId xmlns:p14="http://schemas.microsoft.com/office/powerpoint/2010/main" val="1641011994"/>
+      </p:ext>
+    </p:extLst>
+  </p:cSld>
+  <p:clrMapOvr>
+    <a:masterClrMapping/>
+  </p:clrMapOvr>
+  <p:timing>
+    <p:tnLst>
+      <p:par>
+        <p:cTn id="1" dur="indefinite" restart="never" nodeType="tmRoot"/>
+      </p:par>
+    </p:tnLst>
+  </p:timing>
+</p:sld>
+</file>
+
+<file path=ppt/slides/slide13.xml><?xml version="1.0" encoding="utf-8"?>
+<p:sld xmlns:a="http://schemas.openxmlformats.org/drawingml/2006/main" xmlns:r="http://schemas.openxmlformats.org/officeDocument/2006/relationships" xmlns:p="http://schemas.openxmlformats.org/presentationml/2006/main">
+  <p:cSld>
+    <p:spTree>
+      <p:nvGrpSpPr>
+        <p:cNvPr id="1" name=""/>
+        <p:cNvGrpSpPr/>
+        <p:nvPr/>
+      </p:nvGrpSpPr>
+      <p:grpSpPr>
+        <a:xfrm>
+          <a:off x="0" y="0"/>
+          <a:ext cx="0" cy="0"/>
+          <a:chOff x="0" y="0"/>
+          <a:chExt cx="0" cy="0"/>
+        </a:xfrm>
+      </p:grpSpPr>
+      <p:sp>
+        <p:nvSpPr>
+          <p:cNvPr id="2" name="Titel 1"/>
+          <p:cNvSpPr>
+            <a:spLocks noGrp="1"/>
+          </p:cNvSpPr>
+          <p:nvPr>
+            <p:ph type="title"/>
+          </p:nvPr>
+        </p:nvSpPr>
+        <p:spPr/>
+        <p:txBody>
+          <a:bodyPr/>
+          <a:lstStyle/>
+          <a:p>
+            <a:r>
+              <a:rPr lang="en-US" dirty="0" err="1"/>
+              <a:t>Testgraph</a:t>
+            </a:r>
+            <a:r>
+              <a:rPr lang="en-US" dirty="0"/>
+              <a:t> </a:t>
+            </a:r>
+            <a:r>
+              <a:rPr lang="en-US" dirty="0" smtClean="0"/>
+              <a:t>E2</a:t>
+            </a:r>
+            <a:endParaRPr lang="en-US" dirty="0"/>
+          </a:p>
+        </p:txBody>
+      </p:sp>
+      <p:sp>
+        <p:nvSpPr>
+          <p:cNvPr id="3" name="Inhaltsplatzhalter 2"/>
+          <p:cNvSpPr>
+            <a:spLocks noGrp="1"/>
+          </p:cNvSpPr>
+          <p:nvPr>
+            <p:ph idx="1"/>
+          </p:nvPr>
+        </p:nvSpPr>
+        <p:spPr/>
+        <p:txBody>
+          <a:bodyPr/>
+          <a:lstStyle/>
+          <a:p>
+            <a:r>
+              <a:rPr lang="en-US" smtClean="0"/>
+              <a:t>k=1.1</a:t>
+            </a:r>
+          </a:p>
+          <a:p>
+            <a:r>
+              <a:rPr lang="en-US" dirty="0" smtClean="0"/>
+              <a:t>This test case illustrates a situation where two links in a triangle have the same estimated remaining lifetime (e12 and e13)</a:t>
+            </a:r>
+            <a:endParaRPr lang="en-US" dirty="0"/>
+          </a:p>
+        </p:txBody>
+      </p:sp>
+      <p:sp>
+        <p:nvSpPr>
+          <p:cNvPr id="4" name="Ellipse 3"/>
+          <p:cNvSpPr/>
+          <p:nvPr/>
+        </p:nvSpPr>
+        <p:spPr>
+          <a:xfrm>
+            <a:off x="7301925" y="2144069"/>
+            <a:ext cx="328474" cy="328474"/>
+          </a:xfrm>
+          <a:prstGeom prst="ellipse">
+            <a:avLst/>
+          </a:prstGeom>
+          <a:solidFill>
+            <a:schemeClr val="tx1"/>
+          </a:solidFill>
+        </p:spPr>
+        <p:style>
+          <a:lnRef idx="2">
+            <a:schemeClr val="accent1">
+              <a:shade val="50000"/>
+            </a:schemeClr>
+          </a:lnRef>
+          <a:fillRef idx="1">
+            <a:schemeClr val="accent1"/>
+          </a:fillRef>
+          <a:effectRef idx="0">
+            <a:schemeClr val="accent1"/>
+          </a:effectRef>
+          <a:fontRef idx="minor">
+            <a:schemeClr val="lt1"/>
+          </a:fontRef>
+        </p:style>
+        <p:txBody>
+          <a:bodyPr rtlCol="0" anchor="ctr"/>
+          <a:lstStyle/>
+          <a:p>
+            <a:pPr algn="ctr"/>
+            <a:r>
+              <a:rPr lang="en-US" dirty="0" smtClean="0"/>
+              <a:t>1</a:t>
+            </a:r>
+            <a:endParaRPr lang="en-US" dirty="0"/>
+          </a:p>
+        </p:txBody>
+      </p:sp>
+      <p:sp>
+        <p:nvSpPr>
+          <p:cNvPr id="5" name="Ellipse 4"/>
+          <p:cNvSpPr/>
+          <p:nvPr/>
+        </p:nvSpPr>
+        <p:spPr>
+          <a:xfrm>
+            <a:off x="8231819" y="845564"/>
+            <a:ext cx="328474" cy="328474"/>
+          </a:xfrm>
+          <a:prstGeom prst="ellipse">
+            <a:avLst/>
+          </a:prstGeom>
+          <a:solidFill>
+            <a:schemeClr val="tx1"/>
+          </a:solidFill>
+        </p:spPr>
+        <p:style>
+          <a:lnRef idx="2">
+            <a:schemeClr val="accent1">
+              <a:shade val="50000"/>
+            </a:schemeClr>
+          </a:lnRef>
+          <a:fillRef idx="1">
+            <a:schemeClr val="accent1"/>
+          </a:fillRef>
+          <a:effectRef idx="0">
+            <a:schemeClr val="accent1"/>
+          </a:effectRef>
+          <a:fontRef idx="minor">
+            <a:schemeClr val="lt1"/>
+          </a:fontRef>
+        </p:style>
+        <p:txBody>
+          <a:bodyPr rtlCol="0" anchor="ctr"/>
+          <a:lstStyle/>
+          <a:p>
+            <a:pPr algn="ctr"/>
+            <a:r>
+              <a:rPr lang="en-US" dirty="0"/>
+              <a:t>2</a:t>
+            </a:r>
+          </a:p>
+        </p:txBody>
+      </p:sp>
+      <p:sp>
+        <p:nvSpPr>
+          <p:cNvPr id="6" name="Ellipse 5"/>
+          <p:cNvSpPr/>
+          <p:nvPr/>
+        </p:nvSpPr>
+        <p:spPr>
+          <a:xfrm>
+            <a:off x="10150136" y="2192173"/>
+            <a:ext cx="328474" cy="328474"/>
+          </a:xfrm>
+          <a:prstGeom prst="ellipse">
+            <a:avLst/>
+          </a:prstGeom>
+          <a:solidFill>
+            <a:schemeClr val="tx1"/>
+          </a:solidFill>
+        </p:spPr>
+        <p:style>
+          <a:lnRef idx="2">
+            <a:schemeClr val="accent1">
+              <a:shade val="50000"/>
+            </a:schemeClr>
+          </a:lnRef>
+          <a:fillRef idx="1">
+            <a:schemeClr val="accent1"/>
+          </a:fillRef>
+          <a:effectRef idx="0">
+            <a:schemeClr val="accent1"/>
+          </a:effectRef>
+          <a:fontRef idx="minor">
+            <a:schemeClr val="lt1"/>
+          </a:fontRef>
+        </p:style>
+        <p:txBody>
+          <a:bodyPr rtlCol="0" anchor="ctr"/>
+          <a:lstStyle/>
+          <a:p>
+            <a:pPr algn="ctr"/>
+            <a:r>
+              <a:rPr lang="en-US" dirty="0" smtClean="0"/>
+              <a:t>3</a:t>
+            </a:r>
+            <a:endParaRPr lang="en-US" dirty="0"/>
+          </a:p>
+        </p:txBody>
+      </p:sp>
+      <p:cxnSp>
+        <p:nvCxnSpPr>
+          <p:cNvPr id="7" name="Gerader Verbinder 6"/>
+          <p:cNvCxnSpPr>
+            <a:stCxn id="4" idx="7"/>
+            <a:endCxn id="5" idx="3"/>
+          </p:cNvCxnSpPr>
+          <p:nvPr/>
+        </p:nvCxnSpPr>
+        <p:spPr>
+          <a:xfrm flipV="1">
+            <a:off x="7582295" y="1125934"/>
+            <a:ext cx="697628" cy="1066239"/>
+          </a:xfrm>
+          <a:prstGeom prst="line">
+            <a:avLst/>
+          </a:prstGeom>
+          <a:ln w="38100">
+            <a:solidFill>
+              <a:schemeClr val="tx1"/>
+            </a:solidFill>
+          </a:ln>
+        </p:spPr>
+        <p:style>
+          <a:lnRef idx="1">
+            <a:schemeClr val="accent1"/>
+          </a:lnRef>
+          <a:fillRef idx="0">
+            <a:schemeClr val="accent1"/>
+          </a:fillRef>
+          <a:effectRef idx="0">
+            <a:schemeClr val="accent1"/>
+          </a:effectRef>
+          <a:fontRef idx="minor">
+            <a:schemeClr val="tx1"/>
+          </a:fontRef>
+        </p:style>
+      </p:cxnSp>
+      <p:cxnSp>
+        <p:nvCxnSpPr>
+          <p:cNvPr id="8" name="Gerader Verbinder 7"/>
+          <p:cNvCxnSpPr>
+            <a:stCxn id="6" idx="1"/>
+            <a:endCxn id="5" idx="5"/>
+          </p:cNvCxnSpPr>
+          <p:nvPr/>
+        </p:nvCxnSpPr>
+        <p:spPr>
+          <a:xfrm flipH="1" flipV="1">
+            <a:off x="8512189" y="1125934"/>
+            <a:ext cx="1686051" cy="1114343"/>
+          </a:xfrm>
+          <a:prstGeom prst="line">
+            <a:avLst/>
+          </a:prstGeom>
+          <a:ln w="38100">
+            <a:solidFill>
+              <a:schemeClr val="tx1"/>
+            </a:solidFill>
+          </a:ln>
+        </p:spPr>
+        <p:style>
+          <a:lnRef idx="1">
+            <a:schemeClr val="accent1"/>
+          </a:lnRef>
+          <a:fillRef idx="0">
+            <a:schemeClr val="accent1"/>
+          </a:fillRef>
+          <a:effectRef idx="0">
+            <a:schemeClr val="accent1"/>
+          </a:effectRef>
+          <a:fontRef idx="minor">
+            <a:schemeClr val="tx1"/>
+          </a:fontRef>
+        </p:style>
+      </p:cxnSp>
+      <p:cxnSp>
+        <p:nvCxnSpPr>
+          <p:cNvPr id="9" name="Gerader Verbinder 8"/>
+          <p:cNvCxnSpPr>
+            <a:stCxn id="6" idx="2"/>
+            <a:endCxn id="4" idx="6"/>
+          </p:cNvCxnSpPr>
+          <p:nvPr/>
+        </p:nvCxnSpPr>
+        <p:spPr>
+          <a:xfrm flipH="1" flipV="1">
+            <a:off x="7630399" y="2308306"/>
+            <a:ext cx="2519737" cy="48104"/>
+          </a:xfrm>
+          <a:prstGeom prst="line">
+            <a:avLst/>
+          </a:prstGeom>
+          <a:ln w="38100">
+            <a:solidFill>
+              <a:schemeClr val="tx1"/>
+            </a:solidFill>
+          </a:ln>
+        </p:spPr>
+        <p:style>
+          <a:lnRef idx="1">
+            <a:schemeClr val="accent1"/>
+          </a:lnRef>
+          <a:fillRef idx="0">
+            <a:schemeClr val="accent1"/>
+          </a:fillRef>
+          <a:effectRef idx="0">
+            <a:schemeClr val="accent1"/>
+          </a:effectRef>
+          <a:fontRef idx="minor">
+            <a:schemeClr val="tx1"/>
+          </a:fontRef>
+        </p:style>
+      </p:cxnSp>
+      <p:sp>
+        <p:nvSpPr>
+          <p:cNvPr id="10" name="Textfeld 9"/>
+          <p:cNvSpPr txBox="1"/>
+          <p:nvPr/>
+        </p:nvSpPr>
+        <p:spPr>
+          <a:xfrm>
             <a:off x="7543860" y="1390910"/>
             <a:ext cx="418704" cy="369332"/>
           </a:xfrm>
@@ -6612,7 +7427,6 @@
               <a:rPr lang="en-US" dirty="0" smtClean="0"/>
               <a:t>1</a:t>
             </a:r>
-            <a:endParaRPr lang="en-US" dirty="0" smtClean="0"/>
           </a:p>
           <a:p>
             <a:pPr marL="0" lvl="1"/>

--- a/de.tudarmstadt.maki.modeling.jvlc/instances/testgraphs.pptx
+++ b/de.tudarmstadt.maki.modeling.jvlc/instances/testgraphs.pptx
@@ -291,7 +291,7 @@
           <a:p>
             <a:fld id="{AA2F2A37-85DD-45B9-AC18-C6701B3AEA4C}" type="datetimeFigureOut">
               <a:rPr lang="en-US" smtClean="0"/>
-              <a:t>4/26/2016</a:t>
+              <a:t>6/23/2016</a:t>
             </a:fld>
             <a:endParaRPr lang="en-US"/>
           </a:p>
@@ -544,7 +544,7 @@
           <a:p>
             <a:fld id="{AA2F2A37-85DD-45B9-AC18-C6701B3AEA4C}" type="datetimeFigureOut">
               <a:rPr lang="en-US" smtClean="0"/>
-              <a:t>4/26/2016</a:t>
+              <a:t>6/23/2016</a:t>
             </a:fld>
             <a:endParaRPr lang="en-US"/>
           </a:p>
@@ -714,7 +714,7 @@
           <a:p>
             <a:fld id="{AA2F2A37-85DD-45B9-AC18-C6701B3AEA4C}" type="datetimeFigureOut">
               <a:rPr lang="en-US" smtClean="0"/>
-              <a:t>4/26/2016</a:t>
+              <a:t>6/23/2016</a:t>
             </a:fld>
             <a:endParaRPr lang="en-US"/>
           </a:p>
@@ -894,7 +894,7 @@
           <a:p>
             <a:fld id="{AA2F2A37-85DD-45B9-AC18-C6701B3AEA4C}" type="datetimeFigureOut">
               <a:rPr lang="en-US" smtClean="0"/>
-              <a:t>4/26/2016</a:t>
+              <a:t>6/23/2016</a:t>
             </a:fld>
             <a:endParaRPr lang="en-US"/>
           </a:p>
@@ -1064,7 +1064,7 @@
           <a:p>
             <a:fld id="{AA2F2A37-85DD-45B9-AC18-C6701B3AEA4C}" type="datetimeFigureOut">
               <a:rPr lang="en-US" smtClean="0"/>
-              <a:t>4/26/2016</a:t>
+              <a:t>6/23/2016</a:t>
             </a:fld>
             <a:endParaRPr lang="en-US"/>
           </a:p>
@@ -1253,7 +1253,7 @@
           <a:p>
             <a:fld id="{AA2F2A37-85DD-45B9-AC18-C6701B3AEA4C}" type="datetimeFigureOut">
               <a:rPr lang="en-US" smtClean="0"/>
-              <a:t>4/26/2016</a:t>
+              <a:t>6/23/2016</a:t>
             </a:fld>
             <a:endParaRPr lang="en-US"/>
           </a:p>
@@ -1506,7 +1506,7 @@
           <a:p>
             <a:fld id="{AA2F2A37-85DD-45B9-AC18-C6701B3AEA4C}" type="datetimeFigureOut">
               <a:rPr lang="en-US" smtClean="0"/>
-              <a:t>4/26/2016</a:t>
+              <a:t>6/23/2016</a:t>
             </a:fld>
             <a:endParaRPr lang="en-US"/>
           </a:p>
@@ -1738,7 +1738,7 @@
           <a:p>
             <a:fld id="{AA2F2A37-85DD-45B9-AC18-C6701B3AEA4C}" type="datetimeFigureOut">
               <a:rPr lang="en-US" smtClean="0"/>
-              <a:t>4/26/2016</a:t>
+              <a:t>6/23/2016</a:t>
             </a:fld>
             <a:endParaRPr lang="en-US"/>
           </a:p>
@@ -2105,7 +2105,7 @@
           <a:p>
             <a:fld id="{AA2F2A37-85DD-45B9-AC18-C6701B3AEA4C}" type="datetimeFigureOut">
               <a:rPr lang="en-US" smtClean="0"/>
-              <a:t>4/26/2016</a:t>
+              <a:t>6/23/2016</a:t>
             </a:fld>
             <a:endParaRPr lang="en-US"/>
           </a:p>
@@ -2223,7 +2223,7 @@
           <a:p>
             <a:fld id="{AA2F2A37-85DD-45B9-AC18-C6701B3AEA4C}" type="datetimeFigureOut">
               <a:rPr lang="en-US" smtClean="0"/>
-              <a:t>4/26/2016</a:t>
+              <a:t>6/23/2016</a:t>
             </a:fld>
             <a:endParaRPr lang="en-US"/>
           </a:p>
@@ -2325,7 +2325,7 @@
           <a:p>
             <a:fld id="{AA2F2A37-85DD-45B9-AC18-C6701B3AEA4C}" type="datetimeFigureOut">
               <a:rPr lang="en-US" smtClean="0"/>
-              <a:t>4/26/2016</a:t>
+              <a:t>6/23/2016</a:t>
             </a:fld>
             <a:endParaRPr lang="en-US"/>
           </a:p>
@@ -2602,7 +2602,7 @@
           <a:p>
             <a:fld id="{AA2F2A37-85DD-45B9-AC18-C6701B3AEA4C}" type="datetimeFigureOut">
               <a:rPr lang="en-US" smtClean="0"/>
-              <a:t>4/26/2016</a:t>
+              <a:t>6/23/2016</a:t>
             </a:fld>
             <a:endParaRPr lang="en-US"/>
           </a:p>
@@ -2815,7 +2815,7 @@
           <a:p>
             <a:fld id="{AA2F2A37-85DD-45B9-AC18-C6701B3AEA4C}" type="datetimeFigureOut">
               <a:rPr lang="en-US" smtClean="0"/>
-              <a:t>4/26/2016</a:t>
+              <a:t>6/23/2016</a:t>
             </a:fld>
             <a:endParaRPr lang="en-US"/>
           </a:p>
@@ -4072,6 +4072,10 @@
           <a:bodyPr/>
           <a:lstStyle/>
           <a:p>
+            <a:r>
+              <a:rPr lang="en-US" smtClean="0"/>
+              <a:t>k=1.1</a:t>
+            </a:r>
             <a:endParaRPr lang="en-US"/>
           </a:p>
         </p:txBody>
@@ -4084,7 +4088,7 @@
         </p:nvSpPr>
         <p:spPr>
           <a:xfrm>
-            <a:off x="7391400" y="3956000"/>
+            <a:off x="7391400" y="2115373"/>
             <a:ext cx="328474" cy="328474"/>
           </a:xfrm>
           <a:prstGeom prst="ellipse">
@@ -4136,7 +4140,7 @@
         </p:nvSpPr>
         <p:spPr>
           <a:xfrm>
-            <a:off x="8052039" y="3202841"/>
+            <a:off x="8052039" y="1362214"/>
             <a:ext cx="328474" cy="328474"/>
           </a:xfrm>
           <a:prstGeom prst="ellipse">
@@ -4187,7 +4191,7 @@
         </p:nvSpPr>
         <p:spPr>
           <a:xfrm>
-            <a:off x="8641319" y="3912661"/>
+            <a:off x="8641319" y="2072034"/>
             <a:ext cx="328474" cy="328474"/>
           </a:xfrm>
           <a:prstGeom prst="ellipse">
@@ -4239,7 +4243,7 @@
         </p:nvSpPr>
         <p:spPr>
           <a:xfrm>
-            <a:off x="7935906" y="4671631"/>
+            <a:off x="7935906" y="2831004"/>
             <a:ext cx="328474" cy="328474"/>
           </a:xfrm>
           <a:prstGeom prst="ellipse">
@@ -4290,7 +4294,7 @@
         </p:nvSpPr>
         <p:spPr>
           <a:xfrm>
-            <a:off x="6884267" y="4835868"/>
+            <a:off x="6884267" y="2995241"/>
             <a:ext cx="328474" cy="328474"/>
           </a:xfrm>
           <a:prstGeom prst="ellipse">
@@ -4345,7 +4349,7 @@
         </p:nvCxnSpPr>
         <p:spPr>
           <a:xfrm flipV="1">
-            <a:off x="7212741" y="4835868"/>
+            <a:off x="7212741" y="2995241"/>
             <a:ext cx="723165" cy="164237"/>
           </a:xfrm>
           <a:prstGeom prst="line">
@@ -4383,7 +4387,7 @@
         </p:nvCxnSpPr>
         <p:spPr>
           <a:xfrm flipH="1">
-            <a:off x="7164637" y="4236370"/>
+            <a:off x="7164637" y="2395743"/>
             <a:ext cx="274867" cy="647602"/>
           </a:xfrm>
           <a:prstGeom prst="line">
@@ -4421,7 +4425,7 @@
         </p:nvCxnSpPr>
         <p:spPr>
           <a:xfrm flipV="1">
-            <a:off x="8100143" y="3960765"/>
+            <a:off x="8100143" y="2120138"/>
             <a:ext cx="589280" cy="710866"/>
           </a:xfrm>
           <a:prstGeom prst="line">
@@ -4459,7 +4463,7 @@
         </p:nvCxnSpPr>
         <p:spPr>
           <a:xfrm flipH="1" flipV="1">
-            <a:off x="7671770" y="4236370"/>
+            <a:off x="7671770" y="2395743"/>
             <a:ext cx="428373" cy="435261"/>
           </a:xfrm>
           <a:prstGeom prst="line">
@@ -4497,7 +4501,7 @@
         </p:nvCxnSpPr>
         <p:spPr>
           <a:xfrm flipH="1" flipV="1">
-            <a:off x="8332409" y="3483211"/>
+            <a:off x="8332409" y="1642584"/>
             <a:ext cx="357014" cy="477554"/>
           </a:xfrm>
           <a:prstGeom prst="line">
@@ -4535,7 +4539,7 @@
         </p:nvCxnSpPr>
         <p:spPr>
           <a:xfrm flipH="1">
-            <a:off x="7555637" y="3483211"/>
+            <a:off x="7555637" y="1642584"/>
             <a:ext cx="544506" cy="472789"/>
           </a:xfrm>
           <a:prstGeom prst="line">
@@ -4573,7 +4577,7 @@
         </p:nvCxnSpPr>
         <p:spPr>
           <a:xfrm flipH="1">
-            <a:off x="7719874" y="4076898"/>
+            <a:off x="7719874" y="2236271"/>
             <a:ext cx="921445" cy="43339"/>
           </a:xfrm>
           <a:prstGeom prst="line">
@@ -4608,7 +4612,7 @@
         </p:nvSpPr>
         <p:spPr>
           <a:xfrm>
-            <a:off x="6852104" y="4350403"/>
+            <a:off x="6852104" y="2509776"/>
             <a:ext cx="418704" cy="369332"/>
           </a:xfrm>
           <a:prstGeom prst="rect">
@@ -4638,7 +4642,7 @@
         </p:nvSpPr>
         <p:spPr>
           <a:xfrm>
-            <a:off x="7449466" y="4853693"/>
+            <a:off x="7449466" y="3013066"/>
             <a:ext cx="418704" cy="369332"/>
           </a:xfrm>
           <a:prstGeom prst="rect">
@@ -4668,7 +4672,7 @@
         </p:nvSpPr>
         <p:spPr>
           <a:xfrm>
-            <a:off x="8319164" y="4316198"/>
+            <a:off x="8319164" y="2475571"/>
             <a:ext cx="418704" cy="369332"/>
           </a:xfrm>
           <a:prstGeom prst="rect">
@@ -4698,7 +4702,7 @@
         </p:nvSpPr>
         <p:spPr>
           <a:xfrm>
-            <a:off x="7486470" y="4279302"/>
+            <a:off x="7486470" y="2438675"/>
             <a:ext cx="418704" cy="369332"/>
           </a:xfrm>
           <a:prstGeom prst="rect">
@@ -4728,7 +4732,7 @@
         </p:nvSpPr>
         <p:spPr>
           <a:xfrm>
-            <a:off x="7942245" y="3759818"/>
+            <a:off x="7942245" y="1919191"/>
             <a:ext cx="418704" cy="369332"/>
           </a:xfrm>
           <a:prstGeom prst="rect">
@@ -4758,7 +4762,7 @@
         </p:nvSpPr>
         <p:spPr>
           <a:xfrm>
-            <a:off x="8462259" y="3413359"/>
+            <a:off x="8462259" y="1572732"/>
             <a:ext cx="418704" cy="369332"/>
           </a:xfrm>
           <a:prstGeom prst="rect">
@@ -4788,7 +4792,744 @@
         </p:nvSpPr>
         <p:spPr>
           <a:xfrm>
-            <a:off x="7472886" y="3431869"/>
+            <a:off x="7472886" y="1591242"/>
+            <a:ext cx="418704" cy="369332"/>
+          </a:xfrm>
+          <a:prstGeom prst="rect">
+            <a:avLst/>
+          </a:prstGeom>
+          <a:noFill/>
+        </p:spPr>
+        <p:txBody>
+          <a:bodyPr wrap="none" rtlCol="0">
+            <a:spAutoFit/>
+          </a:bodyPr>
+          <a:lstStyle/>
+          <a:p>
+            <a:r>
+              <a:rPr lang="en-US" smtClean="0"/>
+              <a:t>15</a:t>
+            </a:r>
+            <a:endParaRPr lang="en-US" dirty="0"/>
+          </a:p>
+        </p:txBody>
+      </p:sp>
+      <p:sp>
+        <p:nvSpPr>
+          <p:cNvPr id="23" name="Ellipse 22"/>
+          <p:cNvSpPr/>
+          <p:nvPr/>
+        </p:nvSpPr>
+        <p:spPr>
+          <a:xfrm>
+            <a:off x="7420867" y="4380254"/>
+            <a:ext cx="328474" cy="328474"/>
+          </a:xfrm>
+          <a:prstGeom prst="ellipse">
+            <a:avLst/>
+          </a:prstGeom>
+          <a:solidFill>
+            <a:schemeClr val="tx1"/>
+          </a:solidFill>
+          <a:ln>
+            <a:solidFill>
+              <a:schemeClr val="tx1"/>
+            </a:solidFill>
+          </a:ln>
+        </p:spPr>
+        <p:style>
+          <a:lnRef idx="2">
+            <a:schemeClr val="accent1">
+              <a:shade val="50000"/>
+            </a:schemeClr>
+          </a:lnRef>
+          <a:fillRef idx="1">
+            <a:schemeClr val="accent1"/>
+          </a:fillRef>
+          <a:effectRef idx="0">
+            <a:schemeClr val="accent1"/>
+          </a:effectRef>
+          <a:fontRef idx="minor">
+            <a:schemeClr val="lt1"/>
+          </a:fontRef>
+        </p:style>
+        <p:txBody>
+          <a:bodyPr rtlCol="0" anchor="ctr"/>
+          <a:lstStyle/>
+          <a:p>
+            <a:pPr algn="ctr"/>
+            <a:r>
+              <a:rPr lang="en-US" dirty="0" smtClean="0"/>
+              <a:t>1</a:t>
+            </a:r>
+            <a:endParaRPr lang="en-US" dirty="0"/>
+          </a:p>
+        </p:txBody>
+      </p:sp>
+      <p:sp>
+        <p:nvSpPr>
+          <p:cNvPr id="24" name="Ellipse 23"/>
+          <p:cNvSpPr/>
+          <p:nvPr/>
+        </p:nvSpPr>
+        <p:spPr>
+          <a:xfrm>
+            <a:off x="8081506" y="3627095"/>
+            <a:ext cx="328474" cy="328474"/>
+          </a:xfrm>
+          <a:prstGeom prst="ellipse">
+            <a:avLst/>
+          </a:prstGeom>
+          <a:solidFill>
+            <a:schemeClr val="tx1"/>
+          </a:solidFill>
+          <a:ln>
+            <a:solidFill>
+              <a:schemeClr val="tx1"/>
+            </a:solidFill>
+          </a:ln>
+        </p:spPr>
+        <p:style>
+          <a:lnRef idx="2">
+            <a:schemeClr val="accent1">
+              <a:shade val="50000"/>
+            </a:schemeClr>
+          </a:lnRef>
+          <a:fillRef idx="1">
+            <a:schemeClr val="accent1"/>
+          </a:fillRef>
+          <a:effectRef idx="0">
+            <a:schemeClr val="accent1"/>
+          </a:effectRef>
+          <a:fontRef idx="minor">
+            <a:schemeClr val="lt1"/>
+          </a:fontRef>
+        </p:style>
+        <p:txBody>
+          <a:bodyPr rtlCol="0" anchor="ctr"/>
+          <a:lstStyle/>
+          <a:p>
+            <a:pPr algn="ctr"/>
+            <a:r>
+              <a:rPr lang="en-US" dirty="0"/>
+              <a:t>2</a:t>
+            </a:r>
+          </a:p>
+        </p:txBody>
+      </p:sp>
+      <p:sp>
+        <p:nvSpPr>
+          <p:cNvPr id="26" name="Ellipse 25"/>
+          <p:cNvSpPr/>
+          <p:nvPr/>
+        </p:nvSpPr>
+        <p:spPr>
+          <a:xfrm>
+            <a:off x="8670786" y="4336915"/>
+            <a:ext cx="328474" cy="328474"/>
+          </a:xfrm>
+          <a:prstGeom prst="ellipse">
+            <a:avLst/>
+          </a:prstGeom>
+          <a:solidFill>
+            <a:schemeClr val="tx1"/>
+          </a:solidFill>
+          <a:ln>
+            <a:solidFill>
+              <a:schemeClr val="tx1"/>
+            </a:solidFill>
+          </a:ln>
+        </p:spPr>
+        <p:style>
+          <a:lnRef idx="2">
+            <a:schemeClr val="accent1">
+              <a:shade val="50000"/>
+            </a:schemeClr>
+          </a:lnRef>
+          <a:fillRef idx="1">
+            <a:schemeClr val="accent1"/>
+          </a:fillRef>
+          <a:effectRef idx="0">
+            <a:schemeClr val="accent1"/>
+          </a:effectRef>
+          <a:fontRef idx="minor">
+            <a:schemeClr val="lt1"/>
+          </a:fontRef>
+        </p:style>
+        <p:txBody>
+          <a:bodyPr rtlCol="0" anchor="ctr"/>
+          <a:lstStyle/>
+          <a:p>
+            <a:pPr algn="ctr"/>
+            <a:r>
+              <a:rPr lang="en-US" dirty="0" smtClean="0"/>
+              <a:t>3</a:t>
+            </a:r>
+            <a:endParaRPr lang="en-US" dirty="0"/>
+          </a:p>
+        </p:txBody>
+      </p:sp>
+      <p:sp>
+        <p:nvSpPr>
+          <p:cNvPr id="27" name="Ellipse 26"/>
+          <p:cNvSpPr/>
+          <p:nvPr/>
+        </p:nvSpPr>
+        <p:spPr>
+          <a:xfrm>
+            <a:off x="7965373" y="5095885"/>
+            <a:ext cx="328474" cy="328474"/>
+          </a:xfrm>
+          <a:prstGeom prst="ellipse">
+            <a:avLst/>
+          </a:prstGeom>
+          <a:solidFill>
+            <a:schemeClr val="tx1"/>
+          </a:solidFill>
+          <a:ln>
+            <a:solidFill>
+              <a:schemeClr val="tx1"/>
+            </a:solidFill>
+          </a:ln>
+        </p:spPr>
+        <p:style>
+          <a:lnRef idx="2">
+            <a:schemeClr val="accent1">
+              <a:shade val="50000"/>
+            </a:schemeClr>
+          </a:lnRef>
+          <a:fillRef idx="1">
+            <a:schemeClr val="accent1"/>
+          </a:fillRef>
+          <a:effectRef idx="0">
+            <a:schemeClr val="accent1"/>
+          </a:effectRef>
+          <a:fontRef idx="minor">
+            <a:schemeClr val="lt1"/>
+          </a:fontRef>
+        </p:style>
+        <p:txBody>
+          <a:bodyPr rtlCol="0" anchor="ctr"/>
+          <a:lstStyle/>
+          <a:p>
+            <a:pPr algn="ctr"/>
+            <a:r>
+              <a:rPr lang="en-US" dirty="0"/>
+              <a:t>4</a:t>
+            </a:r>
+          </a:p>
+        </p:txBody>
+      </p:sp>
+      <p:sp>
+        <p:nvSpPr>
+          <p:cNvPr id="29" name="Ellipse 28"/>
+          <p:cNvSpPr/>
+          <p:nvPr/>
+        </p:nvSpPr>
+        <p:spPr>
+          <a:xfrm>
+            <a:off x="6913734" y="5260122"/>
+            <a:ext cx="328474" cy="328474"/>
+          </a:xfrm>
+          <a:prstGeom prst="ellipse">
+            <a:avLst/>
+          </a:prstGeom>
+          <a:solidFill>
+            <a:schemeClr val="tx1"/>
+          </a:solidFill>
+          <a:ln>
+            <a:solidFill>
+              <a:schemeClr val="tx1"/>
+            </a:solidFill>
+          </a:ln>
+        </p:spPr>
+        <p:style>
+          <a:lnRef idx="2">
+            <a:schemeClr val="accent1">
+              <a:shade val="50000"/>
+            </a:schemeClr>
+          </a:lnRef>
+          <a:fillRef idx="1">
+            <a:schemeClr val="accent1"/>
+          </a:fillRef>
+          <a:effectRef idx="0">
+            <a:schemeClr val="accent1"/>
+          </a:effectRef>
+          <a:fontRef idx="minor">
+            <a:schemeClr val="lt1"/>
+          </a:fontRef>
+        </p:style>
+        <p:txBody>
+          <a:bodyPr rtlCol="0" anchor="ctr"/>
+          <a:lstStyle/>
+          <a:p>
+            <a:pPr algn="ctr"/>
+            <a:r>
+              <a:rPr lang="en-US" dirty="0" smtClean="0"/>
+              <a:t>5</a:t>
+            </a:r>
+            <a:endParaRPr lang="en-US" dirty="0"/>
+          </a:p>
+        </p:txBody>
+      </p:sp>
+      <p:cxnSp>
+        <p:nvCxnSpPr>
+          <p:cNvPr id="30" name="Gerader Verbinder 29"/>
+          <p:cNvCxnSpPr>
+            <a:stCxn id="29" idx="6"/>
+            <a:endCxn id="27" idx="2"/>
+          </p:cNvCxnSpPr>
+          <p:nvPr/>
+        </p:nvCxnSpPr>
+        <p:spPr>
+          <a:xfrm flipV="1">
+            <a:off x="7242208" y="5260122"/>
+            <a:ext cx="723165" cy="164237"/>
+          </a:xfrm>
+          <a:prstGeom prst="line">
+            <a:avLst/>
+          </a:prstGeom>
+          <a:ln w="38100">
+            <a:solidFill>
+              <a:schemeClr val="tx1"/>
+            </a:solidFill>
+          </a:ln>
+        </p:spPr>
+        <p:style>
+          <a:lnRef idx="1">
+            <a:schemeClr val="accent1"/>
+          </a:lnRef>
+          <a:fillRef idx="0">
+            <a:schemeClr val="accent1"/>
+          </a:fillRef>
+          <a:effectRef idx="0">
+            <a:schemeClr val="accent1"/>
+          </a:effectRef>
+          <a:fontRef idx="minor">
+            <a:schemeClr val="tx1"/>
+          </a:fontRef>
+        </p:style>
+      </p:cxnSp>
+      <p:cxnSp>
+        <p:nvCxnSpPr>
+          <p:cNvPr id="31" name="Gerader Verbinder 30"/>
+          <p:cNvCxnSpPr>
+            <a:stCxn id="23" idx="3"/>
+            <a:endCxn id="29" idx="7"/>
+          </p:cNvCxnSpPr>
+          <p:nvPr/>
+        </p:nvCxnSpPr>
+        <p:spPr>
+          <a:xfrm flipH="1">
+            <a:off x="7194104" y="4660624"/>
+            <a:ext cx="274867" cy="647602"/>
+          </a:xfrm>
+          <a:prstGeom prst="line">
+            <a:avLst/>
+          </a:prstGeom>
+          <a:ln w="38100">
+            <a:solidFill>
+              <a:schemeClr val="tx1"/>
+            </a:solidFill>
+            <a:prstDash val="sysDot"/>
+          </a:ln>
+        </p:spPr>
+        <p:style>
+          <a:lnRef idx="1">
+            <a:schemeClr val="accent1"/>
+          </a:lnRef>
+          <a:fillRef idx="0">
+            <a:schemeClr val="accent1"/>
+          </a:fillRef>
+          <a:effectRef idx="0">
+            <a:schemeClr val="accent1"/>
+          </a:effectRef>
+          <a:fontRef idx="minor">
+            <a:schemeClr val="tx1"/>
+          </a:fontRef>
+        </p:style>
+      </p:cxnSp>
+      <p:cxnSp>
+        <p:nvCxnSpPr>
+          <p:cNvPr id="32" name="Gerader Verbinder 31"/>
+          <p:cNvCxnSpPr>
+            <a:stCxn id="27" idx="0"/>
+            <a:endCxn id="26" idx="1"/>
+          </p:cNvCxnSpPr>
+          <p:nvPr/>
+        </p:nvCxnSpPr>
+        <p:spPr>
+          <a:xfrm flipV="1">
+            <a:off x="8129610" y="4385019"/>
+            <a:ext cx="589280" cy="710866"/>
+          </a:xfrm>
+          <a:prstGeom prst="line">
+            <a:avLst/>
+          </a:prstGeom>
+          <a:ln w="38100">
+            <a:solidFill>
+              <a:schemeClr val="tx1"/>
+            </a:solidFill>
+          </a:ln>
+        </p:spPr>
+        <p:style>
+          <a:lnRef idx="1">
+            <a:schemeClr val="accent1"/>
+          </a:lnRef>
+          <a:fillRef idx="0">
+            <a:schemeClr val="accent1"/>
+          </a:fillRef>
+          <a:effectRef idx="0">
+            <a:schemeClr val="accent1"/>
+          </a:effectRef>
+          <a:fontRef idx="minor">
+            <a:schemeClr val="tx1"/>
+          </a:fontRef>
+        </p:style>
+      </p:cxnSp>
+      <p:cxnSp>
+        <p:nvCxnSpPr>
+          <p:cNvPr id="33" name="Gerader Verbinder 32"/>
+          <p:cNvCxnSpPr>
+            <a:stCxn id="27" idx="0"/>
+            <a:endCxn id="23" idx="5"/>
+          </p:cNvCxnSpPr>
+          <p:nvPr/>
+        </p:nvCxnSpPr>
+        <p:spPr>
+          <a:xfrm flipH="1" flipV="1">
+            <a:off x="7701237" y="4660624"/>
+            <a:ext cx="428373" cy="435261"/>
+          </a:xfrm>
+          <a:prstGeom prst="line">
+            <a:avLst/>
+          </a:prstGeom>
+          <a:ln w="38100">
+            <a:solidFill>
+              <a:schemeClr val="tx1"/>
+            </a:solidFill>
+            <a:prstDash val="sysDot"/>
+          </a:ln>
+        </p:spPr>
+        <p:style>
+          <a:lnRef idx="1">
+            <a:schemeClr val="accent1"/>
+          </a:lnRef>
+          <a:fillRef idx="0">
+            <a:schemeClr val="accent1"/>
+          </a:fillRef>
+          <a:effectRef idx="0">
+            <a:schemeClr val="accent1"/>
+          </a:effectRef>
+          <a:fontRef idx="minor">
+            <a:schemeClr val="tx1"/>
+          </a:fontRef>
+        </p:style>
+      </p:cxnSp>
+      <p:cxnSp>
+        <p:nvCxnSpPr>
+          <p:cNvPr id="34" name="Gerader Verbinder 33"/>
+          <p:cNvCxnSpPr>
+            <a:stCxn id="26" idx="1"/>
+            <a:endCxn id="24" idx="5"/>
+          </p:cNvCxnSpPr>
+          <p:nvPr/>
+        </p:nvCxnSpPr>
+        <p:spPr>
+          <a:xfrm flipH="1" flipV="1">
+            <a:off x="8361876" y="3907465"/>
+            <a:ext cx="357014" cy="477554"/>
+          </a:xfrm>
+          <a:prstGeom prst="line">
+            <a:avLst/>
+          </a:prstGeom>
+          <a:ln w="38100">
+            <a:solidFill>
+              <a:schemeClr val="tx1"/>
+            </a:solidFill>
+          </a:ln>
+        </p:spPr>
+        <p:style>
+          <a:lnRef idx="1">
+            <a:schemeClr val="accent1"/>
+          </a:lnRef>
+          <a:fillRef idx="0">
+            <a:schemeClr val="accent1"/>
+          </a:fillRef>
+          <a:effectRef idx="0">
+            <a:schemeClr val="accent1"/>
+          </a:effectRef>
+          <a:fontRef idx="minor">
+            <a:schemeClr val="tx1"/>
+          </a:fontRef>
+        </p:style>
+      </p:cxnSp>
+      <p:cxnSp>
+        <p:nvCxnSpPr>
+          <p:cNvPr id="35" name="Gerader Verbinder 34"/>
+          <p:cNvCxnSpPr>
+            <a:stCxn id="24" idx="3"/>
+            <a:endCxn id="23" idx="0"/>
+          </p:cNvCxnSpPr>
+          <p:nvPr/>
+        </p:nvCxnSpPr>
+        <p:spPr>
+          <a:xfrm flipH="1">
+            <a:off x="7585104" y="3907465"/>
+            <a:ext cx="544506" cy="472789"/>
+          </a:xfrm>
+          <a:prstGeom prst="line">
+            <a:avLst/>
+          </a:prstGeom>
+          <a:ln w="38100">
+            <a:solidFill>
+              <a:schemeClr val="tx1"/>
+            </a:solidFill>
+          </a:ln>
+        </p:spPr>
+        <p:style>
+          <a:lnRef idx="1">
+            <a:schemeClr val="accent1"/>
+          </a:lnRef>
+          <a:fillRef idx="0">
+            <a:schemeClr val="accent1"/>
+          </a:fillRef>
+          <a:effectRef idx="0">
+            <a:schemeClr val="accent1"/>
+          </a:effectRef>
+          <a:fontRef idx="minor">
+            <a:schemeClr val="tx1"/>
+          </a:fontRef>
+        </p:style>
+      </p:cxnSp>
+      <p:cxnSp>
+        <p:nvCxnSpPr>
+          <p:cNvPr id="36" name="Gerader Verbinder 35"/>
+          <p:cNvCxnSpPr>
+            <a:stCxn id="26" idx="2"/>
+            <a:endCxn id="23" idx="6"/>
+          </p:cNvCxnSpPr>
+          <p:nvPr/>
+        </p:nvCxnSpPr>
+        <p:spPr>
+          <a:xfrm flipH="1">
+            <a:off x="7749341" y="4501152"/>
+            <a:ext cx="921445" cy="43339"/>
+          </a:xfrm>
+          <a:prstGeom prst="line">
+            <a:avLst/>
+          </a:prstGeom>
+          <a:ln w="38100">
+            <a:solidFill>
+              <a:schemeClr val="tx1"/>
+            </a:solidFill>
+            <a:prstDash val="sysDot"/>
+          </a:ln>
+        </p:spPr>
+        <p:style>
+          <a:lnRef idx="1">
+            <a:schemeClr val="accent1"/>
+          </a:lnRef>
+          <a:fillRef idx="0">
+            <a:schemeClr val="accent1"/>
+          </a:fillRef>
+          <a:effectRef idx="0">
+            <a:schemeClr val="accent1"/>
+          </a:effectRef>
+          <a:fontRef idx="minor">
+            <a:schemeClr val="tx1"/>
+          </a:fontRef>
+        </p:style>
+      </p:cxnSp>
+      <p:sp>
+        <p:nvSpPr>
+          <p:cNvPr id="37" name="Textfeld 36"/>
+          <p:cNvSpPr txBox="1"/>
+          <p:nvPr/>
+        </p:nvSpPr>
+        <p:spPr>
+          <a:xfrm>
+            <a:off x="6881571" y="4774657"/>
+            <a:ext cx="418704" cy="369332"/>
+          </a:xfrm>
+          <a:prstGeom prst="rect">
+            <a:avLst/>
+          </a:prstGeom>
+          <a:noFill/>
+        </p:spPr>
+        <p:txBody>
+          <a:bodyPr wrap="none" rtlCol="0">
+            <a:spAutoFit/>
+          </a:bodyPr>
+          <a:lstStyle/>
+          <a:p>
+            <a:r>
+              <a:rPr lang="en-US" dirty="0" smtClean="0"/>
+              <a:t>30</a:t>
+            </a:r>
+            <a:endParaRPr lang="en-US" dirty="0"/>
+          </a:p>
+        </p:txBody>
+      </p:sp>
+      <p:sp>
+        <p:nvSpPr>
+          <p:cNvPr id="38" name="Textfeld 37"/>
+          <p:cNvSpPr txBox="1"/>
+          <p:nvPr/>
+        </p:nvSpPr>
+        <p:spPr>
+          <a:xfrm>
+            <a:off x="7478933" y="5277947"/>
+            <a:ext cx="418704" cy="369332"/>
+          </a:xfrm>
+          <a:prstGeom prst="rect">
+            <a:avLst/>
+          </a:prstGeom>
+          <a:noFill/>
+        </p:spPr>
+        <p:txBody>
+          <a:bodyPr wrap="none" rtlCol="0">
+            <a:spAutoFit/>
+          </a:bodyPr>
+          <a:lstStyle/>
+          <a:p>
+            <a:r>
+              <a:rPr lang="en-US" smtClean="0"/>
+              <a:t>27</a:t>
+            </a:r>
+            <a:endParaRPr lang="en-US" dirty="0"/>
+          </a:p>
+        </p:txBody>
+      </p:sp>
+      <p:sp>
+        <p:nvSpPr>
+          <p:cNvPr id="39" name="Textfeld 38"/>
+          <p:cNvSpPr txBox="1"/>
+          <p:nvPr/>
+        </p:nvSpPr>
+        <p:spPr>
+          <a:xfrm>
+            <a:off x="8348631" y="4740452"/>
+            <a:ext cx="418704" cy="369332"/>
+          </a:xfrm>
+          <a:prstGeom prst="rect">
+            <a:avLst/>
+          </a:prstGeom>
+          <a:noFill/>
+        </p:spPr>
+        <p:txBody>
+          <a:bodyPr wrap="none" rtlCol="0">
+            <a:spAutoFit/>
+          </a:bodyPr>
+          <a:lstStyle/>
+          <a:p>
+            <a:r>
+              <a:rPr lang="en-US" smtClean="0"/>
+              <a:t>22</a:t>
+            </a:r>
+            <a:endParaRPr lang="en-US" dirty="0"/>
+          </a:p>
+        </p:txBody>
+      </p:sp>
+      <p:sp>
+        <p:nvSpPr>
+          <p:cNvPr id="40" name="Textfeld 39"/>
+          <p:cNvSpPr txBox="1"/>
+          <p:nvPr/>
+        </p:nvSpPr>
+        <p:spPr>
+          <a:xfrm>
+            <a:off x="7515937" y="4703556"/>
+            <a:ext cx="418704" cy="369332"/>
+          </a:xfrm>
+          <a:prstGeom prst="rect">
+            <a:avLst/>
+          </a:prstGeom>
+          <a:noFill/>
+        </p:spPr>
+        <p:txBody>
+          <a:bodyPr wrap="none" rtlCol="0">
+            <a:spAutoFit/>
+          </a:bodyPr>
+          <a:lstStyle/>
+          <a:p>
+            <a:r>
+              <a:rPr lang="en-US" smtClean="0"/>
+              <a:t>25</a:t>
+            </a:r>
+            <a:endParaRPr lang="en-US" dirty="0"/>
+          </a:p>
+        </p:txBody>
+      </p:sp>
+      <p:sp>
+        <p:nvSpPr>
+          <p:cNvPr id="41" name="Textfeld 40"/>
+          <p:cNvSpPr txBox="1"/>
+          <p:nvPr/>
+        </p:nvSpPr>
+        <p:spPr>
+          <a:xfrm>
+            <a:off x="7971712" y="4184072"/>
+            <a:ext cx="418704" cy="369332"/>
+          </a:xfrm>
+          <a:prstGeom prst="rect">
+            <a:avLst/>
+          </a:prstGeom>
+          <a:noFill/>
+        </p:spPr>
+        <p:txBody>
+          <a:bodyPr wrap="none" rtlCol="0">
+            <a:spAutoFit/>
+          </a:bodyPr>
+          <a:lstStyle/>
+          <a:p>
+            <a:r>
+              <a:rPr lang="en-US" smtClean="0"/>
+              <a:t>20</a:t>
+            </a:r>
+            <a:endParaRPr lang="en-US" dirty="0"/>
+          </a:p>
+        </p:txBody>
+      </p:sp>
+      <p:sp>
+        <p:nvSpPr>
+          <p:cNvPr id="42" name="Textfeld 41"/>
+          <p:cNvSpPr txBox="1"/>
+          <p:nvPr/>
+        </p:nvSpPr>
+        <p:spPr>
+          <a:xfrm>
+            <a:off x="8491726" y="3837613"/>
+            <a:ext cx="418704" cy="369332"/>
+          </a:xfrm>
+          <a:prstGeom prst="rect">
+            <a:avLst/>
+          </a:prstGeom>
+          <a:noFill/>
+        </p:spPr>
+        <p:txBody>
+          <a:bodyPr wrap="none" rtlCol="0">
+            <a:spAutoFit/>
+          </a:bodyPr>
+          <a:lstStyle/>
+          <a:p>
+            <a:r>
+              <a:rPr lang="en-US" smtClean="0"/>
+              <a:t>17</a:t>
+            </a:r>
+            <a:endParaRPr lang="en-US" dirty="0"/>
+          </a:p>
+        </p:txBody>
+      </p:sp>
+      <p:sp>
+        <p:nvSpPr>
+          <p:cNvPr id="43" name="Textfeld 42"/>
+          <p:cNvSpPr txBox="1"/>
+          <p:nvPr/>
+        </p:nvSpPr>
+        <p:spPr>
+          <a:xfrm>
+            <a:off x="7502353" y="3856123"/>
             <a:ext cx="418704" cy="369332"/>
           </a:xfrm>
           <a:prstGeom prst="rect">
